--- a/学习笔记/边缘计算/AWSIoT.pptx
+++ b/学习笔记/边缘计算/AWSIoT.pptx
@@ -6,8 +6,13 @@
   </p:sldMasterIdLst>
   <p:sldIdLst>
     <p:sldId id="256" r:id="rId2"/>
-    <p:sldId id="258" r:id="rId3"/>
-    <p:sldId id="257" r:id="rId4"/>
+    <p:sldId id="257" r:id="rId3"/>
+    <p:sldId id="258" r:id="rId4"/>
+    <p:sldId id="259" r:id="rId5"/>
+    <p:sldId id="260" r:id="rId6"/>
+    <p:sldId id="261" r:id="rId7"/>
+    <p:sldId id="263" r:id="rId8"/>
+    <p:sldId id="262" r:id="rId9"/>
   </p:sldIdLst>
   <p:sldSz cx="12192000" cy="6858000"/>
   <p:notesSz cx="6858000" cy="9144000"/>
@@ -3346,7 +3351,7 @@
           <a:p>
             <a:r>
               <a:rPr lang="en-US" altLang="zh-CN" dirty="0"/>
-              <a:t>AWS IoT</a:t>
+              <a:t>AWS IoT Greengrass</a:t>
             </a:r>
             <a:endParaRPr lang="zh-CN" altLang="en-US" dirty="0"/>
           </a:p>
@@ -3379,7 +3384,7 @@
             </a:r>
             <a:r>
               <a:rPr lang="zh-CN" altLang="en-US" dirty="0"/>
-              <a:t>物联网框架</a:t>
+              <a:t>物联网框架中的边缘服务框架</a:t>
             </a:r>
           </a:p>
         </p:txBody>
@@ -3419,7 +3424,7 @@
           <p:cNvPr id="2" name="标题 1">
             <a:extLst>
               <a:ext uri="{FF2B5EF4-FFF2-40B4-BE49-F238E27FC236}">
-                <a16:creationId xmlns:a16="http://schemas.microsoft.com/office/drawing/2014/main" id="{EAF7F926-2BBC-425D-BEED-7A3637CB455A}"/>
+                <a16:creationId xmlns:a16="http://schemas.microsoft.com/office/drawing/2014/main" id="{D35C1B4B-1C88-4B17-8041-99B3462F14DD}"/>
               </a:ext>
             </a:extLst>
           </p:cNvPr>
@@ -3435,39 +3440,116 @@
           <a:bodyPr/>
           <a:lstStyle/>
           <a:p>
+            <a:r>
+              <a:rPr lang="en-US" altLang="zh-CN" dirty="0"/>
+              <a:t>AWS IoT</a:t>
+            </a:r>
+            <a:r>
+              <a:rPr lang="zh-CN" altLang="en-US" dirty="0"/>
+              <a:t>整体架构</a:t>
+            </a:r>
+          </a:p>
+        </p:txBody>
+      </p:sp>
+      <p:sp>
+        <p:nvSpPr>
+          <p:cNvPr id="3" name="内容占位符 2">
+            <a:extLst>
+              <a:ext uri="{FF2B5EF4-FFF2-40B4-BE49-F238E27FC236}">
+                <a16:creationId xmlns:a16="http://schemas.microsoft.com/office/drawing/2014/main" id="{64D3B5F1-D27B-421D-820C-DC7A1EF276F7}"/>
+              </a:ext>
+            </a:extLst>
+          </p:cNvPr>
+          <p:cNvSpPr>
+            <a:spLocks noGrp="1"/>
+          </p:cNvSpPr>
+          <p:nvPr>
+            <p:ph idx="1"/>
+          </p:nvPr>
+        </p:nvSpPr>
+        <p:spPr/>
+        <p:txBody>
+          <a:bodyPr/>
+          <a:lstStyle/>
+          <a:p>
+            <a:r>
+              <a:rPr lang="zh-CN" altLang="en-US" dirty="0"/>
+              <a:t>联网并控制终端设备</a:t>
+            </a:r>
+            <a:endParaRPr lang="en-US" altLang="zh-CN" dirty="0"/>
+          </a:p>
+          <a:p>
+            <a:pPr lvl="1"/>
+            <a:r>
+              <a:rPr lang="zh-CN" altLang="en-US" dirty="0"/>
+              <a:t>设备发送当前状态</a:t>
+            </a:r>
+            <a:endParaRPr lang="en-US" altLang="zh-CN" dirty="0"/>
+          </a:p>
+          <a:p>
+            <a:pPr lvl="1"/>
+            <a:r>
+              <a:rPr lang="zh-CN" altLang="en-US" dirty="0"/>
+              <a:t>云端更新</a:t>
+            </a:r>
+            <a:r>
+              <a:rPr lang="en-US" altLang="zh-CN" dirty="0"/>
+              <a:t>Device Shadow</a:t>
+            </a:r>
+          </a:p>
+          <a:p>
+            <a:pPr lvl="1"/>
+            <a:r>
+              <a:rPr lang="zh-CN" altLang="en-US" dirty="0"/>
+              <a:t>应用程序修改设备状态</a:t>
+            </a:r>
+            <a:endParaRPr lang="en-US" altLang="zh-CN" dirty="0"/>
+          </a:p>
+          <a:p>
             <a:endParaRPr lang="zh-CN" altLang="en-US" dirty="0"/>
           </a:p>
         </p:txBody>
       </p:sp>
-      <p:sp>
-        <p:nvSpPr>
-          <p:cNvPr id="3" name="文本占位符 2">
-            <a:extLst>
-              <a:ext uri="{FF2B5EF4-FFF2-40B4-BE49-F238E27FC236}">
-                <a16:creationId xmlns:a16="http://schemas.microsoft.com/office/drawing/2014/main" id="{6646E789-342E-4743-A74F-063F9771B810}"/>
-              </a:ext>
-            </a:extLst>
-          </p:cNvPr>
-          <p:cNvSpPr>
-            <a:spLocks noGrp="1"/>
-          </p:cNvSpPr>
-          <p:nvPr>
-            <p:ph type="body" idx="1"/>
-          </p:nvPr>
-        </p:nvSpPr>
-        <p:spPr/>
-        <p:txBody>
-          <a:bodyPr/>
-          <a:lstStyle/>
-          <a:p>
-            <a:endParaRPr lang="zh-CN" altLang="en-US"/>
-          </a:p>
-        </p:txBody>
-      </p:sp>
+      <p:pic>
+        <p:nvPicPr>
+          <p:cNvPr id="5" name="图片 4">
+            <a:extLst>
+              <a:ext uri="{FF2B5EF4-FFF2-40B4-BE49-F238E27FC236}">
+                <a16:creationId xmlns:a16="http://schemas.microsoft.com/office/drawing/2014/main" id="{48BCF24C-BE4D-435A-9F42-575D1E2C52CE}"/>
+              </a:ext>
+            </a:extLst>
+          </p:cNvPr>
+          <p:cNvPicPr>
+            <a:picLocks noChangeAspect="1"/>
+          </p:cNvPicPr>
+          <p:nvPr/>
+        </p:nvPicPr>
+        <p:blipFill>
+          <a:blip r:embed="rId2">
+            <a:extLst>
+              <a:ext uri="{28A0092B-C50C-407E-A947-70E740481C1C}">
+                <a14:useLocalDpi xmlns:a14="http://schemas.microsoft.com/office/drawing/2010/main" val="0"/>
+              </a:ext>
+            </a:extLst>
+          </a:blip>
+          <a:stretch>
+            <a:fillRect/>
+          </a:stretch>
+        </p:blipFill>
+        <p:spPr>
+          <a:xfrm>
+            <a:off x="4881880" y="3102797"/>
+            <a:ext cx="7310120" cy="3209103"/>
+          </a:xfrm>
+          <a:prstGeom prst="rect">
+            <a:avLst/>
+          </a:prstGeom>
+        </p:spPr>
+      </p:pic>
     </p:spTree>
     <p:extLst>
       <p:ext uri="{BB962C8B-B14F-4D97-AF65-F5344CB8AC3E}">
-        <p14:creationId xmlns:p14="http://schemas.microsoft.com/office/powerpoint/2010/main" val="1809641207"/>
+        <p14:creationId xmlns:p14="http://schemas.microsoft.com/office/powerpoint/2010/main" val="2022267472"/>
       </p:ext>
     </p:extLst>
   </p:cSld>
@@ -3499,7 +3581,7 @@
           <p:cNvPr id="2" name="标题 1">
             <a:extLst>
               <a:ext uri="{FF2B5EF4-FFF2-40B4-BE49-F238E27FC236}">
-                <a16:creationId xmlns:a16="http://schemas.microsoft.com/office/drawing/2014/main" id="{D35C1B4B-1C88-4B17-8041-99B3462F14DD}"/>
+                <a16:creationId xmlns:a16="http://schemas.microsoft.com/office/drawing/2014/main" id="{5B69920C-550E-4159-ACAE-52C9B2B9B797}"/>
               </a:ext>
             </a:extLst>
           </p:cNvPr>
@@ -3515,7 +3597,19 @@
           <a:bodyPr/>
           <a:lstStyle/>
           <a:p>
-            <a:endParaRPr lang="zh-CN" altLang="en-US"/>
+            <a:r>
+              <a:rPr lang="en-US" altLang="zh-CN" dirty="0"/>
+              <a:t>AWS IoT</a:t>
+            </a:r>
+            <a:r>
+              <a:rPr lang="zh-CN" altLang="en-US" dirty="0"/>
+              <a:t>的云端：</a:t>
+            </a:r>
+            <a:r>
+              <a:rPr lang="en-US" altLang="zh-CN" dirty="0"/>
+              <a:t>AWS IoT Core</a:t>
+            </a:r>
+            <a:endParaRPr lang="zh-CN" altLang="en-US" dirty="0"/>
           </a:p>
         </p:txBody>
       </p:sp>
@@ -3524,7 +3618,7 @@
           <p:cNvPr id="3" name="内容占位符 2">
             <a:extLst>
               <a:ext uri="{FF2B5EF4-FFF2-40B4-BE49-F238E27FC236}">
-                <a16:creationId xmlns:a16="http://schemas.microsoft.com/office/drawing/2014/main" id="{64D3B5F1-D27B-421D-820C-DC7A1EF276F7}"/>
+                <a16:creationId xmlns:a16="http://schemas.microsoft.com/office/drawing/2014/main" id="{E2D9736D-0FF3-4D91-875E-ECFEDF29E199}"/>
               </a:ext>
             </a:extLst>
           </p:cNvPr>
@@ -3540,14 +3634,1267 @@
           <a:bodyPr/>
           <a:lstStyle/>
           <a:p>
-            <a:endParaRPr lang="zh-CN" altLang="en-US"/>
+            <a:r>
+              <a:rPr lang="zh-CN" altLang="en-US" dirty="0"/>
+              <a:t>支持使用</a:t>
+            </a:r>
+            <a:r>
+              <a:rPr lang="en-US" altLang="zh-CN" dirty="0"/>
+              <a:t>HTTP</a:t>
+            </a:r>
+            <a:r>
+              <a:rPr lang="zh-CN" altLang="en-US" dirty="0"/>
+              <a:t>、</a:t>
+            </a:r>
+            <a:r>
+              <a:rPr lang="en-US" altLang="zh-CN" dirty="0" err="1"/>
+              <a:t>WebSockets</a:t>
+            </a:r>
+            <a:r>
+              <a:rPr lang="en-US" altLang="zh-CN" dirty="0"/>
+              <a:t> </a:t>
+            </a:r>
+            <a:r>
+              <a:rPr lang="zh-CN" altLang="en-US" dirty="0"/>
+              <a:t>和 </a:t>
+            </a:r>
+            <a:r>
+              <a:rPr lang="en-US" altLang="zh-CN" dirty="0"/>
+              <a:t>MQTT</a:t>
+            </a:r>
+            <a:r>
+              <a:rPr lang="zh-CN" altLang="en-US" dirty="0"/>
+              <a:t>等协议上传设备状态</a:t>
+            </a:r>
+            <a:endParaRPr lang="en-US" altLang="zh-CN" dirty="0"/>
+          </a:p>
+          <a:p>
+            <a:r>
+              <a:rPr lang="zh-CN" altLang="en-US" dirty="0"/>
+              <a:t>设备身份验证</a:t>
+            </a:r>
+            <a:endParaRPr lang="en-US" altLang="zh-CN" dirty="0"/>
+          </a:p>
+          <a:p>
+            <a:r>
+              <a:rPr lang="zh-CN" altLang="en-US" dirty="0"/>
+              <a:t>端到端加密</a:t>
+            </a:r>
+            <a:endParaRPr lang="en-US" altLang="zh-CN" dirty="0"/>
+          </a:p>
+          <a:p>
+            <a:r>
+              <a:rPr lang="zh-CN" altLang="en-US" dirty="0"/>
+              <a:t>与</a:t>
+            </a:r>
+            <a:r>
+              <a:rPr lang="en-US" altLang="zh-CN" dirty="0"/>
+              <a:t>AWS Lambda</a:t>
+            </a:r>
+            <a:r>
+              <a:rPr lang="zh-CN" altLang="en-US" dirty="0"/>
+              <a:t>、</a:t>
+            </a:r>
+            <a:r>
+              <a:rPr lang="en-US" altLang="zh-CN" dirty="0"/>
+              <a:t>Amazon Kinesis</a:t>
+            </a:r>
+            <a:r>
+              <a:rPr lang="zh-CN" altLang="en-US" dirty="0"/>
+              <a:t>、</a:t>
+            </a:r>
+            <a:r>
+              <a:rPr lang="en-US" altLang="zh-CN" dirty="0"/>
+              <a:t>Amazon S3</a:t>
+            </a:r>
+            <a:r>
+              <a:rPr lang="zh-CN" altLang="en-US" dirty="0"/>
+              <a:t>、</a:t>
+            </a:r>
+            <a:r>
+              <a:rPr lang="en-US" altLang="zh-CN" dirty="0"/>
+              <a:t>Amazon DynamoDB</a:t>
+            </a:r>
+            <a:r>
+              <a:rPr lang="zh-CN" altLang="en-US" dirty="0"/>
+              <a:t>、</a:t>
+            </a:r>
+            <a:r>
+              <a:rPr lang="en-US" altLang="zh-CN" dirty="0"/>
+              <a:t>Amazon CloudWatch </a:t>
+            </a:r>
+            <a:r>
+              <a:rPr lang="zh-CN" altLang="en-US" dirty="0"/>
+              <a:t>和 </a:t>
+            </a:r>
+            <a:r>
+              <a:rPr lang="en-US" altLang="zh-CN" dirty="0"/>
+              <a:t>Amazon Elasticsearch Service </a:t>
+            </a:r>
+            <a:r>
+              <a:rPr lang="zh-CN" altLang="en-US" dirty="0"/>
+              <a:t>等 </a:t>
+            </a:r>
+            <a:r>
+              <a:rPr lang="en-US" altLang="zh-CN" dirty="0"/>
+              <a:t>AWS </a:t>
+            </a:r>
+            <a:r>
+              <a:rPr lang="zh-CN" altLang="en-US" dirty="0"/>
+              <a:t>服务整合</a:t>
+            </a:r>
           </a:p>
         </p:txBody>
       </p:sp>
     </p:spTree>
     <p:extLst>
       <p:ext uri="{BB962C8B-B14F-4D97-AF65-F5344CB8AC3E}">
-        <p14:creationId xmlns:p14="http://schemas.microsoft.com/office/powerpoint/2010/main" val="2022267472"/>
+        <p14:creationId xmlns:p14="http://schemas.microsoft.com/office/powerpoint/2010/main" val="4018637121"/>
+      </p:ext>
+    </p:extLst>
+  </p:cSld>
+  <p:clrMapOvr>
+    <a:masterClrMapping/>
+  </p:clrMapOvr>
+</p:sld>
+</file>
+
+<file path=ppt/slides/slide4.xml><?xml version="1.0" encoding="utf-8"?>
+<p:sld xmlns:a="http://schemas.openxmlformats.org/drawingml/2006/main" xmlns:r="http://schemas.openxmlformats.org/officeDocument/2006/relationships" xmlns:p="http://schemas.openxmlformats.org/presentationml/2006/main">
+  <p:cSld>
+    <p:spTree>
+      <p:nvGrpSpPr>
+        <p:cNvPr id="1" name=""/>
+        <p:cNvGrpSpPr/>
+        <p:nvPr/>
+      </p:nvGrpSpPr>
+      <p:grpSpPr>
+        <a:xfrm>
+          <a:off x="0" y="0"/>
+          <a:ext cx="0" cy="0"/>
+          <a:chOff x="0" y="0"/>
+          <a:chExt cx="0" cy="0"/>
+        </a:xfrm>
+      </p:grpSpPr>
+      <p:sp>
+        <p:nvSpPr>
+          <p:cNvPr id="2" name="标题 1">
+            <a:extLst>
+              <a:ext uri="{FF2B5EF4-FFF2-40B4-BE49-F238E27FC236}">
+                <a16:creationId xmlns:a16="http://schemas.microsoft.com/office/drawing/2014/main" id="{B3F4E779-859A-4AB0-B907-83AC57B6707A}"/>
+              </a:ext>
+            </a:extLst>
+          </p:cNvPr>
+          <p:cNvSpPr>
+            <a:spLocks noGrp="1"/>
+          </p:cNvSpPr>
+          <p:nvPr>
+            <p:ph type="title"/>
+          </p:nvPr>
+        </p:nvSpPr>
+        <p:spPr/>
+        <p:txBody>
+          <a:bodyPr/>
+          <a:lstStyle/>
+          <a:p>
+            <a:r>
+              <a:rPr lang="en-US" altLang="zh-CN" dirty="0"/>
+              <a:t>AWS IoT</a:t>
+            </a:r>
+            <a:r>
+              <a:rPr lang="zh-CN" altLang="en-US" dirty="0"/>
+              <a:t>的终端：</a:t>
+            </a:r>
+            <a:r>
+              <a:rPr lang="en-US" altLang="zh-CN" dirty="0"/>
+              <a:t>AWS IoT Device SDK</a:t>
+            </a:r>
+            <a:endParaRPr lang="zh-CN" altLang="en-US" dirty="0"/>
+          </a:p>
+        </p:txBody>
+      </p:sp>
+      <p:sp>
+        <p:nvSpPr>
+          <p:cNvPr id="3" name="内容占位符 2">
+            <a:extLst>
+              <a:ext uri="{FF2B5EF4-FFF2-40B4-BE49-F238E27FC236}">
+                <a16:creationId xmlns:a16="http://schemas.microsoft.com/office/drawing/2014/main" id="{17050143-1896-4AAA-8EF2-8838B42B3712}"/>
+              </a:ext>
+            </a:extLst>
+          </p:cNvPr>
+          <p:cNvSpPr>
+            <a:spLocks noGrp="1"/>
+          </p:cNvSpPr>
+          <p:nvPr>
+            <p:ph idx="1"/>
+          </p:nvPr>
+        </p:nvSpPr>
+        <p:spPr/>
+        <p:txBody>
+          <a:bodyPr/>
+          <a:lstStyle/>
+          <a:p>
+            <a:r>
+              <a:rPr lang="zh-CN" altLang="en-US" dirty="0"/>
+              <a:t>用于开发</a:t>
+            </a:r>
+            <a:r>
+              <a:rPr lang="en-US" altLang="zh-CN" dirty="0"/>
+              <a:t>AWS IoT </a:t>
+            </a:r>
+            <a:r>
+              <a:rPr lang="zh-CN" altLang="en-US" dirty="0"/>
+              <a:t>终端设备</a:t>
+            </a:r>
+            <a:endParaRPr lang="en-US" altLang="zh-CN" dirty="0"/>
+          </a:p>
+          <a:p>
+            <a:r>
+              <a:rPr lang="zh-CN" altLang="en-US" dirty="0"/>
+              <a:t>包含一系列与</a:t>
+            </a:r>
+            <a:r>
+              <a:rPr lang="en-US" altLang="zh-CN" dirty="0"/>
+              <a:t>AWS IoT Core</a:t>
+            </a:r>
+            <a:r>
+              <a:rPr lang="zh-CN" altLang="en-US" dirty="0"/>
+              <a:t>通信的库</a:t>
+            </a:r>
+            <a:endParaRPr lang="en-US" altLang="zh-CN" dirty="0"/>
+          </a:p>
+          <a:p>
+            <a:pPr lvl="1"/>
+            <a:r>
+              <a:rPr lang="zh-CN" altLang="en-US" dirty="0"/>
+              <a:t>上报设备状态</a:t>
+            </a:r>
+            <a:endParaRPr lang="en-US" altLang="zh-CN" dirty="0"/>
+          </a:p>
+          <a:p>
+            <a:pPr lvl="1"/>
+            <a:r>
+              <a:rPr lang="zh-CN" altLang="en-US" dirty="0"/>
+              <a:t>接收控制信息</a:t>
+            </a:r>
+            <a:endParaRPr lang="en-US" altLang="zh-CN" dirty="0"/>
+          </a:p>
+          <a:p>
+            <a:pPr lvl="1"/>
+            <a:r>
+              <a:rPr lang="en-US" altLang="zh-CN" dirty="0"/>
+              <a:t>…</a:t>
+            </a:r>
+            <a:r>
+              <a:rPr lang="zh-CN" altLang="en-US" dirty="0"/>
+              <a:t> </a:t>
+            </a:r>
+            <a:r>
+              <a:rPr lang="en-US" altLang="zh-CN" dirty="0"/>
+              <a:t>…</a:t>
+            </a:r>
+          </a:p>
+          <a:p>
+            <a:r>
+              <a:rPr lang="zh-CN" altLang="en-US" dirty="0"/>
+              <a:t>支持多种语言</a:t>
+            </a:r>
+          </a:p>
+        </p:txBody>
+      </p:sp>
+    </p:spTree>
+    <p:extLst>
+      <p:ext uri="{BB962C8B-B14F-4D97-AF65-F5344CB8AC3E}">
+        <p14:creationId xmlns:p14="http://schemas.microsoft.com/office/powerpoint/2010/main" val="249981417"/>
+      </p:ext>
+    </p:extLst>
+  </p:cSld>
+  <p:clrMapOvr>
+    <a:masterClrMapping/>
+  </p:clrMapOvr>
+</p:sld>
+</file>
+
+<file path=ppt/slides/slide5.xml><?xml version="1.0" encoding="utf-8"?>
+<p:sld xmlns:a="http://schemas.openxmlformats.org/drawingml/2006/main" xmlns:r="http://schemas.openxmlformats.org/officeDocument/2006/relationships" xmlns:p="http://schemas.openxmlformats.org/presentationml/2006/main">
+  <p:cSld>
+    <p:spTree>
+      <p:nvGrpSpPr>
+        <p:cNvPr id="1" name=""/>
+        <p:cNvGrpSpPr/>
+        <p:nvPr/>
+      </p:nvGrpSpPr>
+      <p:grpSpPr>
+        <a:xfrm>
+          <a:off x="0" y="0"/>
+          <a:ext cx="0" cy="0"/>
+          <a:chOff x="0" y="0"/>
+          <a:chExt cx="0" cy="0"/>
+        </a:xfrm>
+      </p:grpSpPr>
+      <p:sp>
+        <p:nvSpPr>
+          <p:cNvPr id="2" name="标题 1">
+            <a:extLst>
+              <a:ext uri="{FF2B5EF4-FFF2-40B4-BE49-F238E27FC236}">
+                <a16:creationId xmlns:a16="http://schemas.microsoft.com/office/drawing/2014/main" id="{0C395089-3669-4781-B754-F947E10A2843}"/>
+              </a:ext>
+            </a:extLst>
+          </p:cNvPr>
+          <p:cNvSpPr>
+            <a:spLocks noGrp="1"/>
+          </p:cNvSpPr>
+          <p:nvPr>
+            <p:ph type="title"/>
+          </p:nvPr>
+        </p:nvSpPr>
+        <p:spPr/>
+        <p:txBody>
+          <a:bodyPr/>
+          <a:lstStyle/>
+          <a:p>
+            <a:r>
+              <a:rPr lang="en-US" altLang="zh-CN" dirty="0"/>
+              <a:t>AWS IoT</a:t>
+            </a:r>
+            <a:r>
+              <a:rPr lang="zh-CN" altLang="en-US" dirty="0"/>
+              <a:t>的边缘端：</a:t>
+            </a:r>
+            <a:r>
+              <a:rPr lang="en-US" altLang="zh-CN" dirty="0"/>
+              <a:t>AWS IoT Greengrass</a:t>
+            </a:r>
+            <a:endParaRPr lang="zh-CN" altLang="en-US" dirty="0"/>
+          </a:p>
+        </p:txBody>
+      </p:sp>
+      <p:sp>
+        <p:nvSpPr>
+          <p:cNvPr id="3" name="内容占位符 2">
+            <a:extLst>
+              <a:ext uri="{FF2B5EF4-FFF2-40B4-BE49-F238E27FC236}">
+                <a16:creationId xmlns:a16="http://schemas.microsoft.com/office/drawing/2014/main" id="{00B4CFAB-F348-4218-A530-663A45A0CF96}"/>
+              </a:ext>
+            </a:extLst>
+          </p:cNvPr>
+          <p:cNvSpPr>
+            <a:spLocks noGrp="1"/>
+          </p:cNvSpPr>
+          <p:nvPr>
+            <p:ph idx="1"/>
+          </p:nvPr>
+        </p:nvSpPr>
+        <p:spPr/>
+        <p:txBody>
+          <a:bodyPr/>
+          <a:lstStyle/>
+          <a:p>
+            <a:r>
+              <a:rPr lang="zh-CN" altLang="en-US" dirty="0"/>
+              <a:t>部署在“本地”，部分替代</a:t>
+            </a:r>
+            <a:r>
+              <a:rPr lang="en-US" altLang="zh-CN" dirty="0"/>
+              <a:t>AWS IoT Core</a:t>
+            </a:r>
+            <a:r>
+              <a:rPr lang="zh-CN" altLang="en-US" dirty="0"/>
+              <a:t>的功能</a:t>
+            </a:r>
+            <a:endParaRPr lang="en-US" altLang="zh-CN" dirty="0"/>
+          </a:p>
+          <a:p>
+            <a:pPr lvl="1"/>
+            <a:r>
+              <a:rPr lang="zh-CN" altLang="en-US" dirty="0"/>
+              <a:t>“本地”可能代表一个建筑层、一辆卡车或整个矿区</a:t>
+            </a:r>
+            <a:endParaRPr lang="en-US" altLang="zh-CN" dirty="0"/>
+          </a:p>
+          <a:p>
+            <a:endParaRPr lang="zh-CN" altLang="en-US" dirty="0"/>
+          </a:p>
+        </p:txBody>
+      </p:sp>
+      <p:pic>
+        <p:nvPicPr>
+          <p:cNvPr id="4" name="图片 3">
+            <a:extLst>
+              <a:ext uri="{FF2B5EF4-FFF2-40B4-BE49-F238E27FC236}">
+                <a16:creationId xmlns:a16="http://schemas.microsoft.com/office/drawing/2014/main" id="{63FC2288-42B0-4CBE-BD38-CC9A42DF918B}"/>
+              </a:ext>
+            </a:extLst>
+          </p:cNvPr>
+          <p:cNvPicPr>
+            <a:picLocks noChangeAspect="1"/>
+          </p:cNvPicPr>
+          <p:nvPr/>
+        </p:nvPicPr>
+        <p:blipFill>
+          <a:blip r:embed="rId2"/>
+          <a:stretch>
+            <a:fillRect/>
+          </a:stretch>
+        </p:blipFill>
+        <p:spPr>
+          <a:xfrm>
+            <a:off x="5249448" y="2606428"/>
+            <a:ext cx="6104352" cy="1645144"/>
+          </a:xfrm>
+          <a:prstGeom prst="rect">
+            <a:avLst/>
+          </a:prstGeom>
+        </p:spPr>
+      </p:pic>
+      <p:pic>
+        <p:nvPicPr>
+          <p:cNvPr id="6" name="图片 5">
+            <a:extLst>
+              <a:ext uri="{FF2B5EF4-FFF2-40B4-BE49-F238E27FC236}">
+                <a16:creationId xmlns:a16="http://schemas.microsoft.com/office/drawing/2014/main" id="{79A92727-26A1-45B5-B487-066297DD87A8}"/>
+              </a:ext>
+            </a:extLst>
+          </p:cNvPr>
+          <p:cNvPicPr>
+            <a:picLocks noChangeAspect="1"/>
+          </p:cNvPicPr>
+          <p:nvPr/>
+        </p:nvPicPr>
+        <p:blipFill>
+          <a:blip r:embed="rId3">
+            <a:extLst>
+              <a:ext uri="{28A0092B-C50C-407E-A947-70E740481C1C}">
+                <a14:useLocalDpi xmlns:a14="http://schemas.microsoft.com/office/drawing/2010/main" val="0"/>
+              </a:ext>
+            </a:extLst>
+          </a:blip>
+          <a:stretch>
+            <a:fillRect/>
+          </a:stretch>
+        </p:blipFill>
+        <p:spPr>
+          <a:xfrm>
+            <a:off x="5249448" y="4225784"/>
+            <a:ext cx="6104352" cy="2371074"/>
+          </a:xfrm>
+          <a:prstGeom prst="rect">
+            <a:avLst/>
+          </a:prstGeom>
+        </p:spPr>
+      </p:pic>
+    </p:spTree>
+    <p:extLst>
+      <p:ext uri="{BB962C8B-B14F-4D97-AF65-F5344CB8AC3E}">
+        <p14:creationId xmlns:p14="http://schemas.microsoft.com/office/powerpoint/2010/main" val="1923773197"/>
+      </p:ext>
+    </p:extLst>
+  </p:cSld>
+  <p:clrMapOvr>
+    <a:masterClrMapping/>
+  </p:clrMapOvr>
+</p:sld>
+</file>
+
+<file path=ppt/slides/slide6.xml><?xml version="1.0" encoding="utf-8"?>
+<p:sld xmlns:a="http://schemas.openxmlformats.org/drawingml/2006/main" xmlns:r="http://schemas.openxmlformats.org/officeDocument/2006/relationships" xmlns:p="http://schemas.openxmlformats.org/presentationml/2006/main">
+  <p:cSld>
+    <p:spTree>
+      <p:nvGrpSpPr>
+        <p:cNvPr id="1" name=""/>
+        <p:cNvGrpSpPr/>
+        <p:nvPr/>
+      </p:nvGrpSpPr>
+      <p:grpSpPr>
+        <a:xfrm>
+          <a:off x="0" y="0"/>
+          <a:ext cx="0" cy="0"/>
+          <a:chOff x="0" y="0"/>
+          <a:chExt cx="0" cy="0"/>
+        </a:xfrm>
+      </p:grpSpPr>
+      <p:sp>
+        <p:nvSpPr>
+          <p:cNvPr id="2" name="标题 1">
+            <a:extLst>
+              <a:ext uri="{FF2B5EF4-FFF2-40B4-BE49-F238E27FC236}">
+                <a16:creationId xmlns:a16="http://schemas.microsoft.com/office/drawing/2014/main" id="{079CAF66-11DA-4935-99DD-54631106C682}"/>
+              </a:ext>
+            </a:extLst>
+          </p:cNvPr>
+          <p:cNvSpPr>
+            <a:spLocks noGrp="1"/>
+          </p:cNvSpPr>
+          <p:nvPr>
+            <p:ph type="title"/>
+          </p:nvPr>
+        </p:nvSpPr>
+        <p:spPr/>
+        <p:txBody>
+          <a:bodyPr/>
+          <a:lstStyle/>
+          <a:p>
+            <a:r>
+              <a:rPr lang="en-US" altLang="zh-CN" dirty="0"/>
+              <a:t>AWS IoT</a:t>
+            </a:r>
+            <a:r>
+              <a:rPr lang="zh-CN" altLang="en-US" dirty="0"/>
+              <a:t>的边缘端：</a:t>
+            </a:r>
+            <a:r>
+              <a:rPr lang="en-US" altLang="zh-CN" dirty="0"/>
+              <a:t>AWS IoT Greengrass</a:t>
+            </a:r>
+            <a:endParaRPr lang="zh-CN" altLang="en-US" dirty="0"/>
+          </a:p>
+        </p:txBody>
+      </p:sp>
+      <p:sp>
+        <p:nvSpPr>
+          <p:cNvPr id="3" name="文本占位符 2">
+            <a:extLst>
+              <a:ext uri="{FF2B5EF4-FFF2-40B4-BE49-F238E27FC236}">
+                <a16:creationId xmlns:a16="http://schemas.microsoft.com/office/drawing/2014/main" id="{9347435E-3183-49E2-9199-1677F93B298D}"/>
+              </a:ext>
+            </a:extLst>
+          </p:cNvPr>
+          <p:cNvSpPr>
+            <a:spLocks noGrp="1"/>
+          </p:cNvSpPr>
+          <p:nvPr>
+            <p:ph type="body" idx="1"/>
+          </p:nvPr>
+        </p:nvSpPr>
+        <p:spPr/>
+        <p:txBody>
+          <a:bodyPr>
+            <a:normAutofit/>
+          </a:bodyPr>
+          <a:lstStyle/>
+          <a:p>
+            <a:r>
+              <a:rPr lang="zh-CN" altLang="en-US" dirty="0"/>
+              <a:t>无</a:t>
+            </a:r>
+            <a:r>
+              <a:rPr lang="en-US" altLang="zh-CN" dirty="0"/>
+              <a:t>AWS IoT Greengrass</a:t>
+            </a:r>
+            <a:r>
+              <a:rPr lang="zh-CN" altLang="en-US" dirty="0"/>
+              <a:t>：</a:t>
+            </a:r>
+            <a:endParaRPr lang="en-US" altLang="zh-CN" dirty="0"/>
+          </a:p>
+          <a:p>
+            <a:r>
+              <a:rPr lang="zh-CN" altLang="en-US" sz="2000" dirty="0"/>
+              <a:t>终端设备直连云端</a:t>
+            </a:r>
+            <a:r>
+              <a:rPr lang="en-US" altLang="zh-CN" sz="2000" dirty="0"/>
+              <a:t>AWS IoT Core</a:t>
+            </a:r>
+          </a:p>
+        </p:txBody>
+      </p:sp>
+      <p:sp>
+        <p:nvSpPr>
+          <p:cNvPr id="5" name="文本占位符 4">
+            <a:extLst>
+              <a:ext uri="{FF2B5EF4-FFF2-40B4-BE49-F238E27FC236}">
+                <a16:creationId xmlns:a16="http://schemas.microsoft.com/office/drawing/2014/main" id="{9DA12ADC-132B-4B40-BBCD-9E2404024F76}"/>
+              </a:ext>
+            </a:extLst>
+          </p:cNvPr>
+          <p:cNvSpPr>
+            <a:spLocks noGrp="1"/>
+          </p:cNvSpPr>
+          <p:nvPr>
+            <p:ph type="body" sz="quarter" idx="3"/>
+          </p:nvPr>
+        </p:nvSpPr>
+        <p:spPr/>
+        <p:txBody>
+          <a:bodyPr>
+            <a:normAutofit/>
+          </a:bodyPr>
+          <a:lstStyle/>
+          <a:p>
+            <a:r>
+              <a:rPr lang="zh-CN" altLang="en-US" dirty="0"/>
+              <a:t>有</a:t>
+            </a:r>
+            <a:r>
+              <a:rPr lang="en-US" altLang="zh-CN" dirty="0"/>
+              <a:t>AWS IoT Greengrass</a:t>
+            </a:r>
+            <a:r>
+              <a:rPr lang="zh-CN" altLang="en-US" dirty="0"/>
+              <a:t>：</a:t>
+            </a:r>
+            <a:endParaRPr lang="en-US" altLang="zh-CN" dirty="0"/>
+          </a:p>
+          <a:p>
+            <a:r>
+              <a:rPr lang="zh-CN" altLang="en-US" sz="2000" dirty="0"/>
+              <a:t>终端设备先连</a:t>
+            </a:r>
+            <a:r>
+              <a:rPr lang="en-US" altLang="zh-CN" sz="2000" dirty="0"/>
+              <a:t>AWS IoT Greengrass Core</a:t>
+            </a:r>
+          </a:p>
+        </p:txBody>
+      </p:sp>
+      <p:pic>
+        <p:nvPicPr>
+          <p:cNvPr id="11" name="内容占位符 10">
+            <a:extLst>
+              <a:ext uri="{FF2B5EF4-FFF2-40B4-BE49-F238E27FC236}">
+                <a16:creationId xmlns:a16="http://schemas.microsoft.com/office/drawing/2014/main" id="{05250F75-4DC1-4AD7-AD59-578975ABD378}"/>
+              </a:ext>
+            </a:extLst>
+          </p:cNvPr>
+          <p:cNvPicPr>
+            <a:picLocks noGrp="1" noChangeAspect="1"/>
+          </p:cNvPicPr>
+          <p:nvPr>
+            <p:ph sz="half" idx="2"/>
+          </p:nvPr>
+        </p:nvPicPr>
+        <p:blipFill>
+          <a:blip r:embed="rId2"/>
+          <a:stretch>
+            <a:fillRect/>
+          </a:stretch>
+        </p:blipFill>
+        <p:spPr>
+          <a:xfrm>
+            <a:off x="839788" y="3655031"/>
+            <a:ext cx="5157787" cy="1384675"/>
+          </a:xfrm>
+          <a:prstGeom prst="rect">
+            <a:avLst/>
+          </a:prstGeom>
+        </p:spPr>
+      </p:pic>
+      <p:sp>
+        <p:nvSpPr>
+          <p:cNvPr id="14" name="文本占位符 4">
+            <a:extLst>
+              <a:ext uri="{FF2B5EF4-FFF2-40B4-BE49-F238E27FC236}">
+                <a16:creationId xmlns:a16="http://schemas.microsoft.com/office/drawing/2014/main" id="{72F98105-EF50-406C-870A-CE531D80F4FC}"/>
+              </a:ext>
+            </a:extLst>
+          </p:cNvPr>
+          <p:cNvSpPr txBox="1">
+            <a:spLocks/>
+          </p:cNvSpPr>
+          <p:nvPr/>
+        </p:nvSpPr>
+        <p:spPr>
+          <a:xfrm>
+            <a:off x="6172200" y="2505075"/>
+            <a:ext cx="5183188" cy="380365"/>
+          </a:xfrm>
+          <a:prstGeom prst="rect">
+            <a:avLst/>
+          </a:prstGeom>
+        </p:spPr>
+        <p:txBody>
+          <a:bodyPr vert="horz" lIns="91440" tIns="45720" rIns="91440" bIns="45720" rtlCol="0" anchor="b">
+            <a:normAutofit/>
+          </a:bodyPr>
+          <a:lstStyle>
+            <a:lvl1pPr marL="0" indent="0" algn="l" defTabSz="914400" rtl="0" eaLnBrk="1" latinLnBrk="0" hangingPunct="1">
+              <a:lnSpc>
+                <a:spcPct val="90000"/>
+              </a:lnSpc>
+              <a:spcBef>
+                <a:spcPts val="1000"/>
+              </a:spcBef>
+              <a:buFont typeface="Arial" panose="020B0604020202020204" pitchFamily="34" charset="0"/>
+              <a:buNone/>
+              <a:defRPr sz="2400" b="1" kern="1200">
+                <a:solidFill>
+                  <a:schemeClr val="tx1"/>
+                </a:solidFill>
+                <a:latin typeface="+mn-lt"/>
+                <a:ea typeface="+mn-ea"/>
+                <a:cs typeface="+mn-cs"/>
+              </a:defRPr>
+            </a:lvl1pPr>
+            <a:lvl2pPr marL="457200" indent="0" algn="l" defTabSz="914400" rtl="0" eaLnBrk="1" latinLnBrk="0" hangingPunct="1">
+              <a:lnSpc>
+                <a:spcPct val="90000"/>
+              </a:lnSpc>
+              <a:spcBef>
+                <a:spcPts val="500"/>
+              </a:spcBef>
+              <a:buFont typeface="Arial" panose="020B0604020202020204" pitchFamily="34" charset="0"/>
+              <a:buNone/>
+              <a:defRPr sz="2000" b="1" kern="1200">
+                <a:solidFill>
+                  <a:schemeClr val="tx1"/>
+                </a:solidFill>
+                <a:latin typeface="+mn-lt"/>
+                <a:ea typeface="+mn-ea"/>
+                <a:cs typeface="+mn-cs"/>
+              </a:defRPr>
+            </a:lvl2pPr>
+            <a:lvl3pPr marL="914400" indent="0" algn="l" defTabSz="914400" rtl="0" eaLnBrk="1" latinLnBrk="0" hangingPunct="1">
+              <a:lnSpc>
+                <a:spcPct val="90000"/>
+              </a:lnSpc>
+              <a:spcBef>
+                <a:spcPts val="500"/>
+              </a:spcBef>
+              <a:buFont typeface="Arial" panose="020B0604020202020204" pitchFamily="34" charset="0"/>
+              <a:buNone/>
+              <a:defRPr sz="1800" b="1" kern="1200">
+                <a:solidFill>
+                  <a:schemeClr val="tx1"/>
+                </a:solidFill>
+                <a:latin typeface="+mn-lt"/>
+                <a:ea typeface="+mn-ea"/>
+                <a:cs typeface="+mn-cs"/>
+              </a:defRPr>
+            </a:lvl3pPr>
+            <a:lvl4pPr marL="1371600" indent="0" algn="l" defTabSz="914400" rtl="0" eaLnBrk="1" latinLnBrk="0" hangingPunct="1">
+              <a:lnSpc>
+                <a:spcPct val="90000"/>
+              </a:lnSpc>
+              <a:spcBef>
+                <a:spcPts val="500"/>
+              </a:spcBef>
+              <a:buFont typeface="Arial" panose="020B0604020202020204" pitchFamily="34" charset="0"/>
+              <a:buNone/>
+              <a:defRPr sz="1600" b="1" kern="1200">
+                <a:solidFill>
+                  <a:schemeClr val="tx1"/>
+                </a:solidFill>
+                <a:latin typeface="+mn-lt"/>
+                <a:ea typeface="+mn-ea"/>
+                <a:cs typeface="+mn-cs"/>
+              </a:defRPr>
+            </a:lvl4pPr>
+            <a:lvl5pPr marL="1828800" indent="0" algn="l" defTabSz="914400" rtl="0" eaLnBrk="1" latinLnBrk="0" hangingPunct="1">
+              <a:lnSpc>
+                <a:spcPct val="90000"/>
+              </a:lnSpc>
+              <a:spcBef>
+                <a:spcPts val="500"/>
+              </a:spcBef>
+              <a:buFont typeface="Arial" panose="020B0604020202020204" pitchFamily="34" charset="0"/>
+              <a:buNone/>
+              <a:defRPr sz="1600" b="1" kern="1200">
+                <a:solidFill>
+                  <a:schemeClr val="tx1"/>
+                </a:solidFill>
+                <a:latin typeface="+mn-lt"/>
+                <a:ea typeface="+mn-ea"/>
+                <a:cs typeface="+mn-cs"/>
+              </a:defRPr>
+            </a:lvl5pPr>
+            <a:lvl6pPr marL="2286000" indent="0" algn="l" defTabSz="914400" rtl="0" eaLnBrk="1" latinLnBrk="0" hangingPunct="1">
+              <a:lnSpc>
+                <a:spcPct val="90000"/>
+              </a:lnSpc>
+              <a:spcBef>
+                <a:spcPts val="500"/>
+              </a:spcBef>
+              <a:buFont typeface="Arial" panose="020B0604020202020204" pitchFamily="34" charset="0"/>
+              <a:buNone/>
+              <a:defRPr sz="1600" b="1" kern="1200">
+                <a:solidFill>
+                  <a:schemeClr val="tx1"/>
+                </a:solidFill>
+                <a:latin typeface="+mn-lt"/>
+                <a:ea typeface="+mn-ea"/>
+                <a:cs typeface="+mn-cs"/>
+              </a:defRPr>
+            </a:lvl6pPr>
+            <a:lvl7pPr marL="2743200" indent="0" algn="l" defTabSz="914400" rtl="0" eaLnBrk="1" latinLnBrk="0" hangingPunct="1">
+              <a:lnSpc>
+                <a:spcPct val="90000"/>
+              </a:lnSpc>
+              <a:spcBef>
+                <a:spcPts val="500"/>
+              </a:spcBef>
+              <a:buFont typeface="Arial" panose="020B0604020202020204" pitchFamily="34" charset="0"/>
+              <a:buNone/>
+              <a:defRPr sz="1600" b="1" kern="1200">
+                <a:solidFill>
+                  <a:schemeClr val="tx1"/>
+                </a:solidFill>
+                <a:latin typeface="+mn-lt"/>
+                <a:ea typeface="+mn-ea"/>
+                <a:cs typeface="+mn-cs"/>
+              </a:defRPr>
+            </a:lvl7pPr>
+            <a:lvl8pPr marL="3200400" indent="0" algn="l" defTabSz="914400" rtl="0" eaLnBrk="1" latinLnBrk="0" hangingPunct="1">
+              <a:lnSpc>
+                <a:spcPct val="90000"/>
+              </a:lnSpc>
+              <a:spcBef>
+                <a:spcPts val="500"/>
+              </a:spcBef>
+              <a:buFont typeface="Arial" panose="020B0604020202020204" pitchFamily="34" charset="0"/>
+              <a:buNone/>
+              <a:defRPr sz="1600" b="1" kern="1200">
+                <a:solidFill>
+                  <a:schemeClr val="tx1"/>
+                </a:solidFill>
+                <a:latin typeface="+mn-lt"/>
+                <a:ea typeface="+mn-ea"/>
+                <a:cs typeface="+mn-cs"/>
+              </a:defRPr>
+            </a:lvl8pPr>
+            <a:lvl9pPr marL="3657600" indent="0" algn="l" defTabSz="914400" rtl="0" eaLnBrk="1" latinLnBrk="0" hangingPunct="1">
+              <a:lnSpc>
+                <a:spcPct val="90000"/>
+              </a:lnSpc>
+              <a:spcBef>
+                <a:spcPts val="500"/>
+              </a:spcBef>
+              <a:buFont typeface="Arial" panose="020B0604020202020204" pitchFamily="34" charset="0"/>
+              <a:buNone/>
+              <a:defRPr sz="1600" b="1" kern="1200">
+                <a:solidFill>
+                  <a:schemeClr val="tx1"/>
+                </a:solidFill>
+                <a:latin typeface="+mn-lt"/>
+                <a:ea typeface="+mn-ea"/>
+                <a:cs typeface="+mn-cs"/>
+              </a:defRPr>
+            </a:lvl9pPr>
+          </a:lstStyle>
+          <a:p>
+            <a:r>
+              <a:rPr lang="en-US" altLang="zh-CN" sz="2000" dirty="0"/>
+              <a:t>AWS IoT Greengrass Core</a:t>
+            </a:r>
+            <a:r>
+              <a:rPr lang="zh-CN" altLang="en-US" sz="2000" dirty="0"/>
+              <a:t>统一上报云端</a:t>
+            </a:r>
+            <a:endParaRPr lang="en-US" altLang="zh-CN" sz="2000" dirty="0"/>
+          </a:p>
+        </p:txBody>
+      </p:sp>
+      <p:pic>
+        <p:nvPicPr>
+          <p:cNvPr id="18" name="内容占位符 17">
+            <a:extLst>
+              <a:ext uri="{FF2B5EF4-FFF2-40B4-BE49-F238E27FC236}">
+                <a16:creationId xmlns:a16="http://schemas.microsoft.com/office/drawing/2014/main" id="{A12C7585-9A22-4534-8798-0813F80A9A15}"/>
+              </a:ext>
+            </a:extLst>
+          </p:cNvPr>
+          <p:cNvPicPr>
+            <a:picLocks noGrp="1" noChangeAspect="1"/>
+          </p:cNvPicPr>
+          <p:nvPr>
+            <p:ph sz="quarter" idx="4"/>
+          </p:nvPr>
+        </p:nvPicPr>
+        <p:blipFill>
+          <a:blip r:embed="rId3">
+            <a:extLst>
+              <a:ext uri="{28A0092B-C50C-407E-A947-70E740481C1C}">
+                <a14:useLocalDpi xmlns:a14="http://schemas.microsoft.com/office/drawing/2010/main" val="0"/>
+              </a:ext>
+            </a:extLst>
+          </a:blip>
+          <a:stretch>
+            <a:fillRect/>
+          </a:stretch>
+        </p:blipFill>
+        <p:spPr>
+          <a:xfrm>
+            <a:off x="6172200" y="2885440"/>
+            <a:ext cx="5183188" cy="1961672"/>
+          </a:xfrm>
+        </p:spPr>
+      </p:pic>
+      <p:pic>
+        <p:nvPicPr>
+          <p:cNvPr id="20" name="图片 19">
+            <a:extLst>
+              <a:ext uri="{FF2B5EF4-FFF2-40B4-BE49-F238E27FC236}">
+                <a16:creationId xmlns:a16="http://schemas.microsoft.com/office/drawing/2014/main" id="{B6700976-C482-41FA-8A67-F80875016646}"/>
+              </a:ext>
+            </a:extLst>
+          </p:cNvPr>
+          <p:cNvPicPr>
+            <a:picLocks noChangeAspect="1"/>
+          </p:cNvPicPr>
+          <p:nvPr/>
+        </p:nvPicPr>
+        <p:blipFill>
+          <a:blip r:embed="rId4">
+            <a:extLst>
+              <a:ext uri="{28A0092B-C50C-407E-A947-70E740481C1C}">
+                <a14:useLocalDpi xmlns:a14="http://schemas.microsoft.com/office/drawing/2010/main" val="0"/>
+              </a:ext>
+            </a:extLst>
+          </a:blip>
+          <a:stretch>
+            <a:fillRect/>
+          </a:stretch>
+        </p:blipFill>
+        <p:spPr>
+          <a:xfrm>
+            <a:off x="6172200" y="4670884"/>
+            <a:ext cx="5180012" cy="2187116"/>
+          </a:xfrm>
+          <a:prstGeom prst="rect">
+            <a:avLst/>
+          </a:prstGeom>
+        </p:spPr>
+      </p:pic>
+    </p:spTree>
+    <p:extLst>
+      <p:ext uri="{BB962C8B-B14F-4D97-AF65-F5344CB8AC3E}">
+        <p14:creationId xmlns:p14="http://schemas.microsoft.com/office/powerpoint/2010/main" val="3234402752"/>
+      </p:ext>
+    </p:extLst>
+  </p:cSld>
+  <p:clrMapOvr>
+    <a:masterClrMapping/>
+  </p:clrMapOvr>
+</p:sld>
+</file>
+
+<file path=ppt/slides/slide7.xml><?xml version="1.0" encoding="utf-8"?>
+<p:sld xmlns:a="http://schemas.openxmlformats.org/drawingml/2006/main" xmlns:r="http://schemas.openxmlformats.org/officeDocument/2006/relationships" xmlns:p="http://schemas.openxmlformats.org/presentationml/2006/main">
+  <p:cSld>
+    <p:spTree>
+      <p:nvGrpSpPr>
+        <p:cNvPr id="1" name=""/>
+        <p:cNvGrpSpPr/>
+        <p:nvPr/>
+      </p:nvGrpSpPr>
+      <p:grpSpPr>
+        <a:xfrm>
+          <a:off x="0" y="0"/>
+          <a:ext cx="0" cy="0"/>
+          <a:chOff x="0" y="0"/>
+          <a:chExt cx="0" cy="0"/>
+        </a:xfrm>
+      </p:grpSpPr>
+      <p:sp>
+        <p:nvSpPr>
+          <p:cNvPr id="2" name="标题 1">
+            <a:extLst>
+              <a:ext uri="{FF2B5EF4-FFF2-40B4-BE49-F238E27FC236}">
+                <a16:creationId xmlns:a16="http://schemas.microsoft.com/office/drawing/2014/main" id="{2456FEF2-1623-45EA-AECD-0B43D2462A0F}"/>
+              </a:ext>
+            </a:extLst>
+          </p:cNvPr>
+          <p:cNvSpPr>
+            <a:spLocks noGrp="1"/>
+          </p:cNvSpPr>
+          <p:nvPr>
+            <p:ph type="title"/>
+          </p:nvPr>
+        </p:nvSpPr>
+        <p:spPr/>
+        <p:txBody>
+          <a:bodyPr/>
+          <a:lstStyle/>
+          <a:p>
+            <a:r>
+              <a:rPr lang="zh-CN" altLang="en-US" dirty="0"/>
+              <a:t>核心软件：</a:t>
+            </a:r>
+            <a:r>
+              <a:rPr lang="en-US" altLang="zh-CN" dirty="0"/>
+              <a:t>AWS IoT Greengrass Core</a:t>
+            </a:r>
+            <a:endParaRPr lang="zh-CN" altLang="en-US" dirty="0"/>
+          </a:p>
+        </p:txBody>
+      </p:sp>
+      <p:sp>
+        <p:nvSpPr>
+          <p:cNvPr id="3" name="内容占位符 2">
+            <a:extLst>
+              <a:ext uri="{FF2B5EF4-FFF2-40B4-BE49-F238E27FC236}">
+                <a16:creationId xmlns:a16="http://schemas.microsoft.com/office/drawing/2014/main" id="{054BCE35-F04A-4E81-A008-88F60A1F92CC}"/>
+              </a:ext>
+            </a:extLst>
+          </p:cNvPr>
+          <p:cNvSpPr>
+            <a:spLocks noGrp="1"/>
+          </p:cNvSpPr>
+          <p:nvPr>
+            <p:ph idx="1"/>
+          </p:nvPr>
+        </p:nvSpPr>
+        <p:spPr/>
+        <p:txBody>
+          <a:bodyPr/>
+          <a:lstStyle/>
+          <a:p>
+            <a:r>
+              <a:rPr lang="zh-CN" altLang="en-US" dirty="0"/>
+              <a:t>直接与 </a:t>
+            </a:r>
+            <a:r>
+              <a:rPr lang="en-US" altLang="zh-CN" dirty="0"/>
+              <a:t>AWS IoT Core </a:t>
+            </a:r>
+            <a:r>
+              <a:rPr lang="zh-CN" altLang="en-US" dirty="0"/>
+              <a:t>和 </a:t>
+            </a:r>
+            <a:r>
+              <a:rPr lang="en-US" altLang="zh-CN" dirty="0"/>
+              <a:t>AWS IoT Greengrass </a:t>
+            </a:r>
+            <a:r>
+              <a:rPr lang="zh-CN" altLang="en-US" dirty="0"/>
+              <a:t>服务进行通信</a:t>
+            </a:r>
+            <a:endParaRPr lang="en-US" altLang="zh-CN" dirty="0"/>
+          </a:p>
+          <a:p>
+            <a:r>
+              <a:rPr lang="zh-CN" altLang="en-US" dirty="0"/>
+              <a:t>具有自己的设备证书，用于在 </a:t>
+            </a:r>
+            <a:r>
+              <a:rPr lang="en-US" altLang="zh-CN" dirty="0"/>
+              <a:t>AWS IoT Core </a:t>
+            </a:r>
+            <a:r>
+              <a:rPr lang="zh-CN" altLang="en-US" dirty="0"/>
+              <a:t>中进行身份验证</a:t>
+            </a:r>
+            <a:endParaRPr lang="en-US" altLang="zh-CN" dirty="0"/>
+          </a:p>
+          <a:p>
+            <a:r>
+              <a:rPr lang="zh-CN" altLang="en-US" dirty="0"/>
+              <a:t>有自己的</a:t>
+            </a:r>
+            <a:r>
+              <a:rPr lang="en-US" altLang="zh-CN" dirty="0"/>
+              <a:t>Device Shadow</a:t>
+            </a:r>
+            <a:r>
+              <a:rPr lang="zh-CN" altLang="en-US" dirty="0"/>
+              <a:t>和一个 </a:t>
+            </a:r>
+            <a:r>
+              <a:rPr lang="en-US" altLang="zh-CN" dirty="0"/>
+              <a:t>AWS IoT Core </a:t>
+            </a:r>
+            <a:r>
+              <a:rPr lang="zh-CN" altLang="en-US" dirty="0"/>
+              <a:t>注册表中的条目</a:t>
+            </a:r>
+          </a:p>
+        </p:txBody>
+      </p:sp>
+    </p:spTree>
+    <p:extLst>
+      <p:ext uri="{BB962C8B-B14F-4D97-AF65-F5344CB8AC3E}">
+        <p14:creationId xmlns:p14="http://schemas.microsoft.com/office/powerpoint/2010/main" val="1294122827"/>
+      </p:ext>
+    </p:extLst>
+  </p:cSld>
+  <p:clrMapOvr>
+    <a:masterClrMapping/>
+  </p:clrMapOvr>
+</p:sld>
+</file>
+
+<file path=ppt/slides/slide8.xml><?xml version="1.0" encoding="utf-8"?>
+<p:sld xmlns:a="http://schemas.openxmlformats.org/drawingml/2006/main" xmlns:r="http://schemas.openxmlformats.org/officeDocument/2006/relationships" xmlns:p="http://schemas.openxmlformats.org/presentationml/2006/main">
+  <p:cSld>
+    <p:spTree>
+      <p:nvGrpSpPr>
+        <p:cNvPr id="1" name=""/>
+        <p:cNvGrpSpPr/>
+        <p:nvPr/>
+      </p:nvGrpSpPr>
+      <p:grpSpPr>
+        <a:xfrm>
+          <a:off x="0" y="0"/>
+          <a:ext cx="0" cy="0"/>
+          <a:chOff x="0" y="0"/>
+          <a:chExt cx="0" cy="0"/>
+        </a:xfrm>
+      </p:grpSpPr>
+      <p:sp>
+        <p:nvSpPr>
+          <p:cNvPr id="2" name="标题 1">
+            <a:extLst>
+              <a:ext uri="{FF2B5EF4-FFF2-40B4-BE49-F238E27FC236}">
+                <a16:creationId xmlns:a16="http://schemas.microsoft.com/office/drawing/2014/main" id="{2456FEF2-1623-45EA-AECD-0B43D2462A0F}"/>
+              </a:ext>
+            </a:extLst>
+          </p:cNvPr>
+          <p:cNvSpPr>
+            <a:spLocks noGrp="1"/>
+          </p:cNvSpPr>
+          <p:nvPr>
+            <p:ph type="title"/>
+          </p:nvPr>
+        </p:nvSpPr>
+        <p:spPr/>
+        <p:txBody>
+          <a:bodyPr/>
+          <a:lstStyle/>
+          <a:p>
+            <a:r>
+              <a:rPr lang="zh-CN" altLang="en-US" dirty="0"/>
+              <a:t>核心软件：</a:t>
+            </a:r>
+            <a:r>
+              <a:rPr lang="en-US" altLang="zh-CN" dirty="0"/>
+              <a:t>AWS IoT Greengrass Core</a:t>
+            </a:r>
+            <a:endParaRPr lang="zh-CN" altLang="en-US" dirty="0"/>
+          </a:p>
+        </p:txBody>
+      </p:sp>
+      <p:sp>
+        <p:nvSpPr>
+          <p:cNvPr id="3" name="内容占位符 2">
+            <a:extLst>
+              <a:ext uri="{FF2B5EF4-FFF2-40B4-BE49-F238E27FC236}">
+                <a16:creationId xmlns:a16="http://schemas.microsoft.com/office/drawing/2014/main" id="{054BCE35-F04A-4E81-A008-88F60A1F92CC}"/>
+              </a:ext>
+            </a:extLst>
+          </p:cNvPr>
+          <p:cNvSpPr>
+            <a:spLocks noGrp="1"/>
+          </p:cNvSpPr>
+          <p:nvPr>
+            <p:ph idx="1"/>
+          </p:nvPr>
+        </p:nvSpPr>
+        <p:spPr/>
+        <p:txBody>
+          <a:bodyPr/>
+          <a:lstStyle/>
+          <a:p>
+            <a:r>
+              <a:rPr lang="zh-CN" altLang="en-US" dirty="0"/>
+              <a:t>该软件是一个可执行程序，需要部署于用户“本地”的边缘服务器</a:t>
+            </a:r>
+            <a:endParaRPr lang="en-US" altLang="zh-CN" dirty="0"/>
+          </a:p>
+          <a:p>
+            <a:pPr lvl="1"/>
+            <a:r>
+              <a:rPr lang="en-US" altLang="zh-CN" dirty="0"/>
+              <a:t>Lambda </a:t>
+            </a:r>
+            <a:r>
+              <a:rPr lang="zh-CN" altLang="en-US" dirty="0"/>
+              <a:t>函数的部署、本地执行、自动更新</a:t>
+            </a:r>
+            <a:endParaRPr lang="en-US" altLang="zh-CN" dirty="0"/>
+          </a:p>
+          <a:p>
+            <a:pPr lvl="1"/>
+            <a:r>
+              <a:rPr lang="zh-CN" altLang="en-US" dirty="0"/>
+              <a:t>在本地处理数据流，并自动导出到 </a:t>
+            </a:r>
+            <a:r>
+              <a:rPr lang="en-US" altLang="zh-CN" dirty="0"/>
+              <a:t>AWS </a:t>
+            </a:r>
+            <a:r>
+              <a:rPr lang="zh-CN" altLang="en-US" dirty="0"/>
+              <a:t>云</a:t>
+            </a:r>
+            <a:endParaRPr lang="en-US" altLang="zh-CN" dirty="0"/>
+          </a:p>
+          <a:p>
+            <a:pPr lvl="1"/>
+            <a:r>
+              <a:rPr lang="zh-CN" altLang="en-US" dirty="0"/>
+              <a:t>通过本地网络或</a:t>
+            </a:r>
+            <a:r>
+              <a:rPr lang="en-US" altLang="zh-CN" dirty="0"/>
+              <a:t>AWS IoT</a:t>
+            </a:r>
+            <a:r>
+              <a:rPr lang="zh-CN" altLang="en-US" dirty="0"/>
+              <a:t>在设备、连接器和 </a:t>
+            </a:r>
+            <a:r>
+              <a:rPr lang="en-US" altLang="zh-CN" dirty="0"/>
+              <a:t>Lambda </a:t>
+            </a:r>
+            <a:r>
+              <a:rPr lang="zh-CN" altLang="en-US" dirty="0"/>
+              <a:t>函数之间进行的 </a:t>
+            </a:r>
+            <a:r>
+              <a:rPr lang="en-US" altLang="zh-CN" dirty="0"/>
+              <a:t>MQTT </a:t>
+            </a:r>
+            <a:r>
+              <a:rPr lang="zh-CN" altLang="en-US" dirty="0"/>
+              <a:t>消息传递</a:t>
+            </a:r>
+            <a:endParaRPr lang="en-US" altLang="zh-CN" dirty="0"/>
+          </a:p>
+          <a:p>
+            <a:pPr lvl="1"/>
+            <a:r>
+              <a:rPr lang="zh-CN" altLang="en-US" dirty="0"/>
+              <a:t>设备身份验证和授权确保设备和云之间的安全连接</a:t>
+            </a:r>
+            <a:endParaRPr lang="en-US" altLang="zh-CN" dirty="0"/>
+          </a:p>
+          <a:p>
+            <a:pPr lvl="1"/>
+            <a:r>
+              <a:rPr lang="zh-CN" altLang="en-US" dirty="0"/>
+              <a:t>本地和云端</a:t>
+            </a:r>
+            <a:r>
+              <a:rPr lang="en-US" altLang="zh-CN" dirty="0"/>
+              <a:t>Device Shadow</a:t>
+            </a:r>
+            <a:r>
+              <a:rPr lang="zh-CN" altLang="en-US" dirty="0"/>
+              <a:t>同步</a:t>
+            </a:r>
+            <a:endParaRPr lang="en-US" altLang="zh-CN" dirty="0"/>
+          </a:p>
+          <a:p>
+            <a:pPr lvl="1"/>
+            <a:r>
+              <a:rPr lang="zh-CN" altLang="en-US" dirty="0"/>
+              <a:t>本地设备和卷资源的受控访问</a:t>
+            </a:r>
+            <a:endParaRPr lang="en-US" altLang="zh-CN" dirty="0"/>
+          </a:p>
+          <a:p>
+            <a:pPr lvl="1"/>
+            <a:r>
+              <a:rPr lang="zh-CN" altLang="en-US" dirty="0"/>
+              <a:t>云训练机器学习模型的本地部署运行</a:t>
+            </a:r>
+          </a:p>
+        </p:txBody>
+      </p:sp>
+    </p:spTree>
+    <p:extLst>
+      <p:ext uri="{BB962C8B-B14F-4D97-AF65-F5344CB8AC3E}">
+        <p14:creationId xmlns:p14="http://schemas.microsoft.com/office/powerpoint/2010/main" val="459497119"/>
       </p:ext>
     </p:extLst>
   </p:cSld>

--- a/学习笔记/边缘计算/AWSIoT.pptx
+++ b/学习笔记/边缘计算/AWSIoT.pptx
@@ -111,6 +111,11 @@
       </a:defRPr>
     </a:lvl9pPr>
   </p:defaultTextStyle>
+  <p:extLst>
+    <p:ext uri="{EFAFB233-063F-42B5-8137-9DF3F51BA10A}">
+      <p15:sldGuideLst xmlns:p15="http://schemas.microsoft.com/office/powerpoint/2012/main"/>
+    </p:ext>
+  </p:extLst>
 </p:presentation>
 </file>
 
@@ -261,7 +266,7 @@
           <a:p>
             <a:fld id="{01026DAE-505E-4D69-83FB-E72D5448BF93}" type="datetimeFigureOut">
               <a:rPr lang="zh-CN" altLang="en-US" smtClean="0"/>
-              <a:t>2020/6/21</a:t>
+              <a:t>2020/6/22</a:t>
             </a:fld>
             <a:endParaRPr lang="zh-CN" altLang="en-US"/>
           </a:p>
@@ -459,7 +464,7 @@
           <a:p>
             <a:fld id="{01026DAE-505E-4D69-83FB-E72D5448BF93}" type="datetimeFigureOut">
               <a:rPr lang="zh-CN" altLang="en-US" smtClean="0"/>
-              <a:t>2020/6/21</a:t>
+              <a:t>2020/6/22</a:t>
             </a:fld>
             <a:endParaRPr lang="zh-CN" altLang="en-US"/>
           </a:p>
@@ -667,7 +672,7 @@
           <a:p>
             <a:fld id="{01026DAE-505E-4D69-83FB-E72D5448BF93}" type="datetimeFigureOut">
               <a:rPr lang="zh-CN" altLang="en-US" smtClean="0"/>
-              <a:t>2020/6/21</a:t>
+              <a:t>2020/6/22</a:t>
             </a:fld>
             <a:endParaRPr lang="zh-CN" altLang="en-US"/>
           </a:p>
@@ -865,7 +870,7 @@
           <a:p>
             <a:fld id="{01026DAE-505E-4D69-83FB-E72D5448BF93}" type="datetimeFigureOut">
               <a:rPr lang="zh-CN" altLang="en-US" smtClean="0"/>
-              <a:t>2020/6/21</a:t>
+              <a:t>2020/6/22</a:t>
             </a:fld>
             <a:endParaRPr lang="zh-CN" altLang="en-US"/>
           </a:p>
@@ -1140,7 +1145,7 @@
           <a:p>
             <a:fld id="{01026DAE-505E-4D69-83FB-E72D5448BF93}" type="datetimeFigureOut">
               <a:rPr lang="zh-CN" altLang="en-US" smtClean="0"/>
-              <a:t>2020/6/21</a:t>
+              <a:t>2020/6/22</a:t>
             </a:fld>
             <a:endParaRPr lang="zh-CN" altLang="en-US"/>
           </a:p>
@@ -1405,7 +1410,7 @@
           <a:p>
             <a:fld id="{01026DAE-505E-4D69-83FB-E72D5448BF93}" type="datetimeFigureOut">
               <a:rPr lang="zh-CN" altLang="en-US" smtClean="0"/>
-              <a:t>2020/6/21</a:t>
+              <a:t>2020/6/22</a:t>
             </a:fld>
             <a:endParaRPr lang="zh-CN" altLang="en-US"/>
           </a:p>
@@ -1817,7 +1822,7 @@
           <a:p>
             <a:fld id="{01026DAE-505E-4D69-83FB-E72D5448BF93}" type="datetimeFigureOut">
               <a:rPr lang="zh-CN" altLang="en-US" smtClean="0"/>
-              <a:t>2020/6/21</a:t>
+              <a:t>2020/6/22</a:t>
             </a:fld>
             <a:endParaRPr lang="zh-CN" altLang="en-US"/>
           </a:p>
@@ -1958,7 +1963,7 @@
           <a:p>
             <a:fld id="{01026DAE-505E-4D69-83FB-E72D5448BF93}" type="datetimeFigureOut">
               <a:rPr lang="zh-CN" altLang="en-US" smtClean="0"/>
-              <a:t>2020/6/21</a:t>
+              <a:t>2020/6/22</a:t>
             </a:fld>
             <a:endParaRPr lang="zh-CN" altLang="en-US"/>
           </a:p>
@@ -2071,7 +2076,7 @@
           <a:p>
             <a:fld id="{01026DAE-505E-4D69-83FB-E72D5448BF93}" type="datetimeFigureOut">
               <a:rPr lang="zh-CN" altLang="en-US" smtClean="0"/>
-              <a:t>2020/6/21</a:t>
+              <a:t>2020/6/22</a:t>
             </a:fld>
             <a:endParaRPr lang="zh-CN" altLang="en-US"/>
           </a:p>
@@ -2382,7 +2387,7 @@
           <a:p>
             <a:fld id="{01026DAE-505E-4D69-83FB-E72D5448BF93}" type="datetimeFigureOut">
               <a:rPr lang="zh-CN" altLang="en-US" smtClean="0"/>
-              <a:t>2020/6/21</a:t>
+              <a:t>2020/6/22</a:t>
             </a:fld>
             <a:endParaRPr lang="zh-CN" altLang="en-US"/>
           </a:p>
@@ -2670,7 +2675,7 @@
           <a:p>
             <a:fld id="{01026DAE-505E-4D69-83FB-E72D5448BF93}" type="datetimeFigureOut">
               <a:rPr lang="zh-CN" altLang="en-US" smtClean="0"/>
-              <a:t>2020/6/21</a:t>
+              <a:t>2020/6/22</a:t>
             </a:fld>
             <a:endParaRPr lang="zh-CN" altLang="en-US"/>
           </a:p>
@@ -2911,7 +2916,7 @@
           <a:p>
             <a:fld id="{01026DAE-505E-4D69-83FB-E72D5448BF93}" type="datetimeFigureOut">
               <a:rPr lang="zh-CN" altLang="en-US" smtClean="0"/>
-              <a:t>2020/6/21</a:t>
+              <a:t>2020/6/22</a:t>
             </a:fld>
             <a:endParaRPr lang="zh-CN" altLang="en-US"/>
           </a:p>
@@ -3384,8 +3389,13 @@
             </a:r>
             <a:r>
               <a:rPr lang="zh-CN" altLang="en-US" dirty="0"/>
-              <a:t>物联网框架中的边缘服务框架</a:t>
-            </a:r>
+              <a:t>物联网框架中的</a:t>
+            </a:r>
+            <a:r>
+              <a:rPr lang="zh-CN" altLang="en-US"/>
+              <a:t>边缘服务</a:t>
+            </a:r>
+            <a:endParaRPr lang="zh-CN" altLang="en-US" dirty="0"/>
           </a:p>
         </p:txBody>
       </p:sp>

--- a/学习笔记/边缘计算/AWSIoT.pptx
+++ b/学习笔记/边缘计算/AWSIoT.pptx
@@ -2,17 +2,21 @@
 <file path=ppt/presentation.xml><?xml version="1.0" encoding="utf-8"?>
 <p:presentation xmlns:a="http://schemas.openxmlformats.org/drawingml/2006/main" xmlns:r="http://schemas.openxmlformats.org/officeDocument/2006/relationships" xmlns:p="http://schemas.openxmlformats.org/presentationml/2006/main" saveSubsetFonts="1">
   <p:sldMasterIdLst>
-    <p:sldMasterId id="2147483648" r:id="rId1"/>
+    <p:sldMasterId id="2147483673" r:id="rId1"/>
   </p:sldMasterIdLst>
+  <p:notesMasterIdLst>
+    <p:notesMasterId r:id="rId11"/>
+  </p:notesMasterIdLst>
   <p:sldIdLst>
     <p:sldId id="256" r:id="rId2"/>
-    <p:sldId id="257" r:id="rId3"/>
-    <p:sldId id="258" r:id="rId4"/>
-    <p:sldId id="259" r:id="rId5"/>
-    <p:sldId id="260" r:id="rId6"/>
-    <p:sldId id="261" r:id="rId7"/>
-    <p:sldId id="263" r:id="rId8"/>
-    <p:sldId id="262" r:id="rId9"/>
+    <p:sldId id="317" r:id="rId3"/>
+    <p:sldId id="257" r:id="rId4"/>
+    <p:sldId id="258" r:id="rId5"/>
+    <p:sldId id="259" r:id="rId6"/>
+    <p:sldId id="260" r:id="rId7"/>
+    <p:sldId id="261" r:id="rId8"/>
+    <p:sldId id="263" r:id="rId9"/>
+    <p:sldId id="262" r:id="rId10"/>
   </p:sldIdLst>
   <p:sldSz cx="12192000" cy="6858000"/>
   <p:notesSz cx="6858000" cy="9144000"/>
@@ -119,6 +123,452 @@
 </p:presentation>
 </file>
 
+<file path=ppt/notesMasters/notesMaster1.xml><?xml version="1.0" encoding="utf-8"?>
+<p:notesMaster xmlns:a="http://schemas.openxmlformats.org/drawingml/2006/main" xmlns:r="http://schemas.openxmlformats.org/officeDocument/2006/relationships" xmlns:p="http://schemas.openxmlformats.org/presentationml/2006/main">
+  <p:cSld>
+    <p:bg>
+      <p:bgRef idx="1001">
+        <a:schemeClr val="bg1"/>
+      </p:bgRef>
+    </p:bg>
+    <p:spTree>
+      <p:nvGrpSpPr>
+        <p:cNvPr id="1" name=""/>
+        <p:cNvGrpSpPr/>
+        <p:nvPr/>
+      </p:nvGrpSpPr>
+      <p:grpSpPr>
+        <a:xfrm>
+          <a:off x="0" y="0"/>
+          <a:ext cx="0" cy="0"/>
+          <a:chOff x="0" y="0"/>
+          <a:chExt cx="0" cy="0"/>
+        </a:xfrm>
+      </p:grpSpPr>
+      <p:sp>
+        <p:nvSpPr>
+          <p:cNvPr id="2" name="页眉占位符 1"/>
+          <p:cNvSpPr>
+            <a:spLocks noGrp="1"/>
+          </p:cNvSpPr>
+          <p:nvPr>
+            <p:ph type="hdr" sz="quarter"/>
+          </p:nvPr>
+        </p:nvSpPr>
+        <p:spPr>
+          <a:xfrm>
+            <a:off x="0" y="0"/>
+            <a:ext cx="2971800" cy="458788"/>
+          </a:xfrm>
+          <a:prstGeom prst="rect">
+            <a:avLst/>
+          </a:prstGeom>
+        </p:spPr>
+        <p:txBody>
+          <a:bodyPr vert="horz" lIns="91440" tIns="45720" rIns="91440" bIns="45720" rtlCol="0"/>
+          <a:lstStyle>
+            <a:lvl1pPr algn="l">
+              <a:defRPr sz="1200"/>
+            </a:lvl1pPr>
+          </a:lstStyle>
+          <a:p>
+            <a:endParaRPr lang="zh-CN" altLang="en-US"/>
+          </a:p>
+        </p:txBody>
+      </p:sp>
+      <p:sp>
+        <p:nvSpPr>
+          <p:cNvPr id="3" name="日期占位符 2"/>
+          <p:cNvSpPr>
+            <a:spLocks noGrp="1"/>
+          </p:cNvSpPr>
+          <p:nvPr>
+            <p:ph type="dt" idx="1"/>
+          </p:nvPr>
+        </p:nvSpPr>
+        <p:spPr>
+          <a:xfrm>
+            <a:off x="3884613" y="0"/>
+            <a:ext cx="2971800" cy="458788"/>
+          </a:xfrm>
+          <a:prstGeom prst="rect">
+            <a:avLst/>
+          </a:prstGeom>
+        </p:spPr>
+        <p:txBody>
+          <a:bodyPr vert="horz" lIns="91440" tIns="45720" rIns="91440" bIns="45720" rtlCol="0"/>
+          <a:lstStyle>
+            <a:lvl1pPr algn="r">
+              <a:defRPr sz="1200"/>
+            </a:lvl1pPr>
+          </a:lstStyle>
+          <a:p>
+            <a:fld id="{77B7524D-C70A-4447-8A58-9D0BF0FF3637}" type="datetimeFigureOut">
+              <a:rPr lang="zh-CN" altLang="en-US" smtClean="0"/>
+              <a:t>2020/6/23</a:t>
+            </a:fld>
+            <a:endParaRPr lang="zh-CN" altLang="en-US"/>
+          </a:p>
+        </p:txBody>
+      </p:sp>
+      <p:sp>
+        <p:nvSpPr>
+          <p:cNvPr id="4" name="幻灯片图像占位符 3"/>
+          <p:cNvSpPr>
+            <a:spLocks noGrp="1" noRot="1" noChangeAspect="1"/>
+          </p:cNvSpPr>
+          <p:nvPr>
+            <p:ph type="sldImg" idx="2"/>
+          </p:nvPr>
+        </p:nvSpPr>
+        <p:spPr>
+          <a:xfrm>
+            <a:off x="685800" y="1143000"/>
+            <a:ext cx="5486400" cy="3086100"/>
+          </a:xfrm>
+          <a:prstGeom prst="rect">
+            <a:avLst/>
+          </a:prstGeom>
+          <a:noFill/>
+          <a:ln w="12700">
+            <a:solidFill>
+              <a:prstClr val="black"/>
+            </a:solidFill>
+          </a:ln>
+        </p:spPr>
+        <p:txBody>
+          <a:bodyPr vert="horz" lIns="91440" tIns="45720" rIns="91440" bIns="45720" rtlCol="0" anchor="ctr"/>
+          <a:lstStyle/>
+          <a:p>
+            <a:endParaRPr lang="zh-CN" altLang="en-US"/>
+          </a:p>
+        </p:txBody>
+      </p:sp>
+      <p:sp>
+        <p:nvSpPr>
+          <p:cNvPr id="5" name="备注占位符 4"/>
+          <p:cNvSpPr>
+            <a:spLocks noGrp="1"/>
+          </p:cNvSpPr>
+          <p:nvPr>
+            <p:ph type="body" sz="quarter" idx="3"/>
+          </p:nvPr>
+        </p:nvSpPr>
+        <p:spPr>
+          <a:xfrm>
+            <a:off x="685800" y="4400550"/>
+            <a:ext cx="5486400" cy="3600450"/>
+          </a:xfrm>
+          <a:prstGeom prst="rect">
+            <a:avLst/>
+          </a:prstGeom>
+        </p:spPr>
+        <p:txBody>
+          <a:bodyPr vert="horz" lIns="91440" tIns="45720" rIns="91440" bIns="45720" rtlCol="0"/>
+          <a:lstStyle/>
+          <a:p>
+            <a:pPr lvl="0"/>
+            <a:r>
+              <a:rPr lang="zh-CN" altLang="en-US"/>
+              <a:t>单击此处编辑母版文本样式</a:t>
+            </a:r>
+          </a:p>
+          <a:p>
+            <a:pPr lvl="1"/>
+            <a:r>
+              <a:rPr lang="zh-CN" altLang="en-US"/>
+              <a:t>二级</a:t>
+            </a:r>
+          </a:p>
+          <a:p>
+            <a:pPr lvl="2"/>
+            <a:r>
+              <a:rPr lang="zh-CN" altLang="en-US"/>
+              <a:t>三级</a:t>
+            </a:r>
+          </a:p>
+          <a:p>
+            <a:pPr lvl="3"/>
+            <a:r>
+              <a:rPr lang="zh-CN" altLang="en-US"/>
+              <a:t>四级</a:t>
+            </a:r>
+          </a:p>
+          <a:p>
+            <a:pPr lvl="4"/>
+            <a:r>
+              <a:rPr lang="zh-CN" altLang="en-US"/>
+              <a:t>五级</a:t>
+            </a:r>
+          </a:p>
+        </p:txBody>
+      </p:sp>
+      <p:sp>
+        <p:nvSpPr>
+          <p:cNvPr id="6" name="页脚占位符 5"/>
+          <p:cNvSpPr>
+            <a:spLocks noGrp="1"/>
+          </p:cNvSpPr>
+          <p:nvPr>
+            <p:ph type="ftr" sz="quarter" idx="4"/>
+          </p:nvPr>
+        </p:nvSpPr>
+        <p:spPr>
+          <a:xfrm>
+            <a:off x="0" y="8685213"/>
+            <a:ext cx="2971800" cy="458787"/>
+          </a:xfrm>
+          <a:prstGeom prst="rect">
+            <a:avLst/>
+          </a:prstGeom>
+        </p:spPr>
+        <p:txBody>
+          <a:bodyPr vert="horz" lIns="91440" tIns="45720" rIns="91440" bIns="45720" rtlCol="0" anchor="b"/>
+          <a:lstStyle>
+            <a:lvl1pPr algn="l">
+              <a:defRPr sz="1200"/>
+            </a:lvl1pPr>
+          </a:lstStyle>
+          <a:p>
+            <a:endParaRPr lang="zh-CN" altLang="en-US"/>
+          </a:p>
+        </p:txBody>
+      </p:sp>
+      <p:sp>
+        <p:nvSpPr>
+          <p:cNvPr id="7" name="灯片编号占位符 6"/>
+          <p:cNvSpPr>
+            <a:spLocks noGrp="1"/>
+          </p:cNvSpPr>
+          <p:nvPr>
+            <p:ph type="sldNum" sz="quarter" idx="5"/>
+          </p:nvPr>
+        </p:nvSpPr>
+        <p:spPr>
+          <a:xfrm>
+            <a:off x="3884613" y="8685213"/>
+            <a:ext cx="2971800" cy="458787"/>
+          </a:xfrm>
+          <a:prstGeom prst="rect">
+            <a:avLst/>
+          </a:prstGeom>
+        </p:spPr>
+        <p:txBody>
+          <a:bodyPr vert="horz" lIns="91440" tIns="45720" rIns="91440" bIns="45720" rtlCol="0" anchor="b"/>
+          <a:lstStyle>
+            <a:lvl1pPr algn="r">
+              <a:defRPr sz="1200"/>
+            </a:lvl1pPr>
+          </a:lstStyle>
+          <a:p>
+            <a:fld id="{9FDBB902-2DBA-4697-AEF4-95BD164B7B5D}" type="slidenum">
+              <a:rPr lang="zh-CN" altLang="en-US" smtClean="0"/>
+              <a:t>‹#›</a:t>
+            </a:fld>
+            <a:endParaRPr lang="zh-CN" altLang="en-US"/>
+          </a:p>
+        </p:txBody>
+      </p:sp>
+    </p:spTree>
+    <p:extLst>
+      <p:ext uri="{BB962C8B-B14F-4D97-AF65-F5344CB8AC3E}">
+        <p14:creationId xmlns:p14="http://schemas.microsoft.com/office/powerpoint/2010/main" val="1164231901"/>
+      </p:ext>
+    </p:extLst>
+  </p:cSld>
+  <p:clrMap bg1="lt1" tx1="dk1" bg2="lt2" tx2="dk2" accent1="accent1" accent2="accent2" accent3="accent3" accent4="accent4" accent5="accent5" accent6="accent6" hlink="hlink" folHlink="folHlink"/>
+  <p:notesStyle>
+    <a:lvl1pPr marL="0" algn="l" defTabSz="914400" rtl="0" eaLnBrk="1" latinLnBrk="0" hangingPunct="1">
+      <a:defRPr sz="1200" kern="1200">
+        <a:solidFill>
+          <a:schemeClr val="tx1"/>
+        </a:solidFill>
+        <a:latin typeface="+mn-lt"/>
+        <a:ea typeface="+mn-ea"/>
+        <a:cs typeface="+mn-cs"/>
+      </a:defRPr>
+    </a:lvl1pPr>
+    <a:lvl2pPr marL="457200" algn="l" defTabSz="914400" rtl="0" eaLnBrk="1" latinLnBrk="0" hangingPunct="1">
+      <a:defRPr sz="1200" kern="1200">
+        <a:solidFill>
+          <a:schemeClr val="tx1"/>
+        </a:solidFill>
+        <a:latin typeface="+mn-lt"/>
+        <a:ea typeface="+mn-ea"/>
+        <a:cs typeface="+mn-cs"/>
+      </a:defRPr>
+    </a:lvl2pPr>
+    <a:lvl3pPr marL="914400" algn="l" defTabSz="914400" rtl="0" eaLnBrk="1" latinLnBrk="0" hangingPunct="1">
+      <a:defRPr sz="1200" kern="1200">
+        <a:solidFill>
+          <a:schemeClr val="tx1"/>
+        </a:solidFill>
+        <a:latin typeface="+mn-lt"/>
+        <a:ea typeface="+mn-ea"/>
+        <a:cs typeface="+mn-cs"/>
+      </a:defRPr>
+    </a:lvl3pPr>
+    <a:lvl4pPr marL="1371600" algn="l" defTabSz="914400" rtl="0" eaLnBrk="1" latinLnBrk="0" hangingPunct="1">
+      <a:defRPr sz="1200" kern="1200">
+        <a:solidFill>
+          <a:schemeClr val="tx1"/>
+        </a:solidFill>
+        <a:latin typeface="+mn-lt"/>
+        <a:ea typeface="+mn-ea"/>
+        <a:cs typeface="+mn-cs"/>
+      </a:defRPr>
+    </a:lvl4pPr>
+    <a:lvl5pPr marL="1828800" algn="l" defTabSz="914400" rtl="0" eaLnBrk="1" latinLnBrk="0" hangingPunct="1">
+      <a:defRPr sz="1200" kern="1200">
+        <a:solidFill>
+          <a:schemeClr val="tx1"/>
+        </a:solidFill>
+        <a:latin typeface="+mn-lt"/>
+        <a:ea typeface="+mn-ea"/>
+        <a:cs typeface="+mn-cs"/>
+      </a:defRPr>
+    </a:lvl5pPr>
+    <a:lvl6pPr marL="2286000" algn="l" defTabSz="914400" rtl="0" eaLnBrk="1" latinLnBrk="0" hangingPunct="1">
+      <a:defRPr sz="1200" kern="1200">
+        <a:solidFill>
+          <a:schemeClr val="tx1"/>
+        </a:solidFill>
+        <a:latin typeface="+mn-lt"/>
+        <a:ea typeface="+mn-ea"/>
+        <a:cs typeface="+mn-cs"/>
+      </a:defRPr>
+    </a:lvl6pPr>
+    <a:lvl7pPr marL="2743200" algn="l" defTabSz="914400" rtl="0" eaLnBrk="1" latinLnBrk="0" hangingPunct="1">
+      <a:defRPr sz="1200" kern="1200">
+        <a:solidFill>
+          <a:schemeClr val="tx1"/>
+        </a:solidFill>
+        <a:latin typeface="+mn-lt"/>
+        <a:ea typeface="+mn-ea"/>
+        <a:cs typeface="+mn-cs"/>
+      </a:defRPr>
+    </a:lvl7pPr>
+    <a:lvl8pPr marL="3200400" algn="l" defTabSz="914400" rtl="0" eaLnBrk="1" latinLnBrk="0" hangingPunct="1">
+      <a:defRPr sz="1200" kern="1200">
+        <a:solidFill>
+          <a:schemeClr val="tx1"/>
+        </a:solidFill>
+        <a:latin typeface="+mn-lt"/>
+        <a:ea typeface="+mn-ea"/>
+        <a:cs typeface="+mn-cs"/>
+      </a:defRPr>
+    </a:lvl8pPr>
+    <a:lvl9pPr marL="3657600" algn="l" defTabSz="914400" rtl="0" eaLnBrk="1" latinLnBrk="0" hangingPunct="1">
+      <a:defRPr sz="1200" kern="1200">
+        <a:solidFill>
+          <a:schemeClr val="tx1"/>
+        </a:solidFill>
+        <a:latin typeface="+mn-lt"/>
+        <a:ea typeface="+mn-ea"/>
+        <a:cs typeface="+mn-cs"/>
+      </a:defRPr>
+    </a:lvl9pPr>
+  </p:notesStyle>
+</p:notesMaster>
+</file>
+
+<file path=ppt/notesSlides/notesSlide1.xml><?xml version="1.0" encoding="utf-8"?>
+<p:notes xmlns:a="http://schemas.openxmlformats.org/drawingml/2006/main" xmlns:r="http://schemas.openxmlformats.org/officeDocument/2006/relationships" xmlns:p="http://schemas.openxmlformats.org/presentationml/2006/main">
+  <p:cSld>
+    <p:spTree>
+      <p:nvGrpSpPr>
+        <p:cNvPr id="1" name=""/>
+        <p:cNvGrpSpPr/>
+        <p:nvPr/>
+      </p:nvGrpSpPr>
+      <p:grpSpPr>
+        <a:xfrm>
+          <a:off x="0" y="0"/>
+          <a:ext cx="0" cy="0"/>
+          <a:chOff x="0" y="0"/>
+          <a:chExt cx="0" cy="0"/>
+        </a:xfrm>
+      </p:grpSpPr>
+      <p:sp>
+        <p:nvSpPr>
+          <p:cNvPr id="2" name="幻灯片图像占位符 1"/>
+          <p:cNvSpPr>
+            <a:spLocks noGrp="1" noRot="1" noChangeAspect="1"/>
+          </p:cNvSpPr>
+          <p:nvPr>
+            <p:ph type="sldImg"/>
+          </p:nvPr>
+        </p:nvSpPr>
+        <p:spPr/>
+      </p:sp>
+      <p:sp>
+        <p:nvSpPr>
+          <p:cNvPr id="3" name="备注占位符 2"/>
+          <p:cNvSpPr>
+            <a:spLocks noGrp="1"/>
+          </p:cNvSpPr>
+          <p:nvPr>
+            <p:ph type="body" idx="1"/>
+          </p:nvPr>
+        </p:nvSpPr>
+        <p:spPr/>
+        <p:txBody>
+          <a:bodyPr/>
+          <a:lstStyle/>
+          <a:p>
+            <a:endParaRPr lang="zh-CN" altLang="en-US" dirty="0"/>
+          </a:p>
+        </p:txBody>
+      </p:sp>
+      <p:sp>
+        <p:nvSpPr>
+          <p:cNvPr id="4" name="灯片编号占位符 3"/>
+          <p:cNvSpPr>
+            <a:spLocks noGrp="1"/>
+          </p:cNvSpPr>
+          <p:nvPr>
+            <p:ph type="sldNum" sz="quarter" idx="10"/>
+          </p:nvPr>
+        </p:nvSpPr>
+        <p:spPr/>
+        <p:txBody>
+          <a:bodyPr/>
+          <a:lstStyle/>
+          <a:p>
+            <a:fld id="{268C3F19-532C-4836-AB5A-5A9132B4A718}" type="slidenum">
+              <a:rPr lang="zh-CN" altLang="en-US" smtClean="0">
+                <a:solidFill>
+                  <a:prstClr val="black"/>
+                </a:solidFill>
+                <a:latin typeface="DengXian" panose="020F0502020204030204"/>
+                <a:ea typeface="DengXian" panose="02010600030101010101" pitchFamily="2" charset="-122"/>
+              </a:rPr>
+              <a:pPr/>
+              <a:t>2</a:t>
+            </a:fld>
+            <a:endParaRPr lang="zh-CN" altLang="en-US">
+              <a:solidFill>
+                <a:prstClr val="black"/>
+              </a:solidFill>
+              <a:latin typeface="DengXian" panose="020F0502020204030204"/>
+              <a:ea typeface="DengXian" panose="02010600030101010101" pitchFamily="2" charset="-122"/>
+            </a:endParaRPr>
+          </a:p>
+        </p:txBody>
+      </p:sp>
+    </p:spTree>
+    <p:extLst>
+      <p:ext uri="{BB962C8B-B14F-4D97-AF65-F5344CB8AC3E}">
+        <p14:creationId xmlns:p14="http://schemas.microsoft.com/office/powerpoint/2010/main" val="1891153717"/>
+      </p:ext>
+    </p:extLst>
+  </p:cSld>
+  <p:clrMapOvr>
+    <a:masterClrMapping/>
+  </p:clrMapOvr>
+</p:notes>
+</file>
+
 <file path=ppt/slideLayouts/slideLayout1.xml><?xml version="1.0" encoding="utf-8"?>
 <p:sldLayout xmlns:a="http://schemas.openxmlformats.org/drawingml/2006/main" xmlns:r="http://schemas.openxmlformats.org/officeDocument/2006/relationships" xmlns:p="http://schemas.openxmlformats.org/presentationml/2006/main" type="title" preserve="1">
   <p:cSld name="标题幻灯片">
@@ -138,13 +588,7 @@
       </p:grpSpPr>
       <p:sp>
         <p:nvSpPr>
-          <p:cNvPr id="2" name="标题 1">
-            <a:extLst>
-              <a:ext uri="{FF2B5EF4-FFF2-40B4-BE49-F238E27FC236}">
-                <a16:creationId xmlns:a16="http://schemas.microsoft.com/office/drawing/2014/main" id="{E7551014-64B6-4408-9959-1427D4A55F9F}"/>
-              </a:ext>
-            </a:extLst>
-          </p:cNvPr>
+          <p:cNvPr id="2" name="标题 1"/>
           <p:cNvSpPr>
             <a:spLocks noGrp="1"/>
           </p:cNvSpPr>
@@ -154,104 +598,106 @@
         </p:nvSpPr>
         <p:spPr>
           <a:xfrm>
-            <a:off x="1524000" y="1122363"/>
-            <a:ext cx="9144000" cy="2387600"/>
+            <a:off x="0" y="2052266"/>
+            <a:ext cx="12192000" cy="1562846"/>
+          </a:xfrm>
+          <a:prstGeom prst="rect">
+            <a:avLst/>
+          </a:prstGeom>
+          <a:solidFill>
+            <a:srgbClr val="02409A"/>
+          </a:solidFill>
+          <a:ln>
+            <a:noFill/>
+          </a:ln>
+          <a:effectLst>
+            <a:outerShdw blurRad="44450" dist="27940" dir="5400000" algn="ctr">
+              <a:srgbClr val="000000">
+                <a:alpha val="32000"/>
+              </a:srgbClr>
+            </a:outerShdw>
+          </a:effectLst>
+        </p:spPr>
+        <p:txBody>
+          <a:bodyPr tIns="0" bIns="0" anchor="ctr"/>
+          <a:lstStyle>
+            <a:lvl1pPr>
+              <a:defRPr lang="zh-CN" altLang="en-US" sz="2400" b="1" dirty="0">
+                <a:solidFill>
+                  <a:prstClr val="white"/>
+                </a:solidFill>
+                <a:effectLst>
+                  <a:outerShdw blurRad="38100" dist="38100" dir="2700000" algn="tl">
+                    <a:srgbClr val="000000">
+                      <a:alpha val="43137"/>
+                    </a:srgbClr>
+                  </a:outerShdw>
+                </a:effectLst>
+                <a:latin typeface="微软雅黑" panose="020B0503020204020204" pitchFamily="34" charset="-122"/>
+                <a:ea typeface="微软雅黑" panose="020B0503020204020204" pitchFamily="34" charset="-122"/>
+                <a:cs typeface="+mn-cs"/>
+              </a:defRPr>
+            </a:lvl1pPr>
+          </a:lstStyle>
+          <a:p>
+            <a:pPr marL="0" lvl="0"/>
+            <a:r>
+              <a:rPr lang="zh-CN" altLang="en-US"/>
+              <a:t>单击此处编辑母版标题样式</a:t>
+            </a:r>
+            <a:endParaRPr lang="zh-CN" altLang="en-US" dirty="0"/>
+          </a:p>
+        </p:txBody>
+      </p:sp>
+      <p:sp>
+        <p:nvSpPr>
+          <p:cNvPr id="3" name="副标题 2"/>
+          <p:cNvSpPr>
+            <a:spLocks noGrp="1"/>
+          </p:cNvSpPr>
+          <p:nvPr>
+            <p:ph type="subTitle" idx="1"/>
+          </p:nvPr>
+        </p:nvSpPr>
+        <p:spPr>
+          <a:xfrm>
+            <a:off x="1828800" y="3886200"/>
+            <a:ext cx="8534400" cy="1752600"/>
           </a:xfrm>
         </p:spPr>
         <p:txBody>
-          <a:bodyPr anchor="b"/>
+          <a:bodyPr vert="horz" lIns="91440" tIns="45720" rIns="91440" bIns="45720" rtlCol="0">
+            <a:normAutofit lnSpcReduction="10000"/>
+          </a:bodyPr>
           <a:lstStyle>
             <a:lvl1pPr algn="ctr">
-              <a:defRPr sz="6000"/>
+              <a:defRPr lang="zh-CN" altLang="en-US" b="1" dirty="0">
+                <a:solidFill>
+                  <a:srgbClr val="0033CC"/>
+                </a:solidFill>
+                <a:latin typeface="楷体" panose="02010609060101010101" pitchFamily="49" charset="-122"/>
+                <a:ea typeface="楷体" panose="02010609060101010101" pitchFamily="49" charset="-122"/>
+              </a:defRPr>
             </a:lvl1pPr>
           </a:lstStyle>
           <a:p>
-            <a:r>
-              <a:rPr lang="zh-CN" altLang="en-US"/>
-              <a:t>单击此处编辑母版标题样式</a:t>
-            </a:r>
-          </a:p>
-        </p:txBody>
-      </p:sp>
-      <p:sp>
-        <p:nvSpPr>
-          <p:cNvPr id="3" name="副标题 2">
-            <a:extLst>
-              <a:ext uri="{FF2B5EF4-FFF2-40B4-BE49-F238E27FC236}">
-                <a16:creationId xmlns:a16="http://schemas.microsoft.com/office/drawing/2014/main" id="{CC2362F9-3695-49D5-990A-E7541E19DECB}"/>
-              </a:ext>
-            </a:extLst>
-          </p:cNvPr>
-          <p:cNvSpPr>
-            <a:spLocks noGrp="1"/>
-          </p:cNvSpPr>
-          <p:nvPr>
-            <p:ph type="subTitle" idx="1"/>
-          </p:nvPr>
-        </p:nvSpPr>
-        <p:spPr>
-          <a:xfrm>
-            <a:off x="1524000" y="3602038"/>
-            <a:ext cx="9144000" cy="1655762"/>
-          </a:xfrm>
-        </p:spPr>
-        <p:txBody>
-          <a:bodyPr/>
-          <a:lstStyle>
-            <a:lvl1pPr marL="0" indent="0" algn="ctr">
+            <a:pPr marL="0" lvl="0" indent="0" algn="ctr">
+              <a:spcAft>
+                <a:spcPts val="2400"/>
+              </a:spcAft>
               <a:buNone/>
-              <a:defRPr sz="2400"/>
-            </a:lvl1pPr>
-            <a:lvl2pPr marL="457200" indent="0" algn="ctr">
-              <a:buNone/>
-              <a:defRPr sz="2000"/>
-            </a:lvl2pPr>
-            <a:lvl3pPr marL="914400" indent="0" algn="ctr">
-              <a:buNone/>
-              <a:defRPr sz="1800"/>
-            </a:lvl3pPr>
-            <a:lvl4pPr marL="1371600" indent="0" algn="ctr">
-              <a:buNone/>
-              <a:defRPr sz="1600"/>
-            </a:lvl4pPr>
-            <a:lvl5pPr marL="1828800" indent="0" algn="ctr">
-              <a:buNone/>
-              <a:defRPr sz="1600"/>
-            </a:lvl5pPr>
-            <a:lvl6pPr marL="2286000" indent="0" algn="ctr">
-              <a:buNone/>
-              <a:defRPr sz="1600"/>
-            </a:lvl6pPr>
-            <a:lvl7pPr marL="2743200" indent="0" algn="ctr">
-              <a:buNone/>
-              <a:defRPr sz="1600"/>
-            </a:lvl7pPr>
-            <a:lvl8pPr marL="3200400" indent="0" algn="ctr">
-              <a:buNone/>
-              <a:defRPr sz="1600"/>
-            </a:lvl8pPr>
-            <a:lvl9pPr marL="3657600" indent="0" algn="ctr">
-              <a:buNone/>
-              <a:defRPr sz="1600"/>
-            </a:lvl9pPr>
-          </a:lstStyle>
-          <a:p>
+            </a:pPr>
             <a:r>
               <a:rPr lang="zh-CN" altLang="en-US"/>
               <a:t>单击此处编辑母版副标题样式</a:t>
             </a:r>
-          </a:p>
-        </p:txBody>
-      </p:sp>
-      <p:sp>
-        <p:nvSpPr>
-          <p:cNvPr id="4" name="日期占位符 3">
-            <a:extLst>
-              <a:ext uri="{FF2B5EF4-FFF2-40B4-BE49-F238E27FC236}">
-                <a16:creationId xmlns:a16="http://schemas.microsoft.com/office/drawing/2014/main" id="{16F473C3-9307-4CA8-BB88-7D0961ECF05B}"/>
-              </a:ext>
-            </a:extLst>
-          </p:cNvPr>
+            <a:endParaRPr lang="zh-CN" altLang="en-US" dirty="0"/>
+          </a:p>
+        </p:txBody>
+      </p:sp>
+      <p:sp>
+        <p:nvSpPr>
+          <p:cNvPr id="4" name="日期占位符 3"/>
           <p:cNvSpPr>
             <a:spLocks noGrp="1"/>
           </p:cNvSpPr>
@@ -266,7 +712,7 @@
           <a:p>
             <a:fld id="{01026DAE-505E-4D69-83FB-E72D5448BF93}" type="datetimeFigureOut">
               <a:rPr lang="zh-CN" altLang="en-US" smtClean="0"/>
-              <a:t>2020/6/22</a:t>
+              <a:t>2020/6/23</a:t>
             </a:fld>
             <a:endParaRPr lang="zh-CN" altLang="en-US"/>
           </a:p>
@@ -274,13 +720,7 @@
       </p:sp>
       <p:sp>
         <p:nvSpPr>
-          <p:cNvPr id="5" name="页脚占位符 4">
-            <a:extLst>
-              <a:ext uri="{FF2B5EF4-FFF2-40B4-BE49-F238E27FC236}">
-                <a16:creationId xmlns:a16="http://schemas.microsoft.com/office/drawing/2014/main" id="{05CACE80-6E77-4BDE-BBB8-AC0F0B6D36A2}"/>
-              </a:ext>
-            </a:extLst>
-          </p:cNvPr>
+          <p:cNvPr id="5" name="页脚占位符 4"/>
           <p:cNvSpPr>
             <a:spLocks noGrp="1"/>
           </p:cNvSpPr>
@@ -299,13 +739,7 @@
       </p:sp>
       <p:sp>
         <p:nvSpPr>
-          <p:cNvPr id="6" name="灯片编号占位符 5">
-            <a:extLst>
-              <a:ext uri="{FF2B5EF4-FFF2-40B4-BE49-F238E27FC236}">
-                <a16:creationId xmlns:a16="http://schemas.microsoft.com/office/drawing/2014/main" id="{0BD314A7-2904-4BB4-A7C2-8A020152B880}"/>
-              </a:ext>
-            </a:extLst>
-          </p:cNvPr>
+          <p:cNvPr id="6" name="灯片编号占位符 5"/>
           <p:cNvSpPr>
             <a:spLocks noGrp="1"/>
           </p:cNvSpPr>
@@ -326,10 +760,70 @@
           </a:p>
         </p:txBody>
       </p:sp>
+      <p:pic>
+        <p:nvPicPr>
+          <p:cNvPr id="8" name="Picture 5">
+            <a:extLst>
+              <a:ext uri="{FF2B5EF4-FFF2-40B4-BE49-F238E27FC236}">
+                <a16:creationId xmlns:a16="http://schemas.microsoft.com/office/drawing/2014/main" id="{5C661FD0-60DD-459F-B399-FEA4B9CFB7A6}"/>
+              </a:ext>
+            </a:extLst>
+          </p:cNvPr>
+          <p:cNvPicPr>
+            <a:picLocks noChangeAspect="1" noChangeArrowheads="1"/>
+          </p:cNvPicPr>
+          <p:nvPr/>
+        </p:nvPicPr>
+        <p:blipFill>
+          <a:blip r:embed="rId2" cstate="print">
+            <a:extLst>
+              <a:ext uri="{28A0092B-C50C-407E-A947-70E740481C1C}">
+                <a14:useLocalDpi xmlns:a14="http://schemas.microsoft.com/office/drawing/2010/main" val="0"/>
+              </a:ext>
+            </a:extLst>
+          </a:blip>
+          <a:srcRect/>
+          <a:stretch>
+            <a:fillRect/>
+          </a:stretch>
+        </p:blipFill>
+        <p:spPr bwMode="auto">
+          <a:xfrm>
+            <a:off x="180306" y="355983"/>
+            <a:ext cx="2303462" cy="766762"/>
+          </a:xfrm>
+          <a:prstGeom prst="rect">
+            <a:avLst/>
+          </a:prstGeom>
+          <a:noFill/>
+          <a:ln>
+            <a:noFill/>
+          </a:ln>
+          <a:extLst>
+            <a:ext uri="{909E8E84-426E-40DD-AFC4-6F175D3DCCD1}">
+              <a14:hiddenFill xmlns:a14="http://schemas.microsoft.com/office/drawing/2010/main">
+                <a:solidFill>
+                  <a:srgbClr val="FFFFFF"/>
+                </a:solidFill>
+              </a14:hiddenFill>
+            </a:ext>
+            <a:ext uri="{91240B29-F687-4F45-9708-019B960494DF}">
+              <a14:hiddenLine xmlns:a14="http://schemas.microsoft.com/office/drawing/2010/main" w="9525">
+                <a:solidFill>
+                  <a:srgbClr val="000000"/>
+                </a:solidFill>
+                <a:miter lim="800000"/>
+                <a:headEnd/>
+                <a:tailEnd/>
+              </a14:hiddenLine>
+            </a:ext>
+          </a:extLst>
+        </p:spPr>
+      </p:pic>
     </p:spTree>
     <p:extLst>
       <p:ext uri="{BB962C8B-B14F-4D97-AF65-F5344CB8AC3E}">
-        <p14:creationId xmlns:p14="http://schemas.microsoft.com/office/powerpoint/2010/main" val="4278407727"/>
+        <p14:creationId xmlns:p14="http://schemas.microsoft.com/office/powerpoint/2010/main" val="1227254364"/>
       </p:ext>
     </p:extLst>
   </p:cSld>
@@ -340,6 +834,264 @@
 </file>
 
 <file path=ppt/slideLayouts/slideLayout10.xml><?xml version="1.0" encoding="utf-8"?>
+<p:sldLayout xmlns:a="http://schemas.openxmlformats.org/drawingml/2006/main" xmlns:r="http://schemas.openxmlformats.org/officeDocument/2006/relationships" xmlns:p="http://schemas.openxmlformats.org/presentationml/2006/main" type="picTx" preserve="1">
+  <p:cSld name="图片与标题">
+    <p:spTree>
+      <p:nvGrpSpPr>
+        <p:cNvPr id="1" name=""/>
+        <p:cNvGrpSpPr/>
+        <p:nvPr/>
+      </p:nvGrpSpPr>
+      <p:grpSpPr>
+        <a:xfrm>
+          <a:off x="0" y="0"/>
+          <a:ext cx="0" cy="0"/>
+          <a:chOff x="0" y="0"/>
+          <a:chExt cx="0" cy="0"/>
+        </a:xfrm>
+      </p:grpSpPr>
+      <p:sp>
+        <p:nvSpPr>
+          <p:cNvPr id="2" name="标题 1"/>
+          <p:cNvSpPr>
+            <a:spLocks noGrp="1"/>
+          </p:cNvSpPr>
+          <p:nvPr>
+            <p:ph type="title"/>
+          </p:nvPr>
+        </p:nvSpPr>
+        <p:spPr>
+          <a:xfrm>
+            <a:off x="2389717" y="4800600"/>
+            <a:ext cx="7315200" cy="566738"/>
+          </a:xfrm>
+          <a:prstGeom prst="rect">
+            <a:avLst/>
+          </a:prstGeom>
+        </p:spPr>
+        <p:txBody>
+          <a:bodyPr anchor="b"/>
+          <a:lstStyle>
+            <a:lvl1pPr algn="l">
+              <a:defRPr sz="2000" b="1"/>
+            </a:lvl1pPr>
+          </a:lstStyle>
+          <a:p>
+            <a:r>
+              <a:rPr lang="zh-CN" altLang="en-US"/>
+              <a:t>单击此处编辑母版标题样式</a:t>
+            </a:r>
+          </a:p>
+        </p:txBody>
+      </p:sp>
+      <p:sp>
+        <p:nvSpPr>
+          <p:cNvPr id="3" name="图片占位符 2"/>
+          <p:cNvSpPr>
+            <a:spLocks noGrp="1"/>
+          </p:cNvSpPr>
+          <p:nvPr>
+            <p:ph type="pic" idx="1"/>
+          </p:nvPr>
+        </p:nvSpPr>
+        <p:spPr>
+          <a:xfrm>
+            <a:off x="2389717" y="612775"/>
+            <a:ext cx="7315200" cy="4114800"/>
+          </a:xfrm>
+        </p:spPr>
+        <p:txBody>
+          <a:bodyPr/>
+          <a:lstStyle>
+            <a:lvl1pPr marL="0" indent="0">
+              <a:buNone/>
+              <a:defRPr sz="3200"/>
+            </a:lvl1pPr>
+            <a:lvl2pPr marL="457200" indent="0">
+              <a:buNone/>
+              <a:defRPr sz="2800"/>
+            </a:lvl2pPr>
+            <a:lvl3pPr marL="914400" indent="0">
+              <a:buNone/>
+              <a:defRPr sz="2400"/>
+            </a:lvl3pPr>
+            <a:lvl4pPr marL="1371600" indent="0">
+              <a:buNone/>
+              <a:defRPr sz="2000"/>
+            </a:lvl4pPr>
+            <a:lvl5pPr marL="1828800" indent="0">
+              <a:buNone/>
+              <a:defRPr sz="2000"/>
+            </a:lvl5pPr>
+            <a:lvl6pPr marL="2286000" indent="0">
+              <a:buNone/>
+              <a:defRPr sz="2000"/>
+            </a:lvl6pPr>
+            <a:lvl7pPr marL="2743200" indent="0">
+              <a:buNone/>
+              <a:defRPr sz="2000"/>
+            </a:lvl7pPr>
+            <a:lvl8pPr marL="3200400" indent="0">
+              <a:buNone/>
+              <a:defRPr sz="2000"/>
+            </a:lvl8pPr>
+            <a:lvl9pPr marL="3657600" indent="0">
+              <a:buNone/>
+              <a:defRPr sz="2000"/>
+            </a:lvl9pPr>
+          </a:lstStyle>
+          <a:p>
+            <a:r>
+              <a:rPr lang="zh-CN" altLang="en-US"/>
+              <a:t>单击图标添加图片</a:t>
+            </a:r>
+          </a:p>
+        </p:txBody>
+      </p:sp>
+      <p:sp>
+        <p:nvSpPr>
+          <p:cNvPr id="4" name="文本占位符 3"/>
+          <p:cNvSpPr>
+            <a:spLocks noGrp="1"/>
+          </p:cNvSpPr>
+          <p:nvPr>
+            <p:ph type="body" sz="half" idx="2"/>
+          </p:nvPr>
+        </p:nvSpPr>
+        <p:spPr>
+          <a:xfrm>
+            <a:off x="2389717" y="5367338"/>
+            <a:ext cx="7315200" cy="804862"/>
+          </a:xfrm>
+        </p:spPr>
+        <p:txBody>
+          <a:bodyPr/>
+          <a:lstStyle>
+            <a:lvl1pPr marL="0" indent="0">
+              <a:buNone/>
+              <a:defRPr sz="1400"/>
+            </a:lvl1pPr>
+            <a:lvl2pPr marL="457200" indent="0">
+              <a:buNone/>
+              <a:defRPr sz="1200"/>
+            </a:lvl2pPr>
+            <a:lvl3pPr marL="914400" indent="0">
+              <a:buNone/>
+              <a:defRPr sz="1000"/>
+            </a:lvl3pPr>
+            <a:lvl4pPr marL="1371600" indent="0">
+              <a:buNone/>
+              <a:defRPr sz="900"/>
+            </a:lvl4pPr>
+            <a:lvl5pPr marL="1828800" indent="0">
+              <a:buNone/>
+              <a:defRPr sz="900"/>
+            </a:lvl5pPr>
+            <a:lvl6pPr marL="2286000" indent="0">
+              <a:buNone/>
+              <a:defRPr sz="900"/>
+            </a:lvl6pPr>
+            <a:lvl7pPr marL="2743200" indent="0">
+              <a:buNone/>
+              <a:defRPr sz="900"/>
+            </a:lvl7pPr>
+            <a:lvl8pPr marL="3200400" indent="0">
+              <a:buNone/>
+              <a:defRPr sz="900"/>
+            </a:lvl8pPr>
+            <a:lvl9pPr marL="3657600" indent="0">
+              <a:buNone/>
+              <a:defRPr sz="900"/>
+            </a:lvl9pPr>
+          </a:lstStyle>
+          <a:p>
+            <a:pPr lvl="0"/>
+            <a:r>
+              <a:rPr lang="zh-CN" altLang="en-US"/>
+              <a:t>单击此处编辑母版文本样式</a:t>
+            </a:r>
+          </a:p>
+        </p:txBody>
+      </p:sp>
+      <p:sp>
+        <p:nvSpPr>
+          <p:cNvPr id="5" name="日期占位符 4"/>
+          <p:cNvSpPr>
+            <a:spLocks noGrp="1"/>
+          </p:cNvSpPr>
+          <p:nvPr>
+            <p:ph type="dt" sz="half" idx="10"/>
+          </p:nvPr>
+        </p:nvSpPr>
+        <p:spPr/>
+        <p:txBody>
+          <a:bodyPr/>
+          <a:lstStyle/>
+          <a:p>
+            <a:fld id="{01026DAE-505E-4D69-83FB-E72D5448BF93}" type="datetimeFigureOut">
+              <a:rPr lang="zh-CN" altLang="en-US" smtClean="0"/>
+              <a:t>2020/6/23</a:t>
+            </a:fld>
+            <a:endParaRPr lang="zh-CN" altLang="en-US"/>
+          </a:p>
+        </p:txBody>
+      </p:sp>
+      <p:sp>
+        <p:nvSpPr>
+          <p:cNvPr id="6" name="页脚占位符 5"/>
+          <p:cNvSpPr>
+            <a:spLocks noGrp="1"/>
+          </p:cNvSpPr>
+          <p:nvPr>
+            <p:ph type="ftr" sz="quarter" idx="11"/>
+          </p:nvPr>
+        </p:nvSpPr>
+        <p:spPr/>
+        <p:txBody>
+          <a:bodyPr/>
+          <a:lstStyle/>
+          <a:p>
+            <a:endParaRPr lang="zh-CN" altLang="en-US"/>
+          </a:p>
+        </p:txBody>
+      </p:sp>
+      <p:sp>
+        <p:nvSpPr>
+          <p:cNvPr id="7" name="灯片编号占位符 6"/>
+          <p:cNvSpPr>
+            <a:spLocks noGrp="1"/>
+          </p:cNvSpPr>
+          <p:nvPr>
+            <p:ph type="sldNum" sz="quarter" idx="12"/>
+          </p:nvPr>
+        </p:nvSpPr>
+        <p:spPr/>
+        <p:txBody>
+          <a:bodyPr/>
+          <a:lstStyle/>
+          <a:p>
+            <a:fld id="{464A7708-C954-4805-96C6-CD773B023FB6}" type="slidenum">
+              <a:rPr lang="zh-CN" altLang="en-US" smtClean="0"/>
+              <a:t>‹#›</a:t>
+            </a:fld>
+            <a:endParaRPr lang="zh-CN" altLang="en-US"/>
+          </a:p>
+        </p:txBody>
+      </p:sp>
+    </p:spTree>
+    <p:extLst>
+      <p:ext uri="{BB962C8B-B14F-4D97-AF65-F5344CB8AC3E}">
+        <p14:creationId xmlns:p14="http://schemas.microsoft.com/office/powerpoint/2010/main" val="3918076027"/>
+      </p:ext>
+    </p:extLst>
+  </p:cSld>
+  <p:clrMapOvr>
+    <a:masterClrMapping/>
+  </p:clrMapOvr>
+</p:sldLayout>
+</file>
+
+<file path=ppt/slideLayouts/slideLayout11.xml><?xml version="1.0" encoding="utf-8"?>
 <p:sldLayout xmlns:a="http://schemas.openxmlformats.org/drawingml/2006/main" xmlns:r="http://schemas.openxmlformats.org/officeDocument/2006/relationships" xmlns:p="http://schemas.openxmlformats.org/presentationml/2006/main" type="vertTx" preserve="1">
   <p:cSld name="标题和竖排文字">
     <p:spTree>
@@ -356,20 +1108,325 @@
           <a:chExt cx="0" cy="0"/>
         </a:xfrm>
       </p:grpSpPr>
-      <p:sp>
-        <p:nvSpPr>
-          <p:cNvPr id="2" name="标题 1">
+      <p:grpSp>
+        <p:nvGrpSpPr>
+          <p:cNvPr id="7" name="组合 6">
             <a:extLst>
               <a:ext uri="{FF2B5EF4-FFF2-40B4-BE49-F238E27FC236}">
-                <a16:creationId xmlns:a16="http://schemas.microsoft.com/office/drawing/2014/main" id="{B46D63B1-39E4-49D2-943C-EA4C4885D0D5}"/>
+                <a16:creationId xmlns:a16="http://schemas.microsoft.com/office/drawing/2014/main" id="{F4ED3AB4-93C4-4985-9727-B5715F6DCF1B}"/>
               </a:ext>
             </a:extLst>
           </p:cNvPr>
+          <p:cNvGrpSpPr/>
+          <p:nvPr/>
+        </p:nvGrpSpPr>
+        <p:grpSpPr>
+          <a:xfrm>
+            <a:off x="0" y="-24"/>
+            <a:ext cx="12192000" cy="863601"/>
+            <a:chOff x="0" y="-26988"/>
+            <a:chExt cx="9144000" cy="863601"/>
+          </a:xfrm>
+        </p:grpSpPr>
+        <p:sp>
+          <p:nvSpPr>
+            <p:cNvPr id="8" name="标题 3">
+              <a:extLst>
+                <a:ext uri="{FF2B5EF4-FFF2-40B4-BE49-F238E27FC236}">
+                  <a16:creationId xmlns:a16="http://schemas.microsoft.com/office/drawing/2014/main" id="{E5772554-358F-47C0-96CC-C9A515D842CA}"/>
+                </a:ext>
+              </a:extLst>
+            </p:cNvPr>
+            <p:cNvSpPr txBox="1">
+              <a:spLocks/>
+            </p:cNvSpPr>
+            <p:nvPr/>
+          </p:nvSpPr>
+          <p:spPr>
+            <a:xfrm>
+              <a:off x="0" y="-26988"/>
+              <a:ext cx="9144000" cy="863601"/>
+            </a:xfrm>
+            <a:prstGeom prst="rect">
+              <a:avLst/>
+            </a:prstGeom>
+            <a:solidFill>
+              <a:srgbClr val="02409A"/>
+            </a:solidFill>
+            <a:ln>
+              <a:noFill/>
+            </a:ln>
+            <a:effectLst/>
+          </p:spPr>
+          <p:txBody>
+            <a:bodyPr tIns="0" bIns="0" anchor="ctr"/>
+            <a:lstStyle/>
+            <a:p>
+              <a:pPr algn="ctr">
+                <a:spcBef>
+                  <a:spcPct val="0"/>
+                </a:spcBef>
+                <a:defRPr/>
+              </a:pPr>
+              <a:endParaRPr lang="zh-CN" altLang="en-US" sz="4800" b="1" dirty="0">
+                <a:solidFill>
+                  <a:prstClr val="white"/>
+                </a:solidFill>
+                <a:latin typeface="微软雅黑" pitchFamily="34" charset="-122"/>
+                <a:ea typeface="微软雅黑" pitchFamily="34" charset="-122"/>
+              </a:endParaRPr>
+            </a:p>
+          </p:txBody>
+        </p:sp>
+        <p:cxnSp>
+          <p:nvCxnSpPr>
+            <p:cNvPr id="9" name="直接连接符 19">
+              <a:extLst>
+                <a:ext uri="{FF2B5EF4-FFF2-40B4-BE49-F238E27FC236}">
+                  <a16:creationId xmlns:a16="http://schemas.microsoft.com/office/drawing/2014/main" id="{952489E2-6397-44CE-8691-C678D691008E}"/>
+                </a:ext>
+              </a:extLst>
+            </p:cNvPr>
+            <p:cNvCxnSpPr>
+              <a:cxnSpLocks/>
+            </p:cNvCxnSpPr>
+            <p:nvPr/>
+          </p:nvCxnSpPr>
+          <p:spPr bwMode="auto">
+            <a:xfrm flipH="1">
+              <a:off x="449263" y="-25400"/>
+              <a:ext cx="1587" cy="841375"/>
+            </a:xfrm>
+            <a:prstGeom prst="line">
+              <a:avLst/>
+            </a:prstGeom>
+            <a:noFill/>
+            <a:ln w="28575" algn="ctr">
+              <a:solidFill>
+                <a:schemeClr val="bg1"/>
+              </a:solidFill>
+              <a:round/>
+              <a:headEnd/>
+              <a:tailEnd/>
+            </a:ln>
+            <a:effectLst/>
+            <a:extLst>
+              <a:ext uri="{909E8E84-426E-40DD-AFC4-6F175D3DCCD1}">
+                <a14:hiddenFill xmlns:a14="http://schemas.microsoft.com/office/drawing/2010/main">
+                  <a:noFill/>
+                </a14:hiddenFill>
+              </a:ext>
+            </a:extLst>
+          </p:spPr>
+        </p:cxnSp>
+        <p:cxnSp>
+          <p:nvCxnSpPr>
+            <p:cNvPr id="10" name="直接连接符 20">
+              <a:extLst>
+                <a:ext uri="{FF2B5EF4-FFF2-40B4-BE49-F238E27FC236}">
+                  <a16:creationId xmlns:a16="http://schemas.microsoft.com/office/drawing/2014/main" id="{448BAFAA-2692-4D2E-8630-5C30F4E8521F}"/>
+                </a:ext>
+              </a:extLst>
+            </p:cNvPr>
+            <p:cNvCxnSpPr>
+              <a:cxnSpLocks/>
+            </p:cNvCxnSpPr>
+            <p:nvPr/>
+          </p:nvCxnSpPr>
+          <p:spPr bwMode="auto">
+            <a:xfrm flipH="1">
+              <a:off x="511175" y="-26988"/>
+              <a:ext cx="1588" cy="554038"/>
+            </a:xfrm>
+            <a:prstGeom prst="line">
+              <a:avLst/>
+            </a:prstGeom>
+            <a:noFill/>
+            <a:ln w="28575" algn="ctr">
+              <a:solidFill>
+                <a:schemeClr val="bg1"/>
+              </a:solidFill>
+              <a:round/>
+              <a:headEnd/>
+              <a:tailEnd/>
+            </a:ln>
+            <a:effectLst/>
+            <a:extLst>
+              <a:ext uri="{909E8E84-426E-40DD-AFC4-6F175D3DCCD1}">
+                <a14:hiddenFill xmlns:a14="http://schemas.microsoft.com/office/drawing/2010/main">
+                  <a:noFill/>
+                </a14:hiddenFill>
+              </a:ext>
+            </a:extLst>
+          </p:spPr>
+        </p:cxnSp>
+        <p:cxnSp>
+          <p:nvCxnSpPr>
+            <p:cNvPr id="11" name="直接连接符 30">
+              <a:extLst>
+                <a:ext uri="{FF2B5EF4-FFF2-40B4-BE49-F238E27FC236}">
+                  <a16:creationId xmlns:a16="http://schemas.microsoft.com/office/drawing/2014/main" id="{25D89B58-495A-43A7-92C0-BF27541BD2AB}"/>
+                </a:ext>
+              </a:extLst>
+            </p:cNvPr>
+            <p:cNvCxnSpPr>
+              <a:cxnSpLocks/>
+            </p:cNvCxnSpPr>
+            <p:nvPr/>
+          </p:nvCxnSpPr>
+          <p:spPr bwMode="auto">
+            <a:xfrm>
+              <a:off x="576263" y="-26988"/>
+              <a:ext cx="0" cy="298451"/>
+            </a:xfrm>
+            <a:prstGeom prst="line">
+              <a:avLst/>
+            </a:prstGeom>
+            <a:noFill/>
+            <a:ln w="28575" algn="ctr">
+              <a:solidFill>
+                <a:schemeClr val="bg1"/>
+              </a:solidFill>
+              <a:round/>
+              <a:headEnd/>
+              <a:tailEnd/>
+            </a:ln>
+            <a:effectLst/>
+            <a:extLst>
+              <a:ext uri="{909E8E84-426E-40DD-AFC4-6F175D3DCCD1}">
+                <a14:hiddenFill xmlns:a14="http://schemas.microsoft.com/office/drawing/2010/main">
+                  <a:noFill/>
+                </a14:hiddenFill>
+              </a:ext>
+            </a:extLst>
+          </p:spPr>
+        </p:cxnSp>
+      </p:grpSp>
+      <p:sp>
+        <p:nvSpPr>
+          <p:cNvPr id="2" name="标题 1"/>
           <p:cNvSpPr>
             <a:spLocks noGrp="1"/>
           </p:cNvSpPr>
           <p:nvPr>
             <p:ph type="title"/>
+          </p:nvPr>
+        </p:nvSpPr>
+        <p:spPr>
+          <a:xfrm>
+            <a:off x="829733" y="169838"/>
+            <a:ext cx="11118683" cy="554038"/>
+          </a:xfrm>
+          <a:prstGeom prst="rect">
+            <a:avLst/>
+          </a:prstGeom>
+        </p:spPr>
+        <p:txBody>
+          <a:bodyPr vert="horz" lIns="91440" tIns="45720" rIns="91440" bIns="45720" rtlCol="0" anchor="ctr">
+            <a:normAutofit/>
+          </a:bodyPr>
+          <a:lstStyle>
+            <a:lvl1pPr>
+              <a:defRPr lang="zh-CN" altLang="en-US" sz="3000" b="1" dirty="0">
+                <a:solidFill>
+                  <a:prstClr val="white"/>
+                </a:solidFill>
+                <a:latin typeface="微软雅黑" panose="020B0503020204020204" pitchFamily="34" charset="-122"/>
+                <a:ea typeface="微软雅黑" panose="020B0503020204020204" pitchFamily="34" charset="-122"/>
+                <a:cs typeface="Arial" pitchFamily="34" charset="0"/>
+              </a:defRPr>
+            </a:lvl1pPr>
+          </a:lstStyle>
+          <a:p>
+            <a:pPr marL="0" lvl="0" algn="l" fontAlgn="base">
+              <a:spcAft>
+                <a:spcPct val="0"/>
+              </a:spcAft>
+            </a:pPr>
+            <a:r>
+              <a:rPr lang="zh-CN" altLang="en-US"/>
+              <a:t>单击此处编辑母版标题样式</a:t>
+            </a:r>
+            <a:endParaRPr lang="zh-CN" altLang="en-US" dirty="0"/>
+          </a:p>
+        </p:txBody>
+      </p:sp>
+      <p:sp>
+        <p:nvSpPr>
+          <p:cNvPr id="3" name="竖排文字占位符 2"/>
+          <p:cNvSpPr>
+            <a:spLocks noGrp="1"/>
+          </p:cNvSpPr>
+          <p:nvPr>
+            <p:ph type="body" orient="vert" idx="1"/>
+          </p:nvPr>
+        </p:nvSpPr>
+        <p:spPr>
+          <a:xfrm>
+            <a:off x="609600" y="1033440"/>
+            <a:ext cx="10972800" cy="5092724"/>
+          </a:xfrm>
+        </p:spPr>
+        <p:txBody>
+          <a:bodyPr vert="eaVert"/>
+          <a:lstStyle>
+            <a:lvl1pPr marL="342900" indent="-342900">
+              <a:buFont typeface="Wingdings" panose="05000000000000000000" pitchFamily="2" charset="2"/>
+              <a:buChar char="Ø"/>
+              <a:defRPr/>
+            </a:lvl1pPr>
+            <a:lvl2pPr marL="742950" indent="-285750">
+              <a:buFont typeface="Wingdings" panose="05000000000000000000" pitchFamily="2" charset="2"/>
+              <a:buChar char="n"/>
+              <a:defRPr/>
+            </a:lvl2pPr>
+          </a:lstStyle>
+          <a:p>
+            <a:pPr lvl="0"/>
+            <a:r>
+              <a:rPr lang="zh-CN" altLang="en-US"/>
+              <a:t>单击此处编辑母版文本样式</a:t>
+            </a:r>
+          </a:p>
+          <a:p>
+            <a:pPr lvl="1"/>
+            <a:r>
+              <a:rPr lang="zh-CN" altLang="en-US"/>
+              <a:t>二级</a:t>
+            </a:r>
+          </a:p>
+          <a:p>
+            <a:pPr lvl="2"/>
+            <a:r>
+              <a:rPr lang="zh-CN" altLang="en-US"/>
+              <a:t>三级</a:t>
+            </a:r>
+          </a:p>
+          <a:p>
+            <a:pPr lvl="3"/>
+            <a:r>
+              <a:rPr lang="zh-CN" altLang="en-US"/>
+              <a:t>四级</a:t>
+            </a:r>
+          </a:p>
+          <a:p>
+            <a:pPr lvl="4"/>
+            <a:r>
+              <a:rPr lang="zh-CN" altLang="en-US"/>
+              <a:t>五级</a:t>
+            </a:r>
+            <a:endParaRPr lang="zh-CN" altLang="en-US" dirty="0"/>
+          </a:p>
+        </p:txBody>
+      </p:sp>
+      <p:sp>
+        <p:nvSpPr>
+          <p:cNvPr id="4" name="日期占位符 3"/>
+          <p:cNvSpPr>
+            <a:spLocks noGrp="1"/>
+          </p:cNvSpPr>
+          <p:nvPr>
+            <p:ph type="dt" sz="half" idx="10"/>
           </p:nvPr>
         </p:nvSpPr>
         <p:spPr/>
@@ -377,84 +1434,22 @@
           <a:bodyPr/>
           <a:lstStyle/>
           <a:p>
-            <a:r>
-              <a:rPr lang="zh-CN" altLang="en-US"/>
-              <a:t>单击此处编辑母版标题样式</a:t>
-            </a:r>
-          </a:p>
-        </p:txBody>
-      </p:sp>
-      <p:sp>
-        <p:nvSpPr>
-          <p:cNvPr id="3" name="竖排文字占位符 2">
-            <a:extLst>
-              <a:ext uri="{FF2B5EF4-FFF2-40B4-BE49-F238E27FC236}">
-                <a16:creationId xmlns:a16="http://schemas.microsoft.com/office/drawing/2014/main" id="{73BD45EC-AFE3-418E-8717-068585010DC9}"/>
-              </a:ext>
-            </a:extLst>
-          </p:cNvPr>
+            <a:fld id="{01026DAE-505E-4D69-83FB-E72D5448BF93}" type="datetimeFigureOut">
+              <a:rPr lang="zh-CN" altLang="en-US" smtClean="0"/>
+              <a:t>2020/6/23</a:t>
+            </a:fld>
+            <a:endParaRPr lang="zh-CN" altLang="en-US"/>
+          </a:p>
+        </p:txBody>
+      </p:sp>
+      <p:sp>
+        <p:nvSpPr>
+          <p:cNvPr id="5" name="页脚占位符 4"/>
           <p:cNvSpPr>
             <a:spLocks noGrp="1"/>
           </p:cNvSpPr>
           <p:nvPr>
-            <p:ph type="body" orient="vert" idx="1"/>
-          </p:nvPr>
-        </p:nvSpPr>
-        <p:spPr/>
-        <p:txBody>
-          <a:bodyPr vert="eaVert"/>
-          <a:lstStyle/>
-          <a:p>
-            <a:pPr lvl="0"/>
-            <a:r>
-              <a:rPr lang="zh-CN" altLang="en-US"/>
-              <a:t>单击此处编辑母版文本样式</a:t>
-            </a:r>
-          </a:p>
-          <a:p>
-            <a:pPr lvl="1"/>
-            <a:r>
-              <a:rPr lang="zh-CN" altLang="en-US"/>
-              <a:t>二级</a:t>
-            </a:r>
-          </a:p>
-          <a:p>
-            <a:pPr lvl="2"/>
-            <a:r>
-              <a:rPr lang="zh-CN" altLang="en-US"/>
-              <a:t>三级</a:t>
-            </a:r>
-          </a:p>
-          <a:p>
-            <a:pPr lvl="3"/>
-            <a:r>
-              <a:rPr lang="zh-CN" altLang="en-US"/>
-              <a:t>四级</a:t>
-            </a:r>
-          </a:p>
-          <a:p>
-            <a:pPr lvl="4"/>
-            <a:r>
-              <a:rPr lang="zh-CN" altLang="en-US"/>
-              <a:t>五级</a:t>
-            </a:r>
-          </a:p>
-        </p:txBody>
-      </p:sp>
-      <p:sp>
-        <p:nvSpPr>
-          <p:cNvPr id="4" name="日期占位符 3">
-            <a:extLst>
-              <a:ext uri="{FF2B5EF4-FFF2-40B4-BE49-F238E27FC236}">
-                <a16:creationId xmlns:a16="http://schemas.microsoft.com/office/drawing/2014/main" id="{175445AE-0C2A-4645-9DE2-39F293D0334C}"/>
-              </a:ext>
-            </a:extLst>
-          </p:cNvPr>
-          <p:cNvSpPr>
-            <a:spLocks noGrp="1"/>
-          </p:cNvSpPr>
-          <p:nvPr>
-            <p:ph type="dt" sz="half" idx="10"/>
+            <p:ph type="ftr" sz="quarter" idx="11"/>
           </p:nvPr>
         </p:nvSpPr>
         <p:spPr/>
@@ -462,48 +1457,13 @@
           <a:bodyPr/>
           <a:lstStyle/>
           <a:p>
-            <a:fld id="{01026DAE-505E-4D69-83FB-E72D5448BF93}" type="datetimeFigureOut">
-              <a:rPr lang="zh-CN" altLang="en-US" smtClean="0"/>
-              <a:t>2020/6/22</a:t>
-            </a:fld>
             <a:endParaRPr lang="zh-CN" altLang="en-US"/>
           </a:p>
         </p:txBody>
       </p:sp>
       <p:sp>
         <p:nvSpPr>
-          <p:cNvPr id="5" name="页脚占位符 4">
-            <a:extLst>
-              <a:ext uri="{FF2B5EF4-FFF2-40B4-BE49-F238E27FC236}">
-                <a16:creationId xmlns:a16="http://schemas.microsoft.com/office/drawing/2014/main" id="{3F167DA2-AA46-4515-BB4B-4DCC4A6AC2A0}"/>
-              </a:ext>
-            </a:extLst>
-          </p:cNvPr>
-          <p:cNvSpPr>
-            <a:spLocks noGrp="1"/>
-          </p:cNvSpPr>
-          <p:nvPr>
-            <p:ph type="ftr" sz="quarter" idx="11"/>
-          </p:nvPr>
-        </p:nvSpPr>
-        <p:spPr/>
-        <p:txBody>
-          <a:bodyPr/>
-          <a:lstStyle/>
-          <a:p>
-            <a:endParaRPr lang="zh-CN" altLang="en-US"/>
-          </a:p>
-        </p:txBody>
-      </p:sp>
-      <p:sp>
-        <p:nvSpPr>
-          <p:cNvPr id="6" name="灯片编号占位符 5">
-            <a:extLst>
-              <a:ext uri="{FF2B5EF4-FFF2-40B4-BE49-F238E27FC236}">
-                <a16:creationId xmlns:a16="http://schemas.microsoft.com/office/drawing/2014/main" id="{BF849329-DF17-4053-BF7A-5CF8AB9D31B3}"/>
-              </a:ext>
-            </a:extLst>
-          </p:cNvPr>
+          <p:cNvPr id="6" name="灯片编号占位符 5"/>
           <p:cNvSpPr>
             <a:spLocks noGrp="1"/>
           </p:cNvSpPr>
@@ -527,7 +1487,7 @@
     </p:spTree>
     <p:extLst>
       <p:ext uri="{BB962C8B-B14F-4D97-AF65-F5344CB8AC3E}">
-        <p14:creationId xmlns:p14="http://schemas.microsoft.com/office/powerpoint/2010/main" val="293928153"/>
+        <p14:creationId xmlns:p14="http://schemas.microsoft.com/office/powerpoint/2010/main" val="953833335"/>
       </p:ext>
     </p:extLst>
   </p:cSld>
@@ -537,9 +1497,9 @@
 </p:sldLayout>
 </file>
 
-<file path=ppt/slideLayouts/slideLayout11.xml><?xml version="1.0" encoding="utf-8"?>
+<file path=ppt/slideLayouts/slideLayout12.xml><?xml version="1.0" encoding="utf-8"?>
 <p:sldLayout xmlns:a="http://schemas.openxmlformats.org/drawingml/2006/main" xmlns:r="http://schemas.openxmlformats.org/officeDocument/2006/relationships" xmlns:p="http://schemas.openxmlformats.org/presentationml/2006/main" type="vertTitleAndTx" preserve="1">
-  <p:cSld name="竖排标题与文本">
+  <p:cSld name="垂直排列标题与文本">
     <p:spTree>
       <p:nvGrpSpPr>
         <p:cNvPr id="1" name=""/>
@@ -554,15 +1514,203 @@
           <a:chExt cx="0" cy="0"/>
         </a:xfrm>
       </p:grpSpPr>
-      <p:sp>
-        <p:nvSpPr>
-          <p:cNvPr id="2" name="竖排标题 1">
+      <p:grpSp>
+        <p:nvGrpSpPr>
+          <p:cNvPr id="12" name="组合 11">
             <a:extLst>
               <a:ext uri="{FF2B5EF4-FFF2-40B4-BE49-F238E27FC236}">
-                <a16:creationId xmlns:a16="http://schemas.microsoft.com/office/drawing/2014/main" id="{7856929E-427A-4E87-9D43-F3224F025847}"/>
+                <a16:creationId xmlns:a16="http://schemas.microsoft.com/office/drawing/2014/main" id="{1DFD6234-749D-4F0C-9C2C-F3E5A01C882A}"/>
               </a:ext>
             </a:extLst>
           </p:cNvPr>
+          <p:cNvGrpSpPr/>
+          <p:nvPr/>
+        </p:nvGrpSpPr>
+        <p:grpSpPr>
+          <a:xfrm rot="5400000">
+            <a:off x="8187268" y="2853269"/>
+            <a:ext cx="6858001" cy="1151468"/>
+            <a:chOff x="1" y="-26988"/>
+            <a:chExt cx="6858001" cy="863601"/>
+          </a:xfrm>
+        </p:grpSpPr>
+        <p:sp>
+          <p:nvSpPr>
+            <p:cNvPr id="13" name="标题 3">
+              <a:extLst>
+                <a:ext uri="{FF2B5EF4-FFF2-40B4-BE49-F238E27FC236}">
+                  <a16:creationId xmlns:a16="http://schemas.microsoft.com/office/drawing/2014/main" id="{574037EC-6187-49F8-9EE1-3DD7CCA0BB04}"/>
+                </a:ext>
+              </a:extLst>
+            </p:cNvPr>
+            <p:cNvSpPr txBox="1">
+              <a:spLocks/>
+            </p:cNvSpPr>
+            <p:nvPr/>
+          </p:nvSpPr>
+          <p:spPr>
+            <a:xfrm>
+              <a:off x="1" y="-26988"/>
+              <a:ext cx="6858001" cy="863601"/>
+            </a:xfrm>
+            <a:prstGeom prst="rect">
+              <a:avLst/>
+            </a:prstGeom>
+            <a:solidFill>
+              <a:srgbClr val="02409A"/>
+            </a:solidFill>
+            <a:ln>
+              <a:noFill/>
+            </a:ln>
+            <a:effectLst/>
+          </p:spPr>
+          <p:txBody>
+            <a:bodyPr tIns="0" bIns="0" anchor="ctr"/>
+            <a:lstStyle/>
+            <a:p>
+              <a:pPr algn="ctr">
+                <a:spcBef>
+                  <a:spcPct val="0"/>
+                </a:spcBef>
+                <a:defRPr/>
+              </a:pPr>
+              <a:endParaRPr lang="zh-CN" altLang="en-US" sz="4800" b="1" dirty="0">
+                <a:solidFill>
+                  <a:prstClr val="white"/>
+                </a:solidFill>
+                <a:latin typeface="微软雅黑" pitchFamily="34" charset="-122"/>
+                <a:ea typeface="微软雅黑" pitchFamily="34" charset="-122"/>
+              </a:endParaRPr>
+            </a:p>
+          </p:txBody>
+        </p:sp>
+        <p:cxnSp>
+          <p:nvCxnSpPr>
+            <p:cNvPr id="14" name="直接连接符 19">
+              <a:extLst>
+                <a:ext uri="{FF2B5EF4-FFF2-40B4-BE49-F238E27FC236}">
+                  <a16:creationId xmlns:a16="http://schemas.microsoft.com/office/drawing/2014/main" id="{9017F2ED-EF73-4A0D-B8D3-D9B77AA1798B}"/>
+                </a:ext>
+              </a:extLst>
+            </p:cNvPr>
+            <p:cNvCxnSpPr>
+              <a:cxnSpLocks/>
+            </p:cNvCxnSpPr>
+            <p:nvPr/>
+          </p:nvCxnSpPr>
+          <p:spPr bwMode="auto">
+            <a:xfrm flipH="1">
+              <a:off x="449263" y="-25400"/>
+              <a:ext cx="1587" cy="841375"/>
+            </a:xfrm>
+            <a:prstGeom prst="line">
+              <a:avLst/>
+            </a:prstGeom>
+            <a:noFill/>
+            <a:ln w="28575" algn="ctr">
+              <a:solidFill>
+                <a:schemeClr val="bg1"/>
+              </a:solidFill>
+              <a:round/>
+              <a:headEnd/>
+              <a:tailEnd/>
+            </a:ln>
+            <a:effectLst/>
+            <a:extLst>
+              <a:ext uri="{909E8E84-426E-40DD-AFC4-6F175D3DCCD1}">
+                <a14:hiddenFill xmlns:a14="http://schemas.microsoft.com/office/drawing/2010/main">
+                  <a:noFill/>
+                </a14:hiddenFill>
+              </a:ext>
+            </a:extLst>
+          </p:spPr>
+        </p:cxnSp>
+        <p:cxnSp>
+          <p:nvCxnSpPr>
+            <p:cNvPr id="15" name="直接连接符 20">
+              <a:extLst>
+                <a:ext uri="{FF2B5EF4-FFF2-40B4-BE49-F238E27FC236}">
+                  <a16:creationId xmlns:a16="http://schemas.microsoft.com/office/drawing/2014/main" id="{45E0181A-AEEC-41B7-980F-4C1E8F2CEA01}"/>
+                </a:ext>
+              </a:extLst>
+            </p:cNvPr>
+            <p:cNvCxnSpPr>
+              <a:cxnSpLocks/>
+            </p:cNvCxnSpPr>
+            <p:nvPr/>
+          </p:nvCxnSpPr>
+          <p:spPr bwMode="auto">
+            <a:xfrm flipH="1">
+              <a:off x="511175" y="-26988"/>
+              <a:ext cx="1588" cy="554038"/>
+            </a:xfrm>
+            <a:prstGeom prst="line">
+              <a:avLst/>
+            </a:prstGeom>
+            <a:noFill/>
+            <a:ln w="28575" algn="ctr">
+              <a:solidFill>
+                <a:schemeClr val="bg1"/>
+              </a:solidFill>
+              <a:round/>
+              <a:headEnd/>
+              <a:tailEnd/>
+            </a:ln>
+            <a:effectLst/>
+            <a:extLst>
+              <a:ext uri="{909E8E84-426E-40DD-AFC4-6F175D3DCCD1}">
+                <a14:hiddenFill xmlns:a14="http://schemas.microsoft.com/office/drawing/2010/main">
+                  <a:noFill/>
+                </a14:hiddenFill>
+              </a:ext>
+            </a:extLst>
+          </p:spPr>
+        </p:cxnSp>
+        <p:cxnSp>
+          <p:nvCxnSpPr>
+            <p:cNvPr id="16" name="直接连接符 30">
+              <a:extLst>
+                <a:ext uri="{FF2B5EF4-FFF2-40B4-BE49-F238E27FC236}">
+                  <a16:creationId xmlns:a16="http://schemas.microsoft.com/office/drawing/2014/main" id="{385AB42A-FEB5-4E5C-A393-4C51D819CE7E}"/>
+                </a:ext>
+              </a:extLst>
+            </p:cNvPr>
+            <p:cNvCxnSpPr>
+              <a:cxnSpLocks/>
+            </p:cNvCxnSpPr>
+            <p:nvPr/>
+          </p:nvCxnSpPr>
+          <p:spPr bwMode="auto">
+            <a:xfrm>
+              <a:off x="576263" y="-26988"/>
+              <a:ext cx="0" cy="298451"/>
+            </a:xfrm>
+            <a:prstGeom prst="line">
+              <a:avLst/>
+            </a:prstGeom>
+            <a:noFill/>
+            <a:ln w="28575" algn="ctr">
+              <a:solidFill>
+                <a:schemeClr val="bg1"/>
+              </a:solidFill>
+              <a:round/>
+              <a:headEnd/>
+              <a:tailEnd/>
+            </a:ln>
+            <a:effectLst/>
+            <a:extLst>
+              <a:ext uri="{909E8E84-426E-40DD-AFC4-6F175D3DCCD1}">
+                <a14:hiddenFill xmlns:a14="http://schemas.microsoft.com/office/drawing/2010/main">
+                  <a:noFill/>
+                </a14:hiddenFill>
+              </a:ext>
+            </a:extLst>
+          </p:spPr>
+        </p:cxnSp>
+      </p:grpSp>
+      <p:sp>
+        <p:nvSpPr>
+          <p:cNvPr id="2" name="竖排标题 1"/>
           <p:cNvSpPr>
             <a:spLocks noGrp="1"/>
           </p:cNvSpPr>
@@ -572,46 +1720,73 @@
         </p:nvSpPr>
         <p:spPr>
           <a:xfrm>
-            <a:off x="8724900" y="365125"/>
-            <a:ext cx="2628900" cy="5811838"/>
+            <a:off x="11226803" y="622301"/>
+            <a:ext cx="738717" cy="5499098"/>
+          </a:xfrm>
+          <a:prstGeom prst="rect">
+            <a:avLst/>
+          </a:prstGeom>
+        </p:spPr>
+        <p:txBody>
+          <a:bodyPr vert="horz" lIns="91440" tIns="45720" rIns="91440" bIns="45720" rtlCol="0" anchor="ctr">
+            <a:normAutofit/>
+          </a:bodyPr>
+          <a:lstStyle>
+            <a:lvl1pPr>
+              <a:defRPr lang="zh-CN" altLang="en-US" sz="3000" b="1">
+                <a:solidFill>
+                  <a:prstClr val="white"/>
+                </a:solidFill>
+                <a:latin typeface="微软雅黑" panose="020B0503020204020204" pitchFamily="34" charset="-122"/>
+                <a:ea typeface="微软雅黑" panose="020B0503020204020204" pitchFamily="34" charset="-122"/>
+                <a:cs typeface="Arial" pitchFamily="34" charset="0"/>
+              </a:defRPr>
+            </a:lvl1pPr>
+          </a:lstStyle>
+          <a:p>
+            <a:pPr marL="0" lvl="0" algn="l" fontAlgn="base">
+              <a:spcAft>
+                <a:spcPct val="0"/>
+              </a:spcAft>
+            </a:pPr>
+            <a:r>
+              <a:rPr lang="zh-CN" altLang="en-US"/>
+              <a:t>单击此处编辑母版标题样式</a:t>
+            </a:r>
+            <a:endParaRPr lang="zh-CN" altLang="en-US" dirty="0"/>
+          </a:p>
+        </p:txBody>
+      </p:sp>
+      <p:sp>
+        <p:nvSpPr>
+          <p:cNvPr id="3" name="竖排文字占位符 2"/>
+          <p:cNvSpPr>
+            <a:spLocks noGrp="1"/>
+          </p:cNvSpPr>
+          <p:nvPr>
+            <p:ph type="body" orient="vert" idx="1"/>
+          </p:nvPr>
+        </p:nvSpPr>
+        <p:spPr>
+          <a:xfrm>
+            <a:off x="609599" y="274639"/>
+            <a:ext cx="10231971" cy="5851525"/>
           </a:xfrm>
         </p:spPr>
         <p:txBody>
           <a:bodyPr vert="eaVert"/>
-          <a:lstStyle/>
-          <a:p>
-            <a:r>
-              <a:rPr lang="zh-CN" altLang="en-US"/>
-              <a:t>单击此处编辑母版标题样式</a:t>
-            </a:r>
-          </a:p>
-        </p:txBody>
-      </p:sp>
-      <p:sp>
-        <p:nvSpPr>
-          <p:cNvPr id="3" name="竖排文字占位符 2">
-            <a:extLst>
-              <a:ext uri="{FF2B5EF4-FFF2-40B4-BE49-F238E27FC236}">
-                <a16:creationId xmlns:a16="http://schemas.microsoft.com/office/drawing/2014/main" id="{2EFA7BFF-F19B-4A21-953A-A2DAD9FF2791}"/>
-              </a:ext>
-            </a:extLst>
-          </p:cNvPr>
-          <p:cNvSpPr>
-            <a:spLocks noGrp="1"/>
-          </p:cNvSpPr>
-          <p:nvPr>
-            <p:ph type="body" orient="vert" idx="1"/>
-          </p:nvPr>
-        </p:nvSpPr>
-        <p:spPr>
-          <a:xfrm>
-            <a:off x="838200" y="365125"/>
-            <a:ext cx="7734300" cy="5811838"/>
-          </a:xfrm>
-        </p:spPr>
-        <p:txBody>
-          <a:bodyPr vert="eaVert"/>
-          <a:lstStyle/>
+          <a:lstStyle>
+            <a:lvl1pPr marL="342900" indent="-342900">
+              <a:buFont typeface="Wingdings" panose="05000000000000000000" pitchFamily="2" charset="2"/>
+              <a:buChar char="Ø"/>
+              <a:defRPr/>
+            </a:lvl1pPr>
+            <a:lvl2pPr marL="742950" indent="-285750">
+              <a:buFont typeface="Wingdings" panose="05000000000000000000" pitchFamily="2" charset="2"/>
+              <a:buChar char="n"/>
+              <a:defRPr/>
+            </a:lvl2pPr>
+          </a:lstStyle>
           <a:p>
             <a:pPr lvl="0"/>
             <a:r>
@@ -646,18 +1821,13 @@
               <a:rPr lang="zh-CN" altLang="en-US"/>
               <a:t>五级</a:t>
             </a:r>
-          </a:p>
-        </p:txBody>
-      </p:sp>
-      <p:sp>
-        <p:nvSpPr>
-          <p:cNvPr id="4" name="日期占位符 3">
-            <a:extLst>
-              <a:ext uri="{FF2B5EF4-FFF2-40B4-BE49-F238E27FC236}">
-                <a16:creationId xmlns:a16="http://schemas.microsoft.com/office/drawing/2014/main" id="{A96C816A-6028-4C6F-BCBF-81138889D0A1}"/>
-              </a:ext>
-            </a:extLst>
-          </p:cNvPr>
+            <a:endParaRPr lang="zh-CN" altLang="en-US" dirty="0"/>
+          </a:p>
+        </p:txBody>
+      </p:sp>
+      <p:sp>
+        <p:nvSpPr>
+          <p:cNvPr id="4" name="日期占位符 3"/>
           <p:cNvSpPr>
             <a:spLocks noGrp="1"/>
           </p:cNvSpPr>
@@ -672,7 +1842,7 @@
           <a:p>
             <a:fld id="{01026DAE-505E-4D69-83FB-E72D5448BF93}" type="datetimeFigureOut">
               <a:rPr lang="zh-CN" altLang="en-US" smtClean="0"/>
-              <a:t>2020/6/22</a:t>
+              <a:t>2020/6/23</a:t>
             </a:fld>
             <a:endParaRPr lang="zh-CN" altLang="en-US"/>
           </a:p>
@@ -680,13 +1850,7 @@
       </p:sp>
       <p:sp>
         <p:nvSpPr>
-          <p:cNvPr id="5" name="页脚占位符 4">
-            <a:extLst>
-              <a:ext uri="{FF2B5EF4-FFF2-40B4-BE49-F238E27FC236}">
-                <a16:creationId xmlns:a16="http://schemas.microsoft.com/office/drawing/2014/main" id="{42C14E35-7BE3-495F-A23B-CF0E0986967A}"/>
-              </a:ext>
-            </a:extLst>
-          </p:cNvPr>
+          <p:cNvPr id="5" name="页脚占位符 4"/>
           <p:cNvSpPr>
             <a:spLocks noGrp="1"/>
           </p:cNvSpPr>
@@ -705,13 +1869,7 @@
       </p:sp>
       <p:sp>
         <p:nvSpPr>
-          <p:cNvPr id="6" name="灯片编号占位符 5">
-            <a:extLst>
-              <a:ext uri="{FF2B5EF4-FFF2-40B4-BE49-F238E27FC236}">
-                <a16:creationId xmlns:a16="http://schemas.microsoft.com/office/drawing/2014/main" id="{A9A99962-8BCF-4781-89B4-37B360C9C9D4}"/>
-              </a:ext>
-            </a:extLst>
-          </p:cNvPr>
+          <p:cNvPr id="6" name="灯片编号占位符 5"/>
           <p:cNvSpPr>
             <a:spLocks noGrp="1"/>
           </p:cNvSpPr>
@@ -735,7 +1893,7 @@
     </p:spTree>
     <p:extLst>
       <p:ext uri="{BB962C8B-B14F-4D97-AF65-F5344CB8AC3E}">
-        <p14:creationId xmlns:p14="http://schemas.microsoft.com/office/powerpoint/2010/main" val="1656805344"/>
+        <p14:creationId xmlns:p14="http://schemas.microsoft.com/office/powerpoint/2010/main" val="1219591352"/>
       </p:ext>
     </p:extLst>
   </p:cSld>
@@ -762,20 +1920,326 @@
           <a:chExt cx="0" cy="0"/>
         </a:xfrm>
       </p:grpSpPr>
-      <p:sp>
-        <p:nvSpPr>
-          <p:cNvPr id="2" name="标题 1">
+      <p:grpSp>
+        <p:nvGrpSpPr>
+          <p:cNvPr id="7" name="组合 6">
             <a:extLst>
               <a:ext uri="{FF2B5EF4-FFF2-40B4-BE49-F238E27FC236}">
-                <a16:creationId xmlns:a16="http://schemas.microsoft.com/office/drawing/2014/main" id="{D80ECCCE-2620-44BE-AAC0-B0A0893009B7}"/>
+                <a16:creationId xmlns:a16="http://schemas.microsoft.com/office/drawing/2014/main" id="{226DC398-675C-4A24-84B3-5404C11AC76E}"/>
               </a:ext>
             </a:extLst>
           </p:cNvPr>
+          <p:cNvGrpSpPr/>
+          <p:nvPr/>
+        </p:nvGrpSpPr>
+        <p:grpSpPr>
+          <a:xfrm>
+            <a:off x="0" y="-24"/>
+            <a:ext cx="12192000" cy="863601"/>
+            <a:chOff x="0" y="-26988"/>
+            <a:chExt cx="9144000" cy="863601"/>
+          </a:xfrm>
+        </p:grpSpPr>
+        <p:sp>
+          <p:nvSpPr>
+            <p:cNvPr id="8" name="标题 3">
+              <a:extLst>
+                <a:ext uri="{FF2B5EF4-FFF2-40B4-BE49-F238E27FC236}">
+                  <a16:creationId xmlns:a16="http://schemas.microsoft.com/office/drawing/2014/main" id="{1E0D3804-A6F0-4CDE-BDE3-E630549CBA6F}"/>
+                </a:ext>
+              </a:extLst>
+            </p:cNvPr>
+            <p:cNvSpPr txBox="1">
+              <a:spLocks/>
+            </p:cNvSpPr>
+            <p:nvPr/>
+          </p:nvSpPr>
+          <p:spPr>
+            <a:xfrm>
+              <a:off x="0" y="-26988"/>
+              <a:ext cx="9144000" cy="863601"/>
+            </a:xfrm>
+            <a:prstGeom prst="rect">
+              <a:avLst/>
+            </a:prstGeom>
+            <a:solidFill>
+              <a:srgbClr val="02409A"/>
+            </a:solidFill>
+            <a:ln>
+              <a:noFill/>
+            </a:ln>
+            <a:effectLst/>
+          </p:spPr>
+          <p:txBody>
+            <a:bodyPr tIns="0" bIns="0" anchor="ctr"/>
+            <a:lstStyle/>
+            <a:p>
+              <a:pPr algn="ctr">
+                <a:spcBef>
+                  <a:spcPct val="0"/>
+                </a:spcBef>
+                <a:defRPr/>
+              </a:pPr>
+              <a:endParaRPr lang="zh-CN" altLang="en-US" sz="4800" b="1" dirty="0">
+                <a:solidFill>
+                  <a:prstClr val="white"/>
+                </a:solidFill>
+                <a:latin typeface="微软雅黑" pitchFamily="34" charset="-122"/>
+                <a:ea typeface="微软雅黑" pitchFamily="34" charset="-122"/>
+              </a:endParaRPr>
+            </a:p>
+          </p:txBody>
+        </p:sp>
+        <p:cxnSp>
+          <p:nvCxnSpPr>
+            <p:cNvPr id="9" name="直接连接符 19">
+              <a:extLst>
+                <a:ext uri="{FF2B5EF4-FFF2-40B4-BE49-F238E27FC236}">
+                  <a16:creationId xmlns:a16="http://schemas.microsoft.com/office/drawing/2014/main" id="{B446B7E4-78F0-4194-B08A-1AC2C39958AA}"/>
+                </a:ext>
+              </a:extLst>
+            </p:cNvPr>
+            <p:cNvCxnSpPr>
+              <a:cxnSpLocks/>
+            </p:cNvCxnSpPr>
+            <p:nvPr/>
+          </p:nvCxnSpPr>
+          <p:spPr bwMode="auto">
+            <a:xfrm flipH="1">
+              <a:off x="449263" y="-25400"/>
+              <a:ext cx="1587" cy="841375"/>
+            </a:xfrm>
+            <a:prstGeom prst="line">
+              <a:avLst/>
+            </a:prstGeom>
+            <a:noFill/>
+            <a:ln w="28575" algn="ctr">
+              <a:solidFill>
+                <a:schemeClr val="bg1"/>
+              </a:solidFill>
+              <a:round/>
+              <a:headEnd/>
+              <a:tailEnd/>
+            </a:ln>
+            <a:effectLst/>
+            <a:extLst>
+              <a:ext uri="{909E8E84-426E-40DD-AFC4-6F175D3DCCD1}">
+                <a14:hiddenFill xmlns:a14="http://schemas.microsoft.com/office/drawing/2010/main">
+                  <a:noFill/>
+                </a14:hiddenFill>
+              </a:ext>
+            </a:extLst>
+          </p:spPr>
+        </p:cxnSp>
+        <p:cxnSp>
+          <p:nvCxnSpPr>
+            <p:cNvPr id="10" name="直接连接符 20">
+              <a:extLst>
+                <a:ext uri="{FF2B5EF4-FFF2-40B4-BE49-F238E27FC236}">
+                  <a16:creationId xmlns:a16="http://schemas.microsoft.com/office/drawing/2014/main" id="{B7C0A3E6-F1FF-427D-8DB1-E9791B891181}"/>
+                </a:ext>
+              </a:extLst>
+            </p:cNvPr>
+            <p:cNvCxnSpPr>
+              <a:cxnSpLocks/>
+            </p:cNvCxnSpPr>
+            <p:nvPr/>
+          </p:nvCxnSpPr>
+          <p:spPr bwMode="auto">
+            <a:xfrm flipH="1">
+              <a:off x="511175" y="-26988"/>
+              <a:ext cx="1588" cy="554038"/>
+            </a:xfrm>
+            <a:prstGeom prst="line">
+              <a:avLst/>
+            </a:prstGeom>
+            <a:noFill/>
+            <a:ln w="28575" algn="ctr">
+              <a:solidFill>
+                <a:schemeClr val="bg1"/>
+              </a:solidFill>
+              <a:round/>
+              <a:headEnd/>
+              <a:tailEnd/>
+            </a:ln>
+            <a:effectLst/>
+            <a:extLst>
+              <a:ext uri="{909E8E84-426E-40DD-AFC4-6F175D3DCCD1}">
+                <a14:hiddenFill xmlns:a14="http://schemas.microsoft.com/office/drawing/2010/main">
+                  <a:noFill/>
+                </a14:hiddenFill>
+              </a:ext>
+            </a:extLst>
+          </p:spPr>
+        </p:cxnSp>
+        <p:cxnSp>
+          <p:nvCxnSpPr>
+            <p:cNvPr id="11" name="直接连接符 30">
+              <a:extLst>
+                <a:ext uri="{FF2B5EF4-FFF2-40B4-BE49-F238E27FC236}">
+                  <a16:creationId xmlns:a16="http://schemas.microsoft.com/office/drawing/2014/main" id="{440505F1-F975-4EFE-9258-4A1E718E6358}"/>
+                </a:ext>
+              </a:extLst>
+            </p:cNvPr>
+            <p:cNvCxnSpPr>
+              <a:cxnSpLocks/>
+            </p:cNvCxnSpPr>
+            <p:nvPr/>
+          </p:nvCxnSpPr>
+          <p:spPr bwMode="auto">
+            <a:xfrm>
+              <a:off x="576263" y="-26988"/>
+              <a:ext cx="0" cy="298451"/>
+            </a:xfrm>
+            <a:prstGeom prst="line">
+              <a:avLst/>
+            </a:prstGeom>
+            <a:noFill/>
+            <a:ln w="28575" algn="ctr">
+              <a:solidFill>
+                <a:schemeClr val="bg1"/>
+              </a:solidFill>
+              <a:round/>
+              <a:headEnd/>
+              <a:tailEnd/>
+            </a:ln>
+            <a:effectLst/>
+            <a:extLst>
+              <a:ext uri="{909E8E84-426E-40DD-AFC4-6F175D3DCCD1}">
+                <a14:hiddenFill xmlns:a14="http://schemas.microsoft.com/office/drawing/2010/main">
+                  <a:noFill/>
+                </a14:hiddenFill>
+              </a:ext>
+            </a:extLst>
+          </p:spPr>
+        </p:cxnSp>
+      </p:grpSp>
+      <p:sp>
+        <p:nvSpPr>
+          <p:cNvPr id="2" name="标题 1"/>
           <p:cNvSpPr>
             <a:spLocks noGrp="1"/>
           </p:cNvSpPr>
           <p:nvPr>
             <p:ph type="title"/>
+          </p:nvPr>
+        </p:nvSpPr>
+        <p:spPr>
+          <a:xfrm>
+            <a:off x="829733" y="169838"/>
+            <a:ext cx="11120800" cy="553998"/>
+          </a:xfrm>
+          <a:prstGeom prst="rect">
+            <a:avLst/>
+          </a:prstGeom>
+        </p:spPr>
+        <p:txBody>
+          <a:bodyPr>
+            <a:normAutofit/>
+          </a:bodyPr>
+          <a:lstStyle>
+            <a:lvl1pPr marL="0" algn="l" defTabSz="914400" rtl="0" eaLnBrk="1" fontAlgn="base" latinLnBrk="0" hangingPunct="1">
+              <a:spcBef>
+                <a:spcPct val="0"/>
+              </a:spcBef>
+              <a:spcAft>
+                <a:spcPct val="0"/>
+              </a:spcAft>
+              <a:defRPr lang="zh-CN" altLang="en-US" sz="3000" b="1" kern="1200" dirty="0">
+                <a:solidFill>
+                  <a:prstClr val="white"/>
+                </a:solidFill>
+                <a:latin typeface="微软雅黑" panose="020B0503020204020204" pitchFamily="34" charset="-122"/>
+                <a:ea typeface="微软雅黑" panose="020B0503020204020204" pitchFamily="34" charset="-122"/>
+                <a:cs typeface="Arial" pitchFamily="34" charset="0"/>
+              </a:defRPr>
+            </a:lvl1pPr>
+          </a:lstStyle>
+          <a:p>
+            <a:r>
+              <a:rPr lang="zh-CN" altLang="en-US"/>
+              <a:t>单击此处编辑母版标题样式</a:t>
+            </a:r>
+            <a:endParaRPr lang="zh-CN" altLang="en-US" dirty="0"/>
+          </a:p>
+        </p:txBody>
+      </p:sp>
+      <p:sp>
+        <p:nvSpPr>
+          <p:cNvPr id="3" name="内容占位符 2"/>
+          <p:cNvSpPr>
+            <a:spLocks noGrp="1"/>
+          </p:cNvSpPr>
+          <p:nvPr>
+            <p:ph idx="1"/>
+          </p:nvPr>
+        </p:nvSpPr>
+        <p:spPr>
+          <a:xfrm>
+            <a:off x="609600" y="1033440"/>
+            <a:ext cx="10972800" cy="5092724"/>
+          </a:xfrm>
+        </p:spPr>
+        <p:txBody>
+          <a:bodyPr/>
+          <a:lstStyle>
+            <a:lvl1pPr marL="342900" indent="-342900">
+              <a:buFont typeface="Wingdings" panose="05000000000000000000" pitchFamily="2" charset="2"/>
+              <a:buChar char="Ø"/>
+              <a:defRPr/>
+            </a:lvl1pPr>
+            <a:lvl2pPr marL="742950" indent="-285750">
+              <a:buFont typeface="Wingdings" panose="05000000000000000000" pitchFamily="2" charset="2"/>
+              <a:buChar char="n"/>
+              <a:defRPr/>
+            </a:lvl2pPr>
+          </a:lstStyle>
+          <a:p>
+            <a:pPr lvl="0"/>
+            <a:r>
+              <a:rPr lang="zh-CN" altLang="en-US"/>
+              <a:t>单击此处编辑母版文本样式</a:t>
+            </a:r>
+          </a:p>
+          <a:p>
+            <a:pPr lvl="1"/>
+            <a:r>
+              <a:rPr lang="zh-CN" altLang="en-US"/>
+              <a:t>二级</a:t>
+            </a:r>
+          </a:p>
+          <a:p>
+            <a:pPr lvl="2"/>
+            <a:r>
+              <a:rPr lang="zh-CN" altLang="en-US"/>
+              <a:t>三级</a:t>
+            </a:r>
+          </a:p>
+          <a:p>
+            <a:pPr lvl="3"/>
+            <a:r>
+              <a:rPr lang="zh-CN" altLang="en-US"/>
+              <a:t>四级</a:t>
+            </a:r>
+          </a:p>
+          <a:p>
+            <a:pPr lvl="4"/>
+            <a:r>
+              <a:rPr lang="zh-CN" altLang="en-US"/>
+              <a:t>五级</a:t>
+            </a:r>
+            <a:endParaRPr lang="zh-CN" altLang="en-US" dirty="0"/>
+          </a:p>
+        </p:txBody>
+      </p:sp>
+      <p:sp>
+        <p:nvSpPr>
+          <p:cNvPr id="4" name="日期占位符 3"/>
+          <p:cNvSpPr>
+            <a:spLocks noGrp="1"/>
+          </p:cNvSpPr>
+          <p:nvPr>
+            <p:ph type="dt" sz="half" idx="10"/>
           </p:nvPr>
         </p:nvSpPr>
         <p:spPr/>
@@ -783,27 +2247,22 @@
           <a:bodyPr/>
           <a:lstStyle/>
           <a:p>
-            <a:r>
-              <a:rPr lang="zh-CN" altLang="en-US"/>
-              <a:t>单击此处编辑母版标题样式</a:t>
-            </a:r>
-          </a:p>
-        </p:txBody>
-      </p:sp>
-      <p:sp>
-        <p:nvSpPr>
-          <p:cNvPr id="3" name="内容占位符 2">
-            <a:extLst>
-              <a:ext uri="{FF2B5EF4-FFF2-40B4-BE49-F238E27FC236}">
-                <a16:creationId xmlns:a16="http://schemas.microsoft.com/office/drawing/2014/main" id="{D1461FB2-18B6-45E8-9BE3-4AE055DC3BC6}"/>
-              </a:ext>
-            </a:extLst>
-          </p:cNvPr>
+            <a:fld id="{01026DAE-505E-4D69-83FB-E72D5448BF93}" type="datetimeFigureOut">
+              <a:rPr lang="zh-CN" altLang="en-US" smtClean="0"/>
+              <a:t>2020/6/23</a:t>
+            </a:fld>
+            <a:endParaRPr lang="zh-CN" altLang="en-US"/>
+          </a:p>
+        </p:txBody>
+      </p:sp>
+      <p:sp>
+        <p:nvSpPr>
+          <p:cNvPr id="5" name="页脚占位符 4"/>
           <p:cNvSpPr>
             <a:spLocks noGrp="1"/>
           </p:cNvSpPr>
           <p:nvPr>
-            <p:ph idx="1"/>
+            <p:ph type="ftr" sz="quarter" idx="11"/>
           </p:nvPr>
         </p:nvSpPr>
         <p:spPr/>
@@ -811,105 +2270,13 @@
           <a:bodyPr/>
           <a:lstStyle/>
           <a:p>
-            <a:pPr lvl="0"/>
-            <a:r>
-              <a:rPr lang="zh-CN" altLang="en-US"/>
-              <a:t>单击此处编辑母版文本样式</a:t>
-            </a:r>
-          </a:p>
-          <a:p>
-            <a:pPr lvl="1"/>
-            <a:r>
-              <a:rPr lang="zh-CN" altLang="en-US"/>
-              <a:t>二级</a:t>
-            </a:r>
-          </a:p>
-          <a:p>
-            <a:pPr lvl="2"/>
-            <a:r>
-              <a:rPr lang="zh-CN" altLang="en-US"/>
-              <a:t>三级</a:t>
-            </a:r>
-          </a:p>
-          <a:p>
-            <a:pPr lvl="3"/>
-            <a:r>
-              <a:rPr lang="zh-CN" altLang="en-US"/>
-              <a:t>四级</a:t>
-            </a:r>
-          </a:p>
-          <a:p>
-            <a:pPr lvl="4"/>
-            <a:r>
-              <a:rPr lang="zh-CN" altLang="en-US"/>
-              <a:t>五级</a:t>
-            </a:r>
-          </a:p>
-        </p:txBody>
-      </p:sp>
-      <p:sp>
-        <p:nvSpPr>
-          <p:cNvPr id="4" name="日期占位符 3">
-            <a:extLst>
-              <a:ext uri="{FF2B5EF4-FFF2-40B4-BE49-F238E27FC236}">
-                <a16:creationId xmlns:a16="http://schemas.microsoft.com/office/drawing/2014/main" id="{6C117ED5-E04D-4799-8606-7BF43A1C99AC}"/>
-              </a:ext>
-            </a:extLst>
-          </p:cNvPr>
-          <p:cNvSpPr>
-            <a:spLocks noGrp="1"/>
-          </p:cNvSpPr>
-          <p:nvPr>
-            <p:ph type="dt" sz="half" idx="10"/>
-          </p:nvPr>
-        </p:nvSpPr>
-        <p:spPr/>
-        <p:txBody>
-          <a:bodyPr/>
-          <a:lstStyle/>
-          <a:p>
-            <a:fld id="{01026DAE-505E-4D69-83FB-E72D5448BF93}" type="datetimeFigureOut">
-              <a:rPr lang="zh-CN" altLang="en-US" smtClean="0"/>
-              <a:t>2020/6/22</a:t>
-            </a:fld>
             <a:endParaRPr lang="zh-CN" altLang="en-US"/>
           </a:p>
         </p:txBody>
       </p:sp>
       <p:sp>
         <p:nvSpPr>
-          <p:cNvPr id="5" name="页脚占位符 4">
-            <a:extLst>
-              <a:ext uri="{FF2B5EF4-FFF2-40B4-BE49-F238E27FC236}">
-                <a16:creationId xmlns:a16="http://schemas.microsoft.com/office/drawing/2014/main" id="{76AC3493-F4C9-498B-BEB3-61BC7A72D013}"/>
-              </a:ext>
-            </a:extLst>
-          </p:cNvPr>
-          <p:cNvSpPr>
-            <a:spLocks noGrp="1"/>
-          </p:cNvSpPr>
-          <p:nvPr>
-            <p:ph type="ftr" sz="quarter" idx="11"/>
-          </p:nvPr>
-        </p:nvSpPr>
-        <p:spPr/>
-        <p:txBody>
-          <a:bodyPr/>
-          <a:lstStyle/>
-          <a:p>
-            <a:endParaRPr lang="zh-CN" altLang="en-US"/>
-          </a:p>
-        </p:txBody>
-      </p:sp>
-      <p:sp>
-        <p:nvSpPr>
-          <p:cNvPr id="6" name="灯片编号占位符 5">
-            <a:extLst>
-              <a:ext uri="{FF2B5EF4-FFF2-40B4-BE49-F238E27FC236}">
-                <a16:creationId xmlns:a16="http://schemas.microsoft.com/office/drawing/2014/main" id="{39A6D97A-CD3E-414D-A1B5-24C7B7639CFE}"/>
-              </a:ext>
-            </a:extLst>
-          </p:cNvPr>
+          <p:cNvPr id="6" name="灯片编号占位符 5"/>
           <p:cNvSpPr>
             <a:spLocks noGrp="1"/>
           </p:cNvSpPr>
@@ -933,7 +2300,7 @@
     </p:spTree>
     <p:extLst>
       <p:ext uri="{BB962C8B-B14F-4D97-AF65-F5344CB8AC3E}">
-        <p14:creationId xmlns:p14="http://schemas.microsoft.com/office/powerpoint/2010/main" val="2615216141"/>
+        <p14:creationId xmlns:p14="http://schemas.microsoft.com/office/powerpoint/2010/main" val="548297706"/>
       </p:ext>
     </p:extLst>
   </p:cSld>
@@ -944,7 +2311,7 @@
 </file>
 
 <file path=ppt/slideLayouts/slideLayout3.xml><?xml version="1.0" encoding="utf-8"?>
-<p:sldLayout xmlns:a="http://schemas.openxmlformats.org/drawingml/2006/main" xmlns:r="http://schemas.openxmlformats.org/officeDocument/2006/relationships" xmlns:p="http://schemas.openxmlformats.org/presentationml/2006/main" type="secHead" preserve="1">
+<p:sldLayout xmlns:a="http://schemas.openxmlformats.org/drawingml/2006/main" xmlns:r="http://schemas.openxmlformats.org/officeDocument/2006/relationships" xmlns:p="http://schemas.openxmlformats.org/presentationml/2006/main" preserve="1">
   <p:cSld name="节标题">
     <p:spTree>
       <p:nvGrpSpPr>
@@ -962,13 +2329,7 @@
       </p:grpSpPr>
       <p:sp>
         <p:nvSpPr>
-          <p:cNvPr id="2" name="标题 1">
-            <a:extLst>
-              <a:ext uri="{FF2B5EF4-FFF2-40B4-BE49-F238E27FC236}">
-                <a16:creationId xmlns:a16="http://schemas.microsoft.com/office/drawing/2014/main" id="{8D91BF68-FED3-438D-A4CC-C069F5F4E786}"/>
-              </a:ext>
-            </a:extLst>
-          </p:cNvPr>
+          <p:cNvPr id="2" name="标题 1"/>
           <p:cNvSpPr>
             <a:spLocks noGrp="1"/>
           </p:cNvSpPr>
@@ -978,53 +2339,50 @@
         </p:nvSpPr>
         <p:spPr>
           <a:xfrm>
-            <a:off x="831850" y="1709738"/>
-            <a:ext cx="10515600" cy="2852737"/>
+            <a:off x="963084" y="4406901"/>
+            <a:ext cx="10363200" cy="1362075"/>
+          </a:xfrm>
+          <a:prstGeom prst="rect">
+            <a:avLst/>
+          </a:prstGeom>
+        </p:spPr>
+        <p:txBody>
+          <a:bodyPr anchor="t"/>
+          <a:lstStyle>
+            <a:lvl1pPr algn="l">
+              <a:defRPr sz="4000" b="1" cap="all"/>
+            </a:lvl1pPr>
+          </a:lstStyle>
+          <a:p>
+            <a:r>
+              <a:rPr lang="zh-CN" altLang="en-US"/>
+              <a:t>单击此处编辑母版标题样式</a:t>
+            </a:r>
+          </a:p>
+        </p:txBody>
+      </p:sp>
+      <p:sp>
+        <p:nvSpPr>
+          <p:cNvPr id="3" name="文本占位符 2"/>
+          <p:cNvSpPr>
+            <a:spLocks noGrp="1"/>
+          </p:cNvSpPr>
+          <p:nvPr>
+            <p:ph type="body" idx="1"/>
+          </p:nvPr>
+        </p:nvSpPr>
+        <p:spPr>
+          <a:xfrm>
+            <a:off x="963084" y="2906713"/>
+            <a:ext cx="10363200" cy="1500187"/>
           </a:xfrm>
         </p:spPr>
         <p:txBody>
           <a:bodyPr anchor="b"/>
-          <a:lstStyle>
-            <a:lvl1pPr>
-              <a:defRPr sz="6000"/>
-            </a:lvl1pPr>
-          </a:lstStyle>
-          <a:p>
-            <a:r>
-              <a:rPr lang="zh-CN" altLang="en-US"/>
-              <a:t>单击此处编辑母版标题样式</a:t>
-            </a:r>
-          </a:p>
-        </p:txBody>
-      </p:sp>
-      <p:sp>
-        <p:nvSpPr>
-          <p:cNvPr id="3" name="文本占位符 2">
-            <a:extLst>
-              <a:ext uri="{FF2B5EF4-FFF2-40B4-BE49-F238E27FC236}">
-                <a16:creationId xmlns:a16="http://schemas.microsoft.com/office/drawing/2014/main" id="{4B8FD40D-831E-4080-B17C-BD80140567A3}"/>
-              </a:ext>
-            </a:extLst>
-          </p:cNvPr>
-          <p:cNvSpPr>
-            <a:spLocks noGrp="1"/>
-          </p:cNvSpPr>
-          <p:nvPr>
-            <p:ph type="body" idx="1"/>
-          </p:nvPr>
-        </p:nvSpPr>
-        <p:spPr>
-          <a:xfrm>
-            <a:off x="831850" y="4589463"/>
-            <a:ext cx="10515600" cy="1500187"/>
-          </a:xfrm>
-        </p:spPr>
-        <p:txBody>
-          <a:bodyPr/>
           <a:lstStyle>
             <a:lvl1pPr marL="0" indent="0">
               <a:buNone/>
-              <a:defRPr sz="2400">
+              <a:defRPr sz="2000">
                 <a:solidFill>
                   <a:schemeClr val="tx1">
                     <a:tint val="75000"/>
@@ -1034,7 +2392,7 @@
             </a:lvl1pPr>
             <a:lvl2pPr marL="457200" indent="0">
               <a:buNone/>
-              <a:defRPr sz="2000">
+              <a:defRPr sz="1800">
                 <a:solidFill>
                   <a:schemeClr val="tx1">
                     <a:tint val="75000"/>
@@ -1044,7 +2402,7 @@
             </a:lvl2pPr>
             <a:lvl3pPr marL="914400" indent="0">
               <a:buNone/>
-              <a:defRPr sz="1800">
+              <a:defRPr sz="1600">
                 <a:solidFill>
                   <a:schemeClr val="tx1">
                     <a:tint val="75000"/>
@@ -1054,7 +2412,7 @@
             </a:lvl3pPr>
             <a:lvl4pPr marL="1371600" indent="0">
               <a:buNone/>
-              <a:defRPr sz="1600">
+              <a:defRPr sz="1400">
                 <a:solidFill>
                   <a:schemeClr val="tx1">
                     <a:tint val="75000"/>
@@ -1064,7 +2422,7 @@
             </a:lvl4pPr>
             <a:lvl5pPr marL="1828800" indent="0">
               <a:buNone/>
-              <a:defRPr sz="1600">
+              <a:defRPr sz="1400">
                 <a:solidFill>
                   <a:schemeClr val="tx1">
                     <a:tint val="75000"/>
@@ -1074,7 +2432,7 @@
             </a:lvl5pPr>
             <a:lvl6pPr marL="2286000" indent="0">
               <a:buNone/>
-              <a:defRPr sz="1600">
+              <a:defRPr sz="1400">
                 <a:solidFill>
                   <a:schemeClr val="tx1">
                     <a:tint val="75000"/>
@@ -1084,7 +2442,7 @@
             </a:lvl6pPr>
             <a:lvl7pPr marL="2743200" indent="0">
               <a:buNone/>
-              <a:defRPr sz="1600">
+              <a:defRPr sz="1400">
                 <a:solidFill>
                   <a:schemeClr val="tx1">
                     <a:tint val="75000"/>
@@ -1094,7 +2452,7 @@
             </a:lvl7pPr>
             <a:lvl8pPr marL="3200400" indent="0">
               <a:buNone/>
-              <a:defRPr sz="1600">
+              <a:defRPr sz="1400">
                 <a:solidFill>
                   <a:schemeClr val="tx1">
                     <a:tint val="75000"/>
@@ -1104,7 +2462,7 @@
             </a:lvl8pPr>
             <a:lvl9pPr marL="3657600" indent="0">
               <a:buNone/>
-              <a:defRPr sz="1600">
+              <a:defRPr sz="1400">
                 <a:solidFill>
                   <a:schemeClr val="tx1">
                     <a:tint val="75000"/>
@@ -1124,13 +2482,7 @@
       </p:sp>
       <p:sp>
         <p:nvSpPr>
-          <p:cNvPr id="4" name="日期占位符 3">
-            <a:extLst>
-              <a:ext uri="{FF2B5EF4-FFF2-40B4-BE49-F238E27FC236}">
-                <a16:creationId xmlns:a16="http://schemas.microsoft.com/office/drawing/2014/main" id="{42509735-1AB4-416C-B521-913400DF5954}"/>
-              </a:ext>
-            </a:extLst>
-          </p:cNvPr>
+          <p:cNvPr id="4" name="日期占位符 3"/>
           <p:cNvSpPr>
             <a:spLocks noGrp="1"/>
           </p:cNvSpPr>
@@ -1145,7 +2497,7 @@
           <a:p>
             <a:fld id="{01026DAE-505E-4D69-83FB-E72D5448BF93}" type="datetimeFigureOut">
               <a:rPr lang="zh-CN" altLang="en-US" smtClean="0"/>
-              <a:t>2020/6/22</a:t>
+              <a:t>2020/6/23</a:t>
             </a:fld>
             <a:endParaRPr lang="zh-CN" altLang="en-US"/>
           </a:p>
@@ -1153,13 +2505,7 @@
       </p:sp>
       <p:sp>
         <p:nvSpPr>
-          <p:cNvPr id="5" name="页脚占位符 4">
-            <a:extLst>
-              <a:ext uri="{FF2B5EF4-FFF2-40B4-BE49-F238E27FC236}">
-                <a16:creationId xmlns:a16="http://schemas.microsoft.com/office/drawing/2014/main" id="{FF13429C-7C97-4F3C-8FFC-F6DE90080C88}"/>
-              </a:ext>
-            </a:extLst>
-          </p:cNvPr>
+          <p:cNvPr id="5" name="页脚占位符 4"/>
           <p:cNvSpPr>
             <a:spLocks noGrp="1"/>
           </p:cNvSpPr>
@@ -1178,13 +2524,7 @@
       </p:sp>
       <p:sp>
         <p:nvSpPr>
-          <p:cNvPr id="6" name="灯片编号占位符 5">
-            <a:extLst>
-              <a:ext uri="{FF2B5EF4-FFF2-40B4-BE49-F238E27FC236}">
-                <a16:creationId xmlns:a16="http://schemas.microsoft.com/office/drawing/2014/main" id="{79A99175-74A1-4556-AA98-2AE849993954}"/>
-              </a:ext>
-            </a:extLst>
-          </p:cNvPr>
+          <p:cNvPr id="6" name="灯片编号占位符 5"/>
           <p:cNvSpPr>
             <a:spLocks noGrp="1"/>
           </p:cNvSpPr>
@@ -1205,10 +2545,364 @@
           </a:p>
         </p:txBody>
       </p:sp>
+      <p:sp>
+        <p:nvSpPr>
+          <p:cNvPr id="7" name="标题 3">
+            <a:extLst>
+              <a:ext uri="{FF2B5EF4-FFF2-40B4-BE49-F238E27FC236}">
+                <a16:creationId xmlns:a16="http://schemas.microsoft.com/office/drawing/2014/main" id="{1EE7B386-338B-4764-85F1-67C3D55680EC}"/>
+              </a:ext>
+            </a:extLst>
+          </p:cNvPr>
+          <p:cNvSpPr txBox="1">
+            <a:spLocks/>
+          </p:cNvSpPr>
+          <p:nvPr/>
+        </p:nvSpPr>
+        <p:spPr>
+          <a:xfrm>
+            <a:off x="0" y="-24"/>
+            <a:ext cx="12192000" cy="863601"/>
+          </a:xfrm>
+          <a:prstGeom prst="rect">
+            <a:avLst/>
+          </a:prstGeom>
+          <a:solidFill>
+            <a:srgbClr val="02409A"/>
+          </a:solidFill>
+          <a:ln>
+            <a:noFill/>
+          </a:ln>
+          <a:effectLst/>
+        </p:spPr>
+        <p:txBody>
+          <a:bodyPr tIns="0" bIns="0" anchor="ctr"/>
+          <a:lstStyle/>
+          <a:p>
+            <a:pPr algn="ctr">
+              <a:spcBef>
+                <a:spcPct val="0"/>
+              </a:spcBef>
+              <a:defRPr/>
+            </a:pPr>
+            <a:endParaRPr lang="zh-CN" altLang="en-US" sz="4800" b="1" dirty="0">
+              <a:solidFill>
+                <a:prstClr val="white"/>
+              </a:solidFill>
+              <a:latin typeface="微软雅黑" pitchFamily="34" charset="-122"/>
+              <a:ea typeface="微软雅黑" pitchFamily="34" charset="-122"/>
+            </a:endParaRPr>
+          </a:p>
+        </p:txBody>
+      </p:sp>
+      <p:cxnSp>
+        <p:nvCxnSpPr>
+          <p:cNvPr id="8" name="直接连接符 19">
+            <a:extLst>
+              <a:ext uri="{FF2B5EF4-FFF2-40B4-BE49-F238E27FC236}">
+                <a16:creationId xmlns:a16="http://schemas.microsoft.com/office/drawing/2014/main" id="{5EDB0516-F82E-4E09-BCC6-78628E7E2022}"/>
+              </a:ext>
+            </a:extLst>
+          </p:cNvPr>
+          <p:cNvCxnSpPr>
+            <a:cxnSpLocks/>
+          </p:cNvCxnSpPr>
+          <p:nvPr/>
+        </p:nvCxnSpPr>
+        <p:spPr bwMode="auto">
+          <a:xfrm flipH="1">
+            <a:off x="599018" y="1565"/>
+            <a:ext cx="2116" cy="841375"/>
+          </a:xfrm>
+          <a:prstGeom prst="line">
+            <a:avLst/>
+          </a:prstGeom>
+          <a:noFill/>
+          <a:ln w="28575" algn="ctr">
+            <a:solidFill>
+              <a:schemeClr val="bg1"/>
+            </a:solidFill>
+            <a:round/>
+            <a:headEnd/>
+            <a:tailEnd/>
+          </a:ln>
+          <a:effectLst/>
+          <a:extLst>
+            <a:ext uri="{909E8E84-426E-40DD-AFC4-6F175D3DCCD1}">
+              <a14:hiddenFill xmlns:a14="http://schemas.microsoft.com/office/drawing/2010/main">
+                <a:noFill/>
+              </a14:hiddenFill>
+            </a:ext>
+          </a:extLst>
+        </p:spPr>
+      </p:cxnSp>
+      <p:cxnSp>
+        <p:nvCxnSpPr>
+          <p:cNvPr id="9" name="直接连接符 20">
+            <a:extLst>
+              <a:ext uri="{FF2B5EF4-FFF2-40B4-BE49-F238E27FC236}">
+                <a16:creationId xmlns:a16="http://schemas.microsoft.com/office/drawing/2014/main" id="{740BB1FC-B3C6-4721-92D6-BF1F1FA3F6A5}"/>
+              </a:ext>
+            </a:extLst>
+          </p:cNvPr>
+          <p:cNvCxnSpPr>
+            <a:cxnSpLocks/>
+          </p:cNvCxnSpPr>
+          <p:nvPr/>
+        </p:nvCxnSpPr>
+        <p:spPr bwMode="auto">
+          <a:xfrm flipH="1">
+            <a:off x="681567" y="-24"/>
+            <a:ext cx="2117" cy="554038"/>
+          </a:xfrm>
+          <a:prstGeom prst="line">
+            <a:avLst/>
+          </a:prstGeom>
+          <a:noFill/>
+          <a:ln w="28575" algn="ctr">
+            <a:solidFill>
+              <a:schemeClr val="bg1"/>
+            </a:solidFill>
+            <a:round/>
+            <a:headEnd/>
+            <a:tailEnd/>
+          </a:ln>
+          <a:effectLst/>
+          <a:extLst>
+            <a:ext uri="{909E8E84-426E-40DD-AFC4-6F175D3DCCD1}">
+              <a14:hiddenFill xmlns:a14="http://schemas.microsoft.com/office/drawing/2010/main">
+                <a:noFill/>
+              </a14:hiddenFill>
+            </a:ext>
+          </a:extLst>
+        </p:spPr>
+      </p:cxnSp>
+      <p:cxnSp>
+        <p:nvCxnSpPr>
+          <p:cNvPr id="10" name="直接连接符 30">
+            <a:extLst>
+              <a:ext uri="{FF2B5EF4-FFF2-40B4-BE49-F238E27FC236}">
+                <a16:creationId xmlns:a16="http://schemas.microsoft.com/office/drawing/2014/main" id="{28A6E5BF-2A0D-4294-9AFE-058CFD22D566}"/>
+              </a:ext>
+            </a:extLst>
+          </p:cNvPr>
+          <p:cNvCxnSpPr>
+            <a:cxnSpLocks/>
+          </p:cNvCxnSpPr>
+          <p:nvPr/>
+        </p:nvCxnSpPr>
+        <p:spPr bwMode="auto">
+          <a:xfrm>
+            <a:off x="768351" y="-24"/>
+            <a:ext cx="0" cy="298451"/>
+          </a:xfrm>
+          <a:prstGeom prst="line">
+            <a:avLst/>
+          </a:prstGeom>
+          <a:noFill/>
+          <a:ln w="28575" algn="ctr">
+            <a:solidFill>
+              <a:schemeClr val="bg1"/>
+            </a:solidFill>
+            <a:round/>
+            <a:headEnd/>
+            <a:tailEnd/>
+          </a:ln>
+          <a:effectLst/>
+          <a:extLst>
+            <a:ext uri="{909E8E84-426E-40DD-AFC4-6F175D3DCCD1}">
+              <a14:hiddenFill xmlns:a14="http://schemas.microsoft.com/office/drawing/2010/main">
+                <a:noFill/>
+              </a14:hiddenFill>
+            </a:ext>
+          </a:extLst>
+        </p:spPr>
+      </p:cxnSp>
+      <p:sp>
+        <p:nvSpPr>
+          <p:cNvPr id="11" name="TextBox 19">
+            <a:extLst>
+              <a:ext uri="{FF2B5EF4-FFF2-40B4-BE49-F238E27FC236}">
+                <a16:creationId xmlns:a16="http://schemas.microsoft.com/office/drawing/2014/main" id="{6EE42B8E-637A-44E6-A66B-3C85DDBB85EA}"/>
+              </a:ext>
+            </a:extLst>
+          </p:cNvPr>
+          <p:cNvSpPr txBox="1">
+            <a:spLocks noChangeArrowheads="1"/>
+          </p:cNvSpPr>
+          <p:nvPr/>
+        </p:nvSpPr>
+        <p:spPr bwMode="auto">
+          <a:xfrm>
+            <a:off x="829734" y="169838"/>
+            <a:ext cx="11122917" cy="553998"/>
+          </a:xfrm>
+          <a:prstGeom prst="rect">
+            <a:avLst/>
+          </a:prstGeom>
+          <a:noFill/>
+          <a:ln>
+            <a:noFill/>
+          </a:ln>
+          <a:effectLst/>
+          <a:extLst>
+            <a:ext uri="{909E8E84-426E-40DD-AFC4-6F175D3DCCD1}">
+              <a14:hiddenFill xmlns:a14="http://schemas.microsoft.com/office/drawing/2010/main">
+                <a:solidFill>
+                  <a:srgbClr val="FFFFFF"/>
+                </a:solidFill>
+              </a14:hiddenFill>
+            </a:ext>
+            <a:ext uri="{91240B29-F687-4F45-9708-019B960494DF}">
+              <a14:hiddenLine xmlns:a14="http://schemas.microsoft.com/office/drawing/2010/main" w="9525">
+                <a:solidFill>
+                  <a:srgbClr val="000000"/>
+                </a:solidFill>
+                <a:miter lim="800000"/>
+                <a:headEnd/>
+                <a:tailEnd/>
+              </a14:hiddenLine>
+            </a:ext>
+          </a:extLst>
+        </p:spPr>
+        <p:txBody>
+          <a:bodyPr wrap="square">
+            <a:spAutoFit/>
+          </a:bodyPr>
+          <a:lstStyle>
+            <a:lvl1pPr eaLnBrk="0" hangingPunct="0">
+              <a:defRPr>
+                <a:solidFill>
+                  <a:schemeClr val="tx1"/>
+                </a:solidFill>
+                <a:latin typeface="Calibri" pitchFamily="34" charset="0"/>
+                <a:ea typeface="宋体" pitchFamily="2" charset="-122"/>
+              </a:defRPr>
+            </a:lvl1pPr>
+            <a:lvl2pPr marL="742950" indent="-285750" eaLnBrk="0" hangingPunct="0">
+              <a:defRPr>
+                <a:solidFill>
+                  <a:schemeClr val="tx1"/>
+                </a:solidFill>
+                <a:latin typeface="Calibri" pitchFamily="34" charset="0"/>
+                <a:ea typeface="宋体" pitchFamily="2" charset="-122"/>
+              </a:defRPr>
+            </a:lvl2pPr>
+            <a:lvl3pPr marL="1143000" indent="-228600" eaLnBrk="0" hangingPunct="0">
+              <a:defRPr>
+                <a:solidFill>
+                  <a:schemeClr val="tx1"/>
+                </a:solidFill>
+                <a:latin typeface="Calibri" pitchFamily="34" charset="0"/>
+                <a:ea typeface="宋体" pitchFamily="2" charset="-122"/>
+              </a:defRPr>
+            </a:lvl3pPr>
+            <a:lvl4pPr marL="1600200" indent="-228600" eaLnBrk="0" hangingPunct="0">
+              <a:defRPr>
+                <a:solidFill>
+                  <a:schemeClr val="tx1"/>
+                </a:solidFill>
+                <a:latin typeface="Calibri" pitchFamily="34" charset="0"/>
+                <a:ea typeface="宋体" pitchFamily="2" charset="-122"/>
+              </a:defRPr>
+            </a:lvl4pPr>
+            <a:lvl5pPr marL="2057400" indent="-228600" eaLnBrk="0" hangingPunct="0">
+              <a:defRPr>
+                <a:solidFill>
+                  <a:schemeClr val="tx1"/>
+                </a:solidFill>
+                <a:latin typeface="Calibri" pitchFamily="34" charset="0"/>
+                <a:ea typeface="宋体" pitchFamily="2" charset="-122"/>
+              </a:defRPr>
+            </a:lvl5pPr>
+            <a:lvl6pPr marL="2514600" indent="-228600" eaLnBrk="0" fontAlgn="base" hangingPunct="0">
+              <a:spcBef>
+                <a:spcPct val="0"/>
+              </a:spcBef>
+              <a:spcAft>
+                <a:spcPct val="0"/>
+              </a:spcAft>
+              <a:defRPr>
+                <a:solidFill>
+                  <a:schemeClr val="tx1"/>
+                </a:solidFill>
+                <a:latin typeface="Calibri" pitchFamily="34" charset="0"/>
+                <a:ea typeface="宋体" pitchFamily="2" charset="-122"/>
+              </a:defRPr>
+            </a:lvl6pPr>
+            <a:lvl7pPr marL="2971800" indent="-228600" eaLnBrk="0" fontAlgn="base" hangingPunct="0">
+              <a:spcBef>
+                <a:spcPct val="0"/>
+              </a:spcBef>
+              <a:spcAft>
+                <a:spcPct val="0"/>
+              </a:spcAft>
+              <a:defRPr>
+                <a:solidFill>
+                  <a:schemeClr val="tx1"/>
+                </a:solidFill>
+                <a:latin typeface="Calibri" pitchFamily="34" charset="0"/>
+                <a:ea typeface="宋体" pitchFamily="2" charset="-122"/>
+              </a:defRPr>
+            </a:lvl7pPr>
+            <a:lvl8pPr marL="3429000" indent="-228600" eaLnBrk="0" fontAlgn="base" hangingPunct="0">
+              <a:spcBef>
+                <a:spcPct val="0"/>
+              </a:spcBef>
+              <a:spcAft>
+                <a:spcPct val="0"/>
+              </a:spcAft>
+              <a:defRPr>
+                <a:solidFill>
+                  <a:schemeClr val="tx1"/>
+                </a:solidFill>
+                <a:latin typeface="Calibri" pitchFamily="34" charset="0"/>
+                <a:ea typeface="宋体" pitchFamily="2" charset="-122"/>
+              </a:defRPr>
+            </a:lvl8pPr>
+            <a:lvl9pPr marL="3886200" indent="-228600" eaLnBrk="0" fontAlgn="base" hangingPunct="0">
+              <a:spcBef>
+                <a:spcPct val="0"/>
+              </a:spcBef>
+              <a:spcAft>
+                <a:spcPct val="0"/>
+              </a:spcAft>
+              <a:defRPr>
+                <a:solidFill>
+                  <a:schemeClr val="tx1"/>
+                </a:solidFill>
+                <a:latin typeface="Calibri" pitchFamily="34" charset="0"/>
+                <a:ea typeface="宋体" pitchFamily="2" charset="-122"/>
+              </a:defRPr>
+            </a:lvl9pPr>
+          </a:lstStyle>
+          <a:p>
+            <a:pPr eaLnBrk="1" fontAlgn="base" hangingPunct="1">
+              <a:spcBef>
+                <a:spcPct val="0"/>
+              </a:spcBef>
+              <a:spcAft>
+                <a:spcPct val="0"/>
+              </a:spcAft>
+            </a:pPr>
+            <a:r>
+              <a:rPr lang="zh-CN" altLang="en-US" sz="3000" b="1" dirty="0">
+                <a:solidFill>
+                  <a:prstClr val="white"/>
+                </a:solidFill>
+                <a:latin typeface="微软雅黑" panose="020B0503020204020204" pitchFamily="34" charset="-122"/>
+                <a:ea typeface="微软雅黑" panose="020B0503020204020204" pitchFamily="34" charset="-122"/>
+                <a:cs typeface="Arial" pitchFamily="34" charset="0"/>
+              </a:rPr>
+              <a:t>提纲</a:t>
+            </a:r>
+          </a:p>
+        </p:txBody>
+      </p:sp>
     </p:spTree>
     <p:extLst>
       <p:ext uri="{BB962C8B-B14F-4D97-AF65-F5344CB8AC3E}">
-        <p14:creationId xmlns:p14="http://schemas.microsoft.com/office/powerpoint/2010/main" val="1103403598"/>
+        <p14:creationId xmlns:p14="http://schemas.microsoft.com/office/powerpoint/2010/main" val="1892349640"/>
       </p:ext>
     </p:extLst>
   </p:cSld>
@@ -1235,20 +2929,435 @@
           <a:chExt cx="0" cy="0"/>
         </a:xfrm>
       </p:grpSpPr>
-      <p:sp>
-        <p:nvSpPr>
-          <p:cNvPr id="2" name="标题 1">
+      <p:grpSp>
+        <p:nvGrpSpPr>
+          <p:cNvPr id="8" name="组合 7">
             <a:extLst>
               <a:ext uri="{FF2B5EF4-FFF2-40B4-BE49-F238E27FC236}">
-                <a16:creationId xmlns:a16="http://schemas.microsoft.com/office/drawing/2014/main" id="{FF14033E-1297-4E04-8556-740D4532822F}"/>
+                <a16:creationId xmlns:a16="http://schemas.microsoft.com/office/drawing/2014/main" id="{1B9BF0A4-17AA-4116-B463-360E9B871E6B}"/>
               </a:ext>
             </a:extLst>
           </p:cNvPr>
+          <p:cNvGrpSpPr/>
+          <p:nvPr/>
+        </p:nvGrpSpPr>
+        <p:grpSpPr>
+          <a:xfrm>
+            <a:off x="0" y="-24"/>
+            <a:ext cx="12192000" cy="863601"/>
+            <a:chOff x="0" y="-26988"/>
+            <a:chExt cx="9144000" cy="863601"/>
+          </a:xfrm>
+        </p:grpSpPr>
+        <p:sp>
+          <p:nvSpPr>
+            <p:cNvPr id="9" name="标题 3">
+              <a:extLst>
+                <a:ext uri="{FF2B5EF4-FFF2-40B4-BE49-F238E27FC236}">
+                  <a16:creationId xmlns:a16="http://schemas.microsoft.com/office/drawing/2014/main" id="{4CD6A6AB-DF25-4447-AA31-6C2F889D5FB2}"/>
+                </a:ext>
+              </a:extLst>
+            </p:cNvPr>
+            <p:cNvSpPr txBox="1">
+              <a:spLocks/>
+            </p:cNvSpPr>
+            <p:nvPr/>
+          </p:nvSpPr>
+          <p:spPr>
+            <a:xfrm>
+              <a:off x="0" y="-26988"/>
+              <a:ext cx="9144000" cy="863601"/>
+            </a:xfrm>
+            <a:prstGeom prst="rect">
+              <a:avLst/>
+            </a:prstGeom>
+            <a:solidFill>
+              <a:srgbClr val="02409A"/>
+            </a:solidFill>
+            <a:ln>
+              <a:noFill/>
+            </a:ln>
+            <a:effectLst/>
+          </p:spPr>
+          <p:txBody>
+            <a:bodyPr tIns="0" bIns="0" anchor="ctr"/>
+            <a:lstStyle/>
+            <a:p>
+              <a:pPr algn="ctr">
+                <a:spcBef>
+                  <a:spcPct val="0"/>
+                </a:spcBef>
+                <a:defRPr/>
+              </a:pPr>
+              <a:endParaRPr lang="zh-CN" altLang="en-US" sz="4800" b="1" dirty="0">
+                <a:solidFill>
+                  <a:prstClr val="white"/>
+                </a:solidFill>
+                <a:latin typeface="微软雅黑" pitchFamily="34" charset="-122"/>
+                <a:ea typeface="微软雅黑" pitchFamily="34" charset="-122"/>
+              </a:endParaRPr>
+            </a:p>
+          </p:txBody>
+        </p:sp>
+        <p:cxnSp>
+          <p:nvCxnSpPr>
+            <p:cNvPr id="10" name="直接连接符 19">
+              <a:extLst>
+                <a:ext uri="{FF2B5EF4-FFF2-40B4-BE49-F238E27FC236}">
+                  <a16:creationId xmlns:a16="http://schemas.microsoft.com/office/drawing/2014/main" id="{3A276ED9-4D9E-440A-A84A-84AE621A77BA}"/>
+                </a:ext>
+              </a:extLst>
+            </p:cNvPr>
+            <p:cNvCxnSpPr>
+              <a:cxnSpLocks/>
+            </p:cNvCxnSpPr>
+            <p:nvPr/>
+          </p:nvCxnSpPr>
+          <p:spPr bwMode="auto">
+            <a:xfrm flipH="1">
+              <a:off x="449263" y="-25400"/>
+              <a:ext cx="1587" cy="841375"/>
+            </a:xfrm>
+            <a:prstGeom prst="line">
+              <a:avLst/>
+            </a:prstGeom>
+            <a:noFill/>
+            <a:ln w="28575" algn="ctr">
+              <a:solidFill>
+                <a:schemeClr val="bg1"/>
+              </a:solidFill>
+              <a:round/>
+              <a:headEnd/>
+              <a:tailEnd/>
+            </a:ln>
+            <a:effectLst/>
+            <a:extLst>
+              <a:ext uri="{909E8E84-426E-40DD-AFC4-6F175D3DCCD1}">
+                <a14:hiddenFill xmlns:a14="http://schemas.microsoft.com/office/drawing/2010/main">
+                  <a:noFill/>
+                </a14:hiddenFill>
+              </a:ext>
+            </a:extLst>
+          </p:spPr>
+        </p:cxnSp>
+        <p:cxnSp>
+          <p:nvCxnSpPr>
+            <p:cNvPr id="11" name="直接连接符 20">
+              <a:extLst>
+                <a:ext uri="{FF2B5EF4-FFF2-40B4-BE49-F238E27FC236}">
+                  <a16:creationId xmlns:a16="http://schemas.microsoft.com/office/drawing/2014/main" id="{8DC851E0-C218-4FEF-871A-3065C46D640F}"/>
+                </a:ext>
+              </a:extLst>
+            </p:cNvPr>
+            <p:cNvCxnSpPr>
+              <a:cxnSpLocks/>
+            </p:cNvCxnSpPr>
+            <p:nvPr/>
+          </p:nvCxnSpPr>
+          <p:spPr bwMode="auto">
+            <a:xfrm flipH="1">
+              <a:off x="511175" y="-26988"/>
+              <a:ext cx="1588" cy="554038"/>
+            </a:xfrm>
+            <a:prstGeom prst="line">
+              <a:avLst/>
+            </a:prstGeom>
+            <a:noFill/>
+            <a:ln w="28575" algn="ctr">
+              <a:solidFill>
+                <a:schemeClr val="bg1"/>
+              </a:solidFill>
+              <a:round/>
+              <a:headEnd/>
+              <a:tailEnd/>
+            </a:ln>
+            <a:effectLst/>
+            <a:extLst>
+              <a:ext uri="{909E8E84-426E-40DD-AFC4-6F175D3DCCD1}">
+                <a14:hiddenFill xmlns:a14="http://schemas.microsoft.com/office/drawing/2010/main">
+                  <a:noFill/>
+                </a14:hiddenFill>
+              </a:ext>
+            </a:extLst>
+          </p:spPr>
+        </p:cxnSp>
+        <p:cxnSp>
+          <p:nvCxnSpPr>
+            <p:cNvPr id="12" name="直接连接符 30">
+              <a:extLst>
+                <a:ext uri="{FF2B5EF4-FFF2-40B4-BE49-F238E27FC236}">
+                  <a16:creationId xmlns:a16="http://schemas.microsoft.com/office/drawing/2014/main" id="{C400D821-542D-4941-BD6A-B493542CA5AB}"/>
+                </a:ext>
+              </a:extLst>
+            </p:cNvPr>
+            <p:cNvCxnSpPr>
+              <a:cxnSpLocks/>
+            </p:cNvCxnSpPr>
+            <p:nvPr/>
+          </p:nvCxnSpPr>
+          <p:spPr bwMode="auto">
+            <a:xfrm>
+              <a:off x="576263" y="-26988"/>
+              <a:ext cx="0" cy="298451"/>
+            </a:xfrm>
+            <a:prstGeom prst="line">
+              <a:avLst/>
+            </a:prstGeom>
+            <a:noFill/>
+            <a:ln w="28575" algn="ctr">
+              <a:solidFill>
+                <a:schemeClr val="bg1"/>
+              </a:solidFill>
+              <a:round/>
+              <a:headEnd/>
+              <a:tailEnd/>
+            </a:ln>
+            <a:effectLst/>
+            <a:extLst>
+              <a:ext uri="{909E8E84-426E-40DD-AFC4-6F175D3DCCD1}">
+                <a14:hiddenFill xmlns:a14="http://schemas.microsoft.com/office/drawing/2010/main">
+                  <a:noFill/>
+                </a14:hiddenFill>
+              </a:ext>
+            </a:extLst>
+          </p:spPr>
+        </p:cxnSp>
+      </p:grpSp>
+      <p:sp>
+        <p:nvSpPr>
+          <p:cNvPr id="2" name="标题 1"/>
           <p:cNvSpPr>
             <a:spLocks noGrp="1"/>
           </p:cNvSpPr>
           <p:nvPr>
             <p:ph type="title"/>
+          </p:nvPr>
+        </p:nvSpPr>
+        <p:spPr>
+          <a:xfrm>
+            <a:off x="829733" y="169838"/>
+            <a:ext cx="11118683" cy="553998"/>
+          </a:xfrm>
+          <a:prstGeom prst="rect">
+            <a:avLst/>
+          </a:prstGeom>
+        </p:spPr>
+        <p:txBody>
+          <a:bodyPr vert="horz" lIns="91440" tIns="45720" rIns="91440" bIns="45720" rtlCol="0" anchor="ctr">
+            <a:normAutofit/>
+          </a:bodyPr>
+          <a:lstStyle>
+            <a:lvl1pPr algn="l">
+              <a:defRPr lang="zh-CN" altLang="en-US" sz="3000" b="1" dirty="0">
+                <a:solidFill>
+                  <a:prstClr val="white"/>
+                </a:solidFill>
+                <a:latin typeface="微软雅黑" panose="020B0503020204020204" pitchFamily="34" charset="-122"/>
+                <a:ea typeface="微软雅黑" panose="020B0503020204020204" pitchFamily="34" charset="-122"/>
+                <a:cs typeface="Arial" pitchFamily="34" charset="0"/>
+              </a:defRPr>
+            </a:lvl1pPr>
+          </a:lstStyle>
+          <a:p>
+            <a:pPr marL="0" lvl="0" algn="l" fontAlgn="base">
+              <a:spcAft>
+                <a:spcPct val="0"/>
+              </a:spcAft>
+            </a:pPr>
+            <a:r>
+              <a:rPr lang="zh-CN" altLang="en-US"/>
+              <a:t>单击此处编辑母版标题样式</a:t>
+            </a:r>
+            <a:endParaRPr lang="zh-CN" altLang="en-US" dirty="0"/>
+          </a:p>
+        </p:txBody>
+      </p:sp>
+      <p:sp>
+        <p:nvSpPr>
+          <p:cNvPr id="3" name="内容占位符 2"/>
+          <p:cNvSpPr>
+            <a:spLocks noGrp="1"/>
+          </p:cNvSpPr>
+          <p:nvPr>
+            <p:ph sz="half" idx="1"/>
+          </p:nvPr>
+        </p:nvSpPr>
+        <p:spPr>
+          <a:xfrm>
+            <a:off x="609600" y="1033440"/>
+            <a:ext cx="5384800" cy="5092724"/>
+          </a:xfrm>
+        </p:spPr>
+        <p:txBody>
+          <a:bodyPr/>
+          <a:lstStyle>
+            <a:lvl1pPr marL="342900" indent="-342900">
+              <a:buFont typeface="Wingdings" panose="05000000000000000000" pitchFamily="2" charset="2"/>
+              <a:buChar char="Ø"/>
+              <a:defRPr sz="2800"/>
+            </a:lvl1pPr>
+            <a:lvl2pPr marL="742950" indent="-285750">
+              <a:buFont typeface="Wingdings" panose="05000000000000000000" pitchFamily="2" charset="2"/>
+              <a:buChar char="n"/>
+              <a:defRPr sz="2400"/>
+            </a:lvl2pPr>
+            <a:lvl3pPr>
+              <a:defRPr sz="2000"/>
+            </a:lvl3pPr>
+            <a:lvl4pPr>
+              <a:defRPr sz="1800"/>
+            </a:lvl4pPr>
+            <a:lvl5pPr>
+              <a:defRPr sz="1800"/>
+            </a:lvl5pPr>
+            <a:lvl6pPr>
+              <a:defRPr sz="1800"/>
+            </a:lvl6pPr>
+            <a:lvl7pPr>
+              <a:defRPr sz="1800"/>
+            </a:lvl7pPr>
+            <a:lvl8pPr>
+              <a:defRPr sz="1800"/>
+            </a:lvl8pPr>
+            <a:lvl9pPr>
+              <a:defRPr sz="1800"/>
+            </a:lvl9pPr>
+          </a:lstStyle>
+          <a:p>
+            <a:pPr lvl="0"/>
+            <a:r>
+              <a:rPr lang="zh-CN" altLang="en-US"/>
+              <a:t>单击此处编辑母版文本样式</a:t>
+            </a:r>
+          </a:p>
+          <a:p>
+            <a:pPr lvl="1"/>
+            <a:r>
+              <a:rPr lang="zh-CN" altLang="en-US"/>
+              <a:t>二级</a:t>
+            </a:r>
+          </a:p>
+          <a:p>
+            <a:pPr lvl="2"/>
+            <a:r>
+              <a:rPr lang="zh-CN" altLang="en-US"/>
+              <a:t>三级</a:t>
+            </a:r>
+          </a:p>
+          <a:p>
+            <a:pPr lvl="3"/>
+            <a:r>
+              <a:rPr lang="zh-CN" altLang="en-US"/>
+              <a:t>四级</a:t>
+            </a:r>
+          </a:p>
+          <a:p>
+            <a:pPr lvl="4"/>
+            <a:r>
+              <a:rPr lang="zh-CN" altLang="en-US"/>
+              <a:t>五级</a:t>
+            </a:r>
+            <a:endParaRPr lang="zh-CN" altLang="en-US" dirty="0"/>
+          </a:p>
+        </p:txBody>
+      </p:sp>
+      <p:sp>
+        <p:nvSpPr>
+          <p:cNvPr id="4" name="内容占位符 3"/>
+          <p:cNvSpPr>
+            <a:spLocks noGrp="1"/>
+          </p:cNvSpPr>
+          <p:nvPr>
+            <p:ph sz="half" idx="2"/>
+          </p:nvPr>
+        </p:nvSpPr>
+        <p:spPr>
+          <a:xfrm>
+            <a:off x="6197600" y="1033440"/>
+            <a:ext cx="5384800" cy="5092724"/>
+          </a:xfrm>
+        </p:spPr>
+        <p:txBody>
+          <a:bodyPr/>
+          <a:lstStyle>
+            <a:lvl1pPr marL="342900" indent="-342900">
+              <a:buFont typeface="Wingdings" panose="05000000000000000000" pitchFamily="2" charset="2"/>
+              <a:buChar char="Ø"/>
+              <a:defRPr sz="2800"/>
+            </a:lvl1pPr>
+            <a:lvl2pPr marL="742950" indent="-285750">
+              <a:buFont typeface="Wingdings" panose="05000000000000000000" pitchFamily="2" charset="2"/>
+              <a:buChar char="n"/>
+              <a:defRPr sz="2400"/>
+            </a:lvl2pPr>
+            <a:lvl3pPr>
+              <a:defRPr sz="2000"/>
+            </a:lvl3pPr>
+            <a:lvl4pPr>
+              <a:defRPr sz="1800"/>
+            </a:lvl4pPr>
+            <a:lvl5pPr>
+              <a:defRPr sz="1800"/>
+            </a:lvl5pPr>
+            <a:lvl6pPr>
+              <a:defRPr sz="1800"/>
+            </a:lvl6pPr>
+            <a:lvl7pPr>
+              <a:defRPr sz="1800"/>
+            </a:lvl7pPr>
+            <a:lvl8pPr>
+              <a:defRPr sz="1800"/>
+            </a:lvl8pPr>
+            <a:lvl9pPr>
+              <a:defRPr sz="1800"/>
+            </a:lvl9pPr>
+          </a:lstStyle>
+          <a:p>
+            <a:pPr lvl="0"/>
+            <a:r>
+              <a:rPr lang="zh-CN" altLang="en-US"/>
+              <a:t>单击此处编辑母版文本样式</a:t>
+            </a:r>
+          </a:p>
+          <a:p>
+            <a:pPr lvl="1"/>
+            <a:r>
+              <a:rPr lang="zh-CN" altLang="en-US"/>
+              <a:t>二级</a:t>
+            </a:r>
+          </a:p>
+          <a:p>
+            <a:pPr lvl="2"/>
+            <a:r>
+              <a:rPr lang="zh-CN" altLang="en-US"/>
+              <a:t>三级</a:t>
+            </a:r>
+          </a:p>
+          <a:p>
+            <a:pPr lvl="3"/>
+            <a:r>
+              <a:rPr lang="zh-CN" altLang="en-US"/>
+              <a:t>四级</a:t>
+            </a:r>
+          </a:p>
+          <a:p>
+            <a:pPr lvl="4"/>
+            <a:r>
+              <a:rPr lang="zh-CN" altLang="en-US"/>
+              <a:t>五级</a:t>
+            </a:r>
+            <a:endParaRPr lang="zh-CN" altLang="en-US" dirty="0"/>
+          </a:p>
+        </p:txBody>
+      </p:sp>
+      <p:sp>
+        <p:nvSpPr>
+          <p:cNvPr id="5" name="日期占位符 4"/>
+          <p:cNvSpPr>
+            <a:spLocks noGrp="1"/>
+          </p:cNvSpPr>
+          <p:nvPr>
+            <p:ph type="dt" sz="half" idx="10"/>
           </p:nvPr>
         </p:nvSpPr>
         <p:spPr/>
@@ -1256,200 +3365,36 @@
           <a:bodyPr/>
           <a:lstStyle/>
           <a:p>
-            <a:r>
-              <a:rPr lang="zh-CN" altLang="en-US"/>
-              <a:t>单击此处编辑母版标题样式</a:t>
-            </a:r>
-          </a:p>
-        </p:txBody>
-      </p:sp>
-      <p:sp>
-        <p:nvSpPr>
-          <p:cNvPr id="3" name="内容占位符 2">
-            <a:extLst>
-              <a:ext uri="{FF2B5EF4-FFF2-40B4-BE49-F238E27FC236}">
-                <a16:creationId xmlns:a16="http://schemas.microsoft.com/office/drawing/2014/main" id="{9E223CC9-37F6-40B6-8771-88754CF9ABBF}"/>
-              </a:ext>
-            </a:extLst>
-          </p:cNvPr>
+            <a:fld id="{01026DAE-505E-4D69-83FB-E72D5448BF93}" type="datetimeFigureOut">
+              <a:rPr lang="zh-CN" altLang="en-US" smtClean="0"/>
+              <a:t>2020/6/23</a:t>
+            </a:fld>
+            <a:endParaRPr lang="zh-CN" altLang="en-US"/>
+          </a:p>
+        </p:txBody>
+      </p:sp>
+      <p:sp>
+        <p:nvSpPr>
+          <p:cNvPr id="6" name="页脚占位符 5"/>
           <p:cNvSpPr>
             <a:spLocks noGrp="1"/>
           </p:cNvSpPr>
           <p:nvPr>
-            <p:ph sz="half" idx="1"/>
-          </p:nvPr>
-        </p:nvSpPr>
-        <p:spPr>
-          <a:xfrm>
-            <a:off x="838200" y="1825625"/>
-            <a:ext cx="5181600" cy="4351338"/>
-          </a:xfrm>
-        </p:spPr>
+            <p:ph type="ftr" sz="quarter" idx="11"/>
+          </p:nvPr>
+        </p:nvSpPr>
+        <p:spPr/>
         <p:txBody>
           <a:bodyPr/>
           <a:lstStyle/>
           <a:p>
-            <a:pPr lvl="0"/>
-            <a:r>
-              <a:rPr lang="zh-CN" altLang="en-US"/>
-              <a:t>单击此处编辑母版文本样式</a:t>
-            </a:r>
-          </a:p>
-          <a:p>
-            <a:pPr lvl="1"/>
-            <a:r>
-              <a:rPr lang="zh-CN" altLang="en-US"/>
-              <a:t>二级</a:t>
-            </a:r>
-          </a:p>
-          <a:p>
-            <a:pPr lvl="2"/>
-            <a:r>
-              <a:rPr lang="zh-CN" altLang="en-US"/>
-              <a:t>三级</a:t>
-            </a:r>
-          </a:p>
-          <a:p>
-            <a:pPr lvl="3"/>
-            <a:r>
-              <a:rPr lang="zh-CN" altLang="en-US"/>
-              <a:t>四级</a:t>
-            </a:r>
-          </a:p>
-          <a:p>
-            <a:pPr lvl="4"/>
-            <a:r>
-              <a:rPr lang="zh-CN" altLang="en-US"/>
-              <a:t>五级</a:t>
-            </a:r>
-          </a:p>
-        </p:txBody>
-      </p:sp>
-      <p:sp>
-        <p:nvSpPr>
-          <p:cNvPr id="4" name="内容占位符 3">
-            <a:extLst>
-              <a:ext uri="{FF2B5EF4-FFF2-40B4-BE49-F238E27FC236}">
-                <a16:creationId xmlns:a16="http://schemas.microsoft.com/office/drawing/2014/main" id="{0AA5A78F-656D-4BB9-8F94-F310E9F81620}"/>
-              </a:ext>
-            </a:extLst>
-          </p:cNvPr>
-          <p:cNvSpPr>
-            <a:spLocks noGrp="1"/>
-          </p:cNvSpPr>
-          <p:nvPr>
-            <p:ph sz="half" idx="2"/>
-          </p:nvPr>
-        </p:nvSpPr>
-        <p:spPr>
-          <a:xfrm>
-            <a:off x="6172200" y="1825625"/>
-            <a:ext cx="5181600" cy="4351338"/>
-          </a:xfrm>
-        </p:spPr>
-        <p:txBody>
-          <a:bodyPr/>
-          <a:lstStyle/>
-          <a:p>
-            <a:pPr lvl="0"/>
-            <a:r>
-              <a:rPr lang="zh-CN" altLang="en-US"/>
-              <a:t>单击此处编辑母版文本样式</a:t>
-            </a:r>
-          </a:p>
-          <a:p>
-            <a:pPr lvl="1"/>
-            <a:r>
-              <a:rPr lang="zh-CN" altLang="en-US"/>
-              <a:t>二级</a:t>
-            </a:r>
-          </a:p>
-          <a:p>
-            <a:pPr lvl="2"/>
-            <a:r>
-              <a:rPr lang="zh-CN" altLang="en-US"/>
-              <a:t>三级</a:t>
-            </a:r>
-          </a:p>
-          <a:p>
-            <a:pPr lvl="3"/>
-            <a:r>
-              <a:rPr lang="zh-CN" altLang="en-US"/>
-              <a:t>四级</a:t>
-            </a:r>
-          </a:p>
-          <a:p>
-            <a:pPr lvl="4"/>
-            <a:r>
-              <a:rPr lang="zh-CN" altLang="en-US"/>
-              <a:t>五级</a:t>
-            </a:r>
-          </a:p>
-        </p:txBody>
-      </p:sp>
-      <p:sp>
-        <p:nvSpPr>
-          <p:cNvPr id="5" name="日期占位符 4">
-            <a:extLst>
-              <a:ext uri="{FF2B5EF4-FFF2-40B4-BE49-F238E27FC236}">
-                <a16:creationId xmlns:a16="http://schemas.microsoft.com/office/drawing/2014/main" id="{B5E338D8-AC40-4BC2-9D8E-4E07CAE95610}"/>
-              </a:ext>
-            </a:extLst>
-          </p:cNvPr>
-          <p:cNvSpPr>
-            <a:spLocks noGrp="1"/>
-          </p:cNvSpPr>
-          <p:nvPr>
-            <p:ph type="dt" sz="half" idx="10"/>
-          </p:nvPr>
-        </p:nvSpPr>
-        <p:spPr/>
-        <p:txBody>
-          <a:bodyPr/>
-          <a:lstStyle/>
-          <a:p>
-            <a:fld id="{01026DAE-505E-4D69-83FB-E72D5448BF93}" type="datetimeFigureOut">
-              <a:rPr lang="zh-CN" altLang="en-US" smtClean="0"/>
-              <a:t>2020/6/22</a:t>
-            </a:fld>
             <a:endParaRPr lang="zh-CN" altLang="en-US"/>
           </a:p>
         </p:txBody>
       </p:sp>
       <p:sp>
         <p:nvSpPr>
-          <p:cNvPr id="6" name="页脚占位符 5">
-            <a:extLst>
-              <a:ext uri="{FF2B5EF4-FFF2-40B4-BE49-F238E27FC236}">
-                <a16:creationId xmlns:a16="http://schemas.microsoft.com/office/drawing/2014/main" id="{03DE0D4C-AB91-4C0A-90A1-25660CF0077B}"/>
-              </a:ext>
-            </a:extLst>
-          </p:cNvPr>
-          <p:cNvSpPr>
-            <a:spLocks noGrp="1"/>
-          </p:cNvSpPr>
-          <p:nvPr>
-            <p:ph type="ftr" sz="quarter" idx="11"/>
-          </p:nvPr>
-        </p:nvSpPr>
-        <p:spPr/>
-        <p:txBody>
-          <a:bodyPr/>
-          <a:lstStyle/>
-          <a:p>
-            <a:endParaRPr lang="zh-CN" altLang="en-US"/>
-          </a:p>
-        </p:txBody>
-      </p:sp>
-      <p:sp>
-        <p:nvSpPr>
-          <p:cNvPr id="7" name="灯片编号占位符 6">
-            <a:extLst>
-              <a:ext uri="{FF2B5EF4-FFF2-40B4-BE49-F238E27FC236}">
-                <a16:creationId xmlns:a16="http://schemas.microsoft.com/office/drawing/2014/main" id="{69C6A1CC-CAF4-4550-8C83-2686949A95F0}"/>
-              </a:ext>
-            </a:extLst>
-          </p:cNvPr>
+          <p:cNvPr id="7" name="灯片编号占位符 6"/>
           <p:cNvSpPr>
             <a:spLocks noGrp="1"/>
           </p:cNvSpPr>
@@ -1473,7 +3418,7 @@
     </p:spTree>
     <p:extLst>
       <p:ext uri="{BB962C8B-B14F-4D97-AF65-F5344CB8AC3E}">
-        <p14:creationId xmlns:p14="http://schemas.microsoft.com/office/powerpoint/2010/main" val="2138234333"/>
+        <p14:creationId xmlns:p14="http://schemas.microsoft.com/office/powerpoint/2010/main" val="2318550034"/>
       </p:ext>
     </p:extLst>
   </p:cSld>
@@ -1500,15 +3445,203 @@
           <a:chExt cx="0" cy="0"/>
         </a:xfrm>
       </p:grpSpPr>
-      <p:sp>
-        <p:nvSpPr>
-          <p:cNvPr id="2" name="标题 1">
+      <p:grpSp>
+        <p:nvGrpSpPr>
+          <p:cNvPr id="10" name="组合 9">
             <a:extLst>
               <a:ext uri="{FF2B5EF4-FFF2-40B4-BE49-F238E27FC236}">
-                <a16:creationId xmlns:a16="http://schemas.microsoft.com/office/drawing/2014/main" id="{F9C29186-E99D-41A4-AFC5-7D3A14E0E247}"/>
+                <a16:creationId xmlns:a16="http://schemas.microsoft.com/office/drawing/2014/main" id="{0F997A75-5537-440A-81DD-40FE6869741F}"/>
               </a:ext>
             </a:extLst>
           </p:cNvPr>
+          <p:cNvGrpSpPr/>
+          <p:nvPr/>
+        </p:nvGrpSpPr>
+        <p:grpSpPr>
+          <a:xfrm>
+            <a:off x="0" y="-24"/>
+            <a:ext cx="12192000" cy="863601"/>
+            <a:chOff x="0" y="-26988"/>
+            <a:chExt cx="9144000" cy="863601"/>
+          </a:xfrm>
+        </p:grpSpPr>
+        <p:sp>
+          <p:nvSpPr>
+            <p:cNvPr id="11" name="标题 3">
+              <a:extLst>
+                <a:ext uri="{FF2B5EF4-FFF2-40B4-BE49-F238E27FC236}">
+                  <a16:creationId xmlns:a16="http://schemas.microsoft.com/office/drawing/2014/main" id="{7CE531F4-6090-42D3-A92F-67A519F6D078}"/>
+                </a:ext>
+              </a:extLst>
+            </p:cNvPr>
+            <p:cNvSpPr txBox="1">
+              <a:spLocks/>
+            </p:cNvSpPr>
+            <p:nvPr/>
+          </p:nvSpPr>
+          <p:spPr>
+            <a:xfrm>
+              <a:off x="0" y="-26988"/>
+              <a:ext cx="9144000" cy="863601"/>
+            </a:xfrm>
+            <a:prstGeom prst="rect">
+              <a:avLst/>
+            </a:prstGeom>
+            <a:solidFill>
+              <a:srgbClr val="02409A"/>
+            </a:solidFill>
+            <a:ln>
+              <a:noFill/>
+            </a:ln>
+            <a:effectLst/>
+          </p:spPr>
+          <p:txBody>
+            <a:bodyPr tIns="0" bIns="0" anchor="ctr"/>
+            <a:lstStyle/>
+            <a:p>
+              <a:pPr algn="ctr">
+                <a:spcBef>
+                  <a:spcPct val="0"/>
+                </a:spcBef>
+                <a:defRPr/>
+              </a:pPr>
+              <a:endParaRPr lang="zh-CN" altLang="en-US" sz="4800" b="1" dirty="0">
+                <a:solidFill>
+                  <a:prstClr val="white"/>
+                </a:solidFill>
+                <a:latin typeface="微软雅黑" pitchFamily="34" charset="-122"/>
+                <a:ea typeface="微软雅黑" pitchFamily="34" charset="-122"/>
+              </a:endParaRPr>
+            </a:p>
+          </p:txBody>
+        </p:sp>
+        <p:cxnSp>
+          <p:nvCxnSpPr>
+            <p:cNvPr id="12" name="直接连接符 19">
+              <a:extLst>
+                <a:ext uri="{FF2B5EF4-FFF2-40B4-BE49-F238E27FC236}">
+                  <a16:creationId xmlns:a16="http://schemas.microsoft.com/office/drawing/2014/main" id="{0C3A453E-A72A-4D5D-A50D-04D166C5F790}"/>
+                </a:ext>
+              </a:extLst>
+            </p:cNvPr>
+            <p:cNvCxnSpPr>
+              <a:cxnSpLocks/>
+            </p:cNvCxnSpPr>
+            <p:nvPr/>
+          </p:nvCxnSpPr>
+          <p:spPr bwMode="auto">
+            <a:xfrm flipH="1">
+              <a:off x="449263" y="-25400"/>
+              <a:ext cx="1587" cy="841375"/>
+            </a:xfrm>
+            <a:prstGeom prst="line">
+              <a:avLst/>
+            </a:prstGeom>
+            <a:noFill/>
+            <a:ln w="28575" algn="ctr">
+              <a:solidFill>
+                <a:schemeClr val="bg1"/>
+              </a:solidFill>
+              <a:round/>
+              <a:headEnd/>
+              <a:tailEnd/>
+            </a:ln>
+            <a:effectLst/>
+            <a:extLst>
+              <a:ext uri="{909E8E84-426E-40DD-AFC4-6F175D3DCCD1}">
+                <a14:hiddenFill xmlns:a14="http://schemas.microsoft.com/office/drawing/2010/main">
+                  <a:noFill/>
+                </a14:hiddenFill>
+              </a:ext>
+            </a:extLst>
+          </p:spPr>
+        </p:cxnSp>
+        <p:cxnSp>
+          <p:nvCxnSpPr>
+            <p:cNvPr id="13" name="直接连接符 20">
+              <a:extLst>
+                <a:ext uri="{FF2B5EF4-FFF2-40B4-BE49-F238E27FC236}">
+                  <a16:creationId xmlns:a16="http://schemas.microsoft.com/office/drawing/2014/main" id="{7AB50A70-8E93-4820-AAE5-F7D6D8ED343D}"/>
+                </a:ext>
+              </a:extLst>
+            </p:cNvPr>
+            <p:cNvCxnSpPr>
+              <a:cxnSpLocks/>
+            </p:cNvCxnSpPr>
+            <p:nvPr/>
+          </p:nvCxnSpPr>
+          <p:spPr bwMode="auto">
+            <a:xfrm flipH="1">
+              <a:off x="511175" y="-26988"/>
+              <a:ext cx="1588" cy="554038"/>
+            </a:xfrm>
+            <a:prstGeom prst="line">
+              <a:avLst/>
+            </a:prstGeom>
+            <a:noFill/>
+            <a:ln w="28575" algn="ctr">
+              <a:solidFill>
+                <a:schemeClr val="bg1"/>
+              </a:solidFill>
+              <a:round/>
+              <a:headEnd/>
+              <a:tailEnd/>
+            </a:ln>
+            <a:effectLst/>
+            <a:extLst>
+              <a:ext uri="{909E8E84-426E-40DD-AFC4-6F175D3DCCD1}">
+                <a14:hiddenFill xmlns:a14="http://schemas.microsoft.com/office/drawing/2010/main">
+                  <a:noFill/>
+                </a14:hiddenFill>
+              </a:ext>
+            </a:extLst>
+          </p:spPr>
+        </p:cxnSp>
+        <p:cxnSp>
+          <p:nvCxnSpPr>
+            <p:cNvPr id="14" name="直接连接符 30">
+              <a:extLst>
+                <a:ext uri="{FF2B5EF4-FFF2-40B4-BE49-F238E27FC236}">
+                  <a16:creationId xmlns:a16="http://schemas.microsoft.com/office/drawing/2014/main" id="{BC8A1772-E37A-4276-BC13-2F9DFCB9E34A}"/>
+                </a:ext>
+              </a:extLst>
+            </p:cNvPr>
+            <p:cNvCxnSpPr>
+              <a:cxnSpLocks/>
+            </p:cNvCxnSpPr>
+            <p:nvPr/>
+          </p:nvCxnSpPr>
+          <p:spPr bwMode="auto">
+            <a:xfrm>
+              <a:off x="576263" y="-26988"/>
+              <a:ext cx="0" cy="298451"/>
+            </a:xfrm>
+            <a:prstGeom prst="line">
+              <a:avLst/>
+            </a:prstGeom>
+            <a:noFill/>
+            <a:ln w="28575" algn="ctr">
+              <a:solidFill>
+                <a:schemeClr val="bg1"/>
+              </a:solidFill>
+              <a:round/>
+              <a:headEnd/>
+              <a:tailEnd/>
+            </a:ln>
+            <a:effectLst/>
+            <a:extLst>
+              <a:ext uri="{909E8E84-426E-40DD-AFC4-6F175D3DCCD1}">
+                <a14:hiddenFill xmlns:a14="http://schemas.microsoft.com/office/drawing/2010/main">
+                  <a:noFill/>
+                </a14:hiddenFill>
+              </a:ext>
+            </a:extLst>
+          </p:spPr>
+        </p:cxnSp>
+      </p:grpSp>
+      <p:sp>
+        <p:nvSpPr>
+          <p:cNvPr id="2" name="标题 1"/>
           <p:cNvSpPr>
             <a:spLocks noGrp="1"/>
           </p:cNvSpPr>
@@ -1518,30 +3651,46 @@
         </p:nvSpPr>
         <p:spPr>
           <a:xfrm>
-            <a:off x="839788" y="365125"/>
-            <a:ext cx="10515600" cy="1325563"/>
+            <a:off x="829733" y="169838"/>
+            <a:ext cx="11118683" cy="561999"/>
           </a:xfrm>
+          <a:prstGeom prst="rect">
+            <a:avLst/>
+          </a:prstGeom>
         </p:spPr>
         <p:txBody>
-          <a:bodyPr/>
-          <a:lstStyle/>
-          <a:p>
+          <a:bodyPr vert="horz" lIns="91440" tIns="45720" rIns="91440" bIns="45720" rtlCol="0" anchor="ctr">
+            <a:normAutofit/>
+          </a:bodyPr>
+          <a:lstStyle>
+            <a:lvl1pPr algn="l">
+              <a:defRPr lang="zh-CN" altLang="en-US" sz="3000" b="1" dirty="0">
+                <a:solidFill>
+                  <a:prstClr val="white"/>
+                </a:solidFill>
+                <a:latin typeface="微软雅黑" panose="020B0503020204020204" pitchFamily="34" charset="-122"/>
+                <a:ea typeface="微软雅黑" panose="020B0503020204020204" pitchFamily="34" charset="-122"/>
+                <a:cs typeface="Arial" pitchFamily="34" charset="0"/>
+              </a:defRPr>
+            </a:lvl1pPr>
+          </a:lstStyle>
+          <a:p>
+            <a:pPr marL="0" lvl="0" algn="l" fontAlgn="base">
+              <a:spcAft>
+                <a:spcPct val="0"/>
+              </a:spcAft>
+            </a:pPr>
             <a:r>
               <a:rPr lang="zh-CN" altLang="en-US"/>
               <a:t>单击此处编辑母版标题样式</a:t>
             </a:r>
-          </a:p>
-        </p:txBody>
-      </p:sp>
-      <p:sp>
-        <p:nvSpPr>
-          <p:cNvPr id="3" name="文本占位符 2">
-            <a:extLst>
-              <a:ext uri="{FF2B5EF4-FFF2-40B4-BE49-F238E27FC236}">
-                <a16:creationId xmlns:a16="http://schemas.microsoft.com/office/drawing/2014/main" id="{31956689-0EA0-44C0-A5E7-58E9A6916824}"/>
-              </a:ext>
-            </a:extLst>
-          </p:cNvPr>
+            <a:endParaRPr lang="zh-CN" altLang="en-US" dirty="0"/>
+          </a:p>
+        </p:txBody>
+      </p:sp>
+      <p:sp>
+        <p:nvSpPr>
+          <p:cNvPr id="3" name="文本占位符 2"/>
           <p:cNvSpPr>
             <a:spLocks noGrp="1"/>
           </p:cNvSpPr>
@@ -1551,8 +3700,8 @@
         </p:nvSpPr>
         <p:spPr>
           <a:xfrm>
-            <a:off x="839788" y="1681163"/>
-            <a:ext cx="5157787" cy="823912"/>
+            <a:off x="609600" y="1033439"/>
+            <a:ext cx="5386917" cy="639762"/>
           </a:xfrm>
         </p:spPr>
         <p:txBody>
@@ -1606,13 +3755,7 @@
       </p:sp>
       <p:sp>
         <p:nvSpPr>
-          <p:cNvPr id="4" name="内容占位符 3">
-            <a:extLst>
-              <a:ext uri="{FF2B5EF4-FFF2-40B4-BE49-F238E27FC236}">
-                <a16:creationId xmlns:a16="http://schemas.microsoft.com/office/drawing/2014/main" id="{FCDBC992-D8D5-4E1A-9969-755DCD3B14B3}"/>
-              </a:ext>
-            </a:extLst>
-          </p:cNvPr>
+          <p:cNvPr id="4" name="内容占位符 3"/>
           <p:cNvSpPr>
             <a:spLocks noGrp="1"/>
           </p:cNvSpPr>
@@ -1622,13 +3765,45 @@
         </p:nvSpPr>
         <p:spPr>
           <a:xfrm>
-            <a:off x="839788" y="2505075"/>
-            <a:ext cx="5157787" cy="3684588"/>
+            <a:off x="609600" y="1673201"/>
+            <a:ext cx="5386917" cy="4452962"/>
           </a:xfrm>
         </p:spPr>
         <p:txBody>
           <a:bodyPr/>
-          <a:lstStyle/>
+          <a:lstStyle>
+            <a:lvl1pPr marL="342900" indent="-342900">
+              <a:buFont typeface="Wingdings" panose="05000000000000000000" pitchFamily="2" charset="2"/>
+              <a:buChar char="Ø"/>
+              <a:defRPr sz="2400"/>
+            </a:lvl1pPr>
+            <a:lvl2pPr marL="742950" indent="-285750">
+              <a:buFont typeface="Wingdings" panose="05000000000000000000" pitchFamily="2" charset="2"/>
+              <a:buChar char="n"/>
+              <a:defRPr sz="2000"/>
+            </a:lvl2pPr>
+            <a:lvl3pPr>
+              <a:defRPr sz="1800"/>
+            </a:lvl3pPr>
+            <a:lvl4pPr>
+              <a:defRPr sz="1600"/>
+            </a:lvl4pPr>
+            <a:lvl5pPr>
+              <a:defRPr sz="1600"/>
+            </a:lvl5pPr>
+            <a:lvl6pPr>
+              <a:defRPr sz="1600"/>
+            </a:lvl6pPr>
+            <a:lvl7pPr>
+              <a:defRPr sz="1600"/>
+            </a:lvl7pPr>
+            <a:lvl8pPr>
+              <a:defRPr sz="1600"/>
+            </a:lvl8pPr>
+            <a:lvl9pPr>
+              <a:defRPr sz="1600"/>
+            </a:lvl9pPr>
+          </a:lstStyle>
           <a:p>
             <a:pPr lvl="0"/>
             <a:r>
@@ -1663,18 +3838,13 @@
               <a:rPr lang="zh-CN" altLang="en-US"/>
               <a:t>五级</a:t>
             </a:r>
-          </a:p>
-        </p:txBody>
-      </p:sp>
-      <p:sp>
-        <p:nvSpPr>
-          <p:cNvPr id="5" name="文本占位符 4">
-            <a:extLst>
-              <a:ext uri="{FF2B5EF4-FFF2-40B4-BE49-F238E27FC236}">
-                <a16:creationId xmlns:a16="http://schemas.microsoft.com/office/drawing/2014/main" id="{F63E02E7-2D5C-4C7F-86CF-54663C85735A}"/>
-              </a:ext>
-            </a:extLst>
-          </p:cNvPr>
+            <a:endParaRPr lang="zh-CN" altLang="en-US" dirty="0"/>
+          </a:p>
+        </p:txBody>
+      </p:sp>
+      <p:sp>
+        <p:nvSpPr>
+          <p:cNvPr id="5" name="文本占位符 4"/>
           <p:cNvSpPr>
             <a:spLocks noGrp="1"/>
           </p:cNvSpPr>
@@ -1684,8 +3854,8 @@
         </p:nvSpPr>
         <p:spPr>
           <a:xfrm>
-            <a:off x="6172200" y="1681163"/>
-            <a:ext cx="5183188" cy="823912"/>
+            <a:off x="6193368" y="1033439"/>
+            <a:ext cx="5389033" cy="639762"/>
           </a:xfrm>
         </p:spPr>
         <p:txBody>
@@ -1739,13 +3909,7 @@
       </p:sp>
       <p:sp>
         <p:nvSpPr>
-          <p:cNvPr id="6" name="内容占位符 5">
-            <a:extLst>
-              <a:ext uri="{FF2B5EF4-FFF2-40B4-BE49-F238E27FC236}">
-                <a16:creationId xmlns:a16="http://schemas.microsoft.com/office/drawing/2014/main" id="{F3C3C569-8491-4AEA-BD40-FADD65966E87}"/>
-              </a:ext>
-            </a:extLst>
-          </p:cNvPr>
+          <p:cNvPr id="6" name="内容占位符 5"/>
           <p:cNvSpPr>
             <a:spLocks noGrp="1"/>
           </p:cNvSpPr>
@@ -1755,13 +3919,45 @@
         </p:nvSpPr>
         <p:spPr>
           <a:xfrm>
-            <a:off x="6172200" y="2505075"/>
-            <a:ext cx="5183188" cy="3684588"/>
+            <a:off x="6193368" y="1673201"/>
+            <a:ext cx="5389033" cy="4452962"/>
           </a:xfrm>
         </p:spPr>
         <p:txBody>
           <a:bodyPr/>
-          <a:lstStyle/>
+          <a:lstStyle>
+            <a:lvl1pPr marL="342900" indent="-342900">
+              <a:buFont typeface="Wingdings" panose="05000000000000000000" pitchFamily="2" charset="2"/>
+              <a:buChar char="Ø"/>
+              <a:defRPr sz="2400"/>
+            </a:lvl1pPr>
+            <a:lvl2pPr marL="742950" indent="-285750">
+              <a:buFont typeface="Wingdings" panose="05000000000000000000" pitchFamily="2" charset="2"/>
+              <a:buChar char="n"/>
+              <a:defRPr sz="2000"/>
+            </a:lvl2pPr>
+            <a:lvl3pPr>
+              <a:defRPr sz="1800"/>
+            </a:lvl3pPr>
+            <a:lvl4pPr>
+              <a:defRPr sz="1600"/>
+            </a:lvl4pPr>
+            <a:lvl5pPr>
+              <a:defRPr sz="1600"/>
+            </a:lvl5pPr>
+            <a:lvl6pPr>
+              <a:defRPr sz="1600"/>
+            </a:lvl6pPr>
+            <a:lvl7pPr>
+              <a:defRPr sz="1600"/>
+            </a:lvl7pPr>
+            <a:lvl8pPr>
+              <a:defRPr sz="1600"/>
+            </a:lvl8pPr>
+            <a:lvl9pPr>
+              <a:defRPr sz="1600"/>
+            </a:lvl9pPr>
+          </a:lstStyle>
           <a:p>
             <a:pPr lvl="0"/>
             <a:r>
@@ -1796,18 +3992,13 @@
               <a:rPr lang="zh-CN" altLang="en-US"/>
               <a:t>五级</a:t>
             </a:r>
-          </a:p>
-        </p:txBody>
-      </p:sp>
-      <p:sp>
-        <p:nvSpPr>
-          <p:cNvPr id="7" name="日期占位符 6">
-            <a:extLst>
-              <a:ext uri="{FF2B5EF4-FFF2-40B4-BE49-F238E27FC236}">
-                <a16:creationId xmlns:a16="http://schemas.microsoft.com/office/drawing/2014/main" id="{D0BE51AA-6CD1-42A2-8143-FA4DE0D937AD}"/>
-              </a:ext>
-            </a:extLst>
-          </p:cNvPr>
+            <a:endParaRPr lang="zh-CN" altLang="en-US" dirty="0"/>
+          </a:p>
+        </p:txBody>
+      </p:sp>
+      <p:sp>
+        <p:nvSpPr>
+          <p:cNvPr id="7" name="日期占位符 6"/>
           <p:cNvSpPr>
             <a:spLocks noGrp="1"/>
           </p:cNvSpPr>
@@ -1822,7 +4013,7 @@
           <a:p>
             <a:fld id="{01026DAE-505E-4D69-83FB-E72D5448BF93}" type="datetimeFigureOut">
               <a:rPr lang="zh-CN" altLang="en-US" smtClean="0"/>
-              <a:t>2020/6/22</a:t>
+              <a:t>2020/6/23</a:t>
             </a:fld>
             <a:endParaRPr lang="zh-CN" altLang="en-US"/>
           </a:p>
@@ -1830,13 +4021,7 @@
       </p:sp>
       <p:sp>
         <p:nvSpPr>
-          <p:cNvPr id="8" name="页脚占位符 7">
-            <a:extLst>
-              <a:ext uri="{FF2B5EF4-FFF2-40B4-BE49-F238E27FC236}">
-                <a16:creationId xmlns:a16="http://schemas.microsoft.com/office/drawing/2014/main" id="{6038E00D-D24E-432D-9D6C-411F3ADD823E}"/>
-              </a:ext>
-            </a:extLst>
-          </p:cNvPr>
+          <p:cNvPr id="8" name="页脚占位符 7"/>
           <p:cNvSpPr>
             <a:spLocks noGrp="1"/>
           </p:cNvSpPr>
@@ -1855,13 +4040,7 @@
       </p:sp>
       <p:sp>
         <p:nvSpPr>
-          <p:cNvPr id="9" name="灯片编号占位符 8">
-            <a:extLst>
-              <a:ext uri="{FF2B5EF4-FFF2-40B4-BE49-F238E27FC236}">
-                <a16:creationId xmlns:a16="http://schemas.microsoft.com/office/drawing/2014/main" id="{C8F53410-817A-4DE6-8B4D-DCBEC62607E1}"/>
-              </a:ext>
-            </a:extLst>
-          </p:cNvPr>
+          <p:cNvPr id="9" name="灯片编号占位符 8"/>
           <p:cNvSpPr>
             <a:spLocks noGrp="1"/>
           </p:cNvSpPr>
@@ -1885,7 +4064,7 @@
     </p:spTree>
     <p:extLst>
       <p:ext uri="{BB962C8B-B14F-4D97-AF65-F5344CB8AC3E}">
-        <p14:creationId xmlns:p14="http://schemas.microsoft.com/office/powerpoint/2010/main" val="603182155"/>
+        <p14:creationId xmlns:p14="http://schemas.microsoft.com/office/powerpoint/2010/main" val="2990110387"/>
       </p:ext>
     </p:extLst>
   </p:cSld>
@@ -1912,20 +4091,257 @@
           <a:chExt cx="0" cy="0"/>
         </a:xfrm>
       </p:grpSpPr>
-      <p:sp>
-        <p:nvSpPr>
-          <p:cNvPr id="2" name="标题 1">
+      <p:grpSp>
+        <p:nvGrpSpPr>
+          <p:cNvPr id="6" name="组合 5">
             <a:extLst>
               <a:ext uri="{FF2B5EF4-FFF2-40B4-BE49-F238E27FC236}">
-                <a16:creationId xmlns:a16="http://schemas.microsoft.com/office/drawing/2014/main" id="{3B89F902-E550-4C34-87E9-A8F8C6665411}"/>
+                <a16:creationId xmlns:a16="http://schemas.microsoft.com/office/drawing/2014/main" id="{A12912D2-0DF4-4AFD-987D-E4A4BE79C44B}"/>
               </a:ext>
             </a:extLst>
           </p:cNvPr>
+          <p:cNvGrpSpPr/>
+          <p:nvPr/>
+        </p:nvGrpSpPr>
+        <p:grpSpPr>
+          <a:xfrm>
+            <a:off x="0" y="-24"/>
+            <a:ext cx="12192000" cy="863601"/>
+            <a:chOff x="0" y="-26988"/>
+            <a:chExt cx="9144000" cy="863601"/>
+          </a:xfrm>
+        </p:grpSpPr>
+        <p:sp>
+          <p:nvSpPr>
+            <p:cNvPr id="7" name="标题 3">
+              <a:extLst>
+                <a:ext uri="{FF2B5EF4-FFF2-40B4-BE49-F238E27FC236}">
+                  <a16:creationId xmlns:a16="http://schemas.microsoft.com/office/drawing/2014/main" id="{EE11A992-40E0-4E14-AC49-D270EDB90950}"/>
+                </a:ext>
+              </a:extLst>
+            </p:cNvPr>
+            <p:cNvSpPr txBox="1">
+              <a:spLocks/>
+            </p:cNvSpPr>
+            <p:nvPr/>
+          </p:nvSpPr>
+          <p:spPr>
+            <a:xfrm>
+              <a:off x="0" y="-26988"/>
+              <a:ext cx="9144000" cy="863601"/>
+            </a:xfrm>
+            <a:prstGeom prst="rect">
+              <a:avLst/>
+            </a:prstGeom>
+            <a:solidFill>
+              <a:srgbClr val="02409A"/>
+            </a:solidFill>
+            <a:ln>
+              <a:noFill/>
+            </a:ln>
+            <a:effectLst/>
+          </p:spPr>
+          <p:txBody>
+            <a:bodyPr tIns="0" bIns="0" anchor="ctr"/>
+            <a:lstStyle/>
+            <a:p>
+              <a:pPr algn="ctr">
+                <a:spcBef>
+                  <a:spcPct val="0"/>
+                </a:spcBef>
+                <a:defRPr/>
+              </a:pPr>
+              <a:endParaRPr lang="zh-CN" altLang="en-US" sz="4800" b="1" dirty="0">
+                <a:solidFill>
+                  <a:prstClr val="white"/>
+                </a:solidFill>
+                <a:latin typeface="微软雅黑" pitchFamily="34" charset="-122"/>
+                <a:ea typeface="微软雅黑" pitchFamily="34" charset="-122"/>
+              </a:endParaRPr>
+            </a:p>
+          </p:txBody>
+        </p:sp>
+        <p:cxnSp>
+          <p:nvCxnSpPr>
+            <p:cNvPr id="8" name="直接连接符 19">
+              <a:extLst>
+                <a:ext uri="{FF2B5EF4-FFF2-40B4-BE49-F238E27FC236}">
+                  <a16:creationId xmlns:a16="http://schemas.microsoft.com/office/drawing/2014/main" id="{5DFC2A33-AB71-4FEB-8310-CC5635A08721}"/>
+                </a:ext>
+              </a:extLst>
+            </p:cNvPr>
+            <p:cNvCxnSpPr>
+              <a:cxnSpLocks/>
+            </p:cNvCxnSpPr>
+            <p:nvPr/>
+          </p:nvCxnSpPr>
+          <p:spPr bwMode="auto">
+            <a:xfrm flipH="1">
+              <a:off x="449263" y="-25400"/>
+              <a:ext cx="1587" cy="841375"/>
+            </a:xfrm>
+            <a:prstGeom prst="line">
+              <a:avLst/>
+            </a:prstGeom>
+            <a:noFill/>
+            <a:ln w="28575" algn="ctr">
+              <a:solidFill>
+                <a:schemeClr val="bg1"/>
+              </a:solidFill>
+              <a:round/>
+              <a:headEnd/>
+              <a:tailEnd/>
+            </a:ln>
+            <a:effectLst/>
+            <a:extLst>
+              <a:ext uri="{909E8E84-426E-40DD-AFC4-6F175D3DCCD1}">
+                <a14:hiddenFill xmlns:a14="http://schemas.microsoft.com/office/drawing/2010/main">
+                  <a:noFill/>
+                </a14:hiddenFill>
+              </a:ext>
+            </a:extLst>
+          </p:spPr>
+        </p:cxnSp>
+        <p:cxnSp>
+          <p:nvCxnSpPr>
+            <p:cNvPr id="9" name="直接连接符 20">
+              <a:extLst>
+                <a:ext uri="{FF2B5EF4-FFF2-40B4-BE49-F238E27FC236}">
+                  <a16:creationId xmlns:a16="http://schemas.microsoft.com/office/drawing/2014/main" id="{7EDE707B-1815-4F6E-AE62-356B0843661F}"/>
+                </a:ext>
+              </a:extLst>
+            </p:cNvPr>
+            <p:cNvCxnSpPr>
+              <a:cxnSpLocks/>
+            </p:cNvCxnSpPr>
+            <p:nvPr/>
+          </p:nvCxnSpPr>
+          <p:spPr bwMode="auto">
+            <a:xfrm flipH="1">
+              <a:off x="511175" y="-26988"/>
+              <a:ext cx="1588" cy="554038"/>
+            </a:xfrm>
+            <a:prstGeom prst="line">
+              <a:avLst/>
+            </a:prstGeom>
+            <a:noFill/>
+            <a:ln w="28575" algn="ctr">
+              <a:solidFill>
+                <a:schemeClr val="bg1"/>
+              </a:solidFill>
+              <a:round/>
+              <a:headEnd/>
+              <a:tailEnd/>
+            </a:ln>
+            <a:effectLst/>
+            <a:extLst>
+              <a:ext uri="{909E8E84-426E-40DD-AFC4-6F175D3DCCD1}">
+                <a14:hiddenFill xmlns:a14="http://schemas.microsoft.com/office/drawing/2010/main">
+                  <a:noFill/>
+                </a14:hiddenFill>
+              </a:ext>
+            </a:extLst>
+          </p:spPr>
+        </p:cxnSp>
+        <p:cxnSp>
+          <p:nvCxnSpPr>
+            <p:cNvPr id="10" name="直接连接符 30">
+              <a:extLst>
+                <a:ext uri="{FF2B5EF4-FFF2-40B4-BE49-F238E27FC236}">
+                  <a16:creationId xmlns:a16="http://schemas.microsoft.com/office/drawing/2014/main" id="{503B0CE3-D7D8-4814-9D62-C1B54623C0E5}"/>
+                </a:ext>
+              </a:extLst>
+            </p:cNvPr>
+            <p:cNvCxnSpPr>
+              <a:cxnSpLocks/>
+            </p:cNvCxnSpPr>
+            <p:nvPr/>
+          </p:nvCxnSpPr>
+          <p:spPr bwMode="auto">
+            <a:xfrm>
+              <a:off x="576263" y="-26988"/>
+              <a:ext cx="0" cy="298451"/>
+            </a:xfrm>
+            <a:prstGeom prst="line">
+              <a:avLst/>
+            </a:prstGeom>
+            <a:noFill/>
+            <a:ln w="28575" algn="ctr">
+              <a:solidFill>
+                <a:schemeClr val="bg1"/>
+              </a:solidFill>
+              <a:round/>
+              <a:headEnd/>
+              <a:tailEnd/>
+            </a:ln>
+            <a:effectLst/>
+            <a:extLst>
+              <a:ext uri="{909E8E84-426E-40DD-AFC4-6F175D3DCCD1}">
+                <a14:hiddenFill xmlns:a14="http://schemas.microsoft.com/office/drawing/2010/main">
+                  <a:noFill/>
+                </a14:hiddenFill>
+              </a:ext>
+            </a:extLst>
+          </p:spPr>
+        </p:cxnSp>
+      </p:grpSp>
+      <p:sp>
+        <p:nvSpPr>
+          <p:cNvPr id="2" name="标题 1"/>
           <p:cNvSpPr>
             <a:spLocks noGrp="1"/>
           </p:cNvSpPr>
           <p:nvPr>
             <p:ph type="title"/>
+          </p:nvPr>
+        </p:nvSpPr>
+        <p:spPr>
+          <a:xfrm>
+            <a:off x="829733" y="169838"/>
+            <a:ext cx="11118683" cy="561999"/>
+          </a:xfrm>
+          <a:prstGeom prst="rect">
+            <a:avLst/>
+          </a:prstGeom>
+        </p:spPr>
+        <p:txBody>
+          <a:bodyPr vert="horz" lIns="91440" tIns="45720" rIns="91440" bIns="45720" rtlCol="0" anchor="ctr">
+            <a:normAutofit/>
+          </a:bodyPr>
+          <a:lstStyle>
+            <a:lvl1pPr algn="l">
+              <a:defRPr lang="zh-CN" altLang="en-US" sz="3000" b="1" dirty="0">
+                <a:solidFill>
+                  <a:prstClr val="white"/>
+                </a:solidFill>
+                <a:latin typeface="微软雅黑" panose="020B0503020204020204" pitchFamily="34" charset="-122"/>
+                <a:ea typeface="微软雅黑" panose="020B0503020204020204" pitchFamily="34" charset="-122"/>
+                <a:cs typeface="Arial" pitchFamily="34" charset="0"/>
+              </a:defRPr>
+            </a:lvl1pPr>
+          </a:lstStyle>
+          <a:p>
+            <a:pPr marL="0" lvl="0" algn="l" fontAlgn="base">
+              <a:spcAft>
+                <a:spcPct val="0"/>
+              </a:spcAft>
+            </a:pPr>
+            <a:r>
+              <a:rPr lang="zh-CN" altLang="en-US"/>
+              <a:t>单击此处编辑母版标题样式</a:t>
+            </a:r>
+            <a:endParaRPr lang="zh-CN" altLang="en-US" dirty="0"/>
+          </a:p>
+        </p:txBody>
+      </p:sp>
+      <p:sp>
+        <p:nvSpPr>
+          <p:cNvPr id="3" name="日期占位符 2"/>
+          <p:cNvSpPr>
+            <a:spLocks noGrp="1"/>
+          </p:cNvSpPr>
+          <p:nvPr>
+            <p:ph type="dt" sz="half" idx="10"/>
           </p:nvPr>
         </p:nvSpPr>
         <p:spPr/>
@@ -1933,27 +4349,22 @@
           <a:bodyPr/>
           <a:lstStyle/>
           <a:p>
-            <a:r>
-              <a:rPr lang="zh-CN" altLang="en-US"/>
-              <a:t>单击此处编辑母版标题样式</a:t>
-            </a:r>
-          </a:p>
-        </p:txBody>
-      </p:sp>
-      <p:sp>
-        <p:nvSpPr>
-          <p:cNvPr id="3" name="日期占位符 2">
-            <a:extLst>
-              <a:ext uri="{FF2B5EF4-FFF2-40B4-BE49-F238E27FC236}">
-                <a16:creationId xmlns:a16="http://schemas.microsoft.com/office/drawing/2014/main" id="{ABD284D5-78D0-43DB-A4D0-286E58E4DB98}"/>
-              </a:ext>
-            </a:extLst>
-          </p:cNvPr>
+            <a:fld id="{01026DAE-505E-4D69-83FB-E72D5448BF93}" type="datetimeFigureOut">
+              <a:rPr lang="zh-CN" altLang="en-US" smtClean="0"/>
+              <a:t>2020/6/23</a:t>
+            </a:fld>
+            <a:endParaRPr lang="zh-CN" altLang="en-US"/>
+          </a:p>
+        </p:txBody>
+      </p:sp>
+      <p:sp>
+        <p:nvSpPr>
+          <p:cNvPr id="4" name="页脚占位符 3"/>
           <p:cNvSpPr>
             <a:spLocks noGrp="1"/>
           </p:cNvSpPr>
           <p:nvPr>
-            <p:ph type="dt" sz="half" idx="10"/>
+            <p:ph type="ftr" sz="quarter" idx="11"/>
           </p:nvPr>
         </p:nvSpPr>
         <p:spPr/>
@@ -1961,48 +4372,13 @@
           <a:bodyPr/>
           <a:lstStyle/>
           <a:p>
-            <a:fld id="{01026DAE-505E-4D69-83FB-E72D5448BF93}" type="datetimeFigureOut">
-              <a:rPr lang="zh-CN" altLang="en-US" smtClean="0"/>
-              <a:t>2020/6/22</a:t>
-            </a:fld>
             <a:endParaRPr lang="zh-CN" altLang="en-US"/>
           </a:p>
         </p:txBody>
       </p:sp>
       <p:sp>
         <p:nvSpPr>
-          <p:cNvPr id="4" name="页脚占位符 3">
-            <a:extLst>
-              <a:ext uri="{FF2B5EF4-FFF2-40B4-BE49-F238E27FC236}">
-                <a16:creationId xmlns:a16="http://schemas.microsoft.com/office/drawing/2014/main" id="{4DF023D6-5F8C-4F6E-9AFF-5F413A4FCDCE}"/>
-              </a:ext>
-            </a:extLst>
-          </p:cNvPr>
-          <p:cNvSpPr>
-            <a:spLocks noGrp="1"/>
-          </p:cNvSpPr>
-          <p:nvPr>
-            <p:ph type="ftr" sz="quarter" idx="11"/>
-          </p:nvPr>
-        </p:nvSpPr>
-        <p:spPr/>
-        <p:txBody>
-          <a:bodyPr/>
-          <a:lstStyle/>
-          <a:p>
-            <a:endParaRPr lang="zh-CN" altLang="en-US"/>
-          </a:p>
-        </p:txBody>
-      </p:sp>
-      <p:sp>
-        <p:nvSpPr>
-          <p:cNvPr id="5" name="灯片编号占位符 4">
-            <a:extLst>
-              <a:ext uri="{FF2B5EF4-FFF2-40B4-BE49-F238E27FC236}">
-                <a16:creationId xmlns:a16="http://schemas.microsoft.com/office/drawing/2014/main" id="{EB38AA1D-9E77-4B6E-95B1-96C23DC22C07}"/>
-              </a:ext>
-            </a:extLst>
-          </p:cNvPr>
+          <p:cNvPr id="5" name="灯片编号占位符 4"/>
           <p:cNvSpPr>
             <a:spLocks noGrp="1"/>
           </p:cNvSpPr>
@@ -2026,7 +4402,7 @@
     </p:spTree>
     <p:extLst>
       <p:ext uri="{BB962C8B-B14F-4D97-AF65-F5344CB8AC3E}">
-        <p14:creationId xmlns:p14="http://schemas.microsoft.com/office/powerpoint/2010/main" val="108065138"/>
+        <p14:creationId xmlns:p14="http://schemas.microsoft.com/office/powerpoint/2010/main" val="2980421637"/>
       </p:ext>
     </p:extLst>
   </p:cSld>
@@ -2055,13 +4431,7 @@
       </p:grpSpPr>
       <p:sp>
         <p:nvSpPr>
-          <p:cNvPr id="2" name="日期占位符 1">
-            <a:extLst>
-              <a:ext uri="{FF2B5EF4-FFF2-40B4-BE49-F238E27FC236}">
-                <a16:creationId xmlns:a16="http://schemas.microsoft.com/office/drawing/2014/main" id="{C6190A21-C053-40AC-AFC2-81E6336F4E1D}"/>
-              </a:ext>
-            </a:extLst>
-          </p:cNvPr>
+          <p:cNvPr id="2" name="日期占位符 1"/>
           <p:cNvSpPr>
             <a:spLocks noGrp="1"/>
           </p:cNvSpPr>
@@ -2076,7 +4446,7 @@
           <a:p>
             <a:fld id="{01026DAE-505E-4D69-83FB-E72D5448BF93}" type="datetimeFigureOut">
               <a:rPr lang="zh-CN" altLang="en-US" smtClean="0"/>
-              <a:t>2020/6/22</a:t>
+              <a:t>2020/6/23</a:t>
             </a:fld>
             <a:endParaRPr lang="zh-CN" altLang="en-US"/>
           </a:p>
@@ -2084,13 +4454,7 @@
       </p:sp>
       <p:sp>
         <p:nvSpPr>
-          <p:cNvPr id="3" name="页脚占位符 2">
-            <a:extLst>
-              <a:ext uri="{FF2B5EF4-FFF2-40B4-BE49-F238E27FC236}">
-                <a16:creationId xmlns:a16="http://schemas.microsoft.com/office/drawing/2014/main" id="{48E3B14C-DAED-44DB-ADA6-49D3290FAB9B}"/>
-              </a:ext>
-            </a:extLst>
-          </p:cNvPr>
+          <p:cNvPr id="3" name="页脚占位符 2"/>
           <p:cNvSpPr>
             <a:spLocks noGrp="1"/>
           </p:cNvSpPr>
@@ -2109,13 +4473,7 @@
       </p:sp>
       <p:sp>
         <p:nvSpPr>
-          <p:cNvPr id="4" name="灯片编号占位符 3">
-            <a:extLst>
-              <a:ext uri="{FF2B5EF4-FFF2-40B4-BE49-F238E27FC236}">
-                <a16:creationId xmlns:a16="http://schemas.microsoft.com/office/drawing/2014/main" id="{8EEEA812-89C1-4913-8563-4D32875AAA2C}"/>
-              </a:ext>
-            </a:extLst>
-          </p:cNvPr>
+          <p:cNvPr id="4" name="灯片编号占位符 3"/>
           <p:cNvSpPr>
             <a:spLocks noGrp="1"/>
           </p:cNvSpPr>
@@ -2139,7 +4497,7 @@
     </p:spTree>
     <p:extLst>
       <p:ext uri="{BB962C8B-B14F-4D97-AF65-F5344CB8AC3E}">
-        <p14:creationId xmlns:p14="http://schemas.microsoft.com/office/powerpoint/2010/main" val="3786459533"/>
+        <p14:creationId xmlns:p14="http://schemas.microsoft.com/office/powerpoint/2010/main" val="3923743541"/>
       </p:ext>
     </p:extLst>
   </p:cSld>
@@ -2150,6 +4508,443 @@
 </file>
 
 <file path=ppt/slideLayouts/slideLayout8.xml><?xml version="1.0" encoding="utf-8"?>
+<p:sldLayout xmlns:a="http://schemas.openxmlformats.org/drawingml/2006/main" xmlns:r="http://schemas.openxmlformats.org/officeDocument/2006/relationships" xmlns:p="http://schemas.openxmlformats.org/presentationml/2006/main" preserve="1">
+  <p:cSld name="致谢">
+    <p:spTree>
+      <p:nvGrpSpPr>
+        <p:cNvPr id="1" name=""/>
+        <p:cNvGrpSpPr/>
+        <p:nvPr/>
+      </p:nvGrpSpPr>
+      <p:grpSpPr>
+        <a:xfrm>
+          <a:off x="0" y="0"/>
+          <a:ext cx="0" cy="0"/>
+          <a:chOff x="0" y="0"/>
+          <a:chExt cx="0" cy="0"/>
+        </a:xfrm>
+      </p:grpSpPr>
+      <p:sp>
+        <p:nvSpPr>
+          <p:cNvPr id="3" name="日期占位符 2">
+            <a:extLst>
+              <a:ext uri="{FF2B5EF4-FFF2-40B4-BE49-F238E27FC236}">
+                <a16:creationId xmlns:a16="http://schemas.microsoft.com/office/drawing/2014/main" id="{4FB062C8-8753-4729-A2AC-00E51378E261}"/>
+              </a:ext>
+            </a:extLst>
+          </p:cNvPr>
+          <p:cNvSpPr>
+            <a:spLocks noGrp="1"/>
+          </p:cNvSpPr>
+          <p:nvPr>
+            <p:ph type="dt" sz="half" idx="10"/>
+          </p:nvPr>
+        </p:nvSpPr>
+        <p:spPr/>
+        <p:txBody>
+          <a:bodyPr/>
+          <a:lstStyle/>
+          <a:p>
+            <a:fld id="{01026DAE-505E-4D69-83FB-E72D5448BF93}" type="datetimeFigureOut">
+              <a:rPr lang="zh-CN" altLang="en-US" smtClean="0"/>
+              <a:t>2020/6/23</a:t>
+            </a:fld>
+            <a:endParaRPr lang="zh-CN" altLang="en-US"/>
+          </a:p>
+        </p:txBody>
+      </p:sp>
+      <p:sp>
+        <p:nvSpPr>
+          <p:cNvPr id="4" name="页脚占位符 3">
+            <a:extLst>
+              <a:ext uri="{FF2B5EF4-FFF2-40B4-BE49-F238E27FC236}">
+                <a16:creationId xmlns:a16="http://schemas.microsoft.com/office/drawing/2014/main" id="{FB0B1FA3-89C5-42E1-BC99-5A18B6AA9534}"/>
+              </a:ext>
+            </a:extLst>
+          </p:cNvPr>
+          <p:cNvSpPr>
+            <a:spLocks noGrp="1"/>
+          </p:cNvSpPr>
+          <p:nvPr>
+            <p:ph type="ftr" sz="quarter" idx="11"/>
+          </p:nvPr>
+        </p:nvSpPr>
+        <p:spPr/>
+        <p:txBody>
+          <a:bodyPr/>
+          <a:lstStyle/>
+          <a:p>
+            <a:endParaRPr lang="zh-CN" altLang="en-US"/>
+          </a:p>
+        </p:txBody>
+      </p:sp>
+      <p:sp>
+        <p:nvSpPr>
+          <p:cNvPr id="5" name="灯片编号占位符 4">
+            <a:extLst>
+              <a:ext uri="{FF2B5EF4-FFF2-40B4-BE49-F238E27FC236}">
+                <a16:creationId xmlns:a16="http://schemas.microsoft.com/office/drawing/2014/main" id="{6372A1CF-E4C3-4C1D-9AA9-A3422C5D4CA1}"/>
+              </a:ext>
+            </a:extLst>
+          </p:cNvPr>
+          <p:cNvSpPr>
+            <a:spLocks noGrp="1"/>
+          </p:cNvSpPr>
+          <p:nvPr>
+            <p:ph type="sldNum" sz="quarter" idx="12"/>
+          </p:nvPr>
+        </p:nvSpPr>
+        <p:spPr/>
+        <p:txBody>
+          <a:bodyPr/>
+          <a:lstStyle/>
+          <a:p>
+            <a:fld id="{464A7708-C954-4805-96C6-CD773B023FB6}" type="slidenum">
+              <a:rPr lang="zh-CN" altLang="en-US" smtClean="0"/>
+              <a:t>‹#›</a:t>
+            </a:fld>
+            <a:endParaRPr lang="zh-CN" altLang="en-US"/>
+          </a:p>
+        </p:txBody>
+      </p:sp>
+      <p:sp>
+        <p:nvSpPr>
+          <p:cNvPr id="6" name="标题 3">
+            <a:extLst>
+              <a:ext uri="{FF2B5EF4-FFF2-40B4-BE49-F238E27FC236}">
+                <a16:creationId xmlns:a16="http://schemas.microsoft.com/office/drawing/2014/main" id="{FC290AC1-FD36-4F3C-A293-1435AA3E4C39}"/>
+              </a:ext>
+            </a:extLst>
+          </p:cNvPr>
+          <p:cNvSpPr txBox="1">
+            <a:spLocks/>
+          </p:cNvSpPr>
+          <p:nvPr/>
+        </p:nvSpPr>
+        <p:spPr>
+          <a:xfrm>
+            <a:off x="0" y="2277691"/>
+            <a:ext cx="12192000" cy="1943844"/>
+          </a:xfrm>
+          <a:prstGeom prst="rect">
+            <a:avLst/>
+          </a:prstGeom>
+          <a:solidFill>
+            <a:srgbClr val="02409A"/>
+          </a:solidFill>
+          <a:ln>
+            <a:noFill/>
+          </a:ln>
+          <a:effectLst>
+            <a:outerShdw blurRad="44450" dist="27940" dir="5400000" algn="ctr">
+              <a:srgbClr val="000000">
+                <a:alpha val="32000"/>
+              </a:srgbClr>
+            </a:outerShdw>
+          </a:effectLst>
+        </p:spPr>
+        <p:txBody>
+          <a:bodyPr tIns="0" bIns="0" anchor="ctr"/>
+          <a:lstStyle/>
+          <a:p>
+            <a:pPr algn="ctr">
+              <a:spcBef>
+                <a:spcPct val="0"/>
+              </a:spcBef>
+              <a:defRPr/>
+            </a:pPr>
+            <a:endParaRPr lang="zh-CN" altLang="en-US" sz="4800" b="1" dirty="0">
+              <a:solidFill>
+                <a:prstClr val="white"/>
+              </a:solidFill>
+              <a:latin typeface="微软雅黑" pitchFamily="34" charset="-122"/>
+              <a:ea typeface="微软雅黑" pitchFamily="34" charset="-122"/>
+            </a:endParaRPr>
+          </a:p>
+        </p:txBody>
+      </p:sp>
+      <p:sp>
+        <p:nvSpPr>
+          <p:cNvPr id="7" name="TextBox 4">
+            <a:extLst>
+              <a:ext uri="{FF2B5EF4-FFF2-40B4-BE49-F238E27FC236}">
+                <a16:creationId xmlns:a16="http://schemas.microsoft.com/office/drawing/2014/main" id="{C8842466-337A-4916-8970-BB531A1FEC01}"/>
+              </a:ext>
+            </a:extLst>
+          </p:cNvPr>
+          <p:cNvSpPr txBox="1"/>
+          <p:nvPr/>
+        </p:nvSpPr>
+        <p:spPr>
+          <a:xfrm>
+            <a:off x="1524000" y="2464783"/>
+            <a:ext cx="9144000" cy="1569660"/>
+          </a:xfrm>
+          <a:prstGeom prst="rect">
+            <a:avLst/>
+          </a:prstGeom>
+          <a:noFill/>
+        </p:spPr>
+        <p:txBody>
+          <a:bodyPr wrap="square">
+            <a:spAutoFit/>
+          </a:bodyPr>
+          <a:lstStyle/>
+          <a:p>
+            <a:pPr algn="ctr">
+              <a:defRPr/>
+            </a:pPr>
+            <a:r>
+              <a:rPr lang="zh-CN" altLang="en-US" sz="4800" b="1" dirty="0">
+                <a:solidFill>
+                  <a:prstClr val="white"/>
+                </a:solidFill>
+                <a:effectLst>
+                  <a:outerShdw blurRad="38100" dist="38100" dir="2700000" algn="tl">
+                    <a:srgbClr val="000000">
+                      <a:alpha val="43137"/>
+                    </a:srgbClr>
+                  </a:outerShdw>
+                </a:effectLst>
+                <a:latin typeface="微软雅黑" panose="020B0503020204020204" pitchFamily="34" charset="-122"/>
+                <a:ea typeface="微软雅黑" panose="020B0503020204020204" pitchFamily="34" charset="-122"/>
+              </a:rPr>
+              <a:t>  感谢各位老师和同学！</a:t>
+            </a:r>
+          </a:p>
+          <a:p>
+            <a:pPr algn="ctr">
+              <a:defRPr/>
+            </a:pPr>
+            <a:r>
+              <a:rPr lang="zh-CN" altLang="en-US" sz="4800" b="1" dirty="0">
+                <a:solidFill>
+                  <a:prstClr val="white"/>
+                </a:solidFill>
+                <a:effectLst>
+                  <a:outerShdw blurRad="38100" dist="38100" dir="2700000" algn="tl">
+                    <a:srgbClr val="000000">
+                      <a:alpha val="43137"/>
+                    </a:srgbClr>
+                  </a:outerShdw>
+                </a:effectLst>
+                <a:latin typeface="微软雅黑" panose="020B0503020204020204" pitchFamily="34" charset="-122"/>
+                <a:ea typeface="微软雅黑" panose="020B0503020204020204" pitchFamily="34" charset="-122"/>
+              </a:rPr>
+              <a:t>  请大家提出宝贵意见！</a:t>
+            </a:r>
+          </a:p>
+        </p:txBody>
+      </p:sp>
+      <p:pic>
+        <p:nvPicPr>
+          <p:cNvPr id="8" name="Picture 5">
+            <a:extLst>
+              <a:ext uri="{FF2B5EF4-FFF2-40B4-BE49-F238E27FC236}">
+                <a16:creationId xmlns:a16="http://schemas.microsoft.com/office/drawing/2014/main" id="{E45B8ADE-1A65-4AC9-9F73-9F3D7441831A}"/>
+              </a:ext>
+            </a:extLst>
+          </p:cNvPr>
+          <p:cNvPicPr>
+            <a:picLocks noChangeAspect="1" noChangeArrowheads="1"/>
+          </p:cNvPicPr>
+          <p:nvPr/>
+        </p:nvPicPr>
+        <p:blipFill>
+          <a:blip r:embed="rId2" cstate="print">
+            <a:extLst>
+              <a:ext uri="{28A0092B-C50C-407E-A947-70E740481C1C}">
+                <a14:useLocalDpi xmlns:a14="http://schemas.microsoft.com/office/drawing/2010/main" val="0"/>
+              </a:ext>
+            </a:extLst>
+          </a:blip>
+          <a:srcRect/>
+          <a:stretch>
+            <a:fillRect/>
+          </a:stretch>
+        </p:blipFill>
+        <p:spPr bwMode="auto">
+          <a:xfrm>
+            <a:off x="180306" y="355983"/>
+            <a:ext cx="2303462" cy="766762"/>
+          </a:xfrm>
+          <a:prstGeom prst="rect">
+            <a:avLst/>
+          </a:prstGeom>
+          <a:noFill/>
+          <a:ln>
+            <a:noFill/>
+          </a:ln>
+          <a:extLst>
+            <a:ext uri="{909E8E84-426E-40DD-AFC4-6F175D3DCCD1}">
+              <a14:hiddenFill xmlns:a14="http://schemas.microsoft.com/office/drawing/2010/main">
+                <a:solidFill>
+                  <a:srgbClr val="FFFFFF"/>
+                </a:solidFill>
+              </a14:hiddenFill>
+            </a:ext>
+            <a:ext uri="{91240B29-F687-4F45-9708-019B960494DF}">
+              <a14:hiddenLine xmlns:a14="http://schemas.microsoft.com/office/drawing/2010/main" w="9525">
+                <a:solidFill>
+                  <a:srgbClr val="000000"/>
+                </a:solidFill>
+                <a:miter lim="800000"/>
+                <a:headEnd/>
+                <a:tailEnd/>
+              </a14:hiddenLine>
+            </a:ext>
+          </a:extLst>
+        </p:spPr>
+      </p:pic>
+    </p:spTree>
+    <p:extLst>
+      <p:ext uri="{BB962C8B-B14F-4D97-AF65-F5344CB8AC3E}">
+        <p14:creationId xmlns:p14="http://schemas.microsoft.com/office/powerpoint/2010/main" val="1165911330"/>
+      </p:ext>
+    </p:extLst>
+  </p:cSld>
+  <p:clrMapOvr>
+    <a:masterClrMapping/>
+  </p:clrMapOvr>
+  <p:timing>
+    <p:tnLst>
+      <p:par>
+        <p:cTn id="1" dur="indefinite" restart="never" nodeType="tmRoot">
+          <p:childTnLst>
+            <p:seq concurrent="1" nextAc="seek">
+              <p:cTn id="2" dur="indefinite" nodeType="mainSeq">
+                <p:childTnLst>
+                  <p:par>
+                    <p:cTn id="3" fill="hold">
+                      <p:stCondLst>
+                        <p:cond delay="indefinite"/>
+                        <p:cond evt="onBegin" delay="0">
+                          <p:tn val="2"/>
+                        </p:cond>
+                      </p:stCondLst>
+                      <p:childTnLst>
+                        <p:par>
+                          <p:cTn id="4" fill="hold">
+                            <p:stCondLst>
+                              <p:cond delay="0"/>
+                            </p:stCondLst>
+                            <p:childTnLst>
+                              <p:par>
+                                <p:cTn id="5" presetID="53" presetClass="entr" presetSubtype="16" fill="hold" grpId="0" nodeType="withEffect">
+                                  <p:stCondLst>
+                                    <p:cond delay="0"/>
+                                  </p:stCondLst>
+                                  <p:childTnLst>
+                                    <p:set>
+                                      <p:cBhvr>
+                                        <p:cTn id="6" dur="1" fill="hold">
+                                          <p:stCondLst>
+                                            <p:cond delay="0"/>
+                                          </p:stCondLst>
+                                        </p:cTn>
+                                        <p:tgtEl>
+                                          <p:spTgt spid="7"/>
+                                        </p:tgtEl>
+                                        <p:attrNameLst>
+                                          <p:attrName>style.visibility</p:attrName>
+                                        </p:attrNameLst>
+                                      </p:cBhvr>
+                                      <p:to>
+                                        <p:strVal val="visible"/>
+                                      </p:to>
+                                    </p:set>
+                                    <p:anim calcmode="lin" valueType="num">
+                                      <p:cBhvr>
+                                        <p:cTn id="7" dur="500" fill="hold"/>
+                                        <p:tgtEl>
+                                          <p:spTgt spid="7"/>
+                                        </p:tgtEl>
+                                        <p:attrNameLst>
+                                          <p:attrName>ppt_w</p:attrName>
+                                        </p:attrNameLst>
+                                      </p:cBhvr>
+                                      <p:tavLst>
+                                        <p:tav tm="0">
+                                          <p:val>
+                                            <p:fltVal val="0"/>
+                                          </p:val>
+                                        </p:tav>
+                                        <p:tav tm="100000">
+                                          <p:val>
+                                            <p:strVal val="#ppt_w"/>
+                                          </p:val>
+                                        </p:tav>
+                                      </p:tavLst>
+                                    </p:anim>
+                                    <p:anim calcmode="lin" valueType="num">
+                                      <p:cBhvr>
+                                        <p:cTn id="8" dur="500" fill="hold"/>
+                                        <p:tgtEl>
+                                          <p:spTgt spid="7"/>
+                                        </p:tgtEl>
+                                        <p:attrNameLst>
+                                          <p:attrName>ppt_h</p:attrName>
+                                        </p:attrNameLst>
+                                      </p:cBhvr>
+                                      <p:tavLst>
+                                        <p:tav tm="0">
+                                          <p:val>
+                                            <p:fltVal val="0"/>
+                                          </p:val>
+                                        </p:tav>
+                                        <p:tav tm="100000">
+                                          <p:val>
+                                            <p:strVal val="#ppt_h"/>
+                                          </p:val>
+                                        </p:tav>
+                                      </p:tavLst>
+                                    </p:anim>
+                                    <p:animEffect transition="in" filter="fade">
+                                      <p:cBhvr>
+                                        <p:cTn id="9" dur="500"/>
+                                        <p:tgtEl>
+                                          <p:spTgt spid="7"/>
+                                        </p:tgtEl>
+                                      </p:cBhvr>
+                                    </p:animEffect>
+                                  </p:childTnLst>
+                                </p:cTn>
+                              </p:par>
+                            </p:childTnLst>
+                          </p:cTn>
+                        </p:par>
+                      </p:childTnLst>
+                    </p:cTn>
+                  </p:par>
+                </p:childTnLst>
+              </p:cTn>
+              <p:prevCondLst>
+                <p:cond evt="onPrev" delay="0">
+                  <p:tgtEl>
+                    <p:sldTgt/>
+                  </p:tgtEl>
+                </p:cond>
+              </p:prevCondLst>
+              <p:nextCondLst>
+                <p:cond evt="onNext" delay="0">
+                  <p:tgtEl>
+                    <p:sldTgt/>
+                  </p:tgtEl>
+                </p:cond>
+              </p:nextCondLst>
+            </p:seq>
+          </p:childTnLst>
+        </p:cTn>
+      </p:par>
+    </p:tnLst>
+    <p:bldLst>
+      <p:bldP spid="7" grpId="0"/>
+    </p:bldLst>
+  </p:timing>
+</p:sldLayout>
+</file>
+
+<file path=ppt/slideLayouts/slideLayout9.xml><?xml version="1.0" encoding="utf-8"?>
 <p:sldLayout xmlns:a="http://schemas.openxmlformats.org/drawingml/2006/main" xmlns:r="http://schemas.openxmlformats.org/officeDocument/2006/relationships" xmlns:p="http://schemas.openxmlformats.org/presentationml/2006/main" type="objTx" preserve="1">
   <p:cSld name="内容与标题">
     <p:spTree>
@@ -2166,15 +4961,203 @@
           <a:chExt cx="0" cy="0"/>
         </a:xfrm>
       </p:grpSpPr>
-      <p:sp>
-        <p:nvSpPr>
-          <p:cNvPr id="2" name="标题 1">
+      <p:grpSp>
+        <p:nvGrpSpPr>
+          <p:cNvPr id="8" name="组合 7">
             <a:extLst>
               <a:ext uri="{FF2B5EF4-FFF2-40B4-BE49-F238E27FC236}">
-                <a16:creationId xmlns:a16="http://schemas.microsoft.com/office/drawing/2014/main" id="{4FD6BF91-19AE-4DDD-B0C7-75FE9548CC40}"/>
+                <a16:creationId xmlns:a16="http://schemas.microsoft.com/office/drawing/2014/main" id="{3239D7E3-952F-4DFC-A6A0-4C11CFBB9ECC}"/>
               </a:ext>
             </a:extLst>
           </p:cNvPr>
+          <p:cNvGrpSpPr/>
+          <p:nvPr/>
+        </p:nvGrpSpPr>
+        <p:grpSpPr>
+          <a:xfrm>
+            <a:off x="0" y="-24"/>
+            <a:ext cx="4766733" cy="6237336"/>
+            <a:chOff x="0" y="-26988"/>
+            <a:chExt cx="3575050" cy="6237336"/>
+          </a:xfrm>
+        </p:grpSpPr>
+        <p:sp>
+          <p:nvSpPr>
+            <p:cNvPr id="9" name="标题 3">
+              <a:extLst>
+                <a:ext uri="{FF2B5EF4-FFF2-40B4-BE49-F238E27FC236}">
+                  <a16:creationId xmlns:a16="http://schemas.microsoft.com/office/drawing/2014/main" id="{7ED03D04-5254-4133-8E60-869A42A49C69}"/>
+                </a:ext>
+              </a:extLst>
+            </p:cNvPr>
+            <p:cNvSpPr txBox="1">
+              <a:spLocks/>
+            </p:cNvSpPr>
+            <p:nvPr/>
+          </p:nvSpPr>
+          <p:spPr>
+            <a:xfrm>
+              <a:off x="0" y="-26988"/>
+              <a:ext cx="3575050" cy="6237336"/>
+            </a:xfrm>
+            <a:prstGeom prst="rect">
+              <a:avLst/>
+            </a:prstGeom>
+            <a:solidFill>
+              <a:srgbClr val="02409A"/>
+            </a:solidFill>
+            <a:ln>
+              <a:noFill/>
+            </a:ln>
+            <a:effectLst/>
+          </p:spPr>
+          <p:txBody>
+            <a:bodyPr tIns="0" bIns="0" anchor="ctr"/>
+            <a:lstStyle/>
+            <a:p>
+              <a:pPr algn="ctr">
+                <a:spcBef>
+                  <a:spcPct val="0"/>
+                </a:spcBef>
+                <a:defRPr/>
+              </a:pPr>
+              <a:endParaRPr lang="zh-CN" altLang="en-US" sz="4800" b="1" dirty="0">
+                <a:solidFill>
+                  <a:prstClr val="white"/>
+                </a:solidFill>
+                <a:latin typeface="微软雅黑" pitchFamily="34" charset="-122"/>
+                <a:ea typeface="微软雅黑" pitchFamily="34" charset="-122"/>
+              </a:endParaRPr>
+            </a:p>
+          </p:txBody>
+        </p:sp>
+        <p:cxnSp>
+          <p:nvCxnSpPr>
+            <p:cNvPr id="10" name="直接连接符 19">
+              <a:extLst>
+                <a:ext uri="{FF2B5EF4-FFF2-40B4-BE49-F238E27FC236}">
+                  <a16:creationId xmlns:a16="http://schemas.microsoft.com/office/drawing/2014/main" id="{2B907581-060F-4C52-B91A-13D97D4B12D2}"/>
+                </a:ext>
+              </a:extLst>
+            </p:cNvPr>
+            <p:cNvCxnSpPr>
+              <a:cxnSpLocks/>
+            </p:cNvCxnSpPr>
+            <p:nvPr/>
+          </p:nvCxnSpPr>
+          <p:spPr bwMode="auto">
+            <a:xfrm flipH="1">
+              <a:off x="449263" y="-25400"/>
+              <a:ext cx="1587" cy="841375"/>
+            </a:xfrm>
+            <a:prstGeom prst="line">
+              <a:avLst/>
+            </a:prstGeom>
+            <a:noFill/>
+            <a:ln w="28575" algn="ctr">
+              <a:solidFill>
+                <a:schemeClr val="bg1"/>
+              </a:solidFill>
+              <a:round/>
+              <a:headEnd/>
+              <a:tailEnd/>
+            </a:ln>
+            <a:effectLst/>
+            <a:extLst>
+              <a:ext uri="{909E8E84-426E-40DD-AFC4-6F175D3DCCD1}">
+                <a14:hiddenFill xmlns:a14="http://schemas.microsoft.com/office/drawing/2010/main">
+                  <a:noFill/>
+                </a14:hiddenFill>
+              </a:ext>
+            </a:extLst>
+          </p:spPr>
+        </p:cxnSp>
+        <p:cxnSp>
+          <p:nvCxnSpPr>
+            <p:cNvPr id="11" name="直接连接符 20">
+              <a:extLst>
+                <a:ext uri="{FF2B5EF4-FFF2-40B4-BE49-F238E27FC236}">
+                  <a16:creationId xmlns:a16="http://schemas.microsoft.com/office/drawing/2014/main" id="{F1C2E4E4-0EDE-4C0B-8343-2920F8B43D74}"/>
+                </a:ext>
+              </a:extLst>
+            </p:cNvPr>
+            <p:cNvCxnSpPr>
+              <a:cxnSpLocks/>
+            </p:cNvCxnSpPr>
+            <p:nvPr/>
+          </p:nvCxnSpPr>
+          <p:spPr bwMode="auto">
+            <a:xfrm flipH="1">
+              <a:off x="511175" y="-26988"/>
+              <a:ext cx="1588" cy="554038"/>
+            </a:xfrm>
+            <a:prstGeom prst="line">
+              <a:avLst/>
+            </a:prstGeom>
+            <a:noFill/>
+            <a:ln w="28575" algn="ctr">
+              <a:solidFill>
+                <a:schemeClr val="bg1"/>
+              </a:solidFill>
+              <a:round/>
+              <a:headEnd/>
+              <a:tailEnd/>
+            </a:ln>
+            <a:effectLst/>
+            <a:extLst>
+              <a:ext uri="{909E8E84-426E-40DD-AFC4-6F175D3DCCD1}">
+                <a14:hiddenFill xmlns:a14="http://schemas.microsoft.com/office/drawing/2010/main">
+                  <a:noFill/>
+                </a14:hiddenFill>
+              </a:ext>
+            </a:extLst>
+          </p:spPr>
+        </p:cxnSp>
+        <p:cxnSp>
+          <p:nvCxnSpPr>
+            <p:cNvPr id="12" name="直接连接符 30">
+              <a:extLst>
+                <a:ext uri="{FF2B5EF4-FFF2-40B4-BE49-F238E27FC236}">
+                  <a16:creationId xmlns:a16="http://schemas.microsoft.com/office/drawing/2014/main" id="{6BFC0A1C-1BD8-4541-8818-56E847A9B65F}"/>
+                </a:ext>
+              </a:extLst>
+            </p:cNvPr>
+            <p:cNvCxnSpPr>
+              <a:cxnSpLocks/>
+            </p:cNvCxnSpPr>
+            <p:nvPr/>
+          </p:nvCxnSpPr>
+          <p:spPr bwMode="auto">
+            <a:xfrm>
+              <a:off x="576263" y="-26988"/>
+              <a:ext cx="0" cy="298451"/>
+            </a:xfrm>
+            <a:prstGeom prst="line">
+              <a:avLst/>
+            </a:prstGeom>
+            <a:noFill/>
+            <a:ln w="28575" algn="ctr">
+              <a:solidFill>
+                <a:schemeClr val="bg1"/>
+              </a:solidFill>
+              <a:round/>
+              <a:headEnd/>
+              <a:tailEnd/>
+            </a:ln>
+            <a:effectLst/>
+            <a:extLst>
+              <a:ext uri="{909E8E84-426E-40DD-AFC4-6F175D3DCCD1}">
+                <a14:hiddenFill xmlns:a14="http://schemas.microsoft.com/office/drawing/2010/main">
+                  <a:noFill/>
+                </a14:hiddenFill>
+              </a:ext>
+            </a:extLst>
+          </p:spPr>
+        </p:cxnSp>
+      </p:grpSp>
+      <p:sp>
+        <p:nvSpPr>
+          <p:cNvPr id="2" name="标题 1"/>
           <p:cNvSpPr>
             <a:spLocks noGrp="1"/>
           </p:cNvSpPr>
@@ -2184,54 +5167,62 @@
         </p:nvSpPr>
         <p:spPr>
           <a:xfrm>
-            <a:off x="839788" y="457200"/>
-            <a:ext cx="3932237" cy="1600200"/>
+            <a:off x="609601" y="273050"/>
+            <a:ext cx="4011084" cy="1162050"/>
+          </a:xfrm>
+          <a:prstGeom prst="rect">
+            <a:avLst/>
+          </a:prstGeom>
+        </p:spPr>
+        <p:txBody>
+          <a:bodyPr anchor="b"/>
+          <a:lstStyle>
+            <a:lvl1pPr algn="l">
+              <a:defRPr sz="2000" b="1">
+                <a:solidFill>
+                  <a:schemeClr val="bg1"/>
+                </a:solidFill>
+                <a:latin typeface="微软雅黑" panose="020B0503020204020204" pitchFamily="34" charset="-122"/>
+                <a:ea typeface="微软雅黑" panose="020B0503020204020204" pitchFamily="34" charset="-122"/>
+              </a:defRPr>
+            </a:lvl1pPr>
+          </a:lstStyle>
+          <a:p>
+            <a:r>
+              <a:rPr lang="zh-CN" altLang="en-US"/>
+              <a:t>单击此处编辑母版标题样式</a:t>
+            </a:r>
+            <a:endParaRPr lang="zh-CN" altLang="en-US" dirty="0"/>
+          </a:p>
+        </p:txBody>
+      </p:sp>
+      <p:sp>
+        <p:nvSpPr>
+          <p:cNvPr id="3" name="内容占位符 2"/>
+          <p:cNvSpPr>
+            <a:spLocks noGrp="1"/>
+          </p:cNvSpPr>
+          <p:nvPr>
+            <p:ph idx="1"/>
+          </p:nvPr>
+        </p:nvSpPr>
+        <p:spPr>
+          <a:xfrm>
+            <a:off x="4766733" y="273051"/>
+            <a:ext cx="6815667" cy="5853113"/>
           </a:xfrm>
         </p:spPr>
         <p:txBody>
-          <a:bodyPr anchor="b"/>
+          <a:bodyPr/>
           <a:lstStyle>
-            <a:lvl1pPr>
+            <a:lvl1pPr marL="342900" indent="-342900">
+              <a:buFont typeface="Wingdings" panose="05000000000000000000" pitchFamily="2" charset="2"/>
+              <a:buChar char="Ø"/>
               <a:defRPr sz="3200"/>
             </a:lvl1pPr>
-          </a:lstStyle>
-          <a:p>
-            <a:r>
-              <a:rPr lang="zh-CN" altLang="en-US"/>
-              <a:t>单击此处编辑母版标题样式</a:t>
-            </a:r>
-          </a:p>
-        </p:txBody>
-      </p:sp>
-      <p:sp>
-        <p:nvSpPr>
-          <p:cNvPr id="3" name="内容占位符 2">
-            <a:extLst>
-              <a:ext uri="{FF2B5EF4-FFF2-40B4-BE49-F238E27FC236}">
-                <a16:creationId xmlns:a16="http://schemas.microsoft.com/office/drawing/2014/main" id="{7E0B476C-5F91-4ABE-A761-9115B4F10233}"/>
-              </a:ext>
-            </a:extLst>
-          </p:cNvPr>
-          <p:cNvSpPr>
-            <a:spLocks noGrp="1"/>
-          </p:cNvSpPr>
-          <p:nvPr>
-            <p:ph idx="1"/>
-          </p:nvPr>
-        </p:nvSpPr>
-        <p:spPr>
-          <a:xfrm>
-            <a:off x="5183188" y="987425"/>
-            <a:ext cx="6172200" cy="4873625"/>
-          </a:xfrm>
-        </p:spPr>
-        <p:txBody>
-          <a:bodyPr/>
-          <a:lstStyle>
-            <a:lvl1pPr>
-              <a:defRPr sz="3200"/>
-            </a:lvl1pPr>
-            <a:lvl2pPr>
+            <a:lvl2pPr marL="742950" indent="-285750">
+              <a:buFont typeface="Wingdings" panose="05000000000000000000" pitchFamily="2" charset="2"/>
+              <a:buChar char="n"/>
               <a:defRPr sz="2800"/>
             </a:lvl2pPr>
             <a:lvl3pPr>
@@ -2290,18 +5281,13 @@
               <a:rPr lang="zh-CN" altLang="en-US"/>
               <a:t>五级</a:t>
             </a:r>
-          </a:p>
-        </p:txBody>
-      </p:sp>
-      <p:sp>
-        <p:nvSpPr>
-          <p:cNvPr id="4" name="文本占位符 3">
-            <a:extLst>
-              <a:ext uri="{FF2B5EF4-FFF2-40B4-BE49-F238E27FC236}">
-                <a16:creationId xmlns:a16="http://schemas.microsoft.com/office/drawing/2014/main" id="{96045C89-CB84-42CD-8A23-0A0813A67E43}"/>
-              </a:ext>
-            </a:extLst>
-          </p:cNvPr>
+            <a:endParaRPr lang="zh-CN" altLang="en-US" dirty="0"/>
+          </a:p>
+        </p:txBody>
+      </p:sp>
+      <p:sp>
+        <p:nvSpPr>
+          <p:cNvPr id="4" name="文本占位符 3"/>
           <p:cNvSpPr>
             <a:spLocks noGrp="1"/>
           </p:cNvSpPr>
@@ -2311,8 +5297,8 @@
         </p:nvSpPr>
         <p:spPr>
           <a:xfrm>
-            <a:off x="839788" y="2057400"/>
-            <a:ext cx="3932237" cy="3811588"/>
+            <a:off x="609601" y="1435101"/>
+            <a:ext cx="4011084" cy="4691063"/>
           </a:xfrm>
         </p:spPr>
         <p:txBody>
@@ -2320,39 +5306,43 @@
           <a:lstStyle>
             <a:lvl1pPr marL="0" indent="0">
               <a:buNone/>
-              <a:defRPr sz="1600"/>
+              <a:defRPr sz="1400">
+                <a:solidFill>
+                  <a:schemeClr val="bg1"/>
+                </a:solidFill>
+              </a:defRPr>
             </a:lvl1pPr>
             <a:lvl2pPr marL="457200" indent="0">
               <a:buNone/>
-              <a:defRPr sz="1400"/>
+              <a:defRPr sz="1200"/>
             </a:lvl2pPr>
             <a:lvl3pPr marL="914400" indent="0">
               <a:buNone/>
-              <a:defRPr sz="1200"/>
+              <a:defRPr sz="1000"/>
             </a:lvl3pPr>
             <a:lvl4pPr marL="1371600" indent="0">
               <a:buNone/>
-              <a:defRPr sz="1000"/>
+              <a:defRPr sz="900"/>
             </a:lvl4pPr>
             <a:lvl5pPr marL="1828800" indent="0">
               <a:buNone/>
-              <a:defRPr sz="1000"/>
+              <a:defRPr sz="900"/>
             </a:lvl5pPr>
             <a:lvl6pPr marL="2286000" indent="0">
               <a:buNone/>
-              <a:defRPr sz="1000"/>
+              <a:defRPr sz="900"/>
             </a:lvl6pPr>
             <a:lvl7pPr marL="2743200" indent="0">
               <a:buNone/>
-              <a:defRPr sz="1000"/>
+              <a:defRPr sz="900"/>
             </a:lvl7pPr>
             <a:lvl8pPr marL="3200400" indent="0">
               <a:buNone/>
-              <a:defRPr sz="1000"/>
+              <a:defRPr sz="900"/>
             </a:lvl8pPr>
             <a:lvl9pPr marL="3657600" indent="0">
               <a:buNone/>
-              <a:defRPr sz="1000"/>
+              <a:defRPr sz="900"/>
             </a:lvl9pPr>
           </a:lstStyle>
           <a:p>
@@ -2366,13 +5356,7 @@
       </p:sp>
       <p:sp>
         <p:nvSpPr>
-          <p:cNvPr id="5" name="日期占位符 4">
-            <a:extLst>
-              <a:ext uri="{FF2B5EF4-FFF2-40B4-BE49-F238E27FC236}">
-                <a16:creationId xmlns:a16="http://schemas.microsoft.com/office/drawing/2014/main" id="{1C40CC2C-E764-4A1C-B4FB-86115E997973}"/>
-              </a:ext>
-            </a:extLst>
-          </p:cNvPr>
+          <p:cNvPr id="5" name="日期占位符 4"/>
           <p:cNvSpPr>
             <a:spLocks noGrp="1"/>
           </p:cNvSpPr>
@@ -2387,7 +5371,7 @@
           <a:p>
             <a:fld id="{01026DAE-505E-4D69-83FB-E72D5448BF93}" type="datetimeFigureOut">
               <a:rPr lang="zh-CN" altLang="en-US" smtClean="0"/>
-              <a:t>2020/6/22</a:t>
+              <a:t>2020/6/23</a:t>
             </a:fld>
             <a:endParaRPr lang="zh-CN" altLang="en-US"/>
           </a:p>
@@ -2395,13 +5379,7 @@
       </p:sp>
       <p:sp>
         <p:nvSpPr>
-          <p:cNvPr id="6" name="页脚占位符 5">
-            <a:extLst>
-              <a:ext uri="{FF2B5EF4-FFF2-40B4-BE49-F238E27FC236}">
-                <a16:creationId xmlns:a16="http://schemas.microsoft.com/office/drawing/2014/main" id="{905B6A12-2259-4307-81EC-25103D4F4244}"/>
-              </a:ext>
-            </a:extLst>
-          </p:cNvPr>
+          <p:cNvPr id="6" name="页脚占位符 5"/>
           <p:cNvSpPr>
             <a:spLocks noGrp="1"/>
           </p:cNvSpPr>
@@ -2420,13 +5398,7 @@
       </p:sp>
       <p:sp>
         <p:nvSpPr>
-          <p:cNvPr id="7" name="灯片编号占位符 6">
-            <a:extLst>
-              <a:ext uri="{FF2B5EF4-FFF2-40B4-BE49-F238E27FC236}">
-                <a16:creationId xmlns:a16="http://schemas.microsoft.com/office/drawing/2014/main" id="{FFCDC9E7-95A4-49F5-A996-22EBDD4ECB55}"/>
-              </a:ext>
-            </a:extLst>
-          </p:cNvPr>
+          <p:cNvPr id="7" name="灯片编号占位符 6"/>
           <p:cNvSpPr>
             <a:spLocks noGrp="1"/>
           </p:cNvSpPr>
@@ -2450,295 +5422,7 @@
     </p:spTree>
     <p:extLst>
       <p:ext uri="{BB962C8B-B14F-4D97-AF65-F5344CB8AC3E}">
-        <p14:creationId xmlns:p14="http://schemas.microsoft.com/office/powerpoint/2010/main" val="3160269696"/>
-      </p:ext>
-    </p:extLst>
-  </p:cSld>
-  <p:clrMapOvr>
-    <a:masterClrMapping/>
-  </p:clrMapOvr>
-</p:sldLayout>
-</file>
-
-<file path=ppt/slideLayouts/slideLayout9.xml><?xml version="1.0" encoding="utf-8"?>
-<p:sldLayout xmlns:a="http://schemas.openxmlformats.org/drawingml/2006/main" xmlns:r="http://schemas.openxmlformats.org/officeDocument/2006/relationships" xmlns:p="http://schemas.openxmlformats.org/presentationml/2006/main" type="picTx" preserve="1">
-  <p:cSld name="图片与标题">
-    <p:spTree>
-      <p:nvGrpSpPr>
-        <p:cNvPr id="1" name=""/>
-        <p:cNvGrpSpPr/>
-        <p:nvPr/>
-      </p:nvGrpSpPr>
-      <p:grpSpPr>
-        <a:xfrm>
-          <a:off x="0" y="0"/>
-          <a:ext cx="0" cy="0"/>
-          <a:chOff x="0" y="0"/>
-          <a:chExt cx="0" cy="0"/>
-        </a:xfrm>
-      </p:grpSpPr>
-      <p:sp>
-        <p:nvSpPr>
-          <p:cNvPr id="2" name="标题 1">
-            <a:extLst>
-              <a:ext uri="{FF2B5EF4-FFF2-40B4-BE49-F238E27FC236}">
-                <a16:creationId xmlns:a16="http://schemas.microsoft.com/office/drawing/2014/main" id="{D2530C91-A857-4372-861B-D47AB6D82FB6}"/>
-              </a:ext>
-            </a:extLst>
-          </p:cNvPr>
-          <p:cNvSpPr>
-            <a:spLocks noGrp="1"/>
-          </p:cNvSpPr>
-          <p:nvPr>
-            <p:ph type="title"/>
-          </p:nvPr>
-        </p:nvSpPr>
-        <p:spPr>
-          <a:xfrm>
-            <a:off x="839788" y="457200"/>
-            <a:ext cx="3932237" cy="1600200"/>
-          </a:xfrm>
-        </p:spPr>
-        <p:txBody>
-          <a:bodyPr anchor="b"/>
-          <a:lstStyle>
-            <a:lvl1pPr>
-              <a:defRPr sz="3200"/>
-            </a:lvl1pPr>
-          </a:lstStyle>
-          <a:p>
-            <a:r>
-              <a:rPr lang="zh-CN" altLang="en-US"/>
-              <a:t>单击此处编辑母版标题样式</a:t>
-            </a:r>
-          </a:p>
-        </p:txBody>
-      </p:sp>
-      <p:sp>
-        <p:nvSpPr>
-          <p:cNvPr id="3" name="图片占位符 2">
-            <a:extLst>
-              <a:ext uri="{FF2B5EF4-FFF2-40B4-BE49-F238E27FC236}">
-                <a16:creationId xmlns:a16="http://schemas.microsoft.com/office/drawing/2014/main" id="{0B0337A6-4C9B-4820-BEDB-3C41A464FD6A}"/>
-              </a:ext>
-            </a:extLst>
-          </p:cNvPr>
-          <p:cNvSpPr>
-            <a:spLocks noGrp="1"/>
-          </p:cNvSpPr>
-          <p:nvPr>
-            <p:ph type="pic" idx="1"/>
-          </p:nvPr>
-        </p:nvSpPr>
-        <p:spPr>
-          <a:xfrm>
-            <a:off x="5183188" y="987425"/>
-            <a:ext cx="6172200" cy="4873625"/>
-          </a:xfrm>
-        </p:spPr>
-        <p:txBody>
-          <a:bodyPr/>
-          <a:lstStyle>
-            <a:lvl1pPr marL="0" indent="0">
-              <a:buNone/>
-              <a:defRPr sz="3200"/>
-            </a:lvl1pPr>
-            <a:lvl2pPr marL="457200" indent="0">
-              <a:buNone/>
-              <a:defRPr sz="2800"/>
-            </a:lvl2pPr>
-            <a:lvl3pPr marL="914400" indent="0">
-              <a:buNone/>
-              <a:defRPr sz="2400"/>
-            </a:lvl3pPr>
-            <a:lvl4pPr marL="1371600" indent="0">
-              <a:buNone/>
-              <a:defRPr sz="2000"/>
-            </a:lvl4pPr>
-            <a:lvl5pPr marL="1828800" indent="0">
-              <a:buNone/>
-              <a:defRPr sz="2000"/>
-            </a:lvl5pPr>
-            <a:lvl6pPr marL="2286000" indent="0">
-              <a:buNone/>
-              <a:defRPr sz="2000"/>
-            </a:lvl6pPr>
-            <a:lvl7pPr marL="2743200" indent="0">
-              <a:buNone/>
-              <a:defRPr sz="2000"/>
-            </a:lvl7pPr>
-            <a:lvl8pPr marL="3200400" indent="0">
-              <a:buNone/>
-              <a:defRPr sz="2000"/>
-            </a:lvl8pPr>
-            <a:lvl9pPr marL="3657600" indent="0">
-              <a:buNone/>
-              <a:defRPr sz="2000"/>
-            </a:lvl9pPr>
-          </a:lstStyle>
-          <a:p>
-            <a:endParaRPr lang="zh-CN" altLang="en-US"/>
-          </a:p>
-        </p:txBody>
-      </p:sp>
-      <p:sp>
-        <p:nvSpPr>
-          <p:cNvPr id="4" name="文本占位符 3">
-            <a:extLst>
-              <a:ext uri="{FF2B5EF4-FFF2-40B4-BE49-F238E27FC236}">
-                <a16:creationId xmlns:a16="http://schemas.microsoft.com/office/drawing/2014/main" id="{391F2AF2-5900-4A93-92A0-66C396165415}"/>
-              </a:ext>
-            </a:extLst>
-          </p:cNvPr>
-          <p:cNvSpPr>
-            <a:spLocks noGrp="1"/>
-          </p:cNvSpPr>
-          <p:nvPr>
-            <p:ph type="body" sz="half" idx="2"/>
-          </p:nvPr>
-        </p:nvSpPr>
-        <p:spPr>
-          <a:xfrm>
-            <a:off x="839788" y="2057400"/>
-            <a:ext cx="3932237" cy="3811588"/>
-          </a:xfrm>
-        </p:spPr>
-        <p:txBody>
-          <a:bodyPr/>
-          <a:lstStyle>
-            <a:lvl1pPr marL="0" indent="0">
-              <a:buNone/>
-              <a:defRPr sz="1600"/>
-            </a:lvl1pPr>
-            <a:lvl2pPr marL="457200" indent="0">
-              <a:buNone/>
-              <a:defRPr sz="1400"/>
-            </a:lvl2pPr>
-            <a:lvl3pPr marL="914400" indent="0">
-              <a:buNone/>
-              <a:defRPr sz="1200"/>
-            </a:lvl3pPr>
-            <a:lvl4pPr marL="1371600" indent="0">
-              <a:buNone/>
-              <a:defRPr sz="1000"/>
-            </a:lvl4pPr>
-            <a:lvl5pPr marL="1828800" indent="0">
-              <a:buNone/>
-              <a:defRPr sz="1000"/>
-            </a:lvl5pPr>
-            <a:lvl6pPr marL="2286000" indent="0">
-              <a:buNone/>
-              <a:defRPr sz="1000"/>
-            </a:lvl6pPr>
-            <a:lvl7pPr marL="2743200" indent="0">
-              <a:buNone/>
-              <a:defRPr sz="1000"/>
-            </a:lvl7pPr>
-            <a:lvl8pPr marL="3200400" indent="0">
-              <a:buNone/>
-              <a:defRPr sz="1000"/>
-            </a:lvl8pPr>
-            <a:lvl9pPr marL="3657600" indent="0">
-              <a:buNone/>
-              <a:defRPr sz="1000"/>
-            </a:lvl9pPr>
-          </a:lstStyle>
-          <a:p>
-            <a:pPr lvl="0"/>
-            <a:r>
-              <a:rPr lang="zh-CN" altLang="en-US"/>
-              <a:t>单击此处编辑母版文本样式</a:t>
-            </a:r>
-          </a:p>
-        </p:txBody>
-      </p:sp>
-      <p:sp>
-        <p:nvSpPr>
-          <p:cNvPr id="5" name="日期占位符 4">
-            <a:extLst>
-              <a:ext uri="{FF2B5EF4-FFF2-40B4-BE49-F238E27FC236}">
-                <a16:creationId xmlns:a16="http://schemas.microsoft.com/office/drawing/2014/main" id="{C8979E45-FE62-4B50-A8D6-0DD184E21391}"/>
-              </a:ext>
-            </a:extLst>
-          </p:cNvPr>
-          <p:cNvSpPr>
-            <a:spLocks noGrp="1"/>
-          </p:cNvSpPr>
-          <p:nvPr>
-            <p:ph type="dt" sz="half" idx="10"/>
-          </p:nvPr>
-        </p:nvSpPr>
-        <p:spPr/>
-        <p:txBody>
-          <a:bodyPr/>
-          <a:lstStyle/>
-          <a:p>
-            <a:fld id="{01026DAE-505E-4D69-83FB-E72D5448BF93}" type="datetimeFigureOut">
-              <a:rPr lang="zh-CN" altLang="en-US" smtClean="0"/>
-              <a:t>2020/6/22</a:t>
-            </a:fld>
-            <a:endParaRPr lang="zh-CN" altLang="en-US"/>
-          </a:p>
-        </p:txBody>
-      </p:sp>
-      <p:sp>
-        <p:nvSpPr>
-          <p:cNvPr id="6" name="页脚占位符 5">
-            <a:extLst>
-              <a:ext uri="{FF2B5EF4-FFF2-40B4-BE49-F238E27FC236}">
-                <a16:creationId xmlns:a16="http://schemas.microsoft.com/office/drawing/2014/main" id="{E045E1FE-45CE-4BFC-AD05-D823563FB433}"/>
-              </a:ext>
-            </a:extLst>
-          </p:cNvPr>
-          <p:cNvSpPr>
-            <a:spLocks noGrp="1"/>
-          </p:cNvSpPr>
-          <p:nvPr>
-            <p:ph type="ftr" sz="quarter" idx="11"/>
-          </p:nvPr>
-        </p:nvSpPr>
-        <p:spPr/>
-        <p:txBody>
-          <a:bodyPr/>
-          <a:lstStyle/>
-          <a:p>
-            <a:endParaRPr lang="zh-CN" altLang="en-US"/>
-          </a:p>
-        </p:txBody>
-      </p:sp>
-      <p:sp>
-        <p:nvSpPr>
-          <p:cNvPr id="7" name="灯片编号占位符 6">
-            <a:extLst>
-              <a:ext uri="{FF2B5EF4-FFF2-40B4-BE49-F238E27FC236}">
-                <a16:creationId xmlns:a16="http://schemas.microsoft.com/office/drawing/2014/main" id="{4E00A1FB-3CAB-4711-959E-D896DA4928E0}"/>
-              </a:ext>
-            </a:extLst>
-          </p:cNvPr>
-          <p:cNvSpPr>
-            <a:spLocks noGrp="1"/>
-          </p:cNvSpPr>
-          <p:nvPr>
-            <p:ph type="sldNum" sz="quarter" idx="12"/>
-          </p:nvPr>
-        </p:nvSpPr>
-        <p:spPr/>
-        <p:txBody>
-          <a:bodyPr/>
-          <a:lstStyle/>
-          <a:p>
-            <a:fld id="{464A7708-C954-4805-96C6-CD773B023FB6}" type="slidenum">
-              <a:rPr lang="zh-CN" altLang="en-US" smtClean="0"/>
-              <a:t>‹#›</a:t>
-            </a:fld>
-            <a:endParaRPr lang="zh-CN" altLang="en-US"/>
-          </a:p>
-        </p:txBody>
-      </p:sp>
-    </p:spTree>
-    <p:extLst>
-      <p:ext uri="{BB962C8B-B14F-4D97-AF65-F5344CB8AC3E}">
-        <p14:creationId xmlns:p14="http://schemas.microsoft.com/office/powerpoint/2010/main" val="1230427172"/>
+        <p14:creationId xmlns:p14="http://schemas.microsoft.com/office/powerpoint/2010/main" val="3044644493"/>
       </p:ext>
     </p:extLst>
   </p:cSld>
@@ -2772,13 +5456,7 @@
       </p:grpSpPr>
       <p:sp>
         <p:nvSpPr>
-          <p:cNvPr id="2" name="标题占位符 1">
-            <a:extLst>
-              <a:ext uri="{FF2B5EF4-FFF2-40B4-BE49-F238E27FC236}">
-                <a16:creationId xmlns:a16="http://schemas.microsoft.com/office/drawing/2014/main" id="{9BF59132-4049-4CDF-BE02-B26505B258F3}"/>
-              </a:ext>
-            </a:extLst>
-          </p:cNvPr>
+          <p:cNvPr id="2" name="标题占位符 1"/>
           <p:cNvSpPr>
             <a:spLocks noGrp="1"/>
           </p:cNvSpPr>
@@ -2788,8 +5466,8 @@
         </p:nvSpPr>
         <p:spPr>
           <a:xfrm>
-            <a:off x="838200" y="365125"/>
-            <a:ext cx="10515600" cy="1325563"/>
+            <a:off x="609600" y="274638"/>
+            <a:ext cx="10972800" cy="1143000"/>
           </a:xfrm>
           <a:prstGeom prst="rect">
             <a:avLst/>
@@ -2802,7 +5480,7 @@
           <a:lstStyle/>
           <a:p>
             <a:r>
-              <a:rPr lang="zh-CN" altLang="en-US"/>
+              <a:rPr lang="zh-CN" altLang="en-US" dirty="0"/>
               <a:t>单击此处编辑母版标题样式</a:t>
             </a:r>
           </a:p>
@@ -2810,13 +5488,7 @@
       </p:sp>
       <p:sp>
         <p:nvSpPr>
-          <p:cNvPr id="3" name="文本占位符 2">
-            <a:extLst>
-              <a:ext uri="{FF2B5EF4-FFF2-40B4-BE49-F238E27FC236}">
-                <a16:creationId xmlns:a16="http://schemas.microsoft.com/office/drawing/2014/main" id="{201338CD-A10B-4D12-BB1C-F61BAF40D9FD}"/>
-              </a:ext>
-            </a:extLst>
-          </p:cNvPr>
+          <p:cNvPr id="3" name="文本占位符 2"/>
           <p:cNvSpPr>
             <a:spLocks noGrp="1"/>
           </p:cNvSpPr>
@@ -2826,8 +5498,8 @@
         </p:nvSpPr>
         <p:spPr>
           <a:xfrm>
-            <a:off x="838200" y="1825625"/>
-            <a:ext cx="10515600" cy="4351338"/>
+            <a:off x="609600" y="1600201"/>
+            <a:ext cx="10972800" cy="4525963"/>
           </a:xfrm>
           <a:prstGeom prst="rect">
             <a:avLst/>
@@ -2849,41 +5521,35 @@
             <a:pPr lvl="1"/>
             <a:r>
               <a:rPr lang="zh-CN" altLang="en-US"/>
-              <a:t>二级</a:t>
+              <a:t>第二级</a:t>
             </a:r>
           </a:p>
           <a:p>
             <a:pPr lvl="2"/>
             <a:r>
               <a:rPr lang="zh-CN" altLang="en-US"/>
-              <a:t>三级</a:t>
+              <a:t>第三级</a:t>
             </a:r>
           </a:p>
           <a:p>
             <a:pPr lvl="3"/>
             <a:r>
               <a:rPr lang="zh-CN" altLang="en-US"/>
-              <a:t>四级</a:t>
+              <a:t>第四级</a:t>
             </a:r>
           </a:p>
           <a:p>
             <a:pPr lvl="4"/>
             <a:r>
               <a:rPr lang="zh-CN" altLang="en-US"/>
-              <a:t>五级</a:t>
-            </a:r>
-          </a:p>
-        </p:txBody>
-      </p:sp>
-      <p:sp>
-        <p:nvSpPr>
-          <p:cNvPr id="4" name="日期占位符 3">
-            <a:extLst>
-              <a:ext uri="{FF2B5EF4-FFF2-40B4-BE49-F238E27FC236}">
-                <a16:creationId xmlns:a16="http://schemas.microsoft.com/office/drawing/2014/main" id="{A100B009-5923-4B9F-929B-3EE478769044}"/>
-              </a:ext>
-            </a:extLst>
-          </p:cNvPr>
+              <a:t>第五级</a:t>
+            </a:r>
+          </a:p>
+        </p:txBody>
+      </p:sp>
+      <p:sp>
+        <p:nvSpPr>
+          <p:cNvPr id="4" name="日期占位符 3"/>
           <p:cNvSpPr>
             <a:spLocks noGrp="1"/>
           </p:cNvSpPr>
@@ -2893,8 +5559,8 @@
         </p:nvSpPr>
         <p:spPr>
           <a:xfrm>
-            <a:off x="838200" y="6356350"/>
-            <a:ext cx="2743200" cy="365125"/>
+            <a:off x="609600" y="6356351"/>
+            <a:ext cx="2844800" cy="365125"/>
           </a:xfrm>
           <a:prstGeom prst="rect">
             <a:avLst/>
@@ -2916,7 +5582,7 @@
           <a:p>
             <a:fld id="{01026DAE-505E-4D69-83FB-E72D5448BF93}" type="datetimeFigureOut">
               <a:rPr lang="zh-CN" altLang="en-US" smtClean="0"/>
-              <a:t>2020/6/22</a:t>
+              <a:t>2020/6/23</a:t>
             </a:fld>
             <a:endParaRPr lang="zh-CN" altLang="en-US"/>
           </a:p>
@@ -2924,13 +5590,7 @@
       </p:sp>
       <p:sp>
         <p:nvSpPr>
-          <p:cNvPr id="5" name="页脚占位符 4">
-            <a:extLst>
-              <a:ext uri="{FF2B5EF4-FFF2-40B4-BE49-F238E27FC236}">
-                <a16:creationId xmlns:a16="http://schemas.microsoft.com/office/drawing/2014/main" id="{0BD20B6B-8317-4F46-BC1F-1F8BF60BCAE9}"/>
-              </a:ext>
-            </a:extLst>
-          </p:cNvPr>
+          <p:cNvPr id="5" name="页脚占位符 4"/>
           <p:cNvSpPr>
             <a:spLocks noGrp="1"/>
           </p:cNvSpPr>
@@ -2940,8 +5600,8 @@
         </p:nvSpPr>
         <p:spPr>
           <a:xfrm>
-            <a:off x="4038600" y="6356350"/>
-            <a:ext cx="4114800" cy="365125"/>
+            <a:off x="4165600" y="6356351"/>
+            <a:ext cx="3860800" cy="365125"/>
           </a:xfrm>
           <a:prstGeom prst="rect">
             <a:avLst/>
@@ -2967,13 +5627,7 @@
       </p:sp>
       <p:sp>
         <p:nvSpPr>
-          <p:cNvPr id="6" name="灯片编号占位符 5">
-            <a:extLst>
-              <a:ext uri="{FF2B5EF4-FFF2-40B4-BE49-F238E27FC236}">
-                <a16:creationId xmlns:a16="http://schemas.microsoft.com/office/drawing/2014/main" id="{5CF15B98-02CD-4FFE-8DF8-E0F728FE045F}"/>
-              </a:ext>
-            </a:extLst>
-          </p:cNvPr>
+          <p:cNvPr id="6" name="灯片编号占位符 5"/>
           <p:cNvSpPr>
             <a:spLocks noGrp="1"/>
           </p:cNvSpPr>
@@ -2983,8 +5637,8 @@
         </p:nvSpPr>
         <p:spPr>
           <a:xfrm>
-            <a:off x="8610600" y="6356350"/>
-            <a:ext cx="2743200" cy="365125"/>
+            <a:off x="8737600" y="6356351"/>
+            <a:ext cx="2844800" cy="365125"/>
           </a:xfrm>
           <a:prstGeom prst="rect">
             <a:avLst/>
@@ -3015,30 +5669,28 @@
     </p:spTree>
     <p:extLst>
       <p:ext uri="{BB962C8B-B14F-4D97-AF65-F5344CB8AC3E}">
-        <p14:creationId xmlns:p14="http://schemas.microsoft.com/office/powerpoint/2010/main" val="2240576064"/>
+        <p14:creationId xmlns:p14="http://schemas.microsoft.com/office/powerpoint/2010/main" val="919174319"/>
       </p:ext>
     </p:extLst>
   </p:cSld>
   <p:clrMap bg1="lt1" tx1="dk1" bg2="lt2" tx2="dk2" accent1="accent1" accent2="accent2" accent3="accent3" accent4="accent4" accent5="accent5" accent6="accent6" hlink="hlink" folHlink="folHlink"/>
   <p:sldLayoutIdLst>
-    <p:sldLayoutId id="2147483649" r:id="rId1"/>
-    <p:sldLayoutId id="2147483650" r:id="rId2"/>
-    <p:sldLayoutId id="2147483651" r:id="rId3"/>
-    <p:sldLayoutId id="2147483652" r:id="rId4"/>
-    <p:sldLayoutId id="2147483653" r:id="rId5"/>
-    <p:sldLayoutId id="2147483654" r:id="rId6"/>
-    <p:sldLayoutId id="2147483655" r:id="rId7"/>
-    <p:sldLayoutId id="2147483656" r:id="rId8"/>
-    <p:sldLayoutId id="2147483657" r:id="rId9"/>
-    <p:sldLayoutId id="2147483658" r:id="rId10"/>
-    <p:sldLayoutId id="2147483659" r:id="rId11"/>
+    <p:sldLayoutId id="2147483674" r:id="rId1"/>
+    <p:sldLayoutId id="2147483675" r:id="rId2"/>
+    <p:sldLayoutId id="2147483676" r:id="rId3"/>
+    <p:sldLayoutId id="2147483677" r:id="rId4"/>
+    <p:sldLayoutId id="2147483678" r:id="rId5"/>
+    <p:sldLayoutId id="2147483679" r:id="rId6"/>
+    <p:sldLayoutId id="2147483680" r:id="rId7"/>
+    <p:sldLayoutId id="2147483681" r:id="rId8"/>
+    <p:sldLayoutId id="2147483682" r:id="rId9"/>
+    <p:sldLayoutId id="2147483683" r:id="rId10"/>
+    <p:sldLayoutId id="2147483684" r:id="rId11"/>
+    <p:sldLayoutId id="2147483685" r:id="rId12"/>
   </p:sldLayoutIdLst>
   <p:txStyles>
     <p:titleStyle>
-      <a:lvl1pPr algn="l" defTabSz="914400" rtl="0" eaLnBrk="1" latinLnBrk="0" hangingPunct="1">
-        <a:lnSpc>
-          <a:spcPct val="90000"/>
-        </a:lnSpc>
+      <a:lvl1pPr algn="ctr" defTabSz="914400" rtl="0" eaLnBrk="1" latinLnBrk="0" hangingPunct="1">
         <a:spcBef>
           <a:spcPct val="0"/>
         </a:spcBef>
@@ -3054,15 +5706,27 @@
       </a:lvl1pPr>
     </p:titleStyle>
     <p:bodyStyle>
-      <a:lvl1pPr marL="228600" indent="-228600" algn="l" defTabSz="914400" rtl="0" eaLnBrk="1" latinLnBrk="0" hangingPunct="1">
-        <a:lnSpc>
-          <a:spcPct val="90000"/>
-        </a:lnSpc>
+      <a:lvl1pPr marL="342900" indent="-342900" algn="l" defTabSz="914400" rtl="0" eaLnBrk="1" latinLnBrk="0" hangingPunct="1">
         <a:spcBef>
-          <a:spcPts val="1000"/>
+          <a:spcPct val="20000"/>
         </a:spcBef>
-        <a:buFont typeface="Arial" panose="020B0604020202020204" pitchFamily="34" charset="0"/>
+        <a:buFont typeface="Arial" pitchFamily="34" charset="0"/>
         <a:buChar char="•"/>
+        <a:defRPr sz="3200" kern="1200">
+          <a:solidFill>
+            <a:schemeClr val="tx1"/>
+          </a:solidFill>
+          <a:latin typeface="+mn-lt"/>
+          <a:ea typeface="+mn-ea"/>
+          <a:cs typeface="+mn-cs"/>
+        </a:defRPr>
+      </a:lvl1pPr>
+      <a:lvl2pPr marL="742950" indent="-285750" algn="l" defTabSz="914400" rtl="0" eaLnBrk="1" latinLnBrk="0" hangingPunct="1">
+        <a:spcBef>
+          <a:spcPct val="20000"/>
+        </a:spcBef>
+        <a:buFont typeface="Arial" pitchFamily="34" charset="0"/>
+        <a:buChar char="–"/>
         <a:defRPr sz="2800" kern="1200">
           <a:solidFill>
             <a:schemeClr val="tx1"/>
@@ -3071,15 +5735,12 @@
           <a:ea typeface="+mn-ea"/>
           <a:cs typeface="+mn-cs"/>
         </a:defRPr>
-      </a:lvl1pPr>
-      <a:lvl2pPr marL="685800" indent="-228600" algn="l" defTabSz="914400" rtl="0" eaLnBrk="1" latinLnBrk="0" hangingPunct="1">
-        <a:lnSpc>
-          <a:spcPct val="90000"/>
-        </a:lnSpc>
+      </a:lvl2pPr>
+      <a:lvl3pPr marL="1143000" indent="-228600" algn="l" defTabSz="914400" rtl="0" eaLnBrk="1" latinLnBrk="0" hangingPunct="1">
         <a:spcBef>
-          <a:spcPts val="500"/>
+          <a:spcPct val="20000"/>
         </a:spcBef>
-        <a:buFont typeface="Arial" panose="020B0604020202020204" pitchFamily="34" charset="0"/>
+        <a:buFont typeface="Arial" pitchFamily="34" charset="0"/>
         <a:buChar char="•"/>
         <a:defRPr sz="2400" kern="1200">
           <a:solidFill>
@@ -3089,15 +5750,42 @@
           <a:ea typeface="+mn-ea"/>
           <a:cs typeface="+mn-cs"/>
         </a:defRPr>
-      </a:lvl2pPr>
-      <a:lvl3pPr marL="1143000" indent="-228600" algn="l" defTabSz="914400" rtl="0" eaLnBrk="1" latinLnBrk="0" hangingPunct="1">
-        <a:lnSpc>
-          <a:spcPct val="90000"/>
-        </a:lnSpc>
+      </a:lvl3pPr>
+      <a:lvl4pPr marL="1600200" indent="-228600" algn="l" defTabSz="914400" rtl="0" eaLnBrk="1" latinLnBrk="0" hangingPunct="1">
         <a:spcBef>
-          <a:spcPts val="500"/>
+          <a:spcPct val="20000"/>
         </a:spcBef>
-        <a:buFont typeface="Arial" panose="020B0604020202020204" pitchFamily="34" charset="0"/>
+        <a:buFont typeface="Arial" pitchFamily="34" charset="0"/>
+        <a:buChar char="–"/>
+        <a:defRPr sz="2000" kern="1200">
+          <a:solidFill>
+            <a:schemeClr val="tx1"/>
+          </a:solidFill>
+          <a:latin typeface="+mn-lt"/>
+          <a:ea typeface="+mn-ea"/>
+          <a:cs typeface="+mn-cs"/>
+        </a:defRPr>
+      </a:lvl4pPr>
+      <a:lvl5pPr marL="2057400" indent="-228600" algn="l" defTabSz="914400" rtl="0" eaLnBrk="1" latinLnBrk="0" hangingPunct="1">
+        <a:spcBef>
+          <a:spcPct val="20000"/>
+        </a:spcBef>
+        <a:buFont typeface="Arial" pitchFamily="34" charset="0"/>
+        <a:buChar char="»"/>
+        <a:defRPr sz="2000" kern="1200">
+          <a:solidFill>
+            <a:schemeClr val="tx1"/>
+          </a:solidFill>
+          <a:latin typeface="+mn-lt"/>
+          <a:ea typeface="+mn-ea"/>
+          <a:cs typeface="+mn-cs"/>
+        </a:defRPr>
+      </a:lvl5pPr>
+      <a:lvl6pPr marL="2514600" indent="-228600" algn="l" defTabSz="914400" rtl="0" eaLnBrk="1" latinLnBrk="0" hangingPunct="1">
+        <a:spcBef>
+          <a:spcPct val="20000"/>
+        </a:spcBef>
+        <a:buFont typeface="Arial" pitchFamily="34" charset="0"/>
         <a:buChar char="•"/>
         <a:defRPr sz="2000" kern="1200">
           <a:solidFill>
@@ -3107,71 +5795,14 @@
           <a:ea typeface="+mn-ea"/>
           <a:cs typeface="+mn-cs"/>
         </a:defRPr>
-      </a:lvl3pPr>
-      <a:lvl4pPr marL="1600200" indent="-228600" algn="l" defTabSz="914400" rtl="0" eaLnBrk="1" latinLnBrk="0" hangingPunct="1">
-        <a:lnSpc>
-          <a:spcPct val="90000"/>
-        </a:lnSpc>
-        <a:spcBef>
-          <a:spcPts val="500"/>
-        </a:spcBef>
-        <a:buFont typeface="Arial" panose="020B0604020202020204" pitchFamily="34" charset="0"/>
-        <a:buChar char="•"/>
-        <a:defRPr sz="1800" kern="1200">
-          <a:solidFill>
-            <a:schemeClr val="tx1"/>
-          </a:solidFill>
-          <a:latin typeface="+mn-lt"/>
-          <a:ea typeface="+mn-ea"/>
-          <a:cs typeface="+mn-cs"/>
-        </a:defRPr>
-      </a:lvl4pPr>
-      <a:lvl5pPr marL="2057400" indent="-228600" algn="l" defTabSz="914400" rtl="0" eaLnBrk="1" latinLnBrk="0" hangingPunct="1">
-        <a:lnSpc>
-          <a:spcPct val="90000"/>
-        </a:lnSpc>
-        <a:spcBef>
-          <a:spcPts val="500"/>
-        </a:spcBef>
-        <a:buFont typeface="Arial" panose="020B0604020202020204" pitchFamily="34" charset="0"/>
-        <a:buChar char="•"/>
-        <a:defRPr sz="1800" kern="1200">
-          <a:solidFill>
-            <a:schemeClr val="tx1"/>
-          </a:solidFill>
-          <a:latin typeface="+mn-lt"/>
-          <a:ea typeface="+mn-ea"/>
-          <a:cs typeface="+mn-cs"/>
-        </a:defRPr>
-      </a:lvl5pPr>
-      <a:lvl6pPr marL="2514600" indent="-228600" algn="l" defTabSz="914400" rtl="0" eaLnBrk="1" latinLnBrk="0" hangingPunct="1">
-        <a:lnSpc>
-          <a:spcPct val="90000"/>
-        </a:lnSpc>
-        <a:spcBef>
-          <a:spcPts val="500"/>
-        </a:spcBef>
-        <a:buFont typeface="Arial" panose="020B0604020202020204" pitchFamily="34" charset="0"/>
-        <a:buChar char="•"/>
-        <a:defRPr sz="1800" kern="1200">
-          <a:solidFill>
-            <a:schemeClr val="tx1"/>
-          </a:solidFill>
-          <a:latin typeface="+mn-lt"/>
-          <a:ea typeface="+mn-ea"/>
-          <a:cs typeface="+mn-cs"/>
-        </a:defRPr>
       </a:lvl6pPr>
       <a:lvl7pPr marL="2971800" indent="-228600" algn="l" defTabSz="914400" rtl="0" eaLnBrk="1" latinLnBrk="0" hangingPunct="1">
-        <a:lnSpc>
-          <a:spcPct val="90000"/>
-        </a:lnSpc>
         <a:spcBef>
-          <a:spcPts val="500"/>
+          <a:spcPct val="20000"/>
         </a:spcBef>
-        <a:buFont typeface="Arial" panose="020B0604020202020204" pitchFamily="34" charset="0"/>
+        <a:buFont typeface="Arial" pitchFamily="34" charset="0"/>
         <a:buChar char="•"/>
-        <a:defRPr sz="1800" kern="1200">
+        <a:defRPr sz="2000" kern="1200">
           <a:solidFill>
             <a:schemeClr val="tx1"/>
           </a:solidFill>
@@ -3181,15 +5812,12 @@
         </a:defRPr>
       </a:lvl7pPr>
       <a:lvl8pPr marL="3429000" indent="-228600" algn="l" defTabSz="914400" rtl="0" eaLnBrk="1" latinLnBrk="0" hangingPunct="1">
-        <a:lnSpc>
-          <a:spcPct val="90000"/>
-        </a:lnSpc>
         <a:spcBef>
-          <a:spcPts val="500"/>
+          <a:spcPct val="20000"/>
         </a:spcBef>
-        <a:buFont typeface="Arial" panose="020B0604020202020204" pitchFamily="34" charset="0"/>
+        <a:buFont typeface="Arial" pitchFamily="34" charset="0"/>
         <a:buChar char="•"/>
-        <a:defRPr sz="1800" kern="1200">
+        <a:defRPr sz="2000" kern="1200">
           <a:solidFill>
             <a:schemeClr val="tx1"/>
           </a:solidFill>
@@ -3199,15 +5827,12 @@
         </a:defRPr>
       </a:lvl8pPr>
       <a:lvl9pPr marL="3886200" indent="-228600" algn="l" defTabSz="914400" rtl="0" eaLnBrk="1" latinLnBrk="0" hangingPunct="1">
-        <a:lnSpc>
-          <a:spcPct val="90000"/>
-        </a:lnSpc>
         <a:spcBef>
-          <a:spcPts val="500"/>
+          <a:spcPct val="20000"/>
         </a:spcBef>
-        <a:buFont typeface="Arial" panose="020B0604020202020204" pitchFamily="34" charset="0"/>
+        <a:buFont typeface="Arial" pitchFamily="34" charset="0"/>
         <a:buChar char="•"/>
-        <a:defRPr sz="1800" kern="1200">
+        <a:defRPr sz="2000" kern="1200">
           <a:solidFill>
             <a:schemeClr val="tx1"/>
           </a:solidFill>
@@ -3380,7 +6005,9 @@
         </p:nvSpPr>
         <p:spPr/>
         <p:txBody>
-          <a:bodyPr/>
+          <a:bodyPr>
+            <a:normAutofit/>
+          </a:bodyPr>
           <a:lstStyle/>
           <a:p>
             <a:r>
@@ -3413,6 +6040,955 @@
 </file>
 
 <file path=ppt/slides/slide2.xml><?xml version="1.0" encoding="utf-8"?>
+<p:sld xmlns:a="http://schemas.openxmlformats.org/drawingml/2006/main" xmlns:r="http://schemas.openxmlformats.org/officeDocument/2006/relationships" xmlns:p="http://schemas.openxmlformats.org/presentationml/2006/main">
+  <p:cSld>
+    <p:spTree>
+      <p:nvGrpSpPr>
+        <p:cNvPr id="1" name=""/>
+        <p:cNvGrpSpPr/>
+        <p:nvPr/>
+      </p:nvGrpSpPr>
+      <p:grpSpPr>
+        <a:xfrm>
+          <a:off x="0" y="0"/>
+          <a:ext cx="0" cy="0"/>
+          <a:chOff x="0" y="0"/>
+          <a:chExt cx="0" cy="0"/>
+        </a:xfrm>
+      </p:grpSpPr>
+      <p:grpSp>
+        <p:nvGrpSpPr>
+          <p:cNvPr id="59" name="Group 51">
+            <a:extLst>
+              <a:ext uri="{FF2B5EF4-FFF2-40B4-BE49-F238E27FC236}">
+                <a16:creationId xmlns:a16="http://schemas.microsoft.com/office/drawing/2014/main" id="{08023E16-B204-4905-BA61-9D9964A23655}"/>
+              </a:ext>
+            </a:extLst>
+          </p:cNvPr>
+          <p:cNvGrpSpPr>
+            <a:grpSpLocks/>
+          </p:cNvGrpSpPr>
+          <p:nvPr/>
+        </p:nvGrpSpPr>
+        <p:grpSpPr bwMode="auto">
+          <a:xfrm>
+            <a:off x="3759995" y="2439393"/>
+            <a:ext cx="4672013" cy="792163"/>
+            <a:chOff x="1329" y="1795"/>
+            <a:chExt cx="2943" cy="499"/>
+          </a:xfrm>
+          <a:solidFill>
+            <a:srgbClr val="02409A"/>
+          </a:solidFill>
+        </p:grpSpPr>
+        <p:sp>
+          <p:nvSpPr>
+            <p:cNvPr id="62" name="AutoShape 52">
+              <a:extLst>
+                <a:ext uri="{FF2B5EF4-FFF2-40B4-BE49-F238E27FC236}">
+                  <a16:creationId xmlns:a16="http://schemas.microsoft.com/office/drawing/2014/main" id="{80FD6FFA-4AD8-42F7-B043-5BE376BAD265}"/>
+                </a:ext>
+              </a:extLst>
+            </p:cNvPr>
+            <p:cNvSpPr>
+              <a:spLocks noChangeArrowheads="1"/>
+            </p:cNvSpPr>
+            <p:nvPr/>
+          </p:nvSpPr>
+          <p:spPr bwMode="gray">
+            <a:xfrm>
+              <a:off x="1536" y="1840"/>
+              <a:ext cx="2736" cy="409"/>
+            </a:xfrm>
+            <a:prstGeom prst="roundRect">
+              <a:avLst>
+                <a:gd name="adj" fmla="val 16667"/>
+              </a:avLst>
+            </a:prstGeom>
+            <a:grpFill/>
+            <a:ln>
+              <a:solidFill>
+                <a:srgbClr val="02409A"/>
+              </a:solidFill>
+              <a:headEnd/>
+              <a:tailEnd/>
+            </a:ln>
+          </p:spPr>
+          <p:style>
+            <a:lnRef idx="1">
+              <a:schemeClr val="accent1"/>
+            </a:lnRef>
+            <a:fillRef idx="3">
+              <a:schemeClr val="accent1"/>
+            </a:fillRef>
+            <a:effectRef idx="2">
+              <a:schemeClr val="accent1"/>
+            </a:effectRef>
+            <a:fontRef idx="minor">
+              <a:schemeClr val="lt1"/>
+            </a:fontRef>
+          </p:style>
+          <p:txBody>
+            <a:bodyPr wrap="none" anchor="ctr"/>
+            <a:lstStyle/>
+            <a:p>
+              <a:pPr algn="ctr">
+                <a:defRPr/>
+              </a:pPr>
+              <a:r>
+                <a:rPr lang="en-US" altLang="zh-CN" sz="2400" b="1" dirty="0">
+                  <a:solidFill>
+                    <a:schemeClr val="bg1">
+                      <a:lumMod val="95000"/>
+                    </a:schemeClr>
+                  </a:solidFill>
+                  <a:ea typeface="微软雅黑" pitchFamily="34" charset="-122"/>
+                </a:rPr>
+                <a:t>AWS IoT</a:t>
+              </a:r>
+              <a:r>
+                <a:rPr lang="zh-CN" altLang="en-US" sz="2400" b="1" dirty="0">
+                  <a:solidFill>
+                    <a:schemeClr val="bg1">
+                      <a:lumMod val="95000"/>
+                    </a:schemeClr>
+                  </a:solidFill>
+                  <a:ea typeface="微软雅黑" pitchFamily="34" charset="-122"/>
+                </a:rPr>
+                <a:t>的云端</a:t>
+              </a:r>
+              <a:endParaRPr lang="en-US" altLang="zh-CN" sz="2400" b="1" dirty="0">
+                <a:solidFill>
+                  <a:schemeClr val="bg1">
+                    <a:lumMod val="95000"/>
+                  </a:schemeClr>
+                </a:solidFill>
+                <a:ea typeface="微软雅黑" pitchFamily="34" charset="-122"/>
+              </a:endParaRPr>
+            </a:p>
+          </p:txBody>
+        </p:sp>
+        <p:sp>
+          <p:nvSpPr>
+            <p:cNvPr id="65" name="AutoShape 53">
+              <a:extLst>
+                <a:ext uri="{FF2B5EF4-FFF2-40B4-BE49-F238E27FC236}">
+                  <a16:creationId xmlns:a16="http://schemas.microsoft.com/office/drawing/2014/main" id="{F152860F-69CF-44C6-ADB1-DE60F6489242}"/>
+                </a:ext>
+              </a:extLst>
+            </p:cNvPr>
+            <p:cNvSpPr>
+              <a:spLocks noChangeArrowheads="1"/>
+            </p:cNvSpPr>
+            <p:nvPr/>
+          </p:nvSpPr>
+          <p:spPr bwMode="gray">
+            <a:xfrm>
+              <a:off x="1329" y="1795"/>
+              <a:ext cx="499" cy="499"/>
+            </a:xfrm>
+            <a:prstGeom prst="diamond">
+              <a:avLst/>
+            </a:prstGeom>
+            <a:grpFill/>
+            <a:ln>
+              <a:solidFill>
+                <a:srgbClr val="02409A"/>
+              </a:solidFill>
+              <a:headEnd/>
+              <a:tailEnd/>
+            </a:ln>
+          </p:spPr>
+          <p:style>
+            <a:lnRef idx="1">
+              <a:schemeClr val="accent1"/>
+            </a:lnRef>
+            <a:fillRef idx="3">
+              <a:schemeClr val="accent1"/>
+            </a:fillRef>
+            <a:effectRef idx="2">
+              <a:schemeClr val="accent1"/>
+            </a:effectRef>
+            <a:fontRef idx="minor">
+              <a:schemeClr val="lt1"/>
+            </a:fontRef>
+          </p:style>
+          <p:txBody>
+            <a:bodyPr wrap="none" anchor="ctr"/>
+            <a:lstStyle/>
+            <a:p>
+              <a:pPr algn="ctr">
+                <a:defRPr/>
+              </a:pPr>
+              <a:r>
+                <a:rPr lang="zh-CN" altLang="zh-CN" sz="2400" b="1" kern="0" dirty="0">
+                  <a:solidFill>
+                    <a:srgbClr val="F2F2F2"/>
+                  </a:solidFill>
+                  <a:latin typeface="微软雅黑"/>
+                  <a:ea typeface="微软雅黑"/>
+                  <a:cs typeface="微软雅黑"/>
+                </a:rPr>
+                <a:t>2</a:t>
+              </a:r>
+              <a:endParaRPr lang="zh-CN" altLang="en-US" sz="2400" b="1" kern="0" dirty="0">
+                <a:solidFill>
+                  <a:srgbClr val="F2F2F2"/>
+                </a:solidFill>
+                <a:latin typeface="微软雅黑"/>
+                <a:ea typeface="微软雅黑"/>
+                <a:cs typeface="微软雅黑"/>
+              </a:endParaRPr>
+            </a:p>
+          </p:txBody>
+        </p:sp>
+      </p:grpSp>
+      <p:grpSp>
+        <p:nvGrpSpPr>
+          <p:cNvPr id="68" name="Group 51">
+            <a:extLst>
+              <a:ext uri="{FF2B5EF4-FFF2-40B4-BE49-F238E27FC236}">
+                <a16:creationId xmlns:a16="http://schemas.microsoft.com/office/drawing/2014/main" id="{26DDA1E1-CB46-4572-93B2-0178AFE50BCC}"/>
+              </a:ext>
+            </a:extLst>
+          </p:cNvPr>
+          <p:cNvGrpSpPr>
+            <a:grpSpLocks/>
+          </p:cNvGrpSpPr>
+          <p:nvPr/>
+        </p:nvGrpSpPr>
+        <p:grpSpPr bwMode="auto">
+          <a:xfrm>
+            <a:off x="3759994" y="1413471"/>
+            <a:ext cx="4672012" cy="792162"/>
+            <a:chOff x="1329" y="1795"/>
+            <a:chExt cx="2943" cy="499"/>
+          </a:xfrm>
+          <a:solidFill>
+            <a:srgbClr val="02409A"/>
+          </a:solidFill>
+        </p:grpSpPr>
+        <p:sp>
+          <p:nvSpPr>
+            <p:cNvPr id="71" name="AutoShape 52">
+              <a:extLst>
+                <a:ext uri="{FF2B5EF4-FFF2-40B4-BE49-F238E27FC236}">
+                  <a16:creationId xmlns:a16="http://schemas.microsoft.com/office/drawing/2014/main" id="{24CF72B0-E90A-4772-A6ED-121C83FBFFEF}"/>
+                </a:ext>
+              </a:extLst>
+            </p:cNvPr>
+            <p:cNvSpPr>
+              <a:spLocks noChangeArrowheads="1"/>
+            </p:cNvSpPr>
+            <p:nvPr/>
+          </p:nvSpPr>
+          <p:spPr bwMode="gray">
+            <a:xfrm>
+              <a:off x="1536" y="1840"/>
+              <a:ext cx="2736" cy="409"/>
+            </a:xfrm>
+            <a:prstGeom prst="roundRect">
+              <a:avLst>
+                <a:gd name="adj" fmla="val 16667"/>
+              </a:avLst>
+            </a:prstGeom>
+            <a:grpFill/>
+            <a:ln>
+              <a:solidFill>
+                <a:srgbClr val="02409A"/>
+              </a:solidFill>
+              <a:headEnd/>
+              <a:tailEnd/>
+            </a:ln>
+          </p:spPr>
+          <p:style>
+            <a:lnRef idx="1">
+              <a:schemeClr val="accent1"/>
+            </a:lnRef>
+            <a:fillRef idx="3">
+              <a:schemeClr val="accent1"/>
+            </a:fillRef>
+            <a:effectRef idx="2">
+              <a:schemeClr val="accent1"/>
+            </a:effectRef>
+            <a:fontRef idx="minor">
+              <a:schemeClr val="lt1"/>
+            </a:fontRef>
+          </p:style>
+          <p:txBody>
+            <a:bodyPr wrap="none" anchor="ctr"/>
+            <a:lstStyle/>
+            <a:p>
+              <a:pPr algn="ctr">
+                <a:defRPr/>
+              </a:pPr>
+              <a:r>
+                <a:rPr lang="en-US" altLang="zh-CN" sz="2400" b="1" dirty="0">
+                  <a:solidFill>
+                    <a:schemeClr val="bg1">
+                      <a:lumMod val="95000"/>
+                    </a:schemeClr>
+                  </a:solidFill>
+                  <a:ea typeface="微软雅黑" pitchFamily="34" charset="-122"/>
+                </a:rPr>
+                <a:t>AWS IoT</a:t>
+              </a:r>
+              <a:r>
+                <a:rPr lang="zh-CN" altLang="en-US" sz="2400" b="1" dirty="0">
+                  <a:solidFill>
+                    <a:schemeClr val="bg1">
+                      <a:lumMod val="95000"/>
+                    </a:schemeClr>
+                  </a:solidFill>
+                  <a:ea typeface="微软雅黑" pitchFamily="34" charset="-122"/>
+                </a:rPr>
+                <a:t>整体架构</a:t>
+              </a:r>
+              <a:endParaRPr lang="en-US" altLang="zh-CN" sz="2400" b="1" dirty="0">
+                <a:solidFill>
+                  <a:schemeClr val="bg1">
+                    <a:lumMod val="95000"/>
+                  </a:schemeClr>
+                </a:solidFill>
+                <a:ea typeface="微软雅黑" pitchFamily="34" charset="-122"/>
+              </a:endParaRPr>
+            </a:p>
+          </p:txBody>
+        </p:sp>
+        <p:sp>
+          <p:nvSpPr>
+            <p:cNvPr id="72" name="AutoShape 53">
+              <a:extLst>
+                <a:ext uri="{FF2B5EF4-FFF2-40B4-BE49-F238E27FC236}">
+                  <a16:creationId xmlns:a16="http://schemas.microsoft.com/office/drawing/2014/main" id="{5616BEF9-52EF-48CD-B8D0-34A8AF6C4D3D}"/>
+                </a:ext>
+              </a:extLst>
+            </p:cNvPr>
+            <p:cNvSpPr>
+              <a:spLocks noChangeArrowheads="1"/>
+            </p:cNvSpPr>
+            <p:nvPr/>
+          </p:nvSpPr>
+          <p:spPr bwMode="gray">
+            <a:xfrm>
+              <a:off x="1329" y="1795"/>
+              <a:ext cx="499" cy="499"/>
+            </a:xfrm>
+            <a:prstGeom prst="diamond">
+              <a:avLst/>
+            </a:prstGeom>
+            <a:grpFill/>
+            <a:ln>
+              <a:solidFill>
+                <a:srgbClr val="02409A"/>
+              </a:solidFill>
+              <a:headEnd/>
+              <a:tailEnd/>
+            </a:ln>
+          </p:spPr>
+          <p:style>
+            <a:lnRef idx="1">
+              <a:schemeClr val="accent1"/>
+            </a:lnRef>
+            <a:fillRef idx="3">
+              <a:schemeClr val="accent1"/>
+            </a:fillRef>
+            <a:effectRef idx="2">
+              <a:schemeClr val="accent1"/>
+            </a:effectRef>
+            <a:fontRef idx="minor">
+              <a:schemeClr val="lt1"/>
+            </a:fontRef>
+          </p:style>
+          <p:txBody>
+            <a:bodyPr wrap="none" anchor="ctr"/>
+            <a:lstStyle/>
+            <a:p>
+              <a:pPr algn="ctr">
+                <a:defRPr/>
+              </a:pPr>
+              <a:r>
+                <a:rPr lang="en-US" altLang="zh-CN" sz="2400" b="1" kern="0" dirty="0">
+                  <a:solidFill>
+                    <a:srgbClr val="F2F2F2"/>
+                  </a:solidFill>
+                  <a:latin typeface="微软雅黑"/>
+                  <a:ea typeface="微软雅黑"/>
+                  <a:cs typeface="微软雅黑"/>
+                </a:rPr>
+                <a:t>1</a:t>
+              </a:r>
+              <a:endParaRPr lang="zh-CN" altLang="en-US" sz="2400" b="1" kern="0" dirty="0">
+                <a:solidFill>
+                  <a:srgbClr val="F2F2F2"/>
+                </a:solidFill>
+                <a:latin typeface="微软雅黑"/>
+                <a:ea typeface="微软雅黑"/>
+                <a:cs typeface="微软雅黑"/>
+              </a:endParaRPr>
+            </a:p>
+          </p:txBody>
+        </p:sp>
+      </p:grpSp>
+      <p:grpSp>
+        <p:nvGrpSpPr>
+          <p:cNvPr id="73" name="Group 51">
+            <a:extLst>
+              <a:ext uri="{FF2B5EF4-FFF2-40B4-BE49-F238E27FC236}">
+                <a16:creationId xmlns:a16="http://schemas.microsoft.com/office/drawing/2014/main" id="{CBF64065-A810-4281-9B22-ABE0D0EA857C}"/>
+              </a:ext>
+            </a:extLst>
+          </p:cNvPr>
+          <p:cNvGrpSpPr>
+            <a:grpSpLocks/>
+          </p:cNvGrpSpPr>
+          <p:nvPr/>
+        </p:nvGrpSpPr>
+        <p:grpSpPr bwMode="auto">
+          <a:xfrm>
+            <a:off x="3759995" y="3465314"/>
+            <a:ext cx="4672013" cy="792162"/>
+            <a:chOff x="1329" y="1795"/>
+            <a:chExt cx="2943" cy="499"/>
+          </a:xfrm>
+          <a:solidFill>
+            <a:srgbClr val="02409A"/>
+          </a:solidFill>
+        </p:grpSpPr>
+        <p:sp>
+          <p:nvSpPr>
+            <p:cNvPr id="74" name="AutoShape 52">
+              <a:extLst>
+                <a:ext uri="{FF2B5EF4-FFF2-40B4-BE49-F238E27FC236}">
+                  <a16:creationId xmlns:a16="http://schemas.microsoft.com/office/drawing/2014/main" id="{DC09F2DF-E7CC-4F38-B7AF-33E30331C8F5}"/>
+                </a:ext>
+              </a:extLst>
+            </p:cNvPr>
+            <p:cNvSpPr>
+              <a:spLocks noChangeArrowheads="1"/>
+            </p:cNvSpPr>
+            <p:nvPr/>
+          </p:nvSpPr>
+          <p:spPr bwMode="gray">
+            <a:xfrm>
+              <a:off x="1536" y="1840"/>
+              <a:ext cx="2736" cy="409"/>
+            </a:xfrm>
+            <a:prstGeom prst="roundRect">
+              <a:avLst>
+                <a:gd name="adj" fmla="val 16667"/>
+              </a:avLst>
+            </a:prstGeom>
+            <a:grpFill/>
+            <a:ln>
+              <a:solidFill>
+                <a:srgbClr val="02409A"/>
+              </a:solidFill>
+              <a:headEnd/>
+              <a:tailEnd/>
+            </a:ln>
+          </p:spPr>
+          <p:style>
+            <a:lnRef idx="1">
+              <a:schemeClr val="accent1"/>
+            </a:lnRef>
+            <a:fillRef idx="3">
+              <a:schemeClr val="accent1"/>
+            </a:fillRef>
+            <a:effectRef idx="2">
+              <a:schemeClr val="accent1"/>
+            </a:effectRef>
+            <a:fontRef idx="minor">
+              <a:schemeClr val="lt1"/>
+            </a:fontRef>
+          </p:style>
+          <p:txBody>
+            <a:bodyPr wrap="none" anchor="ctr"/>
+            <a:lstStyle/>
+            <a:p>
+              <a:pPr algn="ctr">
+                <a:defRPr/>
+              </a:pPr>
+              <a:r>
+                <a:rPr lang="en-US" altLang="zh-CN" sz="2400" b="1" dirty="0">
+                  <a:solidFill>
+                    <a:schemeClr val="bg1">
+                      <a:lumMod val="95000"/>
+                    </a:schemeClr>
+                  </a:solidFill>
+                  <a:ea typeface="微软雅黑" pitchFamily="34" charset="-122"/>
+                </a:rPr>
+                <a:t>AWS IoT</a:t>
+              </a:r>
+              <a:r>
+                <a:rPr lang="zh-CN" altLang="en-US" sz="2400" b="1" dirty="0">
+                  <a:solidFill>
+                    <a:schemeClr val="bg1">
+                      <a:lumMod val="95000"/>
+                    </a:schemeClr>
+                  </a:solidFill>
+                  <a:ea typeface="微软雅黑" pitchFamily="34" charset="-122"/>
+                </a:rPr>
+                <a:t>的终端</a:t>
+              </a:r>
+              <a:endParaRPr lang="en-US" altLang="zh-CN" sz="2400" b="1" dirty="0">
+                <a:solidFill>
+                  <a:schemeClr val="bg1">
+                    <a:lumMod val="95000"/>
+                  </a:schemeClr>
+                </a:solidFill>
+                <a:ea typeface="微软雅黑" pitchFamily="34" charset="-122"/>
+              </a:endParaRPr>
+            </a:p>
+          </p:txBody>
+        </p:sp>
+        <p:sp>
+          <p:nvSpPr>
+            <p:cNvPr id="75" name="AutoShape 53">
+              <a:extLst>
+                <a:ext uri="{FF2B5EF4-FFF2-40B4-BE49-F238E27FC236}">
+                  <a16:creationId xmlns:a16="http://schemas.microsoft.com/office/drawing/2014/main" id="{A9E4BBD4-2094-4E7D-8E0F-C20E19C2529C}"/>
+                </a:ext>
+              </a:extLst>
+            </p:cNvPr>
+            <p:cNvSpPr>
+              <a:spLocks noChangeArrowheads="1"/>
+            </p:cNvSpPr>
+            <p:nvPr/>
+          </p:nvSpPr>
+          <p:spPr bwMode="gray">
+            <a:xfrm>
+              <a:off x="1329" y="1795"/>
+              <a:ext cx="499" cy="499"/>
+            </a:xfrm>
+            <a:prstGeom prst="diamond">
+              <a:avLst/>
+            </a:prstGeom>
+            <a:grpFill/>
+            <a:ln>
+              <a:solidFill>
+                <a:srgbClr val="02409A"/>
+              </a:solidFill>
+              <a:headEnd/>
+              <a:tailEnd/>
+            </a:ln>
+          </p:spPr>
+          <p:style>
+            <a:lnRef idx="1">
+              <a:schemeClr val="accent1"/>
+            </a:lnRef>
+            <a:fillRef idx="3">
+              <a:schemeClr val="accent1"/>
+            </a:fillRef>
+            <a:effectRef idx="2">
+              <a:schemeClr val="accent1"/>
+            </a:effectRef>
+            <a:fontRef idx="minor">
+              <a:schemeClr val="lt1"/>
+            </a:fontRef>
+          </p:style>
+          <p:txBody>
+            <a:bodyPr wrap="none" anchor="ctr"/>
+            <a:lstStyle/>
+            <a:p>
+              <a:pPr algn="ctr">
+                <a:defRPr/>
+              </a:pPr>
+              <a:r>
+                <a:rPr lang="zh-CN" altLang="zh-CN" sz="2400" b="1" kern="0" dirty="0">
+                  <a:solidFill>
+                    <a:srgbClr val="F2F2F2"/>
+                  </a:solidFill>
+                  <a:latin typeface="微软雅黑"/>
+                  <a:ea typeface="微软雅黑"/>
+                  <a:cs typeface="微软雅黑"/>
+                </a:rPr>
+                <a:t>3</a:t>
+              </a:r>
+              <a:endParaRPr lang="zh-CN" altLang="en-US" sz="2400" b="1" kern="0" dirty="0">
+                <a:solidFill>
+                  <a:srgbClr val="F2F2F2"/>
+                </a:solidFill>
+                <a:latin typeface="微软雅黑"/>
+                <a:ea typeface="微软雅黑"/>
+                <a:cs typeface="微软雅黑"/>
+              </a:endParaRPr>
+            </a:p>
+          </p:txBody>
+        </p:sp>
+      </p:grpSp>
+      <p:grpSp>
+        <p:nvGrpSpPr>
+          <p:cNvPr id="76" name="Group 51">
+            <a:extLst>
+              <a:ext uri="{FF2B5EF4-FFF2-40B4-BE49-F238E27FC236}">
+                <a16:creationId xmlns:a16="http://schemas.microsoft.com/office/drawing/2014/main" id="{59126D34-2695-4B3F-B82D-D13CF0A2FC2E}"/>
+              </a:ext>
+            </a:extLst>
+          </p:cNvPr>
+          <p:cNvGrpSpPr>
+            <a:grpSpLocks/>
+          </p:cNvGrpSpPr>
+          <p:nvPr/>
+        </p:nvGrpSpPr>
+        <p:grpSpPr bwMode="auto">
+          <a:xfrm>
+            <a:off x="3759994" y="4491236"/>
+            <a:ext cx="4672012" cy="792163"/>
+            <a:chOff x="1329" y="1795"/>
+            <a:chExt cx="2943" cy="499"/>
+          </a:xfrm>
+          <a:solidFill>
+            <a:srgbClr val="02409A"/>
+          </a:solidFill>
+        </p:grpSpPr>
+        <p:sp>
+          <p:nvSpPr>
+            <p:cNvPr id="77" name="AutoShape 52">
+              <a:extLst>
+                <a:ext uri="{FF2B5EF4-FFF2-40B4-BE49-F238E27FC236}">
+                  <a16:creationId xmlns:a16="http://schemas.microsoft.com/office/drawing/2014/main" id="{48BC4C6B-D655-420D-B351-1AF78C479E1D}"/>
+                </a:ext>
+              </a:extLst>
+            </p:cNvPr>
+            <p:cNvSpPr>
+              <a:spLocks noChangeArrowheads="1"/>
+            </p:cNvSpPr>
+            <p:nvPr/>
+          </p:nvSpPr>
+          <p:spPr bwMode="gray">
+            <a:xfrm>
+              <a:off x="1536" y="1840"/>
+              <a:ext cx="2736" cy="409"/>
+            </a:xfrm>
+            <a:prstGeom prst="roundRect">
+              <a:avLst>
+                <a:gd name="adj" fmla="val 16667"/>
+              </a:avLst>
+            </a:prstGeom>
+            <a:grpFill/>
+            <a:ln>
+              <a:solidFill>
+                <a:srgbClr val="02409A"/>
+              </a:solidFill>
+              <a:headEnd/>
+              <a:tailEnd/>
+            </a:ln>
+          </p:spPr>
+          <p:style>
+            <a:lnRef idx="1">
+              <a:schemeClr val="accent1"/>
+            </a:lnRef>
+            <a:fillRef idx="3">
+              <a:schemeClr val="accent1"/>
+            </a:fillRef>
+            <a:effectRef idx="2">
+              <a:schemeClr val="accent1"/>
+            </a:effectRef>
+            <a:fontRef idx="minor">
+              <a:schemeClr val="lt1"/>
+            </a:fontRef>
+          </p:style>
+          <p:txBody>
+            <a:bodyPr wrap="none" anchor="ctr"/>
+            <a:lstStyle/>
+            <a:p>
+              <a:pPr algn="ctr">
+                <a:defRPr/>
+              </a:pPr>
+              <a:r>
+                <a:rPr lang="en-US" altLang="zh-CN" sz="2400" b="1" dirty="0">
+                  <a:solidFill>
+                    <a:schemeClr val="bg1">
+                      <a:lumMod val="95000"/>
+                    </a:schemeClr>
+                  </a:solidFill>
+                  <a:ea typeface="微软雅黑" pitchFamily="34" charset="-122"/>
+                </a:rPr>
+                <a:t>AWS IoT</a:t>
+              </a:r>
+              <a:r>
+                <a:rPr lang="zh-CN" altLang="en-US" sz="2400" b="1" dirty="0">
+                  <a:solidFill>
+                    <a:schemeClr val="bg1">
+                      <a:lumMod val="95000"/>
+                    </a:schemeClr>
+                  </a:solidFill>
+                  <a:ea typeface="微软雅黑" pitchFamily="34" charset="-122"/>
+                </a:rPr>
+                <a:t>的边缘端</a:t>
+              </a:r>
+            </a:p>
+          </p:txBody>
+        </p:sp>
+        <p:sp>
+          <p:nvSpPr>
+            <p:cNvPr id="78" name="AutoShape 53">
+              <a:extLst>
+                <a:ext uri="{FF2B5EF4-FFF2-40B4-BE49-F238E27FC236}">
+                  <a16:creationId xmlns:a16="http://schemas.microsoft.com/office/drawing/2014/main" id="{F66D9F84-F0C0-46E1-8F89-5B0C30F3E422}"/>
+                </a:ext>
+              </a:extLst>
+            </p:cNvPr>
+            <p:cNvSpPr>
+              <a:spLocks noChangeArrowheads="1"/>
+            </p:cNvSpPr>
+            <p:nvPr/>
+          </p:nvSpPr>
+          <p:spPr bwMode="gray">
+            <a:xfrm>
+              <a:off x="1329" y="1795"/>
+              <a:ext cx="499" cy="499"/>
+            </a:xfrm>
+            <a:prstGeom prst="diamond">
+              <a:avLst/>
+            </a:prstGeom>
+            <a:grpFill/>
+            <a:ln>
+              <a:solidFill>
+                <a:srgbClr val="02409A"/>
+              </a:solidFill>
+              <a:headEnd/>
+              <a:tailEnd/>
+            </a:ln>
+          </p:spPr>
+          <p:style>
+            <a:lnRef idx="1">
+              <a:schemeClr val="accent1"/>
+            </a:lnRef>
+            <a:fillRef idx="3">
+              <a:schemeClr val="accent1"/>
+            </a:fillRef>
+            <a:effectRef idx="2">
+              <a:schemeClr val="accent1"/>
+            </a:effectRef>
+            <a:fontRef idx="minor">
+              <a:schemeClr val="lt1"/>
+            </a:fontRef>
+          </p:style>
+          <p:txBody>
+            <a:bodyPr wrap="none" anchor="ctr"/>
+            <a:lstStyle/>
+            <a:p>
+              <a:pPr algn="ctr">
+                <a:defRPr/>
+              </a:pPr>
+              <a:r>
+                <a:rPr lang="zh-CN" altLang="zh-CN" sz="2400" b="1" kern="0" dirty="0">
+                  <a:solidFill>
+                    <a:srgbClr val="F2F2F2"/>
+                  </a:solidFill>
+                  <a:latin typeface="微软雅黑"/>
+                  <a:ea typeface="微软雅黑"/>
+                  <a:cs typeface="微软雅黑"/>
+                </a:rPr>
+                <a:t>4</a:t>
+              </a:r>
+              <a:endParaRPr lang="zh-CN" altLang="en-US" sz="2400" b="1" kern="0" dirty="0">
+                <a:solidFill>
+                  <a:srgbClr val="F2F2F2"/>
+                </a:solidFill>
+                <a:latin typeface="微软雅黑"/>
+                <a:ea typeface="微软雅黑"/>
+                <a:cs typeface="微软雅黑"/>
+              </a:endParaRPr>
+            </a:p>
+          </p:txBody>
+        </p:sp>
+      </p:grpSp>
+      <p:grpSp>
+        <p:nvGrpSpPr>
+          <p:cNvPr id="79" name="Group 51">
+            <a:extLst>
+              <a:ext uri="{FF2B5EF4-FFF2-40B4-BE49-F238E27FC236}">
+                <a16:creationId xmlns:a16="http://schemas.microsoft.com/office/drawing/2014/main" id="{B0B0199A-D54D-4F3B-8DCB-465FDD2AF8FB}"/>
+              </a:ext>
+            </a:extLst>
+          </p:cNvPr>
+          <p:cNvGrpSpPr>
+            <a:grpSpLocks/>
+          </p:cNvGrpSpPr>
+          <p:nvPr/>
+        </p:nvGrpSpPr>
+        <p:grpSpPr bwMode="auto">
+          <a:xfrm>
+            <a:off x="3759994" y="5517158"/>
+            <a:ext cx="4672012" cy="792163"/>
+            <a:chOff x="1329" y="1795"/>
+            <a:chExt cx="2943" cy="499"/>
+          </a:xfrm>
+          <a:solidFill>
+            <a:srgbClr val="02409A"/>
+          </a:solidFill>
+        </p:grpSpPr>
+        <p:sp>
+          <p:nvSpPr>
+            <p:cNvPr id="80" name="AutoShape 52">
+              <a:extLst>
+                <a:ext uri="{FF2B5EF4-FFF2-40B4-BE49-F238E27FC236}">
+                  <a16:creationId xmlns:a16="http://schemas.microsoft.com/office/drawing/2014/main" id="{B9D17F81-6DB5-4CC2-933C-1CEB36CFE18F}"/>
+                </a:ext>
+              </a:extLst>
+            </p:cNvPr>
+            <p:cNvSpPr>
+              <a:spLocks noChangeArrowheads="1"/>
+            </p:cNvSpPr>
+            <p:nvPr/>
+          </p:nvSpPr>
+          <p:spPr bwMode="gray">
+            <a:xfrm>
+              <a:off x="1536" y="1840"/>
+              <a:ext cx="2736" cy="409"/>
+            </a:xfrm>
+            <a:prstGeom prst="roundRect">
+              <a:avLst>
+                <a:gd name="adj" fmla="val 16667"/>
+              </a:avLst>
+            </a:prstGeom>
+            <a:grpFill/>
+            <a:ln>
+              <a:solidFill>
+                <a:srgbClr val="02409A"/>
+              </a:solidFill>
+              <a:headEnd/>
+              <a:tailEnd/>
+            </a:ln>
+          </p:spPr>
+          <p:style>
+            <a:lnRef idx="1">
+              <a:schemeClr val="accent1"/>
+            </a:lnRef>
+            <a:fillRef idx="3">
+              <a:schemeClr val="accent1"/>
+            </a:fillRef>
+            <a:effectRef idx="2">
+              <a:schemeClr val="accent1"/>
+            </a:effectRef>
+            <a:fontRef idx="minor">
+              <a:schemeClr val="lt1"/>
+            </a:fontRef>
+          </p:style>
+          <p:txBody>
+            <a:bodyPr wrap="none" anchor="ctr"/>
+            <a:lstStyle/>
+            <a:p>
+              <a:pPr algn="ctr">
+                <a:defRPr/>
+              </a:pPr>
+              <a:r>
+                <a:rPr lang="en-US" altLang="zh-CN" sz="2400" b="1" dirty="0">
+                  <a:solidFill>
+                    <a:schemeClr val="bg1">
+                      <a:lumMod val="95000"/>
+                    </a:schemeClr>
+                  </a:solidFill>
+                  <a:ea typeface="微软雅黑" pitchFamily="34" charset="-122"/>
+                </a:rPr>
+                <a:t>AWS IoT</a:t>
+              </a:r>
+              <a:r>
+                <a:rPr lang="zh-CN" altLang="en-US" sz="2400" b="1" dirty="0">
+                  <a:solidFill>
+                    <a:schemeClr val="bg1">
+                      <a:lumMod val="95000"/>
+                    </a:schemeClr>
+                  </a:solidFill>
+                  <a:ea typeface="微软雅黑" pitchFamily="34" charset="-122"/>
+                </a:rPr>
+                <a:t>的边缘端核心软件</a:t>
+              </a:r>
+            </a:p>
+          </p:txBody>
+        </p:sp>
+        <p:sp>
+          <p:nvSpPr>
+            <p:cNvPr id="81" name="AutoShape 53">
+              <a:extLst>
+                <a:ext uri="{FF2B5EF4-FFF2-40B4-BE49-F238E27FC236}">
+                  <a16:creationId xmlns:a16="http://schemas.microsoft.com/office/drawing/2014/main" id="{C7796B44-6546-4960-97B7-1FDEA9FE1C1C}"/>
+                </a:ext>
+              </a:extLst>
+            </p:cNvPr>
+            <p:cNvSpPr>
+              <a:spLocks noChangeArrowheads="1"/>
+            </p:cNvSpPr>
+            <p:nvPr/>
+          </p:nvSpPr>
+          <p:spPr bwMode="gray">
+            <a:xfrm>
+              <a:off x="1329" y="1795"/>
+              <a:ext cx="499" cy="499"/>
+            </a:xfrm>
+            <a:prstGeom prst="diamond">
+              <a:avLst/>
+            </a:prstGeom>
+            <a:grpFill/>
+            <a:ln>
+              <a:solidFill>
+                <a:srgbClr val="02409A"/>
+              </a:solidFill>
+              <a:headEnd/>
+              <a:tailEnd/>
+            </a:ln>
+          </p:spPr>
+          <p:style>
+            <a:lnRef idx="1">
+              <a:schemeClr val="accent1"/>
+            </a:lnRef>
+            <a:fillRef idx="3">
+              <a:schemeClr val="accent1"/>
+            </a:fillRef>
+            <a:effectRef idx="2">
+              <a:schemeClr val="accent1"/>
+            </a:effectRef>
+            <a:fontRef idx="minor">
+              <a:schemeClr val="lt1"/>
+            </a:fontRef>
+          </p:style>
+          <p:txBody>
+            <a:bodyPr wrap="none" anchor="ctr"/>
+            <a:lstStyle/>
+            <a:p>
+              <a:pPr algn="ctr">
+                <a:defRPr/>
+              </a:pPr>
+              <a:r>
+                <a:rPr lang="en-US" altLang="zh-CN" sz="2400" b="1" kern="0" dirty="0">
+                  <a:solidFill>
+                    <a:srgbClr val="F2F2F2"/>
+                  </a:solidFill>
+                  <a:latin typeface="微软雅黑"/>
+                  <a:ea typeface="微软雅黑"/>
+                  <a:cs typeface="微软雅黑"/>
+                </a:rPr>
+                <a:t>5</a:t>
+              </a:r>
+              <a:endParaRPr lang="zh-CN" altLang="en-US" sz="2400" b="1" kern="0" dirty="0">
+                <a:solidFill>
+                  <a:srgbClr val="F2F2F2"/>
+                </a:solidFill>
+                <a:latin typeface="微软雅黑"/>
+                <a:ea typeface="微软雅黑"/>
+                <a:cs typeface="微软雅黑"/>
+              </a:endParaRPr>
+            </a:p>
+          </p:txBody>
+        </p:sp>
+      </p:grpSp>
+    </p:spTree>
+    <p:extLst>
+      <p:ext uri="{BB962C8B-B14F-4D97-AF65-F5344CB8AC3E}">
+        <p14:creationId xmlns:p14="http://schemas.microsoft.com/office/powerpoint/2010/main" val="1011158944"/>
+      </p:ext>
+    </p:extLst>
+  </p:cSld>
+  <p:clrMapOvr>
+    <a:masterClrMapping/>
+  </p:clrMapOvr>
+</p:sld>
+</file>
+
+<file path=ppt/slides/slide3.xml><?xml version="1.0" encoding="utf-8"?>
 <p:sld xmlns:a="http://schemas.openxmlformats.org/drawingml/2006/main" xmlns:r="http://schemas.openxmlformats.org/officeDocument/2006/relationships" xmlns:p="http://schemas.openxmlformats.org/presentationml/2006/main">
   <p:cSld>
     <p:spTree>
@@ -3569,206 +7145,6 @@
 </p:sld>
 </file>
 
-<file path=ppt/slides/slide3.xml><?xml version="1.0" encoding="utf-8"?>
-<p:sld xmlns:a="http://schemas.openxmlformats.org/drawingml/2006/main" xmlns:r="http://schemas.openxmlformats.org/officeDocument/2006/relationships" xmlns:p="http://schemas.openxmlformats.org/presentationml/2006/main">
-  <p:cSld>
-    <p:spTree>
-      <p:nvGrpSpPr>
-        <p:cNvPr id="1" name=""/>
-        <p:cNvGrpSpPr/>
-        <p:nvPr/>
-      </p:nvGrpSpPr>
-      <p:grpSpPr>
-        <a:xfrm>
-          <a:off x="0" y="0"/>
-          <a:ext cx="0" cy="0"/>
-          <a:chOff x="0" y="0"/>
-          <a:chExt cx="0" cy="0"/>
-        </a:xfrm>
-      </p:grpSpPr>
-      <p:sp>
-        <p:nvSpPr>
-          <p:cNvPr id="2" name="标题 1">
-            <a:extLst>
-              <a:ext uri="{FF2B5EF4-FFF2-40B4-BE49-F238E27FC236}">
-                <a16:creationId xmlns:a16="http://schemas.microsoft.com/office/drawing/2014/main" id="{5B69920C-550E-4159-ACAE-52C9B2B9B797}"/>
-              </a:ext>
-            </a:extLst>
-          </p:cNvPr>
-          <p:cNvSpPr>
-            <a:spLocks noGrp="1"/>
-          </p:cNvSpPr>
-          <p:nvPr>
-            <p:ph type="title"/>
-          </p:nvPr>
-        </p:nvSpPr>
-        <p:spPr/>
-        <p:txBody>
-          <a:bodyPr/>
-          <a:lstStyle/>
-          <a:p>
-            <a:r>
-              <a:rPr lang="en-US" altLang="zh-CN" dirty="0"/>
-              <a:t>AWS IoT</a:t>
-            </a:r>
-            <a:r>
-              <a:rPr lang="zh-CN" altLang="en-US" dirty="0"/>
-              <a:t>的云端：</a:t>
-            </a:r>
-            <a:r>
-              <a:rPr lang="en-US" altLang="zh-CN" dirty="0"/>
-              <a:t>AWS IoT Core</a:t>
-            </a:r>
-            <a:endParaRPr lang="zh-CN" altLang="en-US" dirty="0"/>
-          </a:p>
-        </p:txBody>
-      </p:sp>
-      <p:sp>
-        <p:nvSpPr>
-          <p:cNvPr id="3" name="内容占位符 2">
-            <a:extLst>
-              <a:ext uri="{FF2B5EF4-FFF2-40B4-BE49-F238E27FC236}">
-                <a16:creationId xmlns:a16="http://schemas.microsoft.com/office/drawing/2014/main" id="{E2D9736D-0FF3-4D91-875E-ECFEDF29E199}"/>
-              </a:ext>
-            </a:extLst>
-          </p:cNvPr>
-          <p:cNvSpPr>
-            <a:spLocks noGrp="1"/>
-          </p:cNvSpPr>
-          <p:nvPr>
-            <p:ph idx="1"/>
-          </p:nvPr>
-        </p:nvSpPr>
-        <p:spPr/>
-        <p:txBody>
-          <a:bodyPr/>
-          <a:lstStyle/>
-          <a:p>
-            <a:r>
-              <a:rPr lang="zh-CN" altLang="en-US" dirty="0"/>
-              <a:t>支持使用</a:t>
-            </a:r>
-            <a:r>
-              <a:rPr lang="en-US" altLang="zh-CN" dirty="0"/>
-              <a:t>HTTP</a:t>
-            </a:r>
-            <a:r>
-              <a:rPr lang="zh-CN" altLang="en-US" dirty="0"/>
-              <a:t>、</a:t>
-            </a:r>
-            <a:r>
-              <a:rPr lang="en-US" altLang="zh-CN" dirty="0" err="1"/>
-              <a:t>WebSockets</a:t>
-            </a:r>
-            <a:r>
-              <a:rPr lang="en-US" altLang="zh-CN" dirty="0"/>
-              <a:t> </a:t>
-            </a:r>
-            <a:r>
-              <a:rPr lang="zh-CN" altLang="en-US" dirty="0"/>
-              <a:t>和 </a:t>
-            </a:r>
-            <a:r>
-              <a:rPr lang="en-US" altLang="zh-CN" dirty="0"/>
-              <a:t>MQTT</a:t>
-            </a:r>
-            <a:r>
-              <a:rPr lang="zh-CN" altLang="en-US" dirty="0"/>
-              <a:t>等协议上传设备状态</a:t>
-            </a:r>
-            <a:endParaRPr lang="en-US" altLang="zh-CN" dirty="0"/>
-          </a:p>
-          <a:p>
-            <a:r>
-              <a:rPr lang="zh-CN" altLang="en-US" dirty="0"/>
-              <a:t>设备身份验证</a:t>
-            </a:r>
-            <a:endParaRPr lang="en-US" altLang="zh-CN" dirty="0"/>
-          </a:p>
-          <a:p>
-            <a:r>
-              <a:rPr lang="zh-CN" altLang="en-US" dirty="0"/>
-              <a:t>端到端加密</a:t>
-            </a:r>
-            <a:endParaRPr lang="en-US" altLang="zh-CN" dirty="0"/>
-          </a:p>
-          <a:p>
-            <a:r>
-              <a:rPr lang="zh-CN" altLang="en-US" dirty="0"/>
-              <a:t>与</a:t>
-            </a:r>
-            <a:r>
-              <a:rPr lang="en-US" altLang="zh-CN" dirty="0"/>
-              <a:t>AWS Lambda</a:t>
-            </a:r>
-            <a:r>
-              <a:rPr lang="zh-CN" altLang="en-US" dirty="0"/>
-              <a:t>、</a:t>
-            </a:r>
-            <a:r>
-              <a:rPr lang="en-US" altLang="zh-CN" dirty="0"/>
-              <a:t>Amazon Kinesis</a:t>
-            </a:r>
-            <a:r>
-              <a:rPr lang="zh-CN" altLang="en-US" dirty="0"/>
-              <a:t>、</a:t>
-            </a:r>
-            <a:r>
-              <a:rPr lang="en-US" altLang="zh-CN" dirty="0"/>
-              <a:t>Amazon S3</a:t>
-            </a:r>
-            <a:r>
-              <a:rPr lang="zh-CN" altLang="en-US" dirty="0"/>
-              <a:t>、</a:t>
-            </a:r>
-            <a:r>
-              <a:rPr lang="en-US" altLang="zh-CN" dirty="0"/>
-              <a:t>Amazon DynamoDB</a:t>
-            </a:r>
-            <a:r>
-              <a:rPr lang="zh-CN" altLang="en-US" dirty="0"/>
-              <a:t>、</a:t>
-            </a:r>
-            <a:r>
-              <a:rPr lang="en-US" altLang="zh-CN" dirty="0"/>
-              <a:t>Amazon CloudWatch </a:t>
-            </a:r>
-            <a:r>
-              <a:rPr lang="zh-CN" altLang="en-US" dirty="0"/>
-              <a:t>和 </a:t>
-            </a:r>
-            <a:r>
-              <a:rPr lang="en-US" altLang="zh-CN" dirty="0"/>
-              <a:t>Amazon Elasticsearch Service </a:t>
-            </a:r>
-            <a:r>
-              <a:rPr lang="zh-CN" altLang="en-US" dirty="0"/>
-              <a:t>等 </a:t>
-            </a:r>
-            <a:r>
-              <a:rPr lang="en-US" altLang="zh-CN" dirty="0"/>
-              <a:t>AWS </a:t>
-            </a:r>
-            <a:r>
-              <a:rPr lang="zh-CN" altLang="en-US" dirty="0"/>
-              <a:t>服务整合</a:t>
-            </a:r>
-          </a:p>
-        </p:txBody>
-      </p:sp>
-    </p:spTree>
-    <p:extLst>
-      <p:ext uri="{BB962C8B-B14F-4D97-AF65-F5344CB8AC3E}">
-        <p14:creationId xmlns:p14="http://schemas.microsoft.com/office/powerpoint/2010/main" val="4018637121"/>
-      </p:ext>
-    </p:extLst>
-  </p:cSld>
-  <p:clrMapOvr>
-    <a:masterClrMapping/>
-  </p:clrMapOvr>
-</p:sld>
-</file>
-
 <file path=ppt/slides/slide4.xml><?xml version="1.0" encoding="utf-8"?>
 <p:sld xmlns:a="http://schemas.openxmlformats.org/drawingml/2006/main" xmlns:r="http://schemas.openxmlformats.org/officeDocument/2006/relationships" xmlns:p="http://schemas.openxmlformats.org/presentationml/2006/main">
   <p:cSld>
@@ -3791,6 +7167,206 @@
           <p:cNvPr id="2" name="标题 1">
             <a:extLst>
               <a:ext uri="{FF2B5EF4-FFF2-40B4-BE49-F238E27FC236}">
+                <a16:creationId xmlns:a16="http://schemas.microsoft.com/office/drawing/2014/main" id="{5B69920C-550E-4159-ACAE-52C9B2B9B797}"/>
+              </a:ext>
+            </a:extLst>
+          </p:cNvPr>
+          <p:cNvSpPr>
+            <a:spLocks noGrp="1"/>
+          </p:cNvSpPr>
+          <p:nvPr>
+            <p:ph type="title"/>
+          </p:nvPr>
+        </p:nvSpPr>
+        <p:spPr/>
+        <p:txBody>
+          <a:bodyPr/>
+          <a:lstStyle/>
+          <a:p>
+            <a:r>
+              <a:rPr lang="en-US" altLang="zh-CN" dirty="0"/>
+              <a:t>AWS IoT</a:t>
+            </a:r>
+            <a:r>
+              <a:rPr lang="zh-CN" altLang="en-US" dirty="0"/>
+              <a:t>的云端：</a:t>
+            </a:r>
+            <a:r>
+              <a:rPr lang="en-US" altLang="zh-CN" dirty="0"/>
+              <a:t>AWS IoT Core</a:t>
+            </a:r>
+            <a:endParaRPr lang="zh-CN" altLang="en-US" dirty="0"/>
+          </a:p>
+        </p:txBody>
+      </p:sp>
+      <p:sp>
+        <p:nvSpPr>
+          <p:cNvPr id="3" name="内容占位符 2">
+            <a:extLst>
+              <a:ext uri="{FF2B5EF4-FFF2-40B4-BE49-F238E27FC236}">
+                <a16:creationId xmlns:a16="http://schemas.microsoft.com/office/drawing/2014/main" id="{E2D9736D-0FF3-4D91-875E-ECFEDF29E199}"/>
+              </a:ext>
+            </a:extLst>
+          </p:cNvPr>
+          <p:cNvSpPr>
+            <a:spLocks noGrp="1"/>
+          </p:cNvSpPr>
+          <p:nvPr>
+            <p:ph idx="1"/>
+          </p:nvPr>
+        </p:nvSpPr>
+        <p:spPr/>
+        <p:txBody>
+          <a:bodyPr/>
+          <a:lstStyle/>
+          <a:p>
+            <a:r>
+              <a:rPr lang="zh-CN" altLang="en-US" dirty="0"/>
+              <a:t>支持使用</a:t>
+            </a:r>
+            <a:r>
+              <a:rPr lang="en-US" altLang="zh-CN" dirty="0"/>
+              <a:t>HTTP</a:t>
+            </a:r>
+            <a:r>
+              <a:rPr lang="zh-CN" altLang="en-US" dirty="0"/>
+              <a:t>、</a:t>
+            </a:r>
+            <a:r>
+              <a:rPr lang="en-US" altLang="zh-CN" dirty="0" err="1"/>
+              <a:t>WebSockets</a:t>
+            </a:r>
+            <a:r>
+              <a:rPr lang="en-US" altLang="zh-CN" dirty="0"/>
+              <a:t> </a:t>
+            </a:r>
+            <a:r>
+              <a:rPr lang="zh-CN" altLang="en-US" dirty="0"/>
+              <a:t>和 </a:t>
+            </a:r>
+            <a:r>
+              <a:rPr lang="en-US" altLang="zh-CN" dirty="0"/>
+              <a:t>MQTT</a:t>
+            </a:r>
+            <a:r>
+              <a:rPr lang="zh-CN" altLang="en-US" dirty="0"/>
+              <a:t>等协议上传设备状态</a:t>
+            </a:r>
+            <a:endParaRPr lang="en-US" altLang="zh-CN" dirty="0"/>
+          </a:p>
+          <a:p>
+            <a:r>
+              <a:rPr lang="zh-CN" altLang="en-US" dirty="0"/>
+              <a:t>设备身份验证</a:t>
+            </a:r>
+            <a:endParaRPr lang="en-US" altLang="zh-CN" dirty="0"/>
+          </a:p>
+          <a:p>
+            <a:r>
+              <a:rPr lang="zh-CN" altLang="en-US" dirty="0"/>
+              <a:t>端到端加密</a:t>
+            </a:r>
+            <a:endParaRPr lang="en-US" altLang="zh-CN" dirty="0"/>
+          </a:p>
+          <a:p>
+            <a:r>
+              <a:rPr lang="zh-CN" altLang="en-US" dirty="0"/>
+              <a:t>与</a:t>
+            </a:r>
+            <a:r>
+              <a:rPr lang="en-US" altLang="zh-CN" dirty="0"/>
+              <a:t>AWS Lambda</a:t>
+            </a:r>
+            <a:r>
+              <a:rPr lang="zh-CN" altLang="en-US" dirty="0"/>
+              <a:t>、</a:t>
+            </a:r>
+            <a:r>
+              <a:rPr lang="en-US" altLang="zh-CN" dirty="0"/>
+              <a:t>Amazon Kinesis</a:t>
+            </a:r>
+            <a:r>
+              <a:rPr lang="zh-CN" altLang="en-US" dirty="0"/>
+              <a:t>、</a:t>
+            </a:r>
+            <a:r>
+              <a:rPr lang="en-US" altLang="zh-CN" dirty="0"/>
+              <a:t>Amazon S3</a:t>
+            </a:r>
+            <a:r>
+              <a:rPr lang="zh-CN" altLang="en-US" dirty="0"/>
+              <a:t>、</a:t>
+            </a:r>
+            <a:r>
+              <a:rPr lang="en-US" altLang="zh-CN" dirty="0"/>
+              <a:t>Amazon DynamoDB</a:t>
+            </a:r>
+            <a:r>
+              <a:rPr lang="zh-CN" altLang="en-US" dirty="0"/>
+              <a:t>、</a:t>
+            </a:r>
+            <a:r>
+              <a:rPr lang="en-US" altLang="zh-CN" dirty="0"/>
+              <a:t>Amazon CloudWatch </a:t>
+            </a:r>
+            <a:r>
+              <a:rPr lang="zh-CN" altLang="en-US" dirty="0"/>
+              <a:t>和 </a:t>
+            </a:r>
+            <a:r>
+              <a:rPr lang="en-US" altLang="zh-CN" dirty="0"/>
+              <a:t>Amazon Elasticsearch Service </a:t>
+            </a:r>
+            <a:r>
+              <a:rPr lang="zh-CN" altLang="en-US" dirty="0"/>
+              <a:t>等 </a:t>
+            </a:r>
+            <a:r>
+              <a:rPr lang="en-US" altLang="zh-CN" dirty="0"/>
+              <a:t>AWS </a:t>
+            </a:r>
+            <a:r>
+              <a:rPr lang="zh-CN" altLang="en-US" dirty="0"/>
+              <a:t>服务整合</a:t>
+            </a:r>
+          </a:p>
+        </p:txBody>
+      </p:sp>
+    </p:spTree>
+    <p:extLst>
+      <p:ext uri="{BB962C8B-B14F-4D97-AF65-F5344CB8AC3E}">
+        <p14:creationId xmlns:p14="http://schemas.microsoft.com/office/powerpoint/2010/main" val="4018637121"/>
+      </p:ext>
+    </p:extLst>
+  </p:cSld>
+  <p:clrMapOvr>
+    <a:masterClrMapping/>
+  </p:clrMapOvr>
+</p:sld>
+</file>
+
+<file path=ppt/slides/slide5.xml><?xml version="1.0" encoding="utf-8"?>
+<p:sld xmlns:a="http://schemas.openxmlformats.org/drawingml/2006/main" xmlns:r="http://schemas.openxmlformats.org/officeDocument/2006/relationships" xmlns:p="http://schemas.openxmlformats.org/presentationml/2006/main">
+  <p:cSld>
+    <p:spTree>
+      <p:nvGrpSpPr>
+        <p:cNvPr id="1" name=""/>
+        <p:cNvGrpSpPr/>
+        <p:nvPr/>
+      </p:nvGrpSpPr>
+      <p:grpSpPr>
+        <a:xfrm>
+          <a:off x="0" y="0"/>
+          <a:ext cx="0" cy="0"/>
+          <a:chOff x="0" y="0"/>
+          <a:chExt cx="0" cy="0"/>
+        </a:xfrm>
+      </p:grpSpPr>
+      <p:sp>
+        <p:nvSpPr>
+          <p:cNvPr id="2" name="标题 1">
+            <a:extLst>
+              <a:ext uri="{FF2B5EF4-FFF2-40B4-BE49-F238E27FC236}">
                 <a16:creationId xmlns:a16="http://schemas.microsoft.com/office/drawing/2014/main" id="{B3F4E779-859A-4AB0-B907-83AC57B6707A}"/>
               </a:ext>
             </a:extLst>
@@ -3925,7 +7501,7 @@
 </p:sld>
 </file>
 
-<file path=ppt/slides/slide5.xml><?xml version="1.0" encoding="utf-8"?>
+<file path=ppt/slides/slide6.xml><?xml version="1.0" encoding="utf-8"?>
 <p:sld xmlns:a="http://schemas.openxmlformats.org/drawingml/2006/main" xmlns:r="http://schemas.openxmlformats.org/officeDocument/2006/relationships" xmlns:p="http://schemas.openxmlformats.org/presentationml/2006/main">
   <p:cSld>
     <p:spTree>
@@ -4106,7 +7682,7 @@
 </p:sld>
 </file>
 
-<file path=ppt/slides/slide6.xml><?xml version="1.0" encoding="utf-8"?>
+<file path=ppt/slides/slide7.xml><?xml version="1.0" encoding="utf-8"?>
 <p:sld xmlns:a="http://schemas.openxmlformats.org/drawingml/2006/main" xmlns:r="http://schemas.openxmlformats.org/officeDocument/2006/relationships" xmlns:p="http://schemas.openxmlformats.org/presentationml/2006/main">
   <p:cSld>
     <p:spTree>
@@ -4179,7 +7755,7 @@
         <p:spPr/>
         <p:txBody>
           <a:bodyPr>
-            <a:normAutofit/>
+            <a:normAutofit fontScale="85000" lnSpcReduction="20000"/>
           </a:bodyPr>
           <a:lstStyle/>
           <a:p>
@@ -4205,55 +7781,6 @@
             <a:r>
               <a:rPr lang="en-US" altLang="zh-CN" sz="2000" dirty="0"/>
               <a:t>AWS IoT Core</a:t>
-            </a:r>
-          </a:p>
-        </p:txBody>
-      </p:sp>
-      <p:sp>
-        <p:nvSpPr>
-          <p:cNvPr id="5" name="文本占位符 4">
-            <a:extLst>
-              <a:ext uri="{FF2B5EF4-FFF2-40B4-BE49-F238E27FC236}">
-                <a16:creationId xmlns:a16="http://schemas.microsoft.com/office/drawing/2014/main" id="{9DA12ADC-132B-4B40-BBCD-9E2404024F76}"/>
-              </a:ext>
-            </a:extLst>
-          </p:cNvPr>
-          <p:cNvSpPr>
-            <a:spLocks noGrp="1"/>
-          </p:cNvSpPr>
-          <p:nvPr>
-            <p:ph type="body" sz="quarter" idx="3"/>
-          </p:nvPr>
-        </p:nvSpPr>
-        <p:spPr/>
-        <p:txBody>
-          <a:bodyPr>
-            <a:normAutofit/>
-          </a:bodyPr>
-          <a:lstStyle/>
-          <a:p>
-            <a:r>
-              <a:rPr lang="zh-CN" altLang="en-US" dirty="0"/>
-              <a:t>有</a:t>
-            </a:r>
-            <a:r>
-              <a:rPr lang="en-US" altLang="zh-CN" dirty="0"/>
-              <a:t>AWS IoT Greengrass</a:t>
-            </a:r>
-            <a:r>
-              <a:rPr lang="zh-CN" altLang="en-US" dirty="0"/>
-              <a:t>：</a:t>
-            </a:r>
-            <a:endParaRPr lang="en-US" altLang="zh-CN" dirty="0"/>
-          </a:p>
-          <a:p>
-            <a:r>
-              <a:rPr lang="zh-CN" altLang="en-US" sz="2000" dirty="0"/>
-              <a:t>终端设备先连</a:t>
-            </a:r>
-            <a:r>
-              <a:rPr lang="en-US" altLang="zh-CN" sz="2000" dirty="0"/>
-              <a:t>AWS IoT Greengrass Core</a:t>
             </a:r>
           </a:p>
         </p:txBody>
@@ -4282,12 +7809,96 @@
         </p:blipFill>
         <p:spPr>
           <a:xfrm>
-            <a:off x="839788" y="3655031"/>
-            <a:ext cx="5157787" cy="1384675"/>
+            <a:off x="609600" y="3176671"/>
+            <a:ext cx="5386388" cy="1446046"/>
           </a:xfrm>
           <a:prstGeom prst="rect">
             <a:avLst/>
           </a:prstGeom>
+        </p:spPr>
+      </p:pic>
+      <p:sp>
+        <p:nvSpPr>
+          <p:cNvPr id="5" name="文本占位符 4">
+            <a:extLst>
+              <a:ext uri="{FF2B5EF4-FFF2-40B4-BE49-F238E27FC236}">
+                <a16:creationId xmlns:a16="http://schemas.microsoft.com/office/drawing/2014/main" id="{9DA12ADC-132B-4B40-BBCD-9E2404024F76}"/>
+              </a:ext>
+            </a:extLst>
+          </p:cNvPr>
+          <p:cNvSpPr>
+            <a:spLocks noGrp="1"/>
+          </p:cNvSpPr>
+          <p:nvPr>
+            <p:ph type="body" sz="quarter" idx="3"/>
+          </p:nvPr>
+        </p:nvSpPr>
+        <p:spPr/>
+        <p:txBody>
+          <a:bodyPr>
+            <a:normAutofit fontScale="85000" lnSpcReduction="20000"/>
+          </a:bodyPr>
+          <a:lstStyle/>
+          <a:p>
+            <a:r>
+              <a:rPr lang="zh-CN" altLang="en-US" dirty="0"/>
+              <a:t>有</a:t>
+            </a:r>
+            <a:r>
+              <a:rPr lang="en-US" altLang="zh-CN" dirty="0"/>
+              <a:t>AWS IoT Greengrass</a:t>
+            </a:r>
+            <a:r>
+              <a:rPr lang="zh-CN" altLang="en-US" dirty="0"/>
+              <a:t>：</a:t>
+            </a:r>
+            <a:endParaRPr lang="en-US" altLang="zh-CN" dirty="0"/>
+          </a:p>
+          <a:p>
+            <a:r>
+              <a:rPr lang="zh-CN" altLang="en-US" sz="2000" dirty="0"/>
+              <a:t>终端设备先连</a:t>
+            </a:r>
+            <a:r>
+              <a:rPr lang="en-US" altLang="zh-CN" sz="2000" dirty="0"/>
+              <a:t>AWS IoT Greengrass Core</a:t>
+            </a:r>
+          </a:p>
+        </p:txBody>
+      </p:sp>
+      <p:pic>
+        <p:nvPicPr>
+          <p:cNvPr id="18" name="内容占位符 17">
+            <a:extLst>
+              <a:ext uri="{FF2B5EF4-FFF2-40B4-BE49-F238E27FC236}">
+                <a16:creationId xmlns:a16="http://schemas.microsoft.com/office/drawing/2014/main" id="{A12C7585-9A22-4534-8798-0813F80A9A15}"/>
+              </a:ext>
+            </a:extLst>
+          </p:cNvPr>
+          <p:cNvPicPr>
+            <a:picLocks noGrp="1" noChangeAspect="1"/>
+          </p:cNvPicPr>
+          <p:nvPr>
+            <p:ph sz="quarter" idx="4"/>
+          </p:nvPr>
+        </p:nvPicPr>
+        <p:blipFill>
+          <a:blip r:embed="rId3">
+            <a:extLst>
+              <a:ext uri="{28A0092B-C50C-407E-A947-70E740481C1C}">
+                <a14:useLocalDpi xmlns:a14="http://schemas.microsoft.com/office/drawing/2010/main" val="0"/>
+              </a:ext>
+            </a:extLst>
+          </a:blip>
+          <a:stretch>
+            <a:fillRect/>
+          </a:stretch>
+        </p:blipFill>
+        <p:spPr>
+          <a:xfrm>
+            <a:off x="6172200" y="2885440"/>
+            <a:ext cx="5183188" cy="1961672"/>
+          </a:xfrm>
         </p:spPr>
       </p:pic>
       <p:sp>
@@ -4496,41 +8107,6 @@
       </p:sp>
       <p:pic>
         <p:nvPicPr>
-          <p:cNvPr id="18" name="内容占位符 17">
-            <a:extLst>
-              <a:ext uri="{FF2B5EF4-FFF2-40B4-BE49-F238E27FC236}">
-                <a16:creationId xmlns:a16="http://schemas.microsoft.com/office/drawing/2014/main" id="{A12C7585-9A22-4534-8798-0813F80A9A15}"/>
-              </a:ext>
-            </a:extLst>
-          </p:cNvPr>
-          <p:cNvPicPr>
-            <a:picLocks noGrp="1" noChangeAspect="1"/>
-          </p:cNvPicPr>
-          <p:nvPr>
-            <p:ph sz="quarter" idx="4"/>
-          </p:nvPr>
-        </p:nvPicPr>
-        <p:blipFill>
-          <a:blip r:embed="rId3">
-            <a:extLst>
-              <a:ext uri="{28A0092B-C50C-407E-A947-70E740481C1C}">
-                <a14:useLocalDpi xmlns:a14="http://schemas.microsoft.com/office/drawing/2010/main" val="0"/>
-              </a:ext>
-            </a:extLst>
-          </a:blip>
-          <a:stretch>
-            <a:fillRect/>
-          </a:stretch>
-        </p:blipFill>
-        <p:spPr>
-          <a:xfrm>
-            <a:off x="6172200" y="2885440"/>
-            <a:ext cx="5183188" cy="1961672"/>
-          </a:xfrm>
-        </p:spPr>
-      </p:pic>
-      <p:pic>
-        <p:nvPicPr>
           <p:cNvPr id="20" name="图片 19">
             <a:extLst>
               <a:ext uri="{FF2B5EF4-FFF2-40B4-BE49-F238E27FC236}">
@@ -4578,151 +8154,6 @@
 </p:sld>
 </file>
 
-<file path=ppt/slides/slide7.xml><?xml version="1.0" encoding="utf-8"?>
-<p:sld xmlns:a="http://schemas.openxmlformats.org/drawingml/2006/main" xmlns:r="http://schemas.openxmlformats.org/officeDocument/2006/relationships" xmlns:p="http://schemas.openxmlformats.org/presentationml/2006/main">
-  <p:cSld>
-    <p:spTree>
-      <p:nvGrpSpPr>
-        <p:cNvPr id="1" name=""/>
-        <p:cNvGrpSpPr/>
-        <p:nvPr/>
-      </p:nvGrpSpPr>
-      <p:grpSpPr>
-        <a:xfrm>
-          <a:off x="0" y="0"/>
-          <a:ext cx="0" cy="0"/>
-          <a:chOff x="0" y="0"/>
-          <a:chExt cx="0" cy="0"/>
-        </a:xfrm>
-      </p:grpSpPr>
-      <p:sp>
-        <p:nvSpPr>
-          <p:cNvPr id="2" name="标题 1">
-            <a:extLst>
-              <a:ext uri="{FF2B5EF4-FFF2-40B4-BE49-F238E27FC236}">
-                <a16:creationId xmlns:a16="http://schemas.microsoft.com/office/drawing/2014/main" id="{2456FEF2-1623-45EA-AECD-0B43D2462A0F}"/>
-              </a:ext>
-            </a:extLst>
-          </p:cNvPr>
-          <p:cNvSpPr>
-            <a:spLocks noGrp="1"/>
-          </p:cNvSpPr>
-          <p:nvPr>
-            <p:ph type="title"/>
-          </p:nvPr>
-        </p:nvSpPr>
-        <p:spPr/>
-        <p:txBody>
-          <a:bodyPr/>
-          <a:lstStyle/>
-          <a:p>
-            <a:r>
-              <a:rPr lang="zh-CN" altLang="en-US" dirty="0"/>
-              <a:t>核心软件：</a:t>
-            </a:r>
-            <a:r>
-              <a:rPr lang="en-US" altLang="zh-CN" dirty="0"/>
-              <a:t>AWS IoT Greengrass Core</a:t>
-            </a:r>
-            <a:endParaRPr lang="zh-CN" altLang="en-US" dirty="0"/>
-          </a:p>
-        </p:txBody>
-      </p:sp>
-      <p:sp>
-        <p:nvSpPr>
-          <p:cNvPr id="3" name="内容占位符 2">
-            <a:extLst>
-              <a:ext uri="{FF2B5EF4-FFF2-40B4-BE49-F238E27FC236}">
-                <a16:creationId xmlns:a16="http://schemas.microsoft.com/office/drawing/2014/main" id="{054BCE35-F04A-4E81-A008-88F60A1F92CC}"/>
-              </a:ext>
-            </a:extLst>
-          </p:cNvPr>
-          <p:cNvSpPr>
-            <a:spLocks noGrp="1"/>
-          </p:cNvSpPr>
-          <p:nvPr>
-            <p:ph idx="1"/>
-          </p:nvPr>
-        </p:nvSpPr>
-        <p:spPr/>
-        <p:txBody>
-          <a:bodyPr/>
-          <a:lstStyle/>
-          <a:p>
-            <a:r>
-              <a:rPr lang="zh-CN" altLang="en-US" dirty="0"/>
-              <a:t>直接与 </a:t>
-            </a:r>
-            <a:r>
-              <a:rPr lang="en-US" altLang="zh-CN" dirty="0"/>
-              <a:t>AWS IoT Core </a:t>
-            </a:r>
-            <a:r>
-              <a:rPr lang="zh-CN" altLang="en-US" dirty="0"/>
-              <a:t>和 </a:t>
-            </a:r>
-            <a:r>
-              <a:rPr lang="en-US" altLang="zh-CN" dirty="0"/>
-              <a:t>AWS IoT Greengrass </a:t>
-            </a:r>
-            <a:r>
-              <a:rPr lang="zh-CN" altLang="en-US" dirty="0"/>
-              <a:t>服务进行通信</a:t>
-            </a:r>
-            <a:endParaRPr lang="en-US" altLang="zh-CN" dirty="0"/>
-          </a:p>
-          <a:p>
-            <a:r>
-              <a:rPr lang="zh-CN" altLang="en-US" dirty="0"/>
-              <a:t>具有自己的设备证书，用于在 </a:t>
-            </a:r>
-            <a:r>
-              <a:rPr lang="en-US" altLang="zh-CN" dirty="0"/>
-              <a:t>AWS IoT Core </a:t>
-            </a:r>
-            <a:r>
-              <a:rPr lang="zh-CN" altLang="en-US" dirty="0"/>
-              <a:t>中进行身份验证</a:t>
-            </a:r>
-            <a:endParaRPr lang="en-US" altLang="zh-CN" dirty="0"/>
-          </a:p>
-          <a:p>
-            <a:r>
-              <a:rPr lang="zh-CN" altLang="en-US" dirty="0"/>
-              <a:t>有自己的</a:t>
-            </a:r>
-            <a:r>
-              <a:rPr lang="en-US" altLang="zh-CN" dirty="0"/>
-              <a:t>Device Shadow</a:t>
-            </a:r>
-            <a:r>
-              <a:rPr lang="zh-CN" altLang="en-US" dirty="0"/>
-              <a:t>和一个 </a:t>
-            </a:r>
-            <a:r>
-              <a:rPr lang="en-US" altLang="zh-CN" dirty="0"/>
-              <a:t>AWS IoT Core </a:t>
-            </a:r>
-            <a:r>
-              <a:rPr lang="zh-CN" altLang="en-US" dirty="0"/>
-              <a:t>注册表中的条目</a:t>
-            </a:r>
-          </a:p>
-        </p:txBody>
-      </p:sp>
-    </p:spTree>
-    <p:extLst>
-      <p:ext uri="{BB962C8B-B14F-4D97-AF65-F5344CB8AC3E}">
-        <p14:creationId xmlns:p14="http://schemas.microsoft.com/office/powerpoint/2010/main" val="1294122827"/>
-      </p:ext>
-    </p:extLst>
-  </p:cSld>
-  <p:clrMapOvr>
-    <a:masterClrMapping/>
-  </p:clrMapOvr>
-</p:sld>
-</file>
-
 <file path=ppt/slides/slide8.xml><?xml version="1.0" encoding="utf-8"?>
 <p:sld xmlns:a="http://schemas.openxmlformats.org/drawingml/2006/main" xmlns:r="http://schemas.openxmlformats.org/officeDocument/2006/relationships" xmlns:p="http://schemas.openxmlformats.org/presentationml/2006/main">
   <p:cSld>
@@ -4796,6 +8227,151 @@
           <a:p>
             <a:r>
               <a:rPr lang="zh-CN" altLang="en-US" dirty="0"/>
+              <a:t>直接与 </a:t>
+            </a:r>
+            <a:r>
+              <a:rPr lang="en-US" altLang="zh-CN" dirty="0"/>
+              <a:t>AWS IoT Core </a:t>
+            </a:r>
+            <a:r>
+              <a:rPr lang="zh-CN" altLang="en-US" dirty="0"/>
+              <a:t>和 </a:t>
+            </a:r>
+            <a:r>
+              <a:rPr lang="en-US" altLang="zh-CN" dirty="0"/>
+              <a:t>AWS IoT Greengrass </a:t>
+            </a:r>
+            <a:r>
+              <a:rPr lang="zh-CN" altLang="en-US" dirty="0"/>
+              <a:t>服务进行通信</a:t>
+            </a:r>
+            <a:endParaRPr lang="en-US" altLang="zh-CN" dirty="0"/>
+          </a:p>
+          <a:p>
+            <a:r>
+              <a:rPr lang="zh-CN" altLang="en-US" dirty="0"/>
+              <a:t>具有自己的设备证书，用于在 </a:t>
+            </a:r>
+            <a:r>
+              <a:rPr lang="en-US" altLang="zh-CN" dirty="0"/>
+              <a:t>AWS IoT Core </a:t>
+            </a:r>
+            <a:r>
+              <a:rPr lang="zh-CN" altLang="en-US" dirty="0"/>
+              <a:t>中进行身份验证</a:t>
+            </a:r>
+            <a:endParaRPr lang="en-US" altLang="zh-CN" dirty="0"/>
+          </a:p>
+          <a:p>
+            <a:r>
+              <a:rPr lang="zh-CN" altLang="en-US" dirty="0"/>
+              <a:t>有自己的</a:t>
+            </a:r>
+            <a:r>
+              <a:rPr lang="en-US" altLang="zh-CN" dirty="0"/>
+              <a:t>Device Shadow</a:t>
+            </a:r>
+            <a:r>
+              <a:rPr lang="zh-CN" altLang="en-US" dirty="0"/>
+              <a:t>和一个 </a:t>
+            </a:r>
+            <a:r>
+              <a:rPr lang="en-US" altLang="zh-CN" dirty="0"/>
+              <a:t>AWS IoT Core </a:t>
+            </a:r>
+            <a:r>
+              <a:rPr lang="zh-CN" altLang="en-US" dirty="0"/>
+              <a:t>注册表中的条目</a:t>
+            </a:r>
+          </a:p>
+        </p:txBody>
+      </p:sp>
+    </p:spTree>
+    <p:extLst>
+      <p:ext uri="{BB962C8B-B14F-4D97-AF65-F5344CB8AC3E}">
+        <p14:creationId xmlns:p14="http://schemas.microsoft.com/office/powerpoint/2010/main" val="1294122827"/>
+      </p:ext>
+    </p:extLst>
+  </p:cSld>
+  <p:clrMapOvr>
+    <a:masterClrMapping/>
+  </p:clrMapOvr>
+</p:sld>
+</file>
+
+<file path=ppt/slides/slide9.xml><?xml version="1.0" encoding="utf-8"?>
+<p:sld xmlns:a="http://schemas.openxmlformats.org/drawingml/2006/main" xmlns:r="http://schemas.openxmlformats.org/officeDocument/2006/relationships" xmlns:p="http://schemas.openxmlformats.org/presentationml/2006/main">
+  <p:cSld>
+    <p:spTree>
+      <p:nvGrpSpPr>
+        <p:cNvPr id="1" name=""/>
+        <p:cNvGrpSpPr/>
+        <p:nvPr/>
+      </p:nvGrpSpPr>
+      <p:grpSpPr>
+        <a:xfrm>
+          <a:off x="0" y="0"/>
+          <a:ext cx="0" cy="0"/>
+          <a:chOff x="0" y="0"/>
+          <a:chExt cx="0" cy="0"/>
+        </a:xfrm>
+      </p:grpSpPr>
+      <p:sp>
+        <p:nvSpPr>
+          <p:cNvPr id="2" name="标题 1">
+            <a:extLst>
+              <a:ext uri="{FF2B5EF4-FFF2-40B4-BE49-F238E27FC236}">
+                <a16:creationId xmlns:a16="http://schemas.microsoft.com/office/drawing/2014/main" id="{2456FEF2-1623-45EA-AECD-0B43D2462A0F}"/>
+              </a:ext>
+            </a:extLst>
+          </p:cNvPr>
+          <p:cNvSpPr>
+            <a:spLocks noGrp="1"/>
+          </p:cNvSpPr>
+          <p:nvPr>
+            <p:ph type="title"/>
+          </p:nvPr>
+        </p:nvSpPr>
+        <p:spPr/>
+        <p:txBody>
+          <a:bodyPr/>
+          <a:lstStyle/>
+          <a:p>
+            <a:r>
+              <a:rPr lang="zh-CN" altLang="en-US" dirty="0"/>
+              <a:t>核心软件：</a:t>
+            </a:r>
+            <a:r>
+              <a:rPr lang="en-US" altLang="zh-CN" dirty="0"/>
+              <a:t>AWS IoT Greengrass Core</a:t>
+            </a:r>
+            <a:endParaRPr lang="zh-CN" altLang="en-US" dirty="0"/>
+          </a:p>
+        </p:txBody>
+      </p:sp>
+      <p:sp>
+        <p:nvSpPr>
+          <p:cNvPr id="3" name="内容占位符 2">
+            <a:extLst>
+              <a:ext uri="{FF2B5EF4-FFF2-40B4-BE49-F238E27FC236}">
+                <a16:creationId xmlns:a16="http://schemas.microsoft.com/office/drawing/2014/main" id="{054BCE35-F04A-4E81-A008-88F60A1F92CC}"/>
+              </a:ext>
+            </a:extLst>
+          </p:cNvPr>
+          <p:cNvSpPr>
+            <a:spLocks noGrp="1"/>
+          </p:cNvSpPr>
+          <p:nvPr>
+            <p:ph idx="1"/>
+          </p:nvPr>
+        </p:nvSpPr>
+        <p:spPr/>
+        <p:txBody>
+          <a:bodyPr/>
+          <a:lstStyle/>
+          <a:p>
+            <a:r>
+              <a:rPr lang="zh-CN" altLang="en-US" dirty="0"/>
               <a:t>该软件是一个可执行程序，需要部署于用户“本地”的边缘服务器</a:t>
             </a:r>
             <a:endParaRPr lang="en-US" altLang="zh-CN" dirty="0"/>
@@ -4915,6 +8491,294 @@
 </file>
 
 <file path=ppt/theme/theme1.xml><?xml version="1.0" encoding="utf-8"?>
+<a:theme xmlns:a="http://schemas.openxmlformats.org/drawingml/2006/main" name="组会模板16：9">
+  <a:themeElements>
+    <a:clrScheme name="Office">
+      <a:dk1>
+        <a:sysClr val="windowText" lastClr="000000"/>
+      </a:dk1>
+      <a:lt1>
+        <a:sysClr val="window" lastClr="FFFFFF"/>
+      </a:lt1>
+      <a:dk2>
+        <a:srgbClr val="1F497D"/>
+      </a:dk2>
+      <a:lt2>
+        <a:srgbClr val="EEECE1"/>
+      </a:lt2>
+      <a:accent1>
+        <a:srgbClr val="4F81BD"/>
+      </a:accent1>
+      <a:accent2>
+        <a:srgbClr val="C0504D"/>
+      </a:accent2>
+      <a:accent3>
+        <a:srgbClr val="9BBB59"/>
+      </a:accent3>
+      <a:accent4>
+        <a:srgbClr val="8064A2"/>
+      </a:accent4>
+      <a:accent5>
+        <a:srgbClr val="4BACC6"/>
+      </a:accent5>
+      <a:accent6>
+        <a:srgbClr val="F79646"/>
+      </a:accent6>
+      <a:hlink>
+        <a:srgbClr val="0000FF"/>
+      </a:hlink>
+      <a:folHlink>
+        <a:srgbClr val="800080"/>
+      </a:folHlink>
+    </a:clrScheme>
+    <a:fontScheme name="Office">
+      <a:majorFont>
+        <a:latin typeface="Calibri"/>
+        <a:ea typeface=""/>
+        <a:cs typeface=""/>
+        <a:font script="Jpan" typeface="ＭＳ Ｐゴシック"/>
+        <a:font script="Hang" typeface="맑은 고딕"/>
+        <a:font script="Hans" typeface="宋体"/>
+        <a:font script="Hant" typeface="新細明體"/>
+        <a:font script="Arab" typeface="Times New Roman"/>
+        <a:font script="Hebr" typeface="Times New Roman"/>
+        <a:font script="Thai" typeface="Angsana New"/>
+        <a:font script="Ethi" typeface="Nyala"/>
+        <a:font script="Beng" typeface="Vrinda"/>
+        <a:font script="Gujr" typeface="Shruti"/>
+        <a:font script="Khmr" typeface="MoolBoran"/>
+        <a:font script="Knda" typeface="Tunga"/>
+        <a:font script="Guru" typeface="Raavi"/>
+        <a:font script="Cans" typeface="Euphemia"/>
+        <a:font script="Cher" typeface="Plantagenet Cherokee"/>
+        <a:font script="Yiii" typeface="Microsoft Yi Baiti"/>
+        <a:font script="Tibt" typeface="Microsoft Himalaya"/>
+        <a:font script="Thaa" typeface="MV Boli"/>
+        <a:font script="Deva" typeface="Mangal"/>
+        <a:font script="Telu" typeface="Gautami"/>
+        <a:font script="Taml" typeface="Latha"/>
+        <a:font script="Syrc" typeface="Estrangelo Edessa"/>
+        <a:font script="Orya" typeface="Kalinga"/>
+        <a:font script="Mlym" typeface="Kartika"/>
+        <a:font script="Laoo" typeface="DokChampa"/>
+        <a:font script="Sinh" typeface="Iskoola Pota"/>
+        <a:font script="Mong" typeface="Mongolian Baiti"/>
+        <a:font script="Viet" typeface="Times New Roman"/>
+        <a:font script="Uigh" typeface="Microsoft Uighur"/>
+      </a:majorFont>
+      <a:minorFont>
+        <a:latin typeface="Calibri"/>
+        <a:ea typeface=""/>
+        <a:cs typeface=""/>
+        <a:font script="Jpan" typeface="ＭＳ Ｐゴシック"/>
+        <a:font script="Hang" typeface="맑은 고딕"/>
+        <a:font script="Hans" typeface="宋体"/>
+        <a:font script="Hant" typeface="新細明體"/>
+        <a:font script="Arab" typeface="Arial"/>
+        <a:font script="Hebr" typeface="Arial"/>
+        <a:font script="Thai" typeface="Cordia New"/>
+        <a:font script="Ethi" typeface="Nyala"/>
+        <a:font script="Beng" typeface="Vrinda"/>
+        <a:font script="Gujr" typeface="Shruti"/>
+        <a:font script="Khmr" typeface="DaunPenh"/>
+        <a:font script="Knda" typeface="Tunga"/>
+        <a:font script="Guru" typeface="Raavi"/>
+        <a:font script="Cans" typeface="Euphemia"/>
+        <a:font script="Cher" typeface="Plantagenet Cherokee"/>
+        <a:font script="Yiii" typeface="Microsoft Yi Baiti"/>
+        <a:font script="Tibt" typeface="Microsoft Himalaya"/>
+        <a:font script="Thaa" typeface="MV Boli"/>
+        <a:font script="Deva" typeface="Mangal"/>
+        <a:font script="Telu" typeface="Gautami"/>
+        <a:font script="Taml" typeface="Latha"/>
+        <a:font script="Syrc" typeface="Estrangelo Edessa"/>
+        <a:font script="Orya" typeface="Kalinga"/>
+        <a:font script="Mlym" typeface="Kartika"/>
+        <a:font script="Laoo" typeface="DokChampa"/>
+        <a:font script="Sinh" typeface="Iskoola Pota"/>
+        <a:font script="Mong" typeface="Mongolian Baiti"/>
+        <a:font script="Viet" typeface="Arial"/>
+        <a:font script="Uigh" typeface="Microsoft Uighur"/>
+      </a:minorFont>
+    </a:fontScheme>
+    <a:fmtScheme name="Office">
+      <a:fillStyleLst>
+        <a:solidFill>
+          <a:schemeClr val="phClr"/>
+        </a:solidFill>
+        <a:gradFill rotWithShape="1">
+          <a:gsLst>
+            <a:gs pos="0">
+              <a:schemeClr val="phClr">
+                <a:tint val="50000"/>
+                <a:satMod val="300000"/>
+              </a:schemeClr>
+            </a:gs>
+            <a:gs pos="35000">
+              <a:schemeClr val="phClr">
+                <a:tint val="37000"/>
+                <a:satMod val="300000"/>
+              </a:schemeClr>
+            </a:gs>
+            <a:gs pos="100000">
+              <a:schemeClr val="phClr">
+                <a:tint val="15000"/>
+                <a:satMod val="350000"/>
+              </a:schemeClr>
+            </a:gs>
+          </a:gsLst>
+          <a:lin ang="16200000" scaled="1"/>
+        </a:gradFill>
+        <a:gradFill rotWithShape="1">
+          <a:gsLst>
+            <a:gs pos="0">
+              <a:schemeClr val="phClr">
+                <a:shade val="51000"/>
+                <a:satMod val="130000"/>
+              </a:schemeClr>
+            </a:gs>
+            <a:gs pos="80000">
+              <a:schemeClr val="phClr">
+                <a:shade val="93000"/>
+                <a:satMod val="130000"/>
+              </a:schemeClr>
+            </a:gs>
+            <a:gs pos="100000">
+              <a:schemeClr val="phClr">
+                <a:shade val="94000"/>
+                <a:satMod val="135000"/>
+              </a:schemeClr>
+            </a:gs>
+          </a:gsLst>
+          <a:lin ang="16200000" scaled="0"/>
+        </a:gradFill>
+      </a:fillStyleLst>
+      <a:lnStyleLst>
+        <a:ln w="9525" cap="flat" cmpd="sng" algn="ctr">
+          <a:solidFill>
+            <a:schemeClr val="phClr">
+              <a:shade val="95000"/>
+              <a:satMod val="105000"/>
+            </a:schemeClr>
+          </a:solidFill>
+          <a:prstDash val="solid"/>
+        </a:ln>
+        <a:ln w="25400" cap="flat" cmpd="sng" algn="ctr">
+          <a:solidFill>
+            <a:schemeClr val="phClr"/>
+          </a:solidFill>
+          <a:prstDash val="solid"/>
+        </a:ln>
+        <a:ln w="38100" cap="flat" cmpd="sng" algn="ctr">
+          <a:solidFill>
+            <a:schemeClr val="phClr"/>
+          </a:solidFill>
+          <a:prstDash val="solid"/>
+        </a:ln>
+      </a:lnStyleLst>
+      <a:effectStyleLst>
+        <a:effectStyle>
+          <a:effectLst>
+            <a:outerShdw blurRad="40000" dist="20000" dir="5400000" rotWithShape="0">
+              <a:srgbClr val="000000">
+                <a:alpha val="38000"/>
+              </a:srgbClr>
+            </a:outerShdw>
+          </a:effectLst>
+        </a:effectStyle>
+        <a:effectStyle>
+          <a:effectLst>
+            <a:outerShdw blurRad="40000" dist="23000" dir="5400000" rotWithShape="0">
+              <a:srgbClr val="000000">
+                <a:alpha val="35000"/>
+              </a:srgbClr>
+            </a:outerShdw>
+          </a:effectLst>
+        </a:effectStyle>
+        <a:effectStyle>
+          <a:effectLst>
+            <a:outerShdw blurRad="40000" dist="23000" dir="5400000" rotWithShape="0">
+              <a:srgbClr val="000000">
+                <a:alpha val="35000"/>
+              </a:srgbClr>
+            </a:outerShdw>
+          </a:effectLst>
+          <a:scene3d>
+            <a:camera prst="orthographicFront">
+              <a:rot lat="0" lon="0" rev="0"/>
+            </a:camera>
+            <a:lightRig rig="threePt" dir="t">
+              <a:rot lat="0" lon="0" rev="1200000"/>
+            </a:lightRig>
+          </a:scene3d>
+          <a:sp3d>
+            <a:bevelT w="63500" h="25400"/>
+          </a:sp3d>
+        </a:effectStyle>
+      </a:effectStyleLst>
+      <a:bgFillStyleLst>
+        <a:solidFill>
+          <a:schemeClr val="phClr"/>
+        </a:solidFill>
+        <a:gradFill rotWithShape="1">
+          <a:gsLst>
+            <a:gs pos="0">
+              <a:schemeClr val="phClr">
+                <a:tint val="40000"/>
+                <a:satMod val="350000"/>
+              </a:schemeClr>
+            </a:gs>
+            <a:gs pos="40000">
+              <a:schemeClr val="phClr">
+                <a:tint val="45000"/>
+                <a:shade val="99000"/>
+                <a:satMod val="350000"/>
+              </a:schemeClr>
+            </a:gs>
+            <a:gs pos="100000">
+              <a:schemeClr val="phClr">
+                <a:shade val="20000"/>
+                <a:satMod val="255000"/>
+              </a:schemeClr>
+            </a:gs>
+          </a:gsLst>
+          <a:path path="circle">
+            <a:fillToRect l="50000" t="-80000" r="50000" b="180000"/>
+          </a:path>
+        </a:gradFill>
+        <a:gradFill rotWithShape="1">
+          <a:gsLst>
+            <a:gs pos="0">
+              <a:schemeClr val="phClr">
+                <a:tint val="80000"/>
+                <a:satMod val="300000"/>
+              </a:schemeClr>
+            </a:gs>
+            <a:gs pos="100000">
+              <a:schemeClr val="phClr">
+                <a:shade val="30000"/>
+                <a:satMod val="200000"/>
+              </a:schemeClr>
+            </a:gs>
+          </a:gsLst>
+          <a:path path="circle">
+            <a:fillToRect l="50000" t="50000" r="50000" b="50000"/>
+          </a:path>
+        </a:gradFill>
+      </a:bgFillStyleLst>
+    </a:fmtScheme>
+  </a:themeElements>
+  <a:objectDefaults/>
+  <a:extraClrSchemeLst/>
+  <a:extLst>
+    <a:ext uri="{05A4C25C-085E-4340-85A3-A5531E510DB2}">
+      <thm15:themeFamily xmlns:thm15="http://schemas.microsoft.com/office/thememl/2012/main" name="组会模板16：9" id="{722C1CE8-8F34-440C-8F82-DF9A61DD2FC2}" vid="{84B508D6-EB5E-4151-8B64-1876C2B964D2}"/>
+    </a:ext>
+  </a:extLst>
+</a:theme>
+</file>
+
+<file path=ppt/theme/theme2.xml><?xml version="1.0" encoding="utf-8"?>
 <a:theme xmlns:a="http://schemas.openxmlformats.org/drawingml/2006/main" name="Office 主题​​">
   <a:themeElements>
     <a:clrScheme name="Office">

--- a/学习笔记/边缘计算/AWSIoT.pptx
+++ b/学习笔记/边缘计算/AWSIoT.pptx
@@ -205,7 +205,7 @@
           <a:p>
             <a:fld id="{77B7524D-C70A-4447-8A58-9D0BF0FF3637}" type="datetimeFigureOut">
               <a:rPr lang="zh-CN" altLang="en-US" smtClean="0"/>
-              <a:t>2020/6/23</a:t>
+              <a:t>2020/6/24</a:t>
             </a:fld>
             <a:endParaRPr lang="zh-CN" altLang="en-US"/>
           </a:p>
@@ -712,7 +712,7 @@
           <a:p>
             <a:fld id="{01026DAE-505E-4D69-83FB-E72D5448BF93}" type="datetimeFigureOut">
               <a:rPr lang="zh-CN" altLang="en-US" smtClean="0"/>
-              <a:t>2020/6/23</a:t>
+              <a:t>2020/6/24</a:t>
             </a:fld>
             <a:endParaRPr lang="zh-CN" altLang="en-US"/>
           </a:p>
@@ -1030,7 +1030,7 @@
           <a:p>
             <a:fld id="{01026DAE-505E-4D69-83FB-E72D5448BF93}" type="datetimeFigureOut">
               <a:rPr lang="zh-CN" altLang="en-US" smtClean="0"/>
-              <a:t>2020/6/23</a:t>
+              <a:t>2020/6/24</a:t>
             </a:fld>
             <a:endParaRPr lang="zh-CN" altLang="en-US"/>
           </a:p>
@@ -1436,7 +1436,7 @@
           <a:p>
             <a:fld id="{01026DAE-505E-4D69-83FB-E72D5448BF93}" type="datetimeFigureOut">
               <a:rPr lang="zh-CN" altLang="en-US" smtClean="0"/>
-              <a:t>2020/6/23</a:t>
+              <a:t>2020/6/24</a:t>
             </a:fld>
             <a:endParaRPr lang="zh-CN" altLang="en-US"/>
           </a:p>
@@ -1842,7 +1842,7 @@
           <a:p>
             <a:fld id="{01026DAE-505E-4D69-83FB-E72D5448BF93}" type="datetimeFigureOut">
               <a:rPr lang="zh-CN" altLang="en-US" smtClean="0"/>
-              <a:t>2020/6/23</a:t>
+              <a:t>2020/6/24</a:t>
             </a:fld>
             <a:endParaRPr lang="zh-CN" altLang="en-US"/>
           </a:p>
@@ -2249,7 +2249,7 @@
           <a:p>
             <a:fld id="{01026DAE-505E-4D69-83FB-E72D5448BF93}" type="datetimeFigureOut">
               <a:rPr lang="zh-CN" altLang="en-US" smtClean="0"/>
-              <a:t>2020/6/23</a:t>
+              <a:t>2020/6/24</a:t>
             </a:fld>
             <a:endParaRPr lang="zh-CN" altLang="en-US"/>
           </a:p>
@@ -2497,7 +2497,7 @@
           <a:p>
             <a:fld id="{01026DAE-505E-4D69-83FB-E72D5448BF93}" type="datetimeFigureOut">
               <a:rPr lang="zh-CN" altLang="en-US" smtClean="0"/>
-              <a:t>2020/6/23</a:t>
+              <a:t>2020/6/24</a:t>
             </a:fld>
             <a:endParaRPr lang="zh-CN" altLang="en-US"/>
           </a:p>
@@ -3367,7 +3367,7 @@
           <a:p>
             <a:fld id="{01026DAE-505E-4D69-83FB-E72D5448BF93}" type="datetimeFigureOut">
               <a:rPr lang="zh-CN" altLang="en-US" smtClean="0"/>
-              <a:t>2020/6/23</a:t>
+              <a:t>2020/6/24</a:t>
             </a:fld>
             <a:endParaRPr lang="zh-CN" altLang="en-US"/>
           </a:p>
@@ -4013,7 +4013,7 @@
           <a:p>
             <a:fld id="{01026DAE-505E-4D69-83FB-E72D5448BF93}" type="datetimeFigureOut">
               <a:rPr lang="zh-CN" altLang="en-US" smtClean="0"/>
-              <a:t>2020/6/23</a:t>
+              <a:t>2020/6/24</a:t>
             </a:fld>
             <a:endParaRPr lang="zh-CN" altLang="en-US"/>
           </a:p>
@@ -4351,7 +4351,7 @@
           <a:p>
             <a:fld id="{01026DAE-505E-4D69-83FB-E72D5448BF93}" type="datetimeFigureOut">
               <a:rPr lang="zh-CN" altLang="en-US" smtClean="0"/>
-              <a:t>2020/6/23</a:t>
+              <a:t>2020/6/24</a:t>
             </a:fld>
             <a:endParaRPr lang="zh-CN" altLang="en-US"/>
           </a:p>
@@ -4446,7 +4446,7 @@
           <a:p>
             <a:fld id="{01026DAE-505E-4D69-83FB-E72D5448BF93}" type="datetimeFigureOut">
               <a:rPr lang="zh-CN" altLang="en-US" smtClean="0"/>
-              <a:t>2020/6/23</a:t>
+              <a:t>2020/6/24</a:t>
             </a:fld>
             <a:endParaRPr lang="zh-CN" altLang="en-US"/>
           </a:p>
@@ -4547,7 +4547,7 @@
           <a:p>
             <a:fld id="{01026DAE-505E-4D69-83FB-E72D5448BF93}" type="datetimeFigureOut">
               <a:rPr lang="zh-CN" altLang="en-US" smtClean="0"/>
-              <a:t>2020/6/23</a:t>
+              <a:t>2020/6/24</a:t>
             </a:fld>
             <a:endParaRPr lang="zh-CN" altLang="en-US"/>
           </a:p>
@@ -5371,7 +5371,7 @@
           <a:p>
             <a:fld id="{01026DAE-505E-4D69-83FB-E72D5448BF93}" type="datetimeFigureOut">
               <a:rPr lang="zh-CN" altLang="en-US" smtClean="0"/>
-              <a:t>2020/6/23</a:t>
+              <a:t>2020/6/24</a:t>
             </a:fld>
             <a:endParaRPr lang="zh-CN" altLang="en-US"/>
           </a:p>
@@ -5582,7 +5582,7 @@
           <a:p>
             <a:fld id="{01026DAE-505E-4D69-83FB-E72D5448BF93}" type="datetimeFigureOut">
               <a:rPr lang="zh-CN" altLang="en-US" smtClean="0"/>
-              <a:t>2020/6/23</a:t>
+              <a:t>2020/6/24</a:t>
             </a:fld>
             <a:endParaRPr lang="zh-CN" altLang="en-US"/>
           </a:p>
@@ -7485,6 +7485,39 @@
               <a:rPr lang="zh-CN" altLang="en-US" dirty="0"/>
               <a:t>支持多种语言</a:t>
             </a:r>
+            <a:endParaRPr lang="en-US" altLang="zh-CN" dirty="0"/>
+          </a:p>
+          <a:p>
+            <a:pPr lvl="1"/>
+            <a:r>
+              <a:rPr lang="zh-CN" altLang="en-US" dirty="0"/>
+              <a:t>只有</a:t>
+            </a:r>
+            <a:r>
+              <a:rPr lang="en-US" altLang="zh-CN" dirty="0"/>
+              <a:t>C</a:t>
+            </a:r>
+            <a:r>
+              <a:rPr lang="zh-CN" altLang="en-US" dirty="0"/>
+              <a:t>和</a:t>
+            </a:r>
+            <a:r>
+              <a:rPr lang="en-US" altLang="zh-CN" dirty="0"/>
+              <a:t>Python SDK</a:t>
+            </a:r>
+            <a:r>
+              <a:rPr lang="zh-CN" altLang="en-US" dirty="0"/>
+              <a:t>有</a:t>
+            </a:r>
+            <a:r>
+              <a:rPr lang="en-US" altLang="zh-CN" dirty="0"/>
+              <a:t>AWS IoT Greengrass</a:t>
+            </a:r>
+            <a:r>
+              <a:rPr lang="zh-CN" altLang="en-US"/>
+              <a:t>专用功能</a:t>
+            </a:r>
+            <a:endParaRPr lang="zh-CN" altLang="en-US" dirty="0"/>
           </a:p>
         </p:txBody>
       </p:sp>
